--- a/slides/Using-Claude-Skill-to-Generate-MicroSims.pptx
+++ b/slides/Using-Claude-Skill-to-Generate-MicroSims.pptx
@@ -6,7 +6,12 @@
   </p:sldMasterIdLst>
   <p:sldIdLst>
     <p:sldId id="256" r:id="rId2"/>
-    <p:sldId id="257" r:id="rId3"/>
+    <p:sldId id="258" r:id="rId3"/>
+    <p:sldId id="259" r:id="rId4"/>
+    <p:sldId id="261" r:id="rId5"/>
+    <p:sldId id="257" r:id="rId6"/>
+    <p:sldId id="260" r:id="rId7"/>
+    <p:sldId id="263" r:id="rId8"/>
   </p:sldIdLst>
   <p:sldSz cx="12192000" cy="6858000"/>
   <p:notesSz cx="6858000" cy="9144000"/>
@@ -3413,7 +3418,7 @@
           <p:cNvPr id="2" name="Title 1">
             <a:extLst>
               <a:ext uri="{FF2B5EF4-FFF2-40B4-BE49-F238E27FC236}">
-                <a16:creationId xmlns:a16="http://schemas.microsoft.com/office/drawing/2014/main" id="{06E09389-91C3-89FC-2EDF-0D2AC03EEF1C}"/>
+                <a16:creationId xmlns:a16="http://schemas.microsoft.com/office/drawing/2014/main" id="{E2BA4629-CDE1-83AD-C361-48C6684DB199}"/>
               </a:ext>
             </a:extLst>
           </p:cNvPr>
@@ -3426,8 +3431,8 @@
         </p:nvSpPr>
         <p:spPr>
           <a:xfrm>
-            <a:off x="719447" y="210748"/>
-            <a:ext cx="10515600" cy="798656"/>
+            <a:off x="208005" y="204487"/>
+            <a:ext cx="10515600" cy="1325563"/>
           </a:xfrm>
         </p:spPr>
         <p:txBody>
@@ -3436,7 +3441,70 @@
           <a:p>
             <a:r>
               <a:rPr lang="en-US" dirty="0"/>
-              <a:t>Go to your Claude Setting Capabilities Menu</a:t>
+              <a:t>What is a Claude Skill?</a:t>
+            </a:r>
+          </a:p>
+        </p:txBody>
+      </p:sp>
+      <p:sp>
+        <p:nvSpPr>
+          <p:cNvPr id="3" name="Content Placeholder 2">
+            <a:extLst>
+              <a:ext uri="{FF2B5EF4-FFF2-40B4-BE49-F238E27FC236}">
+                <a16:creationId xmlns:a16="http://schemas.microsoft.com/office/drawing/2014/main" id="{29985EBB-5F03-F412-826E-61CB0F69CDE4}"/>
+              </a:ext>
+            </a:extLst>
+          </p:cNvPr>
+          <p:cNvSpPr>
+            <a:spLocks noGrp="1"/>
+          </p:cNvSpPr>
+          <p:nvPr>
+            <p:ph idx="1"/>
+          </p:nvPr>
+        </p:nvSpPr>
+        <p:spPr>
+          <a:xfrm>
+            <a:off x="6240161" y="1788555"/>
+            <a:ext cx="5261919" cy="4351338"/>
+          </a:xfrm>
+        </p:spPr>
+        <p:txBody>
+          <a:bodyPr>
+            <a:normAutofit fontScale="92500" lnSpcReduction="20000"/>
+          </a:bodyPr>
+          <a:lstStyle/>
+          <a:p>
+            <a:r>
+              <a:rPr lang="en-US" dirty="0"/>
+              <a:t>A highly detailed set of rules for executing specific tasks</a:t>
+            </a:r>
+          </a:p>
+          <a:p>
+            <a:r>
+              <a:rPr lang="en-US" dirty="0"/>
+              <a:t>Standardized by Anthropic in October 2025</a:t>
+            </a:r>
+          </a:p>
+          <a:p>
+            <a:r>
+              <a:rPr lang="en-US" dirty="0"/>
+              <a:t>Stored in a zip file that can be quickly added to your Anthropic settings</a:t>
+            </a:r>
+          </a:p>
+          <a:p>
+            <a:r>
+              <a:rPr lang="en-US" dirty="0"/>
+              <a:t>Easy to setup and use within Claude using both the webpage or the Terminal using Claude Code</a:t>
+            </a:r>
+          </a:p>
+          <a:p>
+            <a:r>
+              <a:rPr lang="en-US" dirty="0" err="1"/>
+              <a:t>Availabe</a:t>
+            </a:r>
+            <a:r>
+              <a:rPr lang="en-US" dirty="0"/>
+              <a:t> with the Pro ($20/month) plan</a:t>
             </a:r>
           </a:p>
         </p:txBody>
@@ -3446,7 +3514,7 @@
           <p:cNvPr id="4" name="Picture 3">
             <a:extLst>
               <a:ext uri="{FF2B5EF4-FFF2-40B4-BE49-F238E27FC236}">
-                <a16:creationId xmlns:a16="http://schemas.microsoft.com/office/drawing/2014/main" id="{BA870140-7690-8B9F-20D9-5874BC042DC7}"/>
+                <a16:creationId xmlns:a16="http://schemas.microsoft.com/office/drawing/2014/main" id="{35198E3D-2301-8502-E674-8683EB23FA20}"/>
               </a:ext>
             </a:extLst>
           </p:cNvPr>
@@ -3457,32 +3525,147 @@
         </p:nvPicPr>
         <p:blipFill>
           <a:blip r:embed="rId2"/>
-          <a:srcRect t="6586"/>
           <a:stretch>
             <a:fillRect/>
           </a:stretch>
         </p:blipFill>
         <p:spPr>
           <a:xfrm>
-            <a:off x="1934099" y="1425039"/>
-            <a:ext cx="7772400" cy="4818494"/>
+            <a:off x="245076" y="1631092"/>
+            <a:ext cx="5786833" cy="4176584"/>
           </a:xfrm>
           <a:prstGeom prst="rect">
             <a:avLst/>
           </a:prstGeom>
-          <a:ln>
-            <a:solidFill>
-              <a:schemeClr val="tx1"/>
-            </a:solidFill>
-          </a:ln>
         </p:spPr>
       </p:pic>
-      <p:sp>
-        <p:nvSpPr>
-          <p:cNvPr id="5" name="Left Arrow 4">
-            <a:extLst>
-              <a:ext uri="{FF2B5EF4-FFF2-40B4-BE49-F238E27FC236}">
-                <a16:creationId xmlns:a16="http://schemas.microsoft.com/office/drawing/2014/main" id="{2980FD8F-A9B4-2C4E-37CB-DD03352CC316}"/>
+    </p:spTree>
+    <p:extLst>
+      <p:ext uri="{BB962C8B-B14F-4D97-AF65-F5344CB8AC3E}">
+        <p14:creationId xmlns:p14="http://schemas.microsoft.com/office/powerpoint/2010/main" val="3660502633"/>
+      </p:ext>
+    </p:extLst>
+  </p:cSld>
+  <p:clrMapOvr>
+    <a:masterClrMapping/>
+  </p:clrMapOvr>
+</p:sld>
+</file>
+
+<file path=ppt/slides/slide3.xml><?xml version="1.0" encoding="utf-8"?>
+<p:sld xmlns:a="http://schemas.openxmlformats.org/drawingml/2006/main" xmlns:r="http://schemas.openxmlformats.org/officeDocument/2006/relationships" xmlns:p="http://schemas.openxmlformats.org/presentationml/2006/main">
+  <p:cSld>
+    <p:spTree>
+      <p:nvGrpSpPr>
+        <p:cNvPr id="1" name=""/>
+        <p:cNvGrpSpPr/>
+        <p:nvPr/>
+      </p:nvGrpSpPr>
+      <p:grpSpPr>
+        <a:xfrm>
+          <a:off x="0" y="0"/>
+          <a:ext cx="0" cy="0"/>
+          <a:chOff x="0" y="0"/>
+          <a:chExt cx="0" cy="0"/>
+        </a:xfrm>
+      </p:grpSpPr>
+      <p:sp>
+        <p:nvSpPr>
+          <p:cNvPr id="2" name="Title 1">
+            <a:extLst>
+              <a:ext uri="{FF2B5EF4-FFF2-40B4-BE49-F238E27FC236}">
+                <a16:creationId xmlns:a16="http://schemas.microsoft.com/office/drawing/2014/main" id="{E7909203-6E64-D0E0-7D2F-D50556C837B3}"/>
+              </a:ext>
+            </a:extLst>
+          </p:cNvPr>
+          <p:cNvSpPr>
+            <a:spLocks noGrp="1"/>
+          </p:cNvSpPr>
+          <p:nvPr>
+            <p:ph type="title"/>
+          </p:nvPr>
+        </p:nvSpPr>
+        <p:spPr>
+          <a:xfrm>
+            <a:off x="458190" y="281999"/>
+            <a:ext cx="10515600" cy="917410"/>
+          </a:xfrm>
+        </p:spPr>
+        <p:txBody>
+          <a:bodyPr/>
+          <a:lstStyle/>
+          <a:p>
+            <a:pPr>
+              <a:lnSpc>
+                <a:spcPts val="2242"/>
+              </a:lnSpc>
+            </a:pPr>
+            <a:r>
+              <a:rPr lang="en-US" b="0" i="0" dirty="0">
+                <a:solidFill>
+                  <a:srgbClr val="141413"/>
+                </a:solidFill>
+                <a:effectLst/>
+                <a:latin typeface="__styreneA_403256"/>
+              </a:rPr>
+              <a:t>How Skills Work</a:t>
+            </a:r>
+          </a:p>
+        </p:txBody>
+      </p:sp>
+      <p:sp>
+        <p:nvSpPr>
+          <p:cNvPr id="5" name="TextBox 4">
+            <a:extLst>
+              <a:ext uri="{FF2B5EF4-FFF2-40B4-BE49-F238E27FC236}">
+                <a16:creationId xmlns:a16="http://schemas.microsoft.com/office/drawing/2014/main" id="{5094DEEC-5472-FC42-C699-FDB64B8E384C}"/>
+              </a:ext>
+            </a:extLst>
+          </p:cNvPr>
+          <p:cNvSpPr txBox="1"/>
+          <p:nvPr/>
+        </p:nvSpPr>
+        <p:spPr>
+          <a:xfrm>
+            <a:off x="507711" y="5819359"/>
+            <a:ext cx="10845099" cy="669414"/>
+          </a:xfrm>
+          <a:prstGeom prst="rect">
+            <a:avLst/>
+          </a:prstGeom>
+          <a:noFill/>
+        </p:spPr>
+        <p:txBody>
+          <a:bodyPr wrap="square">
+            <a:spAutoFit/>
+          </a:bodyPr>
+          <a:lstStyle/>
+          <a:p>
+            <a:pPr algn="l">
+              <a:lnSpc>
+                <a:spcPts val="2325"/>
+              </a:lnSpc>
+              <a:buNone/>
+            </a:pPr>
+            <a:r>
+              <a:rPr lang="en-US" b="0" i="0" dirty="0">
+                <a:solidFill>
+                  <a:srgbClr val="141413"/>
+                </a:solidFill>
+                <a:effectLst/>
+                <a:latin typeface="__tiemposText_34e0db"/>
+              </a:rPr>
+              <a:t>While working on tasks, Claude scans available skills to find relevant matches. When one matches, it loads only the minimal information and files needed—keeping Claude fast while accessing specialized expertise.</a:t>
+            </a:r>
+          </a:p>
+        </p:txBody>
+      </p:sp>
+      <p:sp>
+        <p:nvSpPr>
+          <p:cNvPr id="6" name="Rounded Rectangle 5">
+            <a:extLst>
+              <a:ext uri="{FF2B5EF4-FFF2-40B4-BE49-F238E27FC236}">
+                <a16:creationId xmlns:a16="http://schemas.microsoft.com/office/drawing/2014/main" id="{E1281567-6569-E97C-E835-4CE9475E1139}"/>
               </a:ext>
             </a:extLst>
           </p:cNvPr>
@@ -3491,14 +3674,14 @@
         </p:nvSpPr>
         <p:spPr>
           <a:xfrm>
-            <a:off x="9334004" y="5118265"/>
-            <a:ext cx="1911928" cy="878773"/>
-          </a:xfrm>
-          <a:prstGeom prst="leftArrow">
+            <a:off x="629392" y="2933205"/>
+            <a:ext cx="1258785" cy="807522"/>
+          </a:xfrm>
+          <a:prstGeom prst="roundRect">
             <a:avLst/>
           </a:prstGeom>
           <a:solidFill>
-            <a:srgbClr val="FF0000"/>
+            <a:schemeClr val="accent2"/>
           </a:solidFill>
         </p:spPr>
         <p:style>
@@ -3524,17 +3707,874 @@
             <a:pPr algn="ctr"/>
             <a:r>
               <a:rPr lang="en-US" dirty="0"/>
-              <a:t>CLICK HERE</a:t>
-            </a:r>
-          </a:p>
-        </p:txBody>
-      </p:sp>
-      <p:sp>
-        <p:nvSpPr>
-          <p:cNvPr id="6" name="TextBox 5">
-            <a:extLst>
-              <a:ext uri="{FF2B5EF4-FFF2-40B4-BE49-F238E27FC236}">
-                <a16:creationId xmlns:a16="http://schemas.microsoft.com/office/drawing/2014/main" id="{4EEAFC43-74F3-9BA5-1B76-319CCAAF4067}"/>
+              <a:t>Plan</a:t>
+            </a:r>
+          </a:p>
+        </p:txBody>
+      </p:sp>
+      <p:sp>
+        <p:nvSpPr>
+          <p:cNvPr id="7" name="Rounded Rectangle 6">
+            <a:extLst>
+              <a:ext uri="{FF2B5EF4-FFF2-40B4-BE49-F238E27FC236}">
+                <a16:creationId xmlns:a16="http://schemas.microsoft.com/office/drawing/2014/main" id="{CF92804D-F032-FDF0-8904-E57C0E9D0A90}"/>
+              </a:ext>
+            </a:extLst>
+          </p:cNvPr>
+          <p:cNvSpPr/>
+          <p:nvPr/>
+        </p:nvSpPr>
+        <p:spPr>
+          <a:xfrm>
+            <a:off x="4510644" y="1316182"/>
+            <a:ext cx="1258785" cy="807522"/>
+          </a:xfrm>
+          <a:prstGeom prst="roundRect">
+            <a:avLst/>
+          </a:prstGeom>
+          <a:solidFill>
+            <a:srgbClr val="00B050"/>
+          </a:solidFill>
+        </p:spPr>
+        <p:style>
+          <a:lnRef idx="2">
+            <a:schemeClr val="accent1">
+              <a:shade val="15000"/>
+            </a:schemeClr>
+          </a:lnRef>
+          <a:fillRef idx="1">
+            <a:schemeClr val="accent1"/>
+          </a:fillRef>
+          <a:effectRef idx="0">
+            <a:schemeClr val="accent1"/>
+          </a:effectRef>
+          <a:fontRef idx="minor">
+            <a:schemeClr val="lt1"/>
+          </a:fontRef>
+        </p:style>
+        <p:txBody>
+          <a:bodyPr rtlCol="0" anchor="ctr"/>
+          <a:lstStyle/>
+          <a:p>
+            <a:pPr algn="ctr"/>
+            <a:r>
+              <a:rPr lang="en-US" dirty="0"/>
+              <a:t>Task</a:t>
+            </a:r>
+          </a:p>
+        </p:txBody>
+      </p:sp>
+      <p:sp>
+        <p:nvSpPr>
+          <p:cNvPr id="8" name="Rounded Rectangle 7">
+            <a:extLst>
+              <a:ext uri="{FF2B5EF4-FFF2-40B4-BE49-F238E27FC236}">
+                <a16:creationId xmlns:a16="http://schemas.microsoft.com/office/drawing/2014/main" id="{0C042F9F-969F-4C46-8DC7-FDE6E7EDBB8E}"/>
+              </a:ext>
+            </a:extLst>
+          </p:cNvPr>
+          <p:cNvSpPr/>
+          <p:nvPr/>
+        </p:nvSpPr>
+        <p:spPr>
+          <a:xfrm>
+            <a:off x="2444338" y="2123704"/>
+            <a:ext cx="1258785" cy="807522"/>
+          </a:xfrm>
+          <a:prstGeom prst="roundRect">
+            <a:avLst/>
+          </a:prstGeom>
+          <a:solidFill>
+            <a:srgbClr val="FFC000"/>
+          </a:solidFill>
+        </p:spPr>
+        <p:style>
+          <a:lnRef idx="2">
+            <a:schemeClr val="accent1">
+              <a:shade val="15000"/>
+            </a:schemeClr>
+          </a:lnRef>
+          <a:fillRef idx="1">
+            <a:schemeClr val="accent1"/>
+          </a:fillRef>
+          <a:effectRef idx="0">
+            <a:schemeClr val="accent1"/>
+          </a:effectRef>
+          <a:fontRef idx="minor">
+            <a:schemeClr val="lt1"/>
+          </a:fontRef>
+        </p:style>
+        <p:txBody>
+          <a:bodyPr rtlCol="0" anchor="ctr"/>
+          <a:lstStyle/>
+          <a:p>
+            <a:pPr algn="ctr"/>
+            <a:r>
+              <a:rPr lang="en-US" dirty="0">
+                <a:solidFill>
+                  <a:schemeClr val="tx1"/>
+                </a:solidFill>
+              </a:rPr>
+              <a:t>Workflow</a:t>
+            </a:r>
+          </a:p>
+        </p:txBody>
+      </p:sp>
+      <p:sp>
+        <p:nvSpPr>
+          <p:cNvPr id="9" name="Rounded Rectangle 8">
+            <a:extLst>
+              <a:ext uri="{FF2B5EF4-FFF2-40B4-BE49-F238E27FC236}">
+                <a16:creationId xmlns:a16="http://schemas.microsoft.com/office/drawing/2014/main" id="{57B96C39-770F-AD61-92F2-A2EEF5A51EDB}"/>
+              </a:ext>
+            </a:extLst>
+          </p:cNvPr>
+          <p:cNvSpPr/>
+          <p:nvPr/>
+        </p:nvSpPr>
+        <p:spPr>
+          <a:xfrm>
+            <a:off x="7313328" y="1341322"/>
+            <a:ext cx="1258785" cy="807522"/>
+          </a:xfrm>
+          <a:prstGeom prst="roundRect">
+            <a:avLst/>
+          </a:prstGeom>
+          <a:solidFill>
+            <a:srgbClr val="0070C0"/>
+          </a:solidFill>
+        </p:spPr>
+        <p:style>
+          <a:lnRef idx="2">
+            <a:schemeClr val="accent1">
+              <a:shade val="15000"/>
+            </a:schemeClr>
+          </a:lnRef>
+          <a:fillRef idx="1">
+            <a:schemeClr val="accent1"/>
+          </a:fillRef>
+          <a:effectRef idx="0">
+            <a:schemeClr val="accent1"/>
+          </a:effectRef>
+          <a:fontRef idx="minor">
+            <a:schemeClr val="lt1"/>
+          </a:fontRef>
+        </p:style>
+        <p:txBody>
+          <a:bodyPr rtlCol="0" anchor="ctr"/>
+          <a:lstStyle/>
+          <a:p>
+            <a:pPr algn="ctr"/>
+            <a:r>
+              <a:rPr lang="en-US" dirty="0"/>
+              <a:t>Skill</a:t>
+            </a:r>
+          </a:p>
+        </p:txBody>
+      </p:sp>
+      <p:sp>
+        <p:nvSpPr>
+          <p:cNvPr id="10" name="Rounded Rectangle 9">
+            <a:extLst>
+              <a:ext uri="{FF2B5EF4-FFF2-40B4-BE49-F238E27FC236}">
+                <a16:creationId xmlns:a16="http://schemas.microsoft.com/office/drawing/2014/main" id="{C5611949-5A14-1372-413A-D726EC03C8D7}"/>
+              </a:ext>
+            </a:extLst>
+          </p:cNvPr>
+          <p:cNvSpPr/>
+          <p:nvPr/>
+        </p:nvSpPr>
+        <p:spPr>
+          <a:xfrm>
+            <a:off x="4520540" y="3291444"/>
+            <a:ext cx="1258785" cy="807522"/>
+          </a:xfrm>
+          <a:prstGeom prst="roundRect">
+            <a:avLst/>
+          </a:prstGeom>
+          <a:solidFill>
+            <a:srgbClr val="00B050"/>
+          </a:solidFill>
+        </p:spPr>
+        <p:style>
+          <a:lnRef idx="2">
+            <a:schemeClr val="accent1">
+              <a:shade val="15000"/>
+            </a:schemeClr>
+          </a:lnRef>
+          <a:fillRef idx="1">
+            <a:schemeClr val="accent1"/>
+          </a:fillRef>
+          <a:effectRef idx="0">
+            <a:schemeClr val="accent1"/>
+          </a:effectRef>
+          <a:fontRef idx="minor">
+            <a:schemeClr val="lt1"/>
+          </a:fontRef>
+        </p:style>
+        <p:txBody>
+          <a:bodyPr rtlCol="0" anchor="ctr"/>
+          <a:lstStyle/>
+          <a:p>
+            <a:pPr algn="ctr"/>
+            <a:r>
+              <a:rPr lang="en-US" dirty="0"/>
+              <a:t>Task</a:t>
+            </a:r>
+          </a:p>
+        </p:txBody>
+      </p:sp>
+      <p:sp>
+        <p:nvSpPr>
+          <p:cNvPr id="11" name="Rounded Rectangle 10">
+            <a:extLst>
+              <a:ext uri="{FF2B5EF4-FFF2-40B4-BE49-F238E27FC236}">
+                <a16:creationId xmlns:a16="http://schemas.microsoft.com/office/drawing/2014/main" id="{BC79BAE7-AB7A-2FC4-28A2-8AED30261F43}"/>
+              </a:ext>
+            </a:extLst>
+          </p:cNvPr>
+          <p:cNvSpPr/>
+          <p:nvPr/>
+        </p:nvSpPr>
+        <p:spPr>
+          <a:xfrm>
+            <a:off x="4518561" y="2303813"/>
+            <a:ext cx="1258785" cy="807522"/>
+          </a:xfrm>
+          <a:prstGeom prst="roundRect">
+            <a:avLst/>
+          </a:prstGeom>
+          <a:solidFill>
+            <a:srgbClr val="00B050"/>
+          </a:solidFill>
+        </p:spPr>
+        <p:style>
+          <a:lnRef idx="2">
+            <a:schemeClr val="accent1">
+              <a:shade val="15000"/>
+            </a:schemeClr>
+          </a:lnRef>
+          <a:fillRef idx="1">
+            <a:schemeClr val="accent1"/>
+          </a:fillRef>
+          <a:effectRef idx="0">
+            <a:schemeClr val="accent1"/>
+          </a:effectRef>
+          <a:fontRef idx="minor">
+            <a:schemeClr val="lt1"/>
+          </a:fontRef>
+        </p:style>
+        <p:txBody>
+          <a:bodyPr rtlCol="0" anchor="ctr"/>
+          <a:lstStyle/>
+          <a:p>
+            <a:pPr algn="ctr"/>
+            <a:r>
+              <a:rPr lang="en-US" dirty="0"/>
+              <a:t>Task</a:t>
+            </a:r>
+          </a:p>
+        </p:txBody>
+      </p:sp>
+      <p:sp>
+        <p:nvSpPr>
+          <p:cNvPr id="12" name="Rounded Rectangle 11">
+            <a:extLst>
+              <a:ext uri="{FF2B5EF4-FFF2-40B4-BE49-F238E27FC236}">
+                <a16:creationId xmlns:a16="http://schemas.microsoft.com/office/drawing/2014/main" id="{211BE51B-BEFF-0725-38BB-6FC89EB5EEBA}"/>
+              </a:ext>
+            </a:extLst>
+          </p:cNvPr>
+          <p:cNvSpPr/>
+          <p:nvPr/>
+        </p:nvSpPr>
+        <p:spPr>
+          <a:xfrm>
+            <a:off x="4516581" y="4279075"/>
+            <a:ext cx="1258785" cy="807522"/>
+          </a:xfrm>
+          <a:prstGeom prst="roundRect">
+            <a:avLst/>
+          </a:prstGeom>
+          <a:solidFill>
+            <a:srgbClr val="00B050"/>
+          </a:solidFill>
+        </p:spPr>
+        <p:style>
+          <a:lnRef idx="2">
+            <a:schemeClr val="accent1">
+              <a:shade val="15000"/>
+            </a:schemeClr>
+          </a:lnRef>
+          <a:fillRef idx="1">
+            <a:schemeClr val="accent1"/>
+          </a:fillRef>
+          <a:effectRef idx="0">
+            <a:schemeClr val="accent1"/>
+          </a:effectRef>
+          <a:fontRef idx="minor">
+            <a:schemeClr val="lt1"/>
+          </a:fontRef>
+        </p:style>
+        <p:txBody>
+          <a:bodyPr rtlCol="0" anchor="ctr"/>
+          <a:lstStyle/>
+          <a:p>
+            <a:pPr algn="ctr"/>
+            <a:r>
+              <a:rPr lang="en-US" dirty="0"/>
+              <a:t>Task</a:t>
+            </a:r>
+          </a:p>
+        </p:txBody>
+      </p:sp>
+      <p:cxnSp>
+        <p:nvCxnSpPr>
+          <p:cNvPr id="14" name="Straight Connector 13">
+            <a:extLst>
+              <a:ext uri="{FF2B5EF4-FFF2-40B4-BE49-F238E27FC236}">
+                <a16:creationId xmlns:a16="http://schemas.microsoft.com/office/drawing/2014/main" id="{13F863E4-C10B-FFCF-76BF-654CD71E25B6}"/>
+              </a:ext>
+            </a:extLst>
+          </p:cNvPr>
+          <p:cNvCxnSpPr>
+            <a:stCxn id="6" idx="3"/>
+            <a:endCxn id="8" idx="1"/>
+          </p:cNvCxnSpPr>
+          <p:nvPr/>
+        </p:nvCxnSpPr>
+        <p:spPr>
+          <a:xfrm flipV="1">
+            <a:off x="1888177" y="2527465"/>
+            <a:ext cx="556161" cy="809501"/>
+          </a:xfrm>
+          <a:prstGeom prst="line">
+            <a:avLst/>
+          </a:prstGeom>
+          <a:ln w="57150">
+            <a:tailEnd type="triangle"/>
+          </a:ln>
+        </p:spPr>
+        <p:style>
+          <a:lnRef idx="2">
+            <a:schemeClr val="accent1"/>
+          </a:lnRef>
+          <a:fillRef idx="0">
+            <a:schemeClr val="accent1"/>
+          </a:fillRef>
+          <a:effectRef idx="1">
+            <a:schemeClr val="accent1"/>
+          </a:effectRef>
+          <a:fontRef idx="minor">
+            <a:schemeClr val="tx1"/>
+          </a:fontRef>
+        </p:style>
+      </p:cxnSp>
+      <p:cxnSp>
+        <p:nvCxnSpPr>
+          <p:cNvPr id="15" name="Straight Connector 14">
+            <a:extLst>
+              <a:ext uri="{FF2B5EF4-FFF2-40B4-BE49-F238E27FC236}">
+                <a16:creationId xmlns:a16="http://schemas.microsoft.com/office/drawing/2014/main" id="{3DABE028-1B70-47E0-5751-525F83782B0C}"/>
+              </a:ext>
+            </a:extLst>
+          </p:cNvPr>
+          <p:cNvCxnSpPr>
+            <a:cxnSpLocks/>
+            <a:stCxn id="8" idx="3"/>
+            <a:endCxn id="7" idx="1"/>
+          </p:cNvCxnSpPr>
+          <p:nvPr/>
+        </p:nvCxnSpPr>
+        <p:spPr>
+          <a:xfrm flipV="1">
+            <a:off x="3703123" y="1719943"/>
+            <a:ext cx="807521" cy="807522"/>
+          </a:xfrm>
+          <a:prstGeom prst="line">
+            <a:avLst/>
+          </a:prstGeom>
+          <a:ln w="57150">
+            <a:tailEnd type="triangle"/>
+          </a:ln>
+        </p:spPr>
+        <p:style>
+          <a:lnRef idx="2">
+            <a:schemeClr val="accent1"/>
+          </a:lnRef>
+          <a:fillRef idx="0">
+            <a:schemeClr val="accent1"/>
+          </a:fillRef>
+          <a:effectRef idx="1">
+            <a:schemeClr val="accent1"/>
+          </a:effectRef>
+          <a:fontRef idx="minor">
+            <a:schemeClr val="tx1"/>
+          </a:fontRef>
+        </p:style>
+      </p:cxnSp>
+      <p:cxnSp>
+        <p:nvCxnSpPr>
+          <p:cNvPr id="18" name="Straight Connector 17">
+            <a:extLst>
+              <a:ext uri="{FF2B5EF4-FFF2-40B4-BE49-F238E27FC236}">
+                <a16:creationId xmlns:a16="http://schemas.microsoft.com/office/drawing/2014/main" id="{9BE5720C-6C21-936A-43E2-71EDEB8AEB7F}"/>
+              </a:ext>
+            </a:extLst>
+          </p:cNvPr>
+          <p:cNvCxnSpPr>
+            <a:cxnSpLocks/>
+            <a:stCxn id="8" idx="3"/>
+            <a:endCxn id="11" idx="1"/>
+          </p:cNvCxnSpPr>
+          <p:nvPr/>
+        </p:nvCxnSpPr>
+        <p:spPr>
+          <a:xfrm>
+            <a:off x="3703123" y="2527465"/>
+            <a:ext cx="815438" cy="180109"/>
+          </a:xfrm>
+          <a:prstGeom prst="line">
+            <a:avLst/>
+          </a:prstGeom>
+          <a:ln w="57150">
+            <a:tailEnd type="triangle"/>
+          </a:ln>
+        </p:spPr>
+        <p:style>
+          <a:lnRef idx="2">
+            <a:schemeClr val="accent1"/>
+          </a:lnRef>
+          <a:fillRef idx="0">
+            <a:schemeClr val="accent1"/>
+          </a:fillRef>
+          <a:effectRef idx="1">
+            <a:schemeClr val="accent1"/>
+          </a:effectRef>
+          <a:fontRef idx="minor">
+            <a:schemeClr val="tx1"/>
+          </a:fontRef>
+        </p:style>
+      </p:cxnSp>
+      <p:cxnSp>
+        <p:nvCxnSpPr>
+          <p:cNvPr id="21" name="Straight Connector 20">
+            <a:extLst>
+              <a:ext uri="{FF2B5EF4-FFF2-40B4-BE49-F238E27FC236}">
+                <a16:creationId xmlns:a16="http://schemas.microsoft.com/office/drawing/2014/main" id="{64E0A4DB-398C-DCCD-A6B9-707FD47379FF}"/>
+              </a:ext>
+            </a:extLst>
+          </p:cNvPr>
+          <p:cNvCxnSpPr>
+            <a:cxnSpLocks/>
+            <a:stCxn id="8" idx="3"/>
+            <a:endCxn id="10" idx="1"/>
+          </p:cNvCxnSpPr>
+          <p:nvPr/>
+        </p:nvCxnSpPr>
+        <p:spPr>
+          <a:xfrm>
+            <a:off x="3703123" y="2527465"/>
+            <a:ext cx="817417" cy="1167740"/>
+          </a:xfrm>
+          <a:prstGeom prst="line">
+            <a:avLst/>
+          </a:prstGeom>
+          <a:ln w="57150">
+            <a:tailEnd type="triangle"/>
+          </a:ln>
+        </p:spPr>
+        <p:style>
+          <a:lnRef idx="2">
+            <a:schemeClr val="accent1"/>
+          </a:lnRef>
+          <a:fillRef idx="0">
+            <a:schemeClr val="accent1"/>
+          </a:fillRef>
+          <a:effectRef idx="1">
+            <a:schemeClr val="accent1"/>
+          </a:effectRef>
+          <a:fontRef idx="minor">
+            <a:schemeClr val="tx1"/>
+          </a:fontRef>
+        </p:style>
+      </p:cxnSp>
+      <p:cxnSp>
+        <p:nvCxnSpPr>
+          <p:cNvPr id="24" name="Straight Connector 23">
+            <a:extLst>
+              <a:ext uri="{FF2B5EF4-FFF2-40B4-BE49-F238E27FC236}">
+                <a16:creationId xmlns:a16="http://schemas.microsoft.com/office/drawing/2014/main" id="{3CA23498-38BE-BF13-74CD-16E92FA7CE82}"/>
+              </a:ext>
+            </a:extLst>
+          </p:cNvPr>
+          <p:cNvCxnSpPr>
+            <a:cxnSpLocks/>
+            <a:endCxn id="12" idx="1"/>
+          </p:cNvCxnSpPr>
+          <p:nvPr/>
+        </p:nvCxnSpPr>
+        <p:spPr>
+          <a:xfrm>
+            <a:off x="3694885" y="2556298"/>
+            <a:ext cx="821696" cy="2126538"/>
+          </a:xfrm>
+          <a:prstGeom prst="line">
+            <a:avLst/>
+          </a:prstGeom>
+          <a:ln w="57150">
+            <a:tailEnd type="triangle"/>
+          </a:ln>
+        </p:spPr>
+        <p:style>
+          <a:lnRef idx="2">
+            <a:schemeClr val="accent1"/>
+          </a:lnRef>
+          <a:fillRef idx="0">
+            <a:schemeClr val="accent1"/>
+          </a:fillRef>
+          <a:effectRef idx="1">
+            <a:schemeClr val="accent1"/>
+          </a:effectRef>
+          <a:fontRef idx="minor">
+            <a:schemeClr val="tx1"/>
+          </a:fontRef>
+        </p:style>
+      </p:cxnSp>
+      <p:cxnSp>
+        <p:nvCxnSpPr>
+          <p:cNvPr id="27" name="Straight Connector 26">
+            <a:extLst>
+              <a:ext uri="{FF2B5EF4-FFF2-40B4-BE49-F238E27FC236}">
+                <a16:creationId xmlns:a16="http://schemas.microsoft.com/office/drawing/2014/main" id="{9D0DDE44-C122-B6D3-81EC-D03B59C3D9CE}"/>
+              </a:ext>
+            </a:extLst>
+          </p:cNvPr>
+          <p:cNvCxnSpPr>
+            <a:cxnSpLocks/>
+            <a:stCxn id="7" idx="3"/>
+            <a:endCxn id="9" idx="1"/>
+          </p:cNvCxnSpPr>
+          <p:nvPr/>
+        </p:nvCxnSpPr>
+        <p:spPr>
+          <a:xfrm>
+            <a:off x="5769429" y="1719943"/>
+            <a:ext cx="1543899" cy="25140"/>
+          </a:xfrm>
+          <a:prstGeom prst="line">
+            <a:avLst/>
+          </a:prstGeom>
+          <a:ln w="57150">
+            <a:tailEnd type="triangle"/>
+          </a:ln>
+        </p:spPr>
+        <p:style>
+          <a:lnRef idx="2">
+            <a:schemeClr val="accent1"/>
+          </a:lnRef>
+          <a:fillRef idx="0">
+            <a:schemeClr val="accent1"/>
+          </a:fillRef>
+          <a:effectRef idx="1">
+            <a:schemeClr val="accent1"/>
+          </a:effectRef>
+          <a:fontRef idx="minor">
+            <a:schemeClr val="tx1"/>
+          </a:fontRef>
+        </p:style>
+      </p:cxnSp>
+      <p:sp>
+        <p:nvSpPr>
+          <p:cNvPr id="31" name="Rounded Rectangle 30">
+            <a:extLst>
+              <a:ext uri="{FF2B5EF4-FFF2-40B4-BE49-F238E27FC236}">
+                <a16:creationId xmlns:a16="http://schemas.microsoft.com/office/drawing/2014/main" id="{C46E24F7-1A75-A49D-0B75-3AF04FB1F9B7}"/>
+              </a:ext>
+            </a:extLst>
+          </p:cNvPr>
+          <p:cNvSpPr/>
+          <p:nvPr/>
+        </p:nvSpPr>
+        <p:spPr>
+          <a:xfrm>
+            <a:off x="7305091" y="2316133"/>
+            <a:ext cx="1258785" cy="807522"/>
+          </a:xfrm>
+          <a:prstGeom prst="roundRect">
+            <a:avLst/>
+          </a:prstGeom>
+          <a:solidFill>
+            <a:srgbClr val="0070C0"/>
+          </a:solidFill>
+        </p:spPr>
+        <p:style>
+          <a:lnRef idx="2">
+            <a:schemeClr val="accent1">
+              <a:shade val="15000"/>
+            </a:schemeClr>
+          </a:lnRef>
+          <a:fillRef idx="1">
+            <a:schemeClr val="accent1"/>
+          </a:fillRef>
+          <a:effectRef idx="0">
+            <a:schemeClr val="accent1"/>
+          </a:effectRef>
+          <a:fontRef idx="minor">
+            <a:schemeClr val="lt1"/>
+          </a:fontRef>
+        </p:style>
+        <p:txBody>
+          <a:bodyPr rtlCol="0" anchor="ctr"/>
+          <a:lstStyle/>
+          <a:p>
+            <a:pPr algn="ctr"/>
+            <a:r>
+              <a:rPr lang="en-US" dirty="0"/>
+              <a:t>Skill</a:t>
+            </a:r>
+          </a:p>
+        </p:txBody>
+      </p:sp>
+      <p:sp>
+        <p:nvSpPr>
+          <p:cNvPr id="32" name="Rounded Rectangle 31">
+            <a:extLst>
+              <a:ext uri="{FF2B5EF4-FFF2-40B4-BE49-F238E27FC236}">
+                <a16:creationId xmlns:a16="http://schemas.microsoft.com/office/drawing/2014/main" id="{2A1428BC-36D1-836C-7948-D2F6B3467B18}"/>
+              </a:ext>
+            </a:extLst>
+          </p:cNvPr>
+          <p:cNvSpPr/>
+          <p:nvPr/>
+        </p:nvSpPr>
+        <p:spPr>
+          <a:xfrm>
+            <a:off x="7329804" y="3290944"/>
+            <a:ext cx="1258785" cy="807522"/>
+          </a:xfrm>
+          <a:prstGeom prst="roundRect">
+            <a:avLst/>
+          </a:prstGeom>
+          <a:solidFill>
+            <a:srgbClr val="0070C0"/>
+          </a:solidFill>
+        </p:spPr>
+        <p:style>
+          <a:lnRef idx="2">
+            <a:schemeClr val="accent1">
+              <a:shade val="15000"/>
+            </a:schemeClr>
+          </a:lnRef>
+          <a:fillRef idx="1">
+            <a:schemeClr val="accent1"/>
+          </a:fillRef>
+          <a:effectRef idx="0">
+            <a:schemeClr val="accent1"/>
+          </a:effectRef>
+          <a:fontRef idx="minor">
+            <a:schemeClr val="lt1"/>
+          </a:fontRef>
+        </p:style>
+        <p:txBody>
+          <a:bodyPr rtlCol="0" anchor="ctr"/>
+          <a:lstStyle/>
+          <a:p>
+            <a:pPr algn="ctr"/>
+            <a:r>
+              <a:rPr lang="en-US" dirty="0"/>
+              <a:t>Skill</a:t>
+            </a:r>
+          </a:p>
+        </p:txBody>
+      </p:sp>
+      <p:sp>
+        <p:nvSpPr>
+          <p:cNvPr id="33" name="Rounded Rectangle 32">
+            <a:extLst>
+              <a:ext uri="{FF2B5EF4-FFF2-40B4-BE49-F238E27FC236}">
+                <a16:creationId xmlns:a16="http://schemas.microsoft.com/office/drawing/2014/main" id="{BF01ABA6-D9FA-6739-0110-AA6E1F517EDD}"/>
+              </a:ext>
+            </a:extLst>
+          </p:cNvPr>
+          <p:cNvSpPr/>
+          <p:nvPr/>
+        </p:nvSpPr>
+        <p:spPr>
+          <a:xfrm>
+            <a:off x="7284495" y="4265756"/>
+            <a:ext cx="1258785" cy="807522"/>
+          </a:xfrm>
+          <a:prstGeom prst="roundRect">
+            <a:avLst/>
+          </a:prstGeom>
+          <a:solidFill>
+            <a:srgbClr val="0070C0"/>
+          </a:solidFill>
+        </p:spPr>
+        <p:style>
+          <a:lnRef idx="2">
+            <a:schemeClr val="accent1">
+              <a:shade val="15000"/>
+            </a:schemeClr>
+          </a:lnRef>
+          <a:fillRef idx="1">
+            <a:schemeClr val="accent1"/>
+          </a:fillRef>
+          <a:effectRef idx="0">
+            <a:schemeClr val="accent1"/>
+          </a:effectRef>
+          <a:fontRef idx="minor">
+            <a:schemeClr val="lt1"/>
+          </a:fontRef>
+        </p:style>
+        <p:txBody>
+          <a:bodyPr rtlCol="0" anchor="ctr"/>
+          <a:lstStyle/>
+          <a:p>
+            <a:pPr algn="ctr"/>
+            <a:r>
+              <a:rPr lang="en-US" dirty="0"/>
+              <a:t>Skill</a:t>
+            </a:r>
+          </a:p>
+        </p:txBody>
+      </p:sp>
+      <p:cxnSp>
+        <p:nvCxnSpPr>
+          <p:cNvPr id="35" name="Straight Connector 34">
+            <a:extLst>
+              <a:ext uri="{FF2B5EF4-FFF2-40B4-BE49-F238E27FC236}">
+                <a16:creationId xmlns:a16="http://schemas.microsoft.com/office/drawing/2014/main" id="{7DE944D8-5210-2166-A96D-5882724B4AC8}"/>
+              </a:ext>
+            </a:extLst>
+          </p:cNvPr>
+          <p:cNvCxnSpPr>
+            <a:cxnSpLocks/>
+            <a:stCxn id="11" idx="3"/>
+            <a:endCxn id="31" idx="1"/>
+          </p:cNvCxnSpPr>
+          <p:nvPr/>
+        </p:nvCxnSpPr>
+        <p:spPr>
+          <a:xfrm>
+            <a:off x="5777346" y="2707574"/>
+            <a:ext cx="1527745" cy="12320"/>
+          </a:xfrm>
+          <a:prstGeom prst="line">
+            <a:avLst/>
+          </a:prstGeom>
+          <a:ln w="57150">
+            <a:tailEnd type="triangle"/>
+          </a:ln>
+        </p:spPr>
+        <p:style>
+          <a:lnRef idx="2">
+            <a:schemeClr val="accent1"/>
+          </a:lnRef>
+          <a:fillRef idx="0">
+            <a:schemeClr val="accent1"/>
+          </a:fillRef>
+          <a:effectRef idx="1">
+            <a:schemeClr val="accent1"/>
+          </a:effectRef>
+          <a:fontRef idx="minor">
+            <a:schemeClr val="tx1"/>
+          </a:fontRef>
+        </p:style>
+      </p:cxnSp>
+      <p:cxnSp>
+        <p:nvCxnSpPr>
+          <p:cNvPr id="38" name="Straight Connector 37">
+            <a:extLst>
+              <a:ext uri="{FF2B5EF4-FFF2-40B4-BE49-F238E27FC236}">
+                <a16:creationId xmlns:a16="http://schemas.microsoft.com/office/drawing/2014/main" id="{49D28710-122F-D8B6-ADDF-BC7E7B8637C8}"/>
+              </a:ext>
+            </a:extLst>
+          </p:cNvPr>
+          <p:cNvCxnSpPr>
+            <a:cxnSpLocks/>
+            <a:stCxn id="10" idx="3"/>
+            <a:endCxn id="32" idx="1"/>
+          </p:cNvCxnSpPr>
+          <p:nvPr/>
+        </p:nvCxnSpPr>
+        <p:spPr>
+          <a:xfrm flipV="1">
+            <a:off x="5779325" y="3694705"/>
+            <a:ext cx="1550479" cy="500"/>
+          </a:xfrm>
+          <a:prstGeom prst="line">
+            <a:avLst/>
+          </a:prstGeom>
+          <a:ln w="57150">
+            <a:tailEnd type="triangle"/>
+          </a:ln>
+        </p:spPr>
+        <p:style>
+          <a:lnRef idx="2">
+            <a:schemeClr val="accent1"/>
+          </a:lnRef>
+          <a:fillRef idx="0">
+            <a:schemeClr val="accent1"/>
+          </a:fillRef>
+          <a:effectRef idx="1">
+            <a:schemeClr val="accent1"/>
+          </a:effectRef>
+          <a:fontRef idx="minor">
+            <a:schemeClr val="tx1"/>
+          </a:fontRef>
+        </p:style>
+      </p:cxnSp>
+      <p:cxnSp>
+        <p:nvCxnSpPr>
+          <p:cNvPr id="41" name="Straight Connector 40">
+            <a:extLst>
+              <a:ext uri="{FF2B5EF4-FFF2-40B4-BE49-F238E27FC236}">
+                <a16:creationId xmlns:a16="http://schemas.microsoft.com/office/drawing/2014/main" id="{BFE01EFD-AA61-8F56-B179-10ECCDB2E75D}"/>
+              </a:ext>
+            </a:extLst>
+          </p:cNvPr>
+          <p:cNvCxnSpPr>
+            <a:cxnSpLocks/>
+            <a:stCxn id="12" idx="3"/>
+            <a:endCxn id="33" idx="1"/>
+          </p:cNvCxnSpPr>
+          <p:nvPr/>
+        </p:nvCxnSpPr>
+        <p:spPr>
+          <a:xfrm flipV="1">
+            <a:off x="5775366" y="4669517"/>
+            <a:ext cx="1509129" cy="13319"/>
+          </a:xfrm>
+          <a:prstGeom prst="line">
+            <a:avLst/>
+          </a:prstGeom>
+          <a:ln w="57150">
+            <a:tailEnd type="triangle"/>
+          </a:ln>
+        </p:spPr>
+        <p:style>
+          <a:lnRef idx="2">
+            <a:schemeClr val="accent1"/>
+          </a:lnRef>
+          <a:fillRef idx="0">
+            <a:schemeClr val="accent1"/>
+          </a:fillRef>
+          <a:effectRef idx="1">
+            <a:schemeClr val="accent1"/>
+          </a:effectRef>
+          <a:fontRef idx="minor">
+            <a:schemeClr val="tx1"/>
+          </a:fontRef>
+        </p:style>
+      </p:cxnSp>
+      <p:sp>
+        <p:nvSpPr>
+          <p:cNvPr id="44" name="TextBox 43">
+            <a:extLst>
+              <a:ext uri="{FF2B5EF4-FFF2-40B4-BE49-F238E27FC236}">
+                <a16:creationId xmlns:a16="http://schemas.microsoft.com/office/drawing/2014/main" id="{FCB9B465-54C0-D100-8408-057E048E1E2D}"/>
               </a:ext>
             </a:extLst>
           </p:cNvPr>
@@ -3543,8 +4583,8 @@
         </p:nvSpPr>
         <p:spPr>
           <a:xfrm>
-            <a:off x="1828800" y="961901"/>
-            <a:ext cx="3804888" cy="369332"/>
+            <a:off x="494270" y="3842952"/>
+            <a:ext cx="1618735" cy="738664"/>
           </a:xfrm>
           <a:prstGeom prst="rect">
             <a:avLst/>
@@ -3552,32 +4592,24 @@
           <a:noFill/>
         </p:spPr>
         <p:txBody>
-          <a:bodyPr wrap="none" rtlCol="0">
+          <a:bodyPr wrap="square" rtlCol="0">
             <a:spAutoFit/>
           </a:bodyPr>
           <a:lstStyle/>
           <a:p>
             <a:r>
-              <a:rPr lang="en-US" dirty="0"/>
-              <a:t>http://</a:t>
-            </a:r>
-            <a:r>
-              <a:rPr lang="en-US" dirty="0" err="1"/>
-              <a:t>claude.ai</a:t>
-            </a:r>
-            <a:r>
-              <a:rPr lang="en-US" dirty="0"/>
-              <a:t>/settings/capabilities</a:t>
-            </a:r>
-          </a:p>
-        </p:txBody>
-      </p:sp>
-      <p:sp>
-        <p:nvSpPr>
-          <p:cNvPr id="7" name="TextBox 6">
-            <a:extLst>
-              <a:ext uri="{FF2B5EF4-FFF2-40B4-BE49-F238E27FC236}">
-                <a16:creationId xmlns:a16="http://schemas.microsoft.com/office/drawing/2014/main" id="{FD973B83-8C05-8F1A-EB27-F59568DA2A2E}"/>
+              <a:rPr lang="en-US" sz="1400" dirty="0"/>
+              <a:t>Use planning mode to generate workflows</a:t>
+            </a:r>
+          </a:p>
+        </p:txBody>
+      </p:sp>
+      <p:sp>
+        <p:nvSpPr>
+          <p:cNvPr id="45" name="TextBox 44">
+            <a:extLst>
+              <a:ext uri="{FF2B5EF4-FFF2-40B4-BE49-F238E27FC236}">
+                <a16:creationId xmlns:a16="http://schemas.microsoft.com/office/drawing/2014/main" id="{8317153D-70FF-1CF1-BDDD-B275E4BA3A4D}"/>
               </a:ext>
             </a:extLst>
           </p:cNvPr>
@@ -3586,8 +4618,8 @@
         </p:nvSpPr>
         <p:spPr>
           <a:xfrm>
-            <a:off x="1886198" y="6268191"/>
-            <a:ext cx="4944559" cy="369332"/>
+            <a:off x="2426044" y="3019167"/>
+            <a:ext cx="1219200" cy="738664"/>
           </a:xfrm>
           <a:prstGeom prst="rect">
             <a:avLst/>
@@ -3595,6 +4627,429 @@
           <a:noFill/>
         </p:spPr>
         <p:txBody>
+          <a:bodyPr wrap="square" rtlCol="0">
+            <a:spAutoFit/>
+          </a:bodyPr>
+          <a:lstStyle/>
+          <a:p>
+            <a:r>
+              <a:rPr lang="en-US" sz="1400" dirty="0"/>
+              <a:t>Workflows</a:t>
+            </a:r>
+          </a:p>
+          <a:p>
+            <a:r>
+              <a:rPr lang="en-US" sz="1400" dirty="0"/>
+              <a:t>contain many tasks</a:t>
+            </a:r>
+          </a:p>
+        </p:txBody>
+      </p:sp>
+      <p:sp>
+        <p:nvSpPr>
+          <p:cNvPr id="46" name="TextBox 45">
+            <a:extLst>
+              <a:ext uri="{FF2B5EF4-FFF2-40B4-BE49-F238E27FC236}">
+                <a16:creationId xmlns:a16="http://schemas.microsoft.com/office/drawing/2014/main" id="{29E2EBC1-AED9-99E4-EFCB-887359B799D8}"/>
+              </a:ext>
+            </a:extLst>
+          </p:cNvPr>
+          <p:cNvSpPr txBox="1"/>
+          <p:nvPr/>
+        </p:nvSpPr>
+        <p:spPr>
+          <a:xfrm>
+            <a:off x="4456670" y="762000"/>
+            <a:ext cx="1548713" cy="523220"/>
+          </a:xfrm>
+          <a:prstGeom prst="rect">
+            <a:avLst/>
+          </a:prstGeom>
+          <a:noFill/>
+        </p:spPr>
+        <p:txBody>
+          <a:bodyPr wrap="square" rtlCol="0">
+            <a:spAutoFit/>
+          </a:bodyPr>
+          <a:lstStyle/>
+          <a:p>
+            <a:r>
+              <a:rPr lang="en-US" sz="1400" dirty="0"/>
+              <a:t>A task is typically a unit of work.</a:t>
+            </a:r>
+          </a:p>
+        </p:txBody>
+      </p:sp>
+      <p:sp>
+        <p:nvSpPr>
+          <p:cNvPr id="47" name="TextBox 46">
+            <a:extLst>
+              <a:ext uri="{FF2B5EF4-FFF2-40B4-BE49-F238E27FC236}">
+                <a16:creationId xmlns:a16="http://schemas.microsoft.com/office/drawing/2014/main" id="{3EEF2EA7-DB80-024D-1ECB-A7FB14C830EC}"/>
+              </a:ext>
+            </a:extLst>
+          </p:cNvPr>
+          <p:cNvSpPr txBox="1"/>
+          <p:nvPr/>
+        </p:nvSpPr>
+        <p:spPr>
+          <a:xfrm>
+            <a:off x="5832390" y="1050324"/>
+            <a:ext cx="1548713" cy="523220"/>
+          </a:xfrm>
+          <a:prstGeom prst="rect">
+            <a:avLst/>
+          </a:prstGeom>
+          <a:noFill/>
+        </p:spPr>
+        <p:txBody>
+          <a:bodyPr wrap="square" rtlCol="0">
+            <a:spAutoFit/>
+          </a:bodyPr>
+          <a:lstStyle/>
+          <a:p>
+            <a:r>
+              <a:rPr lang="en-US" sz="1400" dirty="0"/>
+              <a:t>Tasks are matched to skills</a:t>
+            </a:r>
+          </a:p>
+        </p:txBody>
+      </p:sp>
+    </p:spTree>
+    <p:extLst>
+      <p:ext uri="{BB962C8B-B14F-4D97-AF65-F5344CB8AC3E}">
+        <p14:creationId xmlns:p14="http://schemas.microsoft.com/office/powerpoint/2010/main" val="2918897279"/>
+      </p:ext>
+    </p:extLst>
+  </p:cSld>
+  <p:clrMapOvr>
+    <a:masterClrMapping/>
+  </p:clrMapOvr>
+</p:sld>
+</file>
+
+<file path=ppt/slides/slide4.xml><?xml version="1.0" encoding="utf-8"?>
+<p:sld xmlns:a="http://schemas.openxmlformats.org/drawingml/2006/main" xmlns:r="http://schemas.openxmlformats.org/officeDocument/2006/relationships" xmlns:p="http://schemas.openxmlformats.org/presentationml/2006/main">
+  <p:cSld>
+    <p:spTree>
+      <p:nvGrpSpPr>
+        <p:cNvPr id="1" name=""/>
+        <p:cNvGrpSpPr/>
+        <p:nvPr/>
+      </p:nvGrpSpPr>
+      <p:grpSpPr>
+        <a:xfrm>
+          <a:off x="0" y="0"/>
+          <a:ext cx="0" cy="0"/>
+          <a:chOff x="0" y="0"/>
+          <a:chExt cx="0" cy="0"/>
+        </a:xfrm>
+      </p:grpSpPr>
+      <p:sp>
+        <p:nvSpPr>
+          <p:cNvPr id="2" name="Title 1">
+            <a:extLst>
+              <a:ext uri="{FF2B5EF4-FFF2-40B4-BE49-F238E27FC236}">
+                <a16:creationId xmlns:a16="http://schemas.microsoft.com/office/drawing/2014/main" id="{E1DECB1C-DD5B-2EFB-2C0E-3560D0357B0C}"/>
+              </a:ext>
+            </a:extLst>
+          </p:cNvPr>
+          <p:cNvSpPr>
+            <a:spLocks noGrp="1"/>
+          </p:cNvSpPr>
+          <p:nvPr>
+            <p:ph type="title"/>
+          </p:nvPr>
+        </p:nvSpPr>
+        <p:spPr/>
+        <p:txBody>
+          <a:bodyPr/>
+          <a:lstStyle/>
+          <a:p>
+            <a:r>
+              <a:rPr lang="en-US" dirty="0"/>
+              <a:t>Steps to Use</a:t>
+            </a:r>
+          </a:p>
+        </p:txBody>
+      </p:sp>
+      <p:sp>
+        <p:nvSpPr>
+          <p:cNvPr id="3" name="Content Placeholder 2">
+            <a:extLst>
+              <a:ext uri="{FF2B5EF4-FFF2-40B4-BE49-F238E27FC236}">
+                <a16:creationId xmlns:a16="http://schemas.microsoft.com/office/drawing/2014/main" id="{63DBA5F1-BDE2-B27D-A9A3-C0654ED48503}"/>
+              </a:ext>
+            </a:extLst>
+          </p:cNvPr>
+          <p:cNvSpPr>
+            <a:spLocks noGrp="1"/>
+          </p:cNvSpPr>
+          <p:nvPr>
+            <p:ph idx="1"/>
+          </p:nvPr>
+        </p:nvSpPr>
+        <p:spPr>
+          <a:xfrm>
+            <a:off x="850557" y="1640274"/>
+            <a:ext cx="10515600" cy="1831975"/>
+          </a:xfrm>
+        </p:spPr>
+        <p:txBody>
+          <a:bodyPr/>
+          <a:lstStyle/>
+          <a:p>
+            <a:pPr marL="514350" indent="-514350">
+              <a:buFont typeface="+mj-lt"/>
+              <a:buAutoNum type="arabicPeriod"/>
+            </a:pPr>
+            <a:r>
+              <a:rPr lang="en-US" dirty="0"/>
+              <a:t>Download the MicroSim Skill file</a:t>
+            </a:r>
+          </a:p>
+          <a:p>
+            <a:pPr marL="514350" indent="-514350">
+              <a:buFont typeface="+mj-lt"/>
+              <a:buAutoNum type="arabicPeriod"/>
+            </a:pPr>
+            <a:r>
+              <a:rPr lang="en-US" dirty="0"/>
+              <a:t>Upload the skill file to your Anthropic Setting Capabilities</a:t>
+            </a:r>
+          </a:p>
+          <a:p>
+            <a:pPr marL="514350" indent="-514350">
+              <a:buFont typeface="+mj-lt"/>
+              <a:buAutoNum type="arabicPeriod"/>
+            </a:pPr>
+            <a:r>
+              <a:rPr lang="en-US" dirty="0"/>
+              <a:t>Add “Using the MicroSim skill” to your prompt</a:t>
+            </a:r>
+          </a:p>
+          <a:p>
+            <a:endParaRPr lang="en-US" dirty="0"/>
+          </a:p>
+        </p:txBody>
+      </p:sp>
+    </p:spTree>
+    <p:extLst>
+      <p:ext uri="{BB962C8B-B14F-4D97-AF65-F5344CB8AC3E}">
+        <p14:creationId xmlns:p14="http://schemas.microsoft.com/office/powerpoint/2010/main" val="2148771276"/>
+      </p:ext>
+    </p:extLst>
+  </p:cSld>
+  <p:clrMapOvr>
+    <a:masterClrMapping/>
+  </p:clrMapOvr>
+</p:sld>
+</file>
+
+<file path=ppt/slides/slide5.xml><?xml version="1.0" encoding="utf-8"?>
+<p:sld xmlns:a="http://schemas.openxmlformats.org/drawingml/2006/main" xmlns:r="http://schemas.openxmlformats.org/officeDocument/2006/relationships" xmlns:p="http://schemas.openxmlformats.org/presentationml/2006/main">
+  <p:cSld>
+    <p:spTree>
+      <p:nvGrpSpPr>
+        <p:cNvPr id="1" name=""/>
+        <p:cNvGrpSpPr/>
+        <p:nvPr/>
+      </p:nvGrpSpPr>
+      <p:grpSpPr>
+        <a:xfrm>
+          <a:off x="0" y="0"/>
+          <a:ext cx="0" cy="0"/>
+          <a:chOff x="0" y="0"/>
+          <a:chExt cx="0" cy="0"/>
+        </a:xfrm>
+      </p:grpSpPr>
+      <p:sp>
+        <p:nvSpPr>
+          <p:cNvPr id="2" name="Title 1">
+            <a:extLst>
+              <a:ext uri="{FF2B5EF4-FFF2-40B4-BE49-F238E27FC236}">
+                <a16:creationId xmlns:a16="http://schemas.microsoft.com/office/drawing/2014/main" id="{06E09389-91C3-89FC-2EDF-0D2AC03EEF1C}"/>
+              </a:ext>
+            </a:extLst>
+          </p:cNvPr>
+          <p:cNvSpPr>
+            <a:spLocks noGrp="1"/>
+          </p:cNvSpPr>
+          <p:nvPr>
+            <p:ph type="title"/>
+          </p:nvPr>
+        </p:nvSpPr>
+        <p:spPr>
+          <a:xfrm>
+            <a:off x="719447" y="210748"/>
+            <a:ext cx="10515600" cy="798656"/>
+          </a:xfrm>
+        </p:spPr>
+        <p:txBody>
+          <a:bodyPr/>
+          <a:lstStyle/>
+          <a:p>
+            <a:r>
+              <a:rPr lang="en-US" dirty="0"/>
+              <a:t>Go to your Claude Setting Capabilities Menu</a:t>
+            </a:r>
+          </a:p>
+        </p:txBody>
+      </p:sp>
+      <p:pic>
+        <p:nvPicPr>
+          <p:cNvPr id="4" name="Picture 3">
+            <a:extLst>
+              <a:ext uri="{FF2B5EF4-FFF2-40B4-BE49-F238E27FC236}">
+                <a16:creationId xmlns:a16="http://schemas.microsoft.com/office/drawing/2014/main" id="{BA870140-7690-8B9F-20D9-5874BC042DC7}"/>
+              </a:ext>
+            </a:extLst>
+          </p:cNvPr>
+          <p:cNvPicPr>
+            <a:picLocks noChangeAspect="1"/>
+          </p:cNvPicPr>
+          <p:nvPr/>
+        </p:nvPicPr>
+        <p:blipFill>
+          <a:blip r:embed="rId2"/>
+          <a:srcRect t="6586"/>
+          <a:stretch>
+            <a:fillRect/>
+          </a:stretch>
+        </p:blipFill>
+        <p:spPr>
+          <a:xfrm>
+            <a:off x="1934099" y="1425039"/>
+            <a:ext cx="7772400" cy="4818494"/>
+          </a:xfrm>
+          <a:prstGeom prst="rect">
+            <a:avLst/>
+          </a:prstGeom>
+          <a:ln>
+            <a:solidFill>
+              <a:schemeClr val="tx1"/>
+            </a:solidFill>
+          </a:ln>
+        </p:spPr>
+      </p:pic>
+      <p:sp>
+        <p:nvSpPr>
+          <p:cNvPr id="5" name="Left Arrow 4">
+            <a:extLst>
+              <a:ext uri="{FF2B5EF4-FFF2-40B4-BE49-F238E27FC236}">
+                <a16:creationId xmlns:a16="http://schemas.microsoft.com/office/drawing/2014/main" id="{2980FD8F-A9B4-2C4E-37CB-DD03352CC316}"/>
+              </a:ext>
+            </a:extLst>
+          </p:cNvPr>
+          <p:cNvSpPr/>
+          <p:nvPr/>
+        </p:nvSpPr>
+        <p:spPr>
+          <a:xfrm>
+            <a:off x="9334004" y="5118265"/>
+            <a:ext cx="1911928" cy="878773"/>
+          </a:xfrm>
+          <a:prstGeom prst="leftArrow">
+            <a:avLst/>
+          </a:prstGeom>
+          <a:solidFill>
+            <a:srgbClr val="FF0000"/>
+          </a:solidFill>
+        </p:spPr>
+        <p:style>
+          <a:lnRef idx="2">
+            <a:schemeClr val="accent1">
+              <a:shade val="15000"/>
+            </a:schemeClr>
+          </a:lnRef>
+          <a:fillRef idx="1">
+            <a:schemeClr val="accent1"/>
+          </a:fillRef>
+          <a:effectRef idx="0">
+            <a:schemeClr val="accent1"/>
+          </a:effectRef>
+          <a:fontRef idx="minor">
+            <a:schemeClr val="lt1"/>
+          </a:fontRef>
+        </p:style>
+        <p:txBody>
+          <a:bodyPr rtlCol="0" anchor="ctr"/>
+          <a:lstStyle/>
+          <a:p>
+            <a:pPr algn="ctr"/>
+            <a:r>
+              <a:rPr lang="en-US" dirty="0"/>
+              <a:t>CLICK HERE</a:t>
+            </a:r>
+          </a:p>
+        </p:txBody>
+      </p:sp>
+      <p:sp>
+        <p:nvSpPr>
+          <p:cNvPr id="6" name="TextBox 5">
+            <a:extLst>
+              <a:ext uri="{FF2B5EF4-FFF2-40B4-BE49-F238E27FC236}">
+                <a16:creationId xmlns:a16="http://schemas.microsoft.com/office/drawing/2014/main" id="{4EEAFC43-74F3-9BA5-1B76-319CCAAF4067}"/>
+              </a:ext>
+            </a:extLst>
+          </p:cNvPr>
+          <p:cNvSpPr txBox="1"/>
+          <p:nvPr/>
+        </p:nvSpPr>
+        <p:spPr>
+          <a:xfrm>
+            <a:off x="1828800" y="961901"/>
+            <a:ext cx="4454553" cy="369332"/>
+          </a:xfrm>
+          <a:prstGeom prst="rect">
+            <a:avLst/>
+          </a:prstGeom>
+          <a:noFill/>
+        </p:spPr>
+        <p:txBody>
+          <a:bodyPr wrap="none" rtlCol="0">
+            <a:spAutoFit/>
+          </a:bodyPr>
+          <a:lstStyle/>
+          <a:p>
+            <a:r>
+              <a:rPr lang="en-US" dirty="0"/>
+              <a:t>Go to: http://</a:t>
+            </a:r>
+            <a:r>
+              <a:rPr lang="en-US" dirty="0" err="1"/>
+              <a:t>claude.ai</a:t>
+            </a:r>
+            <a:r>
+              <a:rPr lang="en-US" dirty="0"/>
+              <a:t>/settings/capabilities</a:t>
+            </a:r>
+          </a:p>
+        </p:txBody>
+      </p:sp>
+      <p:sp>
+        <p:nvSpPr>
+          <p:cNvPr id="7" name="TextBox 6">
+            <a:extLst>
+              <a:ext uri="{FF2B5EF4-FFF2-40B4-BE49-F238E27FC236}">
+                <a16:creationId xmlns:a16="http://schemas.microsoft.com/office/drawing/2014/main" id="{FD973B83-8C05-8F1A-EB27-F59568DA2A2E}"/>
+              </a:ext>
+            </a:extLst>
+          </p:cNvPr>
+          <p:cNvSpPr txBox="1"/>
+          <p:nvPr/>
+        </p:nvSpPr>
+        <p:spPr>
+          <a:xfrm>
+            <a:off x="1886198" y="6268191"/>
+            <a:ext cx="4944559" cy="369332"/>
+          </a:xfrm>
+          <a:prstGeom prst="rect">
+            <a:avLst/>
+          </a:prstGeom>
+          <a:noFill/>
+        </p:spPr>
+        <p:txBody>
           <a:bodyPr wrap="none" rtlCol="0">
             <a:spAutoFit/>
           </a:bodyPr>
@@ -3619,6 +5074,214 @@
     <p:extLst>
       <p:ext uri="{BB962C8B-B14F-4D97-AF65-F5344CB8AC3E}">
         <p14:creationId xmlns:p14="http://schemas.microsoft.com/office/powerpoint/2010/main" val="1017587451"/>
+      </p:ext>
+    </p:extLst>
+  </p:cSld>
+  <p:clrMapOvr>
+    <a:masterClrMapping/>
+  </p:clrMapOvr>
+</p:sld>
+</file>
+
+<file path=ppt/slides/slide6.xml><?xml version="1.0" encoding="utf-8"?>
+<p:sld xmlns:a="http://schemas.openxmlformats.org/drawingml/2006/main" xmlns:r="http://schemas.openxmlformats.org/officeDocument/2006/relationships" xmlns:p="http://schemas.openxmlformats.org/presentationml/2006/main">
+  <p:cSld>
+    <p:spTree>
+      <p:nvGrpSpPr>
+        <p:cNvPr id="1" name=""/>
+        <p:cNvGrpSpPr/>
+        <p:nvPr/>
+      </p:nvGrpSpPr>
+      <p:grpSpPr>
+        <a:xfrm>
+          <a:off x="0" y="0"/>
+          <a:ext cx="0" cy="0"/>
+          <a:chOff x="0" y="0"/>
+          <a:chExt cx="0" cy="0"/>
+        </a:xfrm>
+      </p:grpSpPr>
+      <p:sp>
+        <p:nvSpPr>
+          <p:cNvPr id="2" name="Title 1">
+            <a:extLst>
+              <a:ext uri="{FF2B5EF4-FFF2-40B4-BE49-F238E27FC236}">
+                <a16:creationId xmlns:a16="http://schemas.microsoft.com/office/drawing/2014/main" id="{975B4DC2-09BE-EA38-1008-459032062E27}"/>
+              </a:ext>
+            </a:extLst>
+          </p:cNvPr>
+          <p:cNvSpPr>
+            <a:spLocks noGrp="1"/>
+          </p:cNvSpPr>
+          <p:nvPr>
+            <p:ph type="title"/>
+          </p:nvPr>
+        </p:nvSpPr>
+        <p:spPr>
+          <a:xfrm>
+            <a:off x="306859" y="155060"/>
+            <a:ext cx="10515600" cy="907621"/>
+          </a:xfrm>
+        </p:spPr>
+        <p:txBody>
+          <a:bodyPr/>
+          <a:lstStyle/>
+          <a:p>
+            <a:r>
+              <a:rPr lang="en-US" dirty="0"/>
+              <a:t>Drag and Drop the MicroSim Skill zip file</a:t>
+            </a:r>
+          </a:p>
+        </p:txBody>
+      </p:sp>
+      <p:pic>
+        <p:nvPicPr>
+          <p:cNvPr id="4" name="Picture 3">
+            <a:extLst>
+              <a:ext uri="{FF2B5EF4-FFF2-40B4-BE49-F238E27FC236}">
+                <a16:creationId xmlns:a16="http://schemas.microsoft.com/office/drawing/2014/main" id="{ACAF7D95-C00E-E210-0358-8D92D745129E}"/>
+              </a:ext>
+            </a:extLst>
+          </p:cNvPr>
+          <p:cNvPicPr>
+            <a:picLocks noChangeAspect="1"/>
+          </p:cNvPicPr>
+          <p:nvPr/>
+        </p:nvPicPr>
+        <p:blipFill>
+          <a:blip r:embed="rId2"/>
+          <a:stretch>
+            <a:fillRect/>
+          </a:stretch>
+        </p:blipFill>
+        <p:spPr>
+          <a:xfrm>
+            <a:off x="937054" y="1497885"/>
+            <a:ext cx="7544959" cy="4828774"/>
+          </a:xfrm>
+          <a:prstGeom prst="rect">
+            <a:avLst/>
+          </a:prstGeom>
+        </p:spPr>
+      </p:pic>
+    </p:spTree>
+    <p:extLst>
+      <p:ext uri="{BB962C8B-B14F-4D97-AF65-F5344CB8AC3E}">
+        <p14:creationId xmlns:p14="http://schemas.microsoft.com/office/powerpoint/2010/main" val="4100953908"/>
+      </p:ext>
+    </p:extLst>
+  </p:cSld>
+  <p:clrMapOvr>
+    <a:masterClrMapping/>
+  </p:clrMapOvr>
+</p:sld>
+</file>
+
+<file path=ppt/slides/slide7.xml><?xml version="1.0" encoding="utf-8"?>
+<p:sld xmlns:a="http://schemas.openxmlformats.org/drawingml/2006/main" xmlns:r="http://schemas.openxmlformats.org/officeDocument/2006/relationships" xmlns:p="http://schemas.openxmlformats.org/presentationml/2006/main">
+  <p:cSld>
+    <p:spTree>
+      <p:nvGrpSpPr>
+        <p:cNvPr id="1" name=""/>
+        <p:cNvGrpSpPr/>
+        <p:nvPr/>
+      </p:nvGrpSpPr>
+      <p:grpSpPr>
+        <a:xfrm>
+          <a:off x="0" y="0"/>
+          <a:ext cx="0" cy="0"/>
+          <a:chOff x="0" y="0"/>
+          <a:chExt cx="0" cy="0"/>
+        </a:xfrm>
+      </p:grpSpPr>
+      <p:sp>
+        <p:nvSpPr>
+          <p:cNvPr id="2" name="Title 1">
+            <a:extLst>
+              <a:ext uri="{FF2B5EF4-FFF2-40B4-BE49-F238E27FC236}">
+                <a16:creationId xmlns:a16="http://schemas.microsoft.com/office/drawing/2014/main" id="{4C882C11-8A85-6A85-6680-6153ED639B60}"/>
+              </a:ext>
+            </a:extLst>
+          </p:cNvPr>
+          <p:cNvSpPr>
+            <a:spLocks noGrp="1"/>
+          </p:cNvSpPr>
+          <p:nvPr>
+            <p:ph type="title"/>
+          </p:nvPr>
+        </p:nvSpPr>
+        <p:spPr/>
+        <p:txBody>
+          <a:bodyPr/>
+          <a:lstStyle/>
+          <a:p>
+            <a:endParaRPr lang="en-US"/>
+          </a:p>
+        </p:txBody>
+      </p:sp>
+      <p:sp>
+        <p:nvSpPr>
+          <p:cNvPr id="3" name="Content Placeholder 2">
+            <a:extLst>
+              <a:ext uri="{FF2B5EF4-FFF2-40B4-BE49-F238E27FC236}">
+                <a16:creationId xmlns:a16="http://schemas.microsoft.com/office/drawing/2014/main" id="{F6DEFE41-9CC8-F642-2E31-4AB6CCF85C7D}"/>
+              </a:ext>
+            </a:extLst>
+          </p:cNvPr>
+          <p:cNvSpPr>
+            <a:spLocks noGrp="1"/>
+          </p:cNvSpPr>
+          <p:nvPr>
+            <p:ph idx="1"/>
+          </p:nvPr>
+        </p:nvSpPr>
+        <p:spPr>
+          <a:xfrm>
+            <a:off x="838200" y="4769707"/>
+            <a:ext cx="10515600" cy="1407255"/>
+          </a:xfrm>
+        </p:spPr>
+        <p:txBody>
+          <a:bodyPr/>
+          <a:lstStyle/>
+          <a:p>
+            <a:endParaRPr lang="en-US"/>
+          </a:p>
+        </p:txBody>
+      </p:sp>
+      <p:pic>
+        <p:nvPicPr>
+          <p:cNvPr id="4" name="Picture 3">
+            <a:extLst>
+              <a:ext uri="{FF2B5EF4-FFF2-40B4-BE49-F238E27FC236}">
+                <a16:creationId xmlns:a16="http://schemas.microsoft.com/office/drawing/2014/main" id="{D031521E-596D-52F0-9CD0-9282F6833982}"/>
+              </a:ext>
+            </a:extLst>
+          </p:cNvPr>
+          <p:cNvPicPr>
+            <a:picLocks noChangeAspect="1"/>
+          </p:cNvPicPr>
+          <p:nvPr/>
+        </p:nvPicPr>
+        <p:blipFill>
+          <a:blip r:embed="rId2"/>
+          <a:stretch>
+            <a:fillRect/>
+          </a:stretch>
+        </p:blipFill>
+        <p:spPr>
+          <a:xfrm>
+            <a:off x="405714" y="2364509"/>
+            <a:ext cx="11032252" cy="1478443"/>
+          </a:xfrm>
+          <a:prstGeom prst="rect">
+            <a:avLst/>
+          </a:prstGeom>
+        </p:spPr>
+      </p:pic>
+    </p:spTree>
+    <p:extLst>
+      <p:ext uri="{BB962C8B-B14F-4D97-AF65-F5344CB8AC3E}">
+        <p14:creationId xmlns:p14="http://schemas.microsoft.com/office/powerpoint/2010/main" val="3485858917"/>
       </p:ext>
     </p:extLst>
   </p:cSld>

--- a/slides/Using-Claude-Skill-to-Generate-MicroSims.pptx
+++ b/slides/Using-Claude-Skill-to-Generate-MicroSims.pptx
@@ -4,14 +4,49 @@
   <p:sldMasterIdLst>
     <p:sldMasterId id="2147483648" r:id="rId1"/>
   </p:sldMasterIdLst>
+  <p:notesMasterIdLst>
+    <p:notesMasterId r:id="rId41"/>
+  </p:notesMasterIdLst>
   <p:sldIdLst>
     <p:sldId id="256" r:id="rId2"/>
-    <p:sldId id="258" r:id="rId3"/>
-    <p:sldId id="259" r:id="rId4"/>
-    <p:sldId id="261" r:id="rId5"/>
-    <p:sldId id="257" r:id="rId6"/>
-    <p:sldId id="260" r:id="rId7"/>
-    <p:sldId id="263" r:id="rId8"/>
+    <p:sldId id="278" r:id="rId3"/>
+    <p:sldId id="258" r:id="rId4"/>
+    <p:sldId id="259" r:id="rId5"/>
+    <p:sldId id="285" r:id="rId6"/>
+    <p:sldId id="286" r:id="rId7"/>
+    <p:sldId id="261" r:id="rId8"/>
+    <p:sldId id="264" r:id="rId9"/>
+    <p:sldId id="257" r:id="rId10"/>
+    <p:sldId id="260" r:id="rId11"/>
+    <p:sldId id="263" r:id="rId12"/>
+    <p:sldId id="265" r:id="rId13"/>
+    <p:sldId id="266" r:id="rId14"/>
+    <p:sldId id="267" r:id="rId15"/>
+    <p:sldId id="279" r:id="rId16"/>
+    <p:sldId id="272" r:id="rId17"/>
+    <p:sldId id="273" r:id="rId18"/>
+    <p:sldId id="295" r:id="rId19"/>
+    <p:sldId id="268" r:id="rId20"/>
+    <p:sldId id="269" r:id="rId21"/>
+    <p:sldId id="270" r:id="rId22"/>
+    <p:sldId id="271" r:id="rId23"/>
+    <p:sldId id="274" r:id="rId24"/>
+    <p:sldId id="275" r:id="rId25"/>
+    <p:sldId id="280" r:id="rId26"/>
+    <p:sldId id="276" r:id="rId27"/>
+    <p:sldId id="277" r:id="rId28"/>
+    <p:sldId id="281" r:id="rId29"/>
+    <p:sldId id="282" r:id="rId30"/>
+    <p:sldId id="294" r:id="rId31"/>
+    <p:sldId id="287" r:id="rId32"/>
+    <p:sldId id="293" r:id="rId33"/>
+    <p:sldId id="288" r:id="rId34"/>
+    <p:sldId id="289" r:id="rId35"/>
+    <p:sldId id="290" r:id="rId36"/>
+    <p:sldId id="291" r:id="rId37"/>
+    <p:sldId id="292" r:id="rId38"/>
+    <p:sldId id="283" r:id="rId39"/>
+    <p:sldId id="284" r:id="rId40"/>
   </p:sldIdLst>
   <p:sldSz cx="12192000" cy="6858000"/>
   <p:notesSz cx="6858000" cy="9144000"/>
@@ -111,6 +146,446 @@
     </a:lvl9pPr>
   </p:defaultTextStyle>
 </p:presentation>
+</file>
+
+<file path=ppt/notesMasters/notesMaster1.xml><?xml version="1.0" encoding="utf-8"?>
+<p:notesMaster xmlns:a="http://schemas.openxmlformats.org/drawingml/2006/main" xmlns:r="http://schemas.openxmlformats.org/officeDocument/2006/relationships" xmlns:p="http://schemas.openxmlformats.org/presentationml/2006/main">
+  <p:cSld>
+    <p:bg>
+      <p:bgRef idx="1001">
+        <a:schemeClr val="bg1"/>
+      </p:bgRef>
+    </p:bg>
+    <p:spTree>
+      <p:nvGrpSpPr>
+        <p:cNvPr id="1" name=""/>
+        <p:cNvGrpSpPr/>
+        <p:nvPr/>
+      </p:nvGrpSpPr>
+      <p:grpSpPr>
+        <a:xfrm>
+          <a:off x="0" y="0"/>
+          <a:ext cx="0" cy="0"/>
+          <a:chOff x="0" y="0"/>
+          <a:chExt cx="0" cy="0"/>
+        </a:xfrm>
+      </p:grpSpPr>
+      <p:sp>
+        <p:nvSpPr>
+          <p:cNvPr id="2" name="Header Placeholder 1"/>
+          <p:cNvSpPr>
+            <a:spLocks noGrp="1"/>
+          </p:cNvSpPr>
+          <p:nvPr>
+            <p:ph type="hdr" sz="quarter"/>
+          </p:nvPr>
+        </p:nvSpPr>
+        <p:spPr>
+          <a:xfrm>
+            <a:off x="0" y="0"/>
+            <a:ext cx="2971800" cy="458788"/>
+          </a:xfrm>
+          <a:prstGeom prst="rect">
+            <a:avLst/>
+          </a:prstGeom>
+        </p:spPr>
+        <p:txBody>
+          <a:bodyPr vert="horz" lIns="91440" tIns="45720" rIns="91440" bIns="45720" rtlCol="0"/>
+          <a:lstStyle>
+            <a:lvl1pPr algn="l">
+              <a:defRPr sz="1200"/>
+            </a:lvl1pPr>
+          </a:lstStyle>
+          <a:p>
+            <a:endParaRPr lang="en-US"/>
+          </a:p>
+        </p:txBody>
+      </p:sp>
+      <p:sp>
+        <p:nvSpPr>
+          <p:cNvPr id="3" name="Date Placeholder 2"/>
+          <p:cNvSpPr>
+            <a:spLocks noGrp="1"/>
+          </p:cNvSpPr>
+          <p:nvPr>
+            <p:ph type="dt" idx="1"/>
+          </p:nvPr>
+        </p:nvSpPr>
+        <p:spPr>
+          <a:xfrm>
+            <a:off x="3884613" y="0"/>
+            <a:ext cx="2971800" cy="458788"/>
+          </a:xfrm>
+          <a:prstGeom prst="rect">
+            <a:avLst/>
+          </a:prstGeom>
+        </p:spPr>
+        <p:txBody>
+          <a:bodyPr vert="horz" lIns="91440" tIns="45720" rIns="91440" bIns="45720" rtlCol="0"/>
+          <a:lstStyle>
+            <a:lvl1pPr algn="r">
+              <a:defRPr sz="1200"/>
+            </a:lvl1pPr>
+          </a:lstStyle>
+          <a:p>
+            <a:fld id="{502F589B-D509-4C40-AC4A-2E3058EC3381}" type="datetimeFigureOut">
+              <a:rPr lang="en-US" smtClean="0"/>
+              <a:t>10/23/25</a:t>
+            </a:fld>
+            <a:endParaRPr lang="en-US"/>
+          </a:p>
+        </p:txBody>
+      </p:sp>
+      <p:sp>
+        <p:nvSpPr>
+          <p:cNvPr id="4" name="Slide Image Placeholder 3"/>
+          <p:cNvSpPr>
+            <a:spLocks noGrp="1" noRot="1" noChangeAspect="1"/>
+          </p:cNvSpPr>
+          <p:nvPr>
+            <p:ph type="sldImg" idx="2"/>
+          </p:nvPr>
+        </p:nvSpPr>
+        <p:spPr>
+          <a:xfrm>
+            <a:off x="685800" y="1143000"/>
+            <a:ext cx="5486400" cy="3086100"/>
+          </a:xfrm>
+          <a:prstGeom prst="rect">
+            <a:avLst/>
+          </a:prstGeom>
+          <a:noFill/>
+          <a:ln w="12700">
+            <a:solidFill>
+              <a:prstClr val="black"/>
+            </a:solidFill>
+          </a:ln>
+        </p:spPr>
+        <p:txBody>
+          <a:bodyPr vert="horz" lIns="91440" tIns="45720" rIns="91440" bIns="45720" rtlCol="0" anchor="ctr"/>
+          <a:lstStyle/>
+          <a:p>
+            <a:endParaRPr lang="en-US"/>
+          </a:p>
+        </p:txBody>
+      </p:sp>
+      <p:sp>
+        <p:nvSpPr>
+          <p:cNvPr id="5" name="Notes Placeholder 4"/>
+          <p:cNvSpPr>
+            <a:spLocks noGrp="1"/>
+          </p:cNvSpPr>
+          <p:nvPr>
+            <p:ph type="body" sz="quarter" idx="3"/>
+          </p:nvPr>
+        </p:nvSpPr>
+        <p:spPr>
+          <a:xfrm>
+            <a:off x="685800" y="4400550"/>
+            <a:ext cx="5486400" cy="3600450"/>
+          </a:xfrm>
+          <a:prstGeom prst="rect">
+            <a:avLst/>
+          </a:prstGeom>
+        </p:spPr>
+        <p:txBody>
+          <a:bodyPr vert="horz" lIns="91440" tIns="45720" rIns="91440" bIns="45720" rtlCol="0"/>
+          <a:lstStyle/>
+          <a:p>
+            <a:pPr lvl="0"/>
+            <a:r>
+              <a:rPr lang="en-US"/>
+              <a:t>Click to edit Master text styles</a:t>
+            </a:r>
+          </a:p>
+          <a:p>
+            <a:pPr lvl="1"/>
+            <a:r>
+              <a:rPr lang="en-US"/>
+              <a:t>Second level</a:t>
+            </a:r>
+          </a:p>
+          <a:p>
+            <a:pPr lvl="2"/>
+            <a:r>
+              <a:rPr lang="en-US"/>
+              <a:t>Third level</a:t>
+            </a:r>
+          </a:p>
+          <a:p>
+            <a:pPr lvl="3"/>
+            <a:r>
+              <a:rPr lang="en-US"/>
+              <a:t>Fourth level</a:t>
+            </a:r>
+          </a:p>
+          <a:p>
+            <a:pPr lvl="4"/>
+            <a:r>
+              <a:rPr lang="en-US"/>
+              <a:t>Fifth level</a:t>
+            </a:r>
+          </a:p>
+        </p:txBody>
+      </p:sp>
+      <p:sp>
+        <p:nvSpPr>
+          <p:cNvPr id="6" name="Footer Placeholder 5"/>
+          <p:cNvSpPr>
+            <a:spLocks noGrp="1"/>
+          </p:cNvSpPr>
+          <p:nvPr>
+            <p:ph type="ftr" sz="quarter" idx="4"/>
+          </p:nvPr>
+        </p:nvSpPr>
+        <p:spPr>
+          <a:xfrm>
+            <a:off x="0" y="8685213"/>
+            <a:ext cx="2971800" cy="458787"/>
+          </a:xfrm>
+          <a:prstGeom prst="rect">
+            <a:avLst/>
+          </a:prstGeom>
+        </p:spPr>
+        <p:txBody>
+          <a:bodyPr vert="horz" lIns="91440" tIns="45720" rIns="91440" bIns="45720" rtlCol="0" anchor="b"/>
+          <a:lstStyle>
+            <a:lvl1pPr algn="l">
+              <a:defRPr sz="1200"/>
+            </a:lvl1pPr>
+          </a:lstStyle>
+          <a:p>
+            <a:endParaRPr lang="en-US"/>
+          </a:p>
+        </p:txBody>
+      </p:sp>
+      <p:sp>
+        <p:nvSpPr>
+          <p:cNvPr id="7" name="Slide Number Placeholder 6"/>
+          <p:cNvSpPr>
+            <a:spLocks noGrp="1"/>
+          </p:cNvSpPr>
+          <p:nvPr>
+            <p:ph type="sldNum" sz="quarter" idx="5"/>
+          </p:nvPr>
+        </p:nvSpPr>
+        <p:spPr>
+          <a:xfrm>
+            <a:off x="3884613" y="8685213"/>
+            <a:ext cx="2971800" cy="458787"/>
+          </a:xfrm>
+          <a:prstGeom prst="rect">
+            <a:avLst/>
+          </a:prstGeom>
+        </p:spPr>
+        <p:txBody>
+          <a:bodyPr vert="horz" lIns="91440" tIns="45720" rIns="91440" bIns="45720" rtlCol="0" anchor="b"/>
+          <a:lstStyle>
+            <a:lvl1pPr algn="r">
+              <a:defRPr sz="1200"/>
+            </a:lvl1pPr>
+          </a:lstStyle>
+          <a:p>
+            <a:fld id="{6A871201-6898-AB40-9D17-E3D4FA5EF5B8}" type="slidenum">
+              <a:rPr lang="en-US" smtClean="0"/>
+              <a:t>‹#›</a:t>
+            </a:fld>
+            <a:endParaRPr lang="en-US"/>
+          </a:p>
+        </p:txBody>
+      </p:sp>
+    </p:spTree>
+    <p:extLst>
+      <p:ext uri="{BB962C8B-B14F-4D97-AF65-F5344CB8AC3E}">
+        <p14:creationId xmlns:p14="http://schemas.microsoft.com/office/powerpoint/2010/main" val="1799060221"/>
+      </p:ext>
+    </p:extLst>
+  </p:cSld>
+  <p:clrMap bg1="lt1" tx1="dk1" bg2="lt2" tx2="dk2" accent1="accent1" accent2="accent2" accent3="accent3" accent4="accent4" accent5="accent5" accent6="accent6" hlink="hlink" folHlink="folHlink"/>
+  <p:notesStyle>
+    <a:lvl1pPr marL="0" algn="l" defTabSz="914400" rtl="0" eaLnBrk="1" latinLnBrk="0" hangingPunct="1">
+      <a:defRPr sz="1200" kern="1200">
+        <a:solidFill>
+          <a:schemeClr val="tx1"/>
+        </a:solidFill>
+        <a:latin typeface="+mn-lt"/>
+        <a:ea typeface="+mn-ea"/>
+        <a:cs typeface="+mn-cs"/>
+      </a:defRPr>
+    </a:lvl1pPr>
+    <a:lvl2pPr marL="457200" algn="l" defTabSz="914400" rtl="0" eaLnBrk="1" latinLnBrk="0" hangingPunct="1">
+      <a:defRPr sz="1200" kern="1200">
+        <a:solidFill>
+          <a:schemeClr val="tx1"/>
+        </a:solidFill>
+        <a:latin typeface="+mn-lt"/>
+        <a:ea typeface="+mn-ea"/>
+        <a:cs typeface="+mn-cs"/>
+      </a:defRPr>
+    </a:lvl2pPr>
+    <a:lvl3pPr marL="914400" algn="l" defTabSz="914400" rtl="0" eaLnBrk="1" latinLnBrk="0" hangingPunct="1">
+      <a:defRPr sz="1200" kern="1200">
+        <a:solidFill>
+          <a:schemeClr val="tx1"/>
+        </a:solidFill>
+        <a:latin typeface="+mn-lt"/>
+        <a:ea typeface="+mn-ea"/>
+        <a:cs typeface="+mn-cs"/>
+      </a:defRPr>
+    </a:lvl3pPr>
+    <a:lvl4pPr marL="1371600" algn="l" defTabSz="914400" rtl="0" eaLnBrk="1" latinLnBrk="0" hangingPunct="1">
+      <a:defRPr sz="1200" kern="1200">
+        <a:solidFill>
+          <a:schemeClr val="tx1"/>
+        </a:solidFill>
+        <a:latin typeface="+mn-lt"/>
+        <a:ea typeface="+mn-ea"/>
+        <a:cs typeface="+mn-cs"/>
+      </a:defRPr>
+    </a:lvl4pPr>
+    <a:lvl5pPr marL="1828800" algn="l" defTabSz="914400" rtl="0" eaLnBrk="1" latinLnBrk="0" hangingPunct="1">
+      <a:defRPr sz="1200" kern="1200">
+        <a:solidFill>
+          <a:schemeClr val="tx1"/>
+        </a:solidFill>
+        <a:latin typeface="+mn-lt"/>
+        <a:ea typeface="+mn-ea"/>
+        <a:cs typeface="+mn-cs"/>
+      </a:defRPr>
+    </a:lvl5pPr>
+    <a:lvl6pPr marL="2286000" algn="l" defTabSz="914400" rtl="0" eaLnBrk="1" latinLnBrk="0" hangingPunct="1">
+      <a:defRPr sz="1200" kern="1200">
+        <a:solidFill>
+          <a:schemeClr val="tx1"/>
+        </a:solidFill>
+        <a:latin typeface="+mn-lt"/>
+        <a:ea typeface="+mn-ea"/>
+        <a:cs typeface="+mn-cs"/>
+      </a:defRPr>
+    </a:lvl6pPr>
+    <a:lvl7pPr marL="2743200" algn="l" defTabSz="914400" rtl="0" eaLnBrk="1" latinLnBrk="0" hangingPunct="1">
+      <a:defRPr sz="1200" kern="1200">
+        <a:solidFill>
+          <a:schemeClr val="tx1"/>
+        </a:solidFill>
+        <a:latin typeface="+mn-lt"/>
+        <a:ea typeface="+mn-ea"/>
+        <a:cs typeface="+mn-cs"/>
+      </a:defRPr>
+    </a:lvl7pPr>
+    <a:lvl8pPr marL="3200400" algn="l" defTabSz="914400" rtl="0" eaLnBrk="1" latinLnBrk="0" hangingPunct="1">
+      <a:defRPr sz="1200" kern="1200">
+        <a:solidFill>
+          <a:schemeClr val="tx1"/>
+        </a:solidFill>
+        <a:latin typeface="+mn-lt"/>
+        <a:ea typeface="+mn-ea"/>
+        <a:cs typeface="+mn-cs"/>
+      </a:defRPr>
+    </a:lvl8pPr>
+    <a:lvl9pPr marL="3657600" algn="l" defTabSz="914400" rtl="0" eaLnBrk="1" latinLnBrk="0" hangingPunct="1">
+      <a:defRPr sz="1200" kern="1200">
+        <a:solidFill>
+          <a:schemeClr val="tx1"/>
+        </a:solidFill>
+        <a:latin typeface="+mn-lt"/>
+        <a:ea typeface="+mn-ea"/>
+        <a:cs typeface="+mn-cs"/>
+      </a:defRPr>
+    </a:lvl9pPr>
+  </p:notesStyle>
+</p:notesMaster>
+</file>
+
+<file path=ppt/notesSlides/notesSlide1.xml><?xml version="1.0" encoding="utf-8"?>
+<p:notes xmlns:a="http://schemas.openxmlformats.org/drawingml/2006/main" xmlns:r="http://schemas.openxmlformats.org/officeDocument/2006/relationships" xmlns:p="http://schemas.openxmlformats.org/presentationml/2006/main">
+  <p:cSld>
+    <p:spTree>
+      <p:nvGrpSpPr>
+        <p:cNvPr id="1" name=""/>
+        <p:cNvGrpSpPr/>
+        <p:nvPr/>
+      </p:nvGrpSpPr>
+      <p:grpSpPr>
+        <a:xfrm>
+          <a:off x="0" y="0"/>
+          <a:ext cx="0" cy="0"/>
+          <a:chOff x="0" y="0"/>
+          <a:chExt cx="0" cy="0"/>
+        </a:xfrm>
+      </p:grpSpPr>
+      <p:sp>
+        <p:nvSpPr>
+          <p:cNvPr id="2" name="Slide Image Placeholder 1"/>
+          <p:cNvSpPr>
+            <a:spLocks noGrp="1" noRot="1" noChangeAspect="1"/>
+          </p:cNvSpPr>
+          <p:nvPr>
+            <p:ph type="sldImg"/>
+          </p:nvPr>
+        </p:nvSpPr>
+        <p:spPr/>
+        <p:txBody>
+          <a:bodyPr/>
+          <a:lstStyle/>
+          <a:p>
+            <a:endParaRPr lang="en-US"/>
+          </a:p>
+        </p:txBody>
+      </p:sp>
+      <p:sp>
+        <p:nvSpPr>
+          <p:cNvPr id="3" name="Notes Placeholder 2"/>
+          <p:cNvSpPr>
+            <a:spLocks noGrp="1"/>
+          </p:cNvSpPr>
+          <p:nvPr>
+            <p:ph type="body" idx="1"/>
+          </p:nvPr>
+        </p:nvSpPr>
+        <p:spPr/>
+        <p:txBody>
+          <a:bodyPr/>
+          <a:lstStyle/>
+          <a:p>
+            <a:endParaRPr lang="en-US" dirty="0"/>
+          </a:p>
+        </p:txBody>
+      </p:sp>
+      <p:sp>
+        <p:nvSpPr>
+          <p:cNvPr id="4" name="Slide Number Placeholder 3"/>
+          <p:cNvSpPr>
+            <a:spLocks noGrp="1"/>
+          </p:cNvSpPr>
+          <p:nvPr>
+            <p:ph type="sldNum" sz="quarter" idx="5"/>
+          </p:nvPr>
+        </p:nvSpPr>
+        <p:spPr/>
+        <p:txBody>
+          <a:bodyPr/>
+          <a:lstStyle/>
+          <a:p>
+            <a:fld id="{6A871201-6898-AB40-9D17-E3D4FA5EF5B8}" type="slidenum">
+              <a:rPr lang="en-US" smtClean="0"/>
+              <a:t>36</a:t>
+            </a:fld>
+            <a:endParaRPr lang="en-US"/>
+          </a:p>
+        </p:txBody>
+      </p:sp>
+    </p:spTree>
+    <p:extLst>
+      <p:ext uri="{BB962C8B-B14F-4D97-AF65-F5344CB8AC3E}">
+        <p14:creationId xmlns:p14="http://schemas.microsoft.com/office/powerpoint/2010/main" val="2507708164"/>
+      </p:ext>
+    </p:extLst>
+  </p:cSld>
+  <p:clrMapOvr>
+    <a:masterClrMapping/>
+  </p:clrMapOvr>
+</p:notes>
 </file>
 
 <file path=ppt/slideLayouts/slideLayout1.xml><?xml version="1.0" encoding="utf-8"?>
@@ -3350,7 +3825,7 @@
           <a:p>
             <a:r>
               <a:rPr lang="en-US" dirty="0"/>
-              <a:t>Using MicroSim Skills</a:t>
+              <a:t>Using MicroSim Skills with Anthropic Claude</a:t>
             </a:r>
           </a:p>
         </p:txBody>
@@ -3371,7 +3846,12 @@
             <p:ph type="subTitle" idx="1"/>
           </p:nvPr>
         </p:nvSpPr>
-        <p:spPr/>
+        <p:spPr>
+          <a:xfrm>
+            <a:off x="1511644" y="3849173"/>
+            <a:ext cx="9144000" cy="1655762"/>
+          </a:xfrm>
+        </p:spPr>
         <p:txBody>
           <a:bodyPr/>
           <a:lstStyle/>
@@ -3379,6 +3859,12 @@
             <a:r>
               <a:rPr lang="en-US" dirty="0"/>
               <a:t>Dan McCreary</a:t>
+            </a:r>
+          </a:p>
+          <a:p>
+            <a:r>
+              <a:rPr lang="en-US" dirty="0"/>
+              <a:t>October 23, 2025</a:t>
             </a:r>
           </a:p>
         </p:txBody>
@@ -3387,6 +3873,1417 @@
     <p:extLst>
       <p:ext uri="{BB962C8B-B14F-4D97-AF65-F5344CB8AC3E}">
         <p14:creationId xmlns:p14="http://schemas.microsoft.com/office/powerpoint/2010/main" val="2082627536"/>
+      </p:ext>
+    </p:extLst>
+  </p:cSld>
+  <p:clrMapOvr>
+    <a:masterClrMapping/>
+  </p:clrMapOvr>
+</p:sld>
+</file>
+
+<file path=ppt/slides/slide10.xml><?xml version="1.0" encoding="utf-8"?>
+<p:sld xmlns:a="http://schemas.openxmlformats.org/drawingml/2006/main" xmlns:r="http://schemas.openxmlformats.org/officeDocument/2006/relationships" xmlns:p="http://schemas.openxmlformats.org/presentationml/2006/main">
+  <p:cSld>
+    <p:spTree>
+      <p:nvGrpSpPr>
+        <p:cNvPr id="1" name=""/>
+        <p:cNvGrpSpPr/>
+        <p:nvPr/>
+      </p:nvGrpSpPr>
+      <p:grpSpPr>
+        <a:xfrm>
+          <a:off x="0" y="0"/>
+          <a:ext cx="0" cy="0"/>
+          <a:chOff x="0" y="0"/>
+          <a:chExt cx="0" cy="0"/>
+        </a:xfrm>
+      </p:grpSpPr>
+      <p:sp>
+        <p:nvSpPr>
+          <p:cNvPr id="2" name="Title 1">
+            <a:extLst>
+              <a:ext uri="{FF2B5EF4-FFF2-40B4-BE49-F238E27FC236}">
+                <a16:creationId xmlns:a16="http://schemas.microsoft.com/office/drawing/2014/main" id="{975B4DC2-09BE-EA38-1008-459032062E27}"/>
+              </a:ext>
+            </a:extLst>
+          </p:cNvPr>
+          <p:cNvSpPr>
+            <a:spLocks noGrp="1"/>
+          </p:cNvSpPr>
+          <p:nvPr>
+            <p:ph type="title"/>
+          </p:nvPr>
+        </p:nvSpPr>
+        <p:spPr>
+          <a:xfrm>
+            <a:off x="306859" y="155060"/>
+            <a:ext cx="10515600" cy="907621"/>
+          </a:xfrm>
+        </p:spPr>
+        <p:txBody>
+          <a:bodyPr/>
+          <a:lstStyle/>
+          <a:p>
+            <a:r>
+              <a:rPr lang="en-US" dirty="0"/>
+              <a:t>Drag and Drop the MicroSim Skill zip file</a:t>
+            </a:r>
+          </a:p>
+        </p:txBody>
+      </p:sp>
+      <p:pic>
+        <p:nvPicPr>
+          <p:cNvPr id="4" name="Picture 3">
+            <a:extLst>
+              <a:ext uri="{FF2B5EF4-FFF2-40B4-BE49-F238E27FC236}">
+                <a16:creationId xmlns:a16="http://schemas.microsoft.com/office/drawing/2014/main" id="{ACAF7D95-C00E-E210-0358-8D92D745129E}"/>
+              </a:ext>
+            </a:extLst>
+          </p:cNvPr>
+          <p:cNvPicPr>
+            <a:picLocks noChangeAspect="1"/>
+          </p:cNvPicPr>
+          <p:nvPr/>
+        </p:nvPicPr>
+        <p:blipFill>
+          <a:blip r:embed="rId2"/>
+          <a:stretch>
+            <a:fillRect/>
+          </a:stretch>
+        </p:blipFill>
+        <p:spPr>
+          <a:xfrm>
+            <a:off x="1767017" y="2275701"/>
+            <a:ext cx="5615246" cy="3593758"/>
+          </a:xfrm>
+          <a:prstGeom prst="rect">
+            <a:avLst/>
+          </a:prstGeom>
+        </p:spPr>
+      </p:pic>
+      <p:pic>
+        <p:nvPicPr>
+          <p:cNvPr id="5" name="Picture 4">
+            <a:extLst>
+              <a:ext uri="{FF2B5EF4-FFF2-40B4-BE49-F238E27FC236}">
+                <a16:creationId xmlns:a16="http://schemas.microsoft.com/office/drawing/2014/main" id="{617ADE19-CC31-2317-760A-BBABC69FF8EB}"/>
+              </a:ext>
+            </a:extLst>
+          </p:cNvPr>
+          <p:cNvPicPr>
+            <a:picLocks noChangeAspect="1"/>
+          </p:cNvPicPr>
+          <p:nvPr/>
+        </p:nvPicPr>
+        <p:blipFill>
+          <a:blip r:embed="rId3"/>
+          <a:stretch>
+            <a:fillRect/>
+          </a:stretch>
+        </p:blipFill>
+        <p:spPr>
+          <a:xfrm>
+            <a:off x="8745839" y="3194394"/>
+            <a:ext cx="1422400" cy="1358900"/>
+          </a:xfrm>
+          <a:prstGeom prst="rect">
+            <a:avLst/>
+          </a:prstGeom>
+        </p:spPr>
+      </p:pic>
+      <p:sp>
+        <p:nvSpPr>
+          <p:cNvPr id="6" name="Left Arrow 5">
+            <a:extLst>
+              <a:ext uri="{FF2B5EF4-FFF2-40B4-BE49-F238E27FC236}">
+                <a16:creationId xmlns:a16="http://schemas.microsoft.com/office/drawing/2014/main" id="{6991BF8F-4A05-373A-0311-7981C77F80D5}"/>
+              </a:ext>
+            </a:extLst>
+          </p:cNvPr>
+          <p:cNvSpPr/>
+          <p:nvPr/>
+        </p:nvSpPr>
+        <p:spPr>
+          <a:xfrm>
+            <a:off x="6640231" y="3289466"/>
+            <a:ext cx="1911928" cy="878773"/>
+          </a:xfrm>
+          <a:prstGeom prst="leftArrow">
+            <a:avLst/>
+          </a:prstGeom>
+          <a:solidFill>
+            <a:srgbClr val="FF0000"/>
+          </a:solidFill>
+        </p:spPr>
+        <p:style>
+          <a:lnRef idx="2">
+            <a:schemeClr val="accent1">
+              <a:shade val="15000"/>
+            </a:schemeClr>
+          </a:lnRef>
+          <a:fillRef idx="1">
+            <a:schemeClr val="accent1"/>
+          </a:fillRef>
+          <a:effectRef idx="0">
+            <a:schemeClr val="accent1"/>
+          </a:effectRef>
+          <a:fontRef idx="minor">
+            <a:schemeClr val="lt1"/>
+          </a:fontRef>
+        </p:style>
+        <p:txBody>
+          <a:bodyPr rtlCol="0" anchor="ctr"/>
+          <a:lstStyle/>
+          <a:p>
+            <a:pPr algn="ctr"/>
+            <a:r>
+              <a:rPr lang="en-US" dirty="0"/>
+              <a:t>Drag Zip File</a:t>
+            </a:r>
+          </a:p>
+        </p:txBody>
+      </p:sp>
+    </p:spTree>
+    <p:extLst>
+      <p:ext uri="{BB962C8B-B14F-4D97-AF65-F5344CB8AC3E}">
+        <p14:creationId xmlns:p14="http://schemas.microsoft.com/office/powerpoint/2010/main" val="4100953908"/>
+      </p:ext>
+    </p:extLst>
+  </p:cSld>
+  <p:clrMapOvr>
+    <a:masterClrMapping/>
+  </p:clrMapOvr>
+</p:sld>
+</file>
+
+<file path=ppt/slides/slide11.xml><?xml version="1.0" encoding="utf-8"?>
+<p:sld xmlns:a="http://schemas.openxmlformats.org/drawingml/2006/main" xmlns:r="http://schemas.openxmlformats.org/officeDocument/2006/relationships" xmlns:p="http://schemas.openxmlformats.org/presentationml/2006/main">
+  <p:cSld>
+    <p:spTree>
+      <p:nvGrpSpPr>
+        <p:cNvPr id="1" name=""/>
+        <p:cNvGrpSpPr/>
+        <p:nvPr/>
+      </p:nvGrpSpPr>
+      <p:grpSpPr>
+        <a:xfrm>
+          <a:off x="0" y="0"/>
+          <a:ext cx="0" cy="0"/>
+          <a:chOff x="0" y="0"/>
+          <a:chExt cx="0" cy="0"/>
+        </a:xfrm>
+      </p:grpSpPr>
+      <p:sp>
+        <p:nvSpPr>
+          <p:cNvPr id="2" name="Title 1">
+            <a:extLst>
+              <a:ext uri="{FF2B5EF4-FFF2-40B4-BE49-F238E27FC236}">
+                <a16:creationId xmlns:a16="http://schemas.microsoft.com/office/drawing/2014/main" id="{4C882C11-8A85-6A85-6680-6153ED639B60}"/>
+              </a:ext>
+            </a:extLst>
+          </p:cNvPr>
+          <p:cNvSpPr>
+            <a:spLocks noGrp="1"/>
+          </p:cNvSpPr>
+          <p:nvPr>
+            <p:ph type="title"/>
+          </p:nvPr>
+        </p:nvSpPr>
+        <p:spPr/>
+        <p:txBody>
+          <a:bodyPr/>
+          <a:lstStyle/>
+          <a:p>
+            <a:r>
+              <a:rPr lang="en-US" dirty="0"/>
+              <a:t>Confirmation Message</a:t>
+            </a:r>
+          </a:p>
+        </p:txBody>
+      </p:sp>
+      <p:pic>
+        <p:nvPicPr>
+          <p:cNvPr id="4" name="Picture 3">
+            <a:extLst>
+              <a:ext uri="{FF2B5EF4-FFF2-40B4-BE49-F238E27FC236}">
+                <a16:creationId xmlns:a16="http://schemas.microsoft.com/office/drawing/2014/main" id="{D031521E-596D-52F0-9CD0-9282F6833982}"/>
+              </a:ext>
+            </a:extLst>
+          </p:cNvPr>
+          <p:cNvPicPr>
+            <a:picLocks noChangeAspect="1"/>
+          </p:cNvPicPr>
+          <p:nvPr/>
+        </p:nvPicPr>
+        <p:blipFill>
+          <a:blip r:embed="rId2"/>
+          <a:stretch>
+            <a:fillRect/>
+          </a:stretch>
+        </p:blipFill>
+        <p:spPr>
+          <a:xfrm>
+            <a:off x="405714" y="2364509"/>
+            <a:ext cx="11032252" cy="1478443"/>
+          </a:xfrm>
+          <a:prstGeom prst="rect">
+            <a:avLst/>
+          </a:prstGeom>
+        </p:spPr>
+      </p:pic>
+    </p:spTree>
+    <p:extLst>
+      <p:ext uri="{BB962C8B-B14F-4D97-AF65-F5344CB8AC3E}">
+        <p14:creationId xmlns:p14="http://schemas.microsoft.com/office/powerpoint/2010/main" val="3485858917"/>
+      </p:ext>
+    </p:extLst>
+  </p:cSld>
+  <p:clrMapOvr>
+    <a:masterClrMapping/>
+  </p:clrMapOvr>
+</p:sld>
+</file>
+
+<file path=ppt/slides/slide12.xml><?xml version="1.0" encoding="utf-8"?>
+<p:sld xmlns:a="http://schemas.openxmlformats.org/drawingml/2006/main" xmlns:r="http://schemas.openxmlformats.org/officeDocument/2006/relationships" xmlns:p="http://schemas.openxmlformats.org/presentationml/2006/main">
+  <p:cSld>
+    <p:spTree>
+      <p:nvGrpSpPr>
+        <p:cNvPr id="1" name=""/>
+        <p:cNvGrpSpPr/>
+        <p:nvPr/>
+      </p:nvGrpSpPr>
+      <p:grpSpPr>
+        <a:xfrm>
+          <a:off x="0" y="0"/>
+          <a:ext cx="0" cy="0"/>
+          <a:chOff x="0" y="0"/>
+          <a:chExt cx="0" cy="0"/>
+        </a:xfrm>
+      </p:grpSpPr>
+      <p:sp>
+        <p:nvSpPr>
+          <p:cNvPr id="2" name="Title 1">
+            <a:extLst>
+              <a:ext uri="{FF2B5EF4-FFF2-40B4-BE49-F238E27FC236}">
+                <a16:creationId xmlns:a16="http://schemas.microsoft.com/office/drawing/2014/main" id="{C4DECEFE-FEB9-9C9E-A43B-55EE1A0290F5}"/>
+              </a:ext>
+            </a:extLst>
+          </p:cNvPr>
+          <p:cNvSpPr>
+            <a:spLocks noGrp="1"/>
+          </p:cNvSpPr>
+          <p:nvPr>
+            <p:ph type="title"/>
+          </p:nvPr>
+        </p:nvSpPr>
+        <p:spPr/>
+        <p:txBody>
+          <a:bodyPr/>
+          <a:lstStyle/>
+          <a:p>
+            <a:r>
+              <a:rPr lang="en-US" dirty="0"/>
+              <a:t>Sample Prompt that Uses the MicroSim-p5 Skill</a:t>
+            </a:r>
+          </a:p>
+        </p:txBody>
+      </p:sp>
+      <p:pic>
+        <p:nvPicPr>
+          <p:cNvPr id="4" name="Content Placeholder 3">
+            <a:extLst>
+              <a:ext uri="{FF2B5EF4-FFF2-40B4-BE49-F238E27FC236}">
+                <a16:creationId xmlns:a16="http://schemas.microsoft.com/office/drawing/2014/main" id="{616B4F70-6ADF-B9D4-8699-263D059D7DE1}"/>
+              </a:ext>
+            </a:extLst>
+          </p:cNvPr>
+          <p:cNvPicPr>
+            <a:picLocks noGrp="1" noChangeAspect="1"/>
+          </p:cNvPicPr>
+          <p:nvPr>
+            <p:ph idx="1"/>
+          </p:nvPr>
+        </p:nvPicPr>
+        <p:blipFill>
+          <a:blip r:embed="rId2"/>
+          <a:stretch>
+            <a:fillRect/>
+          </a:stretch>
+        </p:blipFill>
+        <p:spPr>
+          <a:xfrm>
+            <a:off x="825843" y="2165646"/>
+            <a:ext cx="10515600" cy="2954604"/>
+          </a:xfrm>
+          <a:prstGeom prst="rect">
+            <a:avLst/>
+          </a:prstGeom>
+        </p:spPr>
+      </p:pic>
+      <p:sp>
+        <p:nvSpPr>
+          <p:cNvPr id="5" name="TextBox 4">
+            <a:extLst>
+              <a:ext uri="{FF2B5EF4-FFF2-40B4-BE49-F238E27FC236}">
+                <a16:creationId xmlns:a16="http://schemas.microsoft.com/office/drawing/2014/main" id="{5912E373-CFCD-DCB5-C10A-22CC1351351B}"/>
+              </a:ext>
+            </a:extLst>
+          </p:cNvPr>
+          <p:cNvSpPr txBox="1"/>
+          <p:nvPr/>
+        </p:nvSpPr>
+        <p:spPr>
+          <a:xfrm>
+            <a:off x="2347784" y="5424616"/>
+            <a:ext cx="6696449" cy="923330"/>
+          </a:xfrm>
+          <a:prstGeom prst="rect">
+            <a:avLst/>
+          </a:prstGeom>
+          <a:noFill/>
+        </p:spPr>
+        <p:txBody>
+          <a:bodyPr wrap="none" rtlCol="0">
+            <a:spAutoFit/>
+          </a:bodyPr>
+          <a:lstStyle/>
+          <a:p>
+            <a:r>
+              <a:rPr lang="en-US" dirty="0"/>
+              <a:t>Note, I forgot to state the name.  I should have added the following</a:t>
+            </a:r>
+            <a:br>
+              <a:rPr lang="en-US" dirty="0"/>
+            </a:br>
+            <a:br>
+              <a:rPr lang="en-US" dirty="0"/>
+            </a:br>
+            <a:r>
+              <a:rPr lang="en-US" dirty="0"/>
+              <a:t>The new </a:t>
+            </a:r>
+            <a:r>
+              <a:rPr lang="en-US" dirty="0" err="1"/>
+              <a:t>Microsim</a:t>
+            </a:r>
+            <a:r>
+              <a:rPr lang="en-US" dirty="0"/>
+              <a:t> will be called “projectile-motion-gravity”</a:t>
+            </a:r>
+          </a:p>
+        </p:txBody>
+      </p:sp>
+    </p:spTree>
+    <p:extLst>
+      <p:ext uri="{BB962C8B-B14F-4D97-AF65-F5344CB8AC3E}">
+        <p14:creationId xmlns:p14="http://schemas.microsoft.com/office/powerpoint/2010/main" val="4235167230"/>
+      </p:ext>
+    </p:extLst>
+  </p:cSld>
+  <p:clrMapOvr>
+    <a:masterClrMapping/>
+  </p:clrMapOvr>
+</p:sld>
+</file>
+
+<file path=ppt/slides/slide13.xml><?xml version="1.0" encoding="utf-8"?>
+<p:sld xmlns:a="http://schemas.openxmlformats.org/drawingml/2006/main" xmlns:r="http://schemas.openxmlformats.org/officeDocument/2006/relationships" xmlns:p="http://schemas.openxmlformats.org/presentationml/2006/main">
+  <p:cSld>
+    <p:spTree>
+      <p:nvGrpSpPr>
+        <p:cNvPr id="1" name=""/>
+        <p:cNvGrpSpPr/>
+        <p:nvPr/>
+      </p:nvGrpSpPr>
+      <p:grpSpPr>
+        <a:xfrm>
+          <a:off x="0" y="0"/>
+          <a:ext cx="0" cy="0"/>
+          <a:chOff x="0" y="0"/>
+          <a:chExt cx="0" cy="0"/>
+        </a:xfrm>
+      </p:grpSpPr>
+      <p:sp>
+        <p:nvSpPr>
+          <p:cNvPr id="2" name="Title 1">
+            <a:extLst>
+              <a:ext uri="{FF2B5EF4-FFF2-40B4-BE49-F238E27FC236}">
+                <a16:creationId xmlns:a16="http://schemas.microsoft.com/office/drawing/2014/main" id="{C54F5DFE-E169-5D7A-701B-DF44C475D6EE}"/>
+              </a:ext>
+            </a:extLst>
+          </p:cNvPr>
+          <p:cNvSpPr>
+            <a:spLocks noGrp="1"/>
+          </p:cNvSpPr>
+          <p:nvPr>
+            <p:ph type="title"/>
+          </p:nvPr>
+        </p:nvSpPr>
+        <p:spPr>
+          <a:xfrm>
+            <a:off x="381000" y="229202"/>
+            <a:ext cx="10515600" cy="895264"/>
+          </a:xfrm>
+        </p:spPr>
+        <p:txBody>
+          <a:bodyPr/>
+          <a:lstStyle/>
+          <a:p>
+            <a:r>
+              <a:rPr lang="en-US" dirty="0"/>
+              <a:t>Sample Output</a:t>
+            </a:r>
+          </a:p>
+        </p:txBody>
+      </p:sp>
+      <p:pic>
+        <p:nvPicPr>
+          <p:cNvPr id="4" name="Picture 3">
+            <a:extLst>
+              <a:ext uri="{FF2B5EF4-FFF2-40B4-BE49-F238E27FC236}">
+                <a16:creationId xmlns:a16="http://schemas.microsoft.com/office/drawing/2014/main" id="{BF581E0E-E2CE-ABB9-E1EF-FF86F426FB1D}"/>
+              </a:ext>
+            </a:extLst>
+          </p:cNvPr>
+          <p:cNvPicPr>
+            <a:picLocks noChangeAspect="1"/>
+          </p:cNvPicPr>
+          <p:nvPr/>
+        </p:nvPicPr>
+        <p:blipFill>
+          <a:blip r:embed="rId2"/>
+          <a:stretch>
+            <a:fillRect/>
+          </a:stretch>
+        </p:blipFill>
+        <p:spPr>
+          <a:xfrm>
+            <a:off x="1715529" y="1387357"/>
+            <a:ext cx="7772400" cy="3860866"/>
+          </a:xfrm>
+          <a:prstGeom prst="rect">
+            <a:avLst/>
+          </a:prstGeom>
+        </p:spPr>
+      </p:pic>
+    </p:spTree>
+    <p:extLst>
+      <p:ext uri="{BB962C8B-B14F-4D97-AF65-F5344CB8AC3E}">
+        <p14:creationId xmlns:p14="http://schemas.microsoft.com/office/powerpoint/2010/main" val="1844385510"/>
+      </p:ext>
+    </p:extLst>
+  </p:cSld>
+  <p:clrMapOvr>
+    <a:masterClrMapping/>
+  </p:clrMapOvr>
+</p:sld>
+</file>
+
+<file path=ppt/slides/slide14.xml><?xml version="1.0" encoding="utf-8"?>
+<p:sld xmlns:a="http://schemas.openxmlformats.org/drawingml/2006/main" xmlns:r="http://schemas.openxmlformats.org/officeDocument/2006/relationships" xmlns:p="http://schemas.openxmlformats.org/presentationml/2006/main">
+  <p:cSld>
+    <p:spTree>
+      <p:nvGrpSpPr>
+        <p:cNvPr id="1" name=""/>
+        <p:cNvGrpSpPr/>
+        <p:nvPr/>
+      </p:nvGrpSpPr>
+      <p:grpSpPr>
+        <a:xfrm>
+          <a:off x="0" y="0"/>
+          <a:ext cx="0" cy="0"/>
+          <a:chOff x="0" y="0"/>
+          <a:chExt cx="0" cy="0"/>
+        </a:xfrm>
+      </p:grpSpPr>
+      <p:sp>
+        <p:nvSpPr>
+          <p:cNvPr id="2" name="Title 1">
+            <a:extLst>
+              <a:ext uri="{FF2B5EF4-FFF2-40B4-BE49-F238E27FC236}">
+                <a16:creationId xmlns:a16="http://schemas.microsoft.com/office/drawing/2014/main" id="{D047E993-BAFC-C4C8-5C4F-5CFF104C7A6D}"/>
+              </a:ext>
+            </a:extLst>
+          </p:cNvPr>
+          <p:cNvSpPr>
+            <a:spLocks noGrp="1"/>
+          </p:cNvSpPr>
+          <p:nvPr>
+            <p:ph type="title"/>
+          </p:nvPr>
+        </p:nvSpPr>
+        <p:spPr>
+          <a:xfrm>
+            <a:off x="405713" y="345989"/>
+            <a:ext cx="10515600" cy="899856"/>
+          </a:xfrm>
+        </p:spPr>
+        <p:txBody>
+          <a:bodyPr/>
+          <a:lstStyle/>
+          <a:p>
+            <a:r>
+              <a:rPr lang="en-US" dirty="0"/>
+              <a:t>Testing MicroSim with the p5.js editor </a:t>
+            </a:r>
+          </a:p>
+        </p:txBody>
+      </p:sp>
+      <p:pic>
+        <p:nvPicPr>
+          <p:cNvPr id="4" name="Picture 3">
+            <a:extLst>
+              <a:ext uri="{FF2B5EF4-FFF2-40B4-BE49-F238E27FC236}">
+                <a16:creationId xmlns:a16="http://schemas.microsoft.com/office/drawing/2014/main" id="{E7C9DBA2-06EF-F998-805E-74B8EB71DE67}"/>
+              </a:ext>
+            </a:extLst>
+          </p:cNvPr>
+          <p:cNvPicPr>
+            <a:picLocks noChangeAspect="1"/>
+          </p:cNvPicPr>
+          <p:nvPr/>
+        </p:nvPicPr>
+        <p:blipFill>
+          <a:blip r:embed="rId2"/>
+          <a:stretch>
+            <a:fillRect/>
+          </a:stretch>
+        </p:blipFill>
+        <p:spPr>
+          <a:xfrm>
+            <a:off x="776416" y="1346976"/>
+            <a:ext cx="10777152" cy="4505935"/>
+          </a:xfrm>
+          <a:prstGeom prst="rect">
+            <a:avLst/>
+          </a:prstGeom>
+        </p:spPr>
+      </p:pic>
+      <p:sp>
+        <p:nvSpPr>
+          <p:cNvPr id="5" name="TextBox 4">
+            <a:extLst>
+              <a:ext uri="{FF2B5EF4-FFF2-40B4-BE49-F238E27FC236}">
+                <a16:creationId xmlns:a16="http://schemas.microsoft.com/office/drawing/2014/main" id="{C9827D09-6EEF-63BF-537E-85716D5CBECA}"/>
+              </a:ext>
+            </a:extLst>
+          </p:cNvPr>
+          <p:cNvSpPr txBox="1"/>
+          <p:nvPr/>
+        </p:nvSpPr>
+        <p:spPr>
+          <a:xfrm>
+            <a:off x="877329" y="6067168"/>
+            <a:ext cx="5711115" cy="369332"/>
+          </a:xfrm>
+          <a:prstGeom prst="rect">
+            <a:avLst/>
+          </a:prstGeom>
+          <a:noFill/>
+        </p:spPr>
+        <p:txBody>
+          <a:bodyPr wrap="none" rtlCol="0">
+            <a:spAutoFit/>
+          </a:bodyPr>
+          <a:lstStyle/>
+          <a:p>
+            <a:r>
+              <a:rPr lang="en-US" dirty="0"/>
+              <a:t>https://editor.p5js.org/dmccreary/sketches/-aDDLBBD8</a:t>
+            </a:r>
+          </a:p>
+        </p:txBody>
+      </p:sp>
+    </p:spTree>
+    <p:extLst>
+      <p:ext uri="{BB962C8B-B14F-4D97-AF65-F5344CB8AC3E}">
+        <p14:creationId xmlns:p14="http://schemas.microsoft.com/office/powerpoint/2010/main" val="3250369406"/>
+      </p:ext>
+    </p:extLst>
+  </p:cSld>
+  <p:clrMapOvr>
+    <a:masterClrMapping/>
+  </p:clrMapOvr>
+</p:sld>
+</file>
+
+<file path=ppt/slides/slide15.xml><?xml version="1.0" encoding="utf-8"?>
+<p:sld xmlns:a="http://schemas.openxmlformats.org/drawingml/2006/main" xmlns:r="http://schemas.openxmlformats.org/officeDocument/2006/relationships" xmlns:p="http://schemas.openxmlformats.org/presentationml/2006/main">
+  <p:cSld>
+    <p:spTree>
+      <p:nvGrpSpPr>
+        <p:cNvPr id="1" name=""/>
+        <p:cNvGrpSpPr/>
+        <p:nvPr/>
+      </p:nvGrpSpPr>
+      <p:grpSpPr>
+        <a:xfrm>
+          <a:off x="0" y="0"/>
+          <a:ext cx="0" cy="0"/>
+          <a:chOff x="0" y="0"/>
+          <a:chExt cx="0" cy="0"/>
+        </a:xfrm>
+      </p:grpSpPr>
+      <p:sp>
+        <p:nvSpPr>
+          <p:cNvPr id="2" name="Title 1">
+            <a:extLst>
+              <a:ext uri="{FF2B5EF4-FFF2-40B4-BE49-F238E27FC236}">
+                <a16:creationId xmlns:a16="http://schemas.microsoft.com/office/drawing/2014/main" id="{BE8E5CF6-5ABE-850B-6BE0-41C2D75787A8}"/>
+              </a:ext>
+            </a:extLst>
+          </p:cNvPr>
+          <p:cNvSpPr>
+            <a:spLocks noGrp="1"/>
+          </p:cNvSpPr>
+          <p:nvPr>
+            <p:ph type="title"/>
+          </p:nvPr>
+        </p:nvSpPr>
+        <p:spPr/>
+        <p:txBody>
+          <a:bodyPr/>
+          <a:lstStyle/>
+          <a:p>
+            <a:r>
+              <a:rPr lang="en-US" dirty="0"/>
+              <a:t>Note on Control Placement</a:t>
+            </a:r>
+          </a:p>
+        </p:txBody>
+      </p:sp>
+      <p:sp>
+        <p:nvSpPr>
+          <p:cNvPr id="3" name="Content Placeholder 2">
+            <a:extLst>
+              <a:ext uri="{FF2B5EF4-FFF2-40B4-BE49-F238E27FC236}">
+                <a16:creationId xmlns:a16="http://schemas.microsoft.com/office/drawing/2014/main" id="{EB097281-022C-03D1-62A6-DB91FA5D587B}"/>
+              </a:ext>
+            </a:extLst>
+          </p:cNvPr>
+          <p:cNvSpPr>
+            <a:spLocks noGrp="1"/>
+          </p:cNvSpPr>
+          <p:nvPr>
+            <p:ph idx="1"/>
+          </p:nvPr>
+        </p:nvSpPr>
+        <p:spPr/>
+        <p:txBody>
+          <a:bodyPr/>
+          <a:lstStyle/>
+          <a:p>
+            <a:r>
+              <a:rPr lang="en-US" dirty="0"/>
+              <a:t>LLMs are not good at the exact placement of some controls</a:t>
+            </a:r>
+          </a:p>
+          <a:p>
+            <a:r>
+              <a:rPr lang="en-US" dirty="0"/>
+              <a:t>Claude did make mistakes placing the button and slider controls in the controls area of the MicroSim</a:t>
+            </a:r>
+          </a:p>
+          <a:p>
+            <a:r>
+              <a:rPr lang="en-US" dirty="0"/>
+              <a:t>I went in and manually had to move the x-position of the slider in the control region</a:t>
+            </a:r>
+          </a:p>
+          <a:p>
+            <a:r>
+              <a:rPr lang="en-US" dirty="0"/>
+              <a:t>I will be adding specific rules to the skill to prevent this error in the next version</a:t>
+            </a:r>
+          </a:p>
+        </p:txBody>
+      </p:sp>
+    </p:spTree>
+    <p:extLst>
+      <p:ext uri="{BB962C8B-B14F-4D97-AF65-F5344CB8AC3E}">
+        <p14:creationId xmlns:p14="http://schemas.microsoft.com/office/powerpoint/2010/main" val="2223579032"/>
+      </p:ext>
+    </p:extLst>
+  </p:cSld>
+  <p:clrMapOvr>
+    <a:masterClrMapping/>
+  </p:clrMapOvr>
+</p:sld>
+</file>
+
+<file path=ppt/slides/slide16.xml><?xml version="1.0" encoding="utf-8"?>
+<p:sld xmlns:a="http://schemas.openxmlformats.org/drawingml/2006/main" xmlns:r="http://schemas.openxmlformats.org/officeDocument/2006/relationships" xmlns:p="http://schemas.openxmlformats.org/presentationml/2006/main">
+  <p:cSld>
+    <p:spTree>
+      <p:nvGrpSpPr>
+        <p:cNvPr id="1" name=""/>
+        <p:cNvGrpSpPr/>
+        <p:nvPr/>
+      </p:nvGrpSpPr>
+      <p:grpSpPr>
+        <a:xfrm>
+          <a:off x="0" y="0"/>
+          <a:ext cx="0" cy="0"/>
+          <a:chOff x="0" y="0"/>
+          <a:chExt cx="0" cy="0"/>
+        </a:xfrm>
+      </p:grpSpPr>
+      <p:sp>
+        <p:nvSpPr>
+          <p:cNvPr id="2" name="Title 1">
+            <a:extLst>
+              <a:ext uri="{FF2B5EF4-FFF2-40B4-BE49-F238E27FC236}">
+                <a16:creationId xmlns:a16="http://schemas.microsoft.com/office/drawing/2014/main" id="{3E983078-97B1-C8AA-1DDD-0657C936031C}"/>
+              </a:ext>
+            </a:extLst>
+          </p:cNvPr>
+          <p:cNvSpPr>
+            <a:spLocks noGrp="1"/>
+          </p:cNvSpPr>
+          <p:nvPr>
+            <p:ph type="title"/>
+          </p:nvPr>
+        </p:nvSpPr>
+        <p:spPr>
+          <a:xfrm>
+            <a:off x="393357" y="266272"/>
+            <a:ext cx="10515600" cy="734626"/>
+          </a:xfrm>
+        </p:spPr>
+        <p:txBody>
+          <a:bodyPr/>
+          <a:lstStyle/>
+          <a:p>
+            <a:r>
+              <a:rPr lang="en-US" dirty="0"/>
+              <a:t>Share Your MicroSim Directly from the p5.js</a:t>
+            </a:r>
+          </a:p>
+        </p:txBody>
+      </p:sp>
+      <p:pic>
+        <p:nvPicPr>
+          <p:cNvPr id="4" name="Picture 3">
+            <a:extLst>
+              <a:ext uri="{FF2B5EF4-FFF2-40B4-BE49-F238E27FC236}">
+                <a16:creationId xmlns:a16="http://schemas.microsoft.com/office/drawing/2014/main" id="{70F8BDFD-F4D4-3D4C-AFC5-B2692A8496C8}"/>
+              </a:ext>
+            </a:extLst>
+          </p:cNvPr>
+          <p:cNvPicPr>
+            <a:picLocks noChangeAspect="1"/>
+          </p:cNvPicPr>
+          <p:nvPr/>
+        </p:nvPicPr>
+        <p:blipFill>
+          <a:blip r:embed="rId2"/>
+          <a:stretch>
+            <a:fillRect/>
+          </a:stretch>
+        </p:blipFill>
+        <p:spPr>
+          <a:xfrm>
+            <a:off x="5145216" y="1388590"/>
+            <a:ext cx="6350000" cy="5143500"/>
+          </a:xfrm>
+          <a:prstGeom prst="rect">
+            <a:avLst/>
+          </a:prstGeom>
+        </p:spPr>
+      </p:pic>
+      <p:pic>
+        <p:nvPicPr>
+          <p:cNvPr id="5" name="Picture 4">
+            <a:extLst>
+              <a:ext uri="{FF2B5EF4-FFF2-40B4-BE49-F238E27FC236}">
+                <a16:creationId xmlns:a16="http://schemas.microsoft.com/office/drawing/2014/main" id="{5AEE1AA4-1638-2649-60F1-E6C1C2641869}"/>
+              </a:ext>
+            </a:extLst>
+          </p:cNvPr>
+          <p:cNvPicPr>
+            <a:picLocks noChangeAspect="1"/>
+          </p:cNvPicPr>
+          <p:nvPr/>
+        </p:nvPicPr>
+        <p:blipFill>
+          <a:blip r:embed="rId3"/>
+          <a:stretch>
+            <a:fillRect/>
+          </a:stretch>
+        </p:blipFill>
+        <p:spPr>
+          <a:xfrm>
+            <a:off x="333976" y="1292139"/>
+            <a:ext cx="3022600" cy="4051300"/>
+          </a:xfrm>
+          <a:prstGeom prst="rect">
+            <a:avLst/>
+          </a:prstGeom>
+        </p:spPr>
+      </p:pic>
+      <p:sp>
+        <p:nvSpPr>
+          <p:cNvPr id="6" name="Left Arrow 5">
+            <a:extLst>
+              <a:ext uri="{FF2B5EF4-FFF2-40B4-BE49-F238E27FC236}">
+                <a16:creationId xmlns:a16="http://schemas.microsoft.com/office/drawing/2014/main" id="{4901F7BE-D6F2-5441-A35D-10A50A4DE9B4}"/>
+              </a:ext>
+            </a:extLst>
+          </p:cNvPr>
+          <p:cNvSpPr/>
+          <p:nvPr/>
+        </p:nvSpPr>
+        <p:spPr>
+          <a:xfrm>
+            <a:off x="1870523" y="2955833"/>
+            <a:ext cx="2960970" cy="878773"/>
+          </a:xfrm>
+          <a:prstGeom prst="leftArrow">
+            <a:avLst/>
+          </a:prstGeom>
+          <a:solidFill>
+            <a:srgbClr val="FF0000"/>
+          </a:solidFill>
+        </p:spPr>
+        <p:style>
+          <a:lnRef idx="2">
+            <a:schemeClr val="accent1">
+              <a:shade val="15000"/>
+            </a:schemeClr>
+          </a:lnRef>
+          <a:fillRef idx="1">
+            <a:schemeClr val="accent1"/>
+          </a:fillRef>
+          <a:effectRef idx="0">
+            <a:schemeClr val="accent1"/>
+          </a:effectRef>
+          <a:fontRef idx="minor">
+            <a:schemeClr val="lt1"/>
+          </a:fontRef>
+        </p:style>
+        <p:txBody>
+          <a:bodyPr rtlCol="0" anchor="ctr"/>
+          <a:lstStyle/>
+          <a:p>
+            <a:pPr algn="ctr"/>
+            <a:r>
+              <a:rPr lang="en-US" dirty="0"/>
+              <a:t>Click File /  Share</a:t>
+            </a:r>
+          </a:p>
+        </p:txBody>
+      </p:sp>
+    </p:spTree>
+    <p:extLst>
+      <p:ext uri="{BB962C8B-B14F-4D97-AF65-F5344CB8AC3E}">
+        <p14:creationId xmlns:p14="http://schemas.microsoft.com/office/powerpoint/2010/main" val="523652816"/>
+      </p:ext>
+    </p:extLst>
+  </p:cSld>
+  <p:clrMapOvr>
+    <a:masterClrMapping/>
+  </p:clrMapOvr>
+</p:sld>
+</file>
+
+<file path=ppt/slides/slide17.xml><?xml version="1.0" encoding="utf-8"?>
+<p:sld xmlns:a="http://schemas.openxmlformats.org/drawingml/2006/main" xmlns:r="http://schemas.openxmlformats.org/officeDocument/2006/relationships" xmlns:p="http://schemas.openxmlformats.org/presentationml/2006/main">
+  <p:cSld>
+    <p:spTree>
+      <p:nvGrpSpPr>
+        <p:cNvPr id="1" name=""/>
+        <p:cNvGrpSpPr/>
+        <p:nvPr/>
+      </p:nvGrpSpPr>
+      <p:grpSpPr>
+        <a:xfrm>
+          <a:off x="0" y="0"/>
+          <a:ext cx="0" cy="0"/>
+          <a:chOff x="0" y="0"/>
+          <a:chExt cx="0" cy="0"/>
+        </a:xfrm>
+      </p:grpSpPr>
+      <p:sp>
+        <p:nvSpPr>
+          <p:cNvPr id="2" name="Title 1">
+            <a:extLst>
+              <a:ext uri="{FF2B5EF4-FFF2-40B4-BE49-F238E27FC236}">
+                <a16:creationId xmlns:a16="http://schemas.microsoft.com/office/drawing/2014/main" id="{AF41AE51-3D7B-4101-ED4D-151F1D88DF68}"/>
+              </a:ext>
+            </a:extLst>
+          </p:cNvPr>
+          <p:cNvSpPr>
+            <a:spLocks noGrp="1"/>
+          </p:cNvSpPr>
+          <p:nvPr>
+            <p:ph type="title"/>
+          </p:nvPr>
+        </p:nvSpPr>
+        <p:spPr/>
+        <p:txBody>
+          <a:bodyPr/>
+          <a:lstStyle/>
+          <a:p>
+            <a:r>
+              <a:rPr lang="en-US" dirty="0"/>
+              <a:t>The Following Steps Are For Integrating Into a Textbook</a:t>
+            </a:r>
+          </a:p>
+        </p:txBody>
+      </p:sp>
+      <p:sp>
+        <p:nvSpPr>
+          <p:cNvPr id="3" name="Content Placeholder 2">
+            <a:extLst>
+              <a:ext uri="{FF2B5EF4-FFF2-40B4-BE49-F238E27FC236}">
+                <a16:creationId xmlns:a16="http://schemas.microsoft.com/office/drawing/2014/main" id="{5002282A-253E-FAF8-F5F5-5946FBF5C06A}"/>
+              </a:ext>
+            </a:extLst>
+          </p:cNvPr>
+          <p:cNvSpPr>
+            <a:spLocks noGrp="1"/>
+          </p:cNvSpPr>
+          <p:nvPr>
+            <p:ph idx="1"/>
+          </p:nvPr>
+        </p:nvSpPr>
+        <p:spPr/>
+        <p:txBody>
+          <a:bodyPr/>
+          <a:lstStyle/>
+          <a:p>
+            <a:r>
+              <a:rPr lang="en-US" dirty="0"/>
+              <a:t>Intelligent textbooks put MicroSims “inline” into chapters of online books</a:t>
+            </a:r>
+          </a:p>
+          <a:p>
+            <a:r>
+              <a:rPr lang="en-US" dirty="0"/>
+              <a:t>They use a specific folder and file structure that facilitates sharing</a:t>
+            </a:r>
+          </a:p>
+          <a:p>
+            <a:r>
+              <a:rPr lang="en-US" dirty="0"/>
+              <a:t>The MicroSim skill is able to generate additional files</a:t>
+            </a:r>
+          </a:p>
+          <a:p>
+            <a:pPr lvl="1"/>
+            <a:r>
+              <a:rPr lang="en-US" dirty="0"/>
+              <a:t>Sample </a:t>
+            </a:r>
+            <a:r>
+              <a:rPr lang="en-US" dirty="0" err="1"/>
+              <a:t>main.html</a:t>
+            </a:r>
+            <a:endParaRPr lang="en-US" dirty="0"/>
+          </a:p>
+          <a:p>
+            <a:pPr lvl="1"/>
+            <a:r>
+              <a:rPr lang="en-US" dirty="0"/>
+              <a:t>Sample </a:t>
+            </a:r>
+            <a:r>
+              <a:rPr lang="en-US" dirty="0" err="1"/>
+              <a:t>index.md</a:t>
+            </a:r>
+            <a:r>
+              <a:rPr lang="en-US" dirty="0"/>
+              <a:t> that contains user guide and lesson plans</a:t>
+            </a:r>
+          </a:p>
+          <a:p>
+            <a:pPr lvl="1"/>
+            <a:r>
+              <a:rPr lang="en-US" dirty="0"/>
+              <a:t>Sample </a:t>
+            </a:r>
+            <a:r>
+              <a:rPr lang="en-US" dirty="0" err="1"/>
+              <a:t>metadata.json</a:t>
+            </a:r>
+            <a:r>
+              <a:rPr lang="en-US" dirty="0"/>
+              <a:t> to facilitate search in MicroSim search engines</a:t>
+            </a:r>
+          </a:p>
+          <a:p>
+            <a:pPr lvl="1"/>
+            <a:r>
+              <a:rPr lang="en-US" dirty="0"/>
+              <a:t>The main JavaScript file can then be modified and versioned</a:t>
+            </a:r>
+          </a:p>
+        </p:txBody>
+      </p:sp>
+    </p:spTree>
+    <p:extLst>
+      <p:ext uri="{BB962C8B-B14F-4D97-AF65-F5344CB8AC3E}">
+        <p14:creationId xmlns:p14="http://schemas.microsoft.com/office/powerpoint/2010/main" val="887086759"/>
+      </p:ext>
+    </p:extLst>
+  </p:cSld>
+  <p:clrMapOvr>
+    <a:masterClrMapping/>
+  </p:clrMapOvr>
+</p:sld>
+</file>
+
+<file path=ppt/slides/slide18.xml><?xml version="1.0" encoding="utf-8"?>
+<p:sld xmlns:a="http://schemas.openxmlformats.org/drawingml/2006/main" xmlns:r="http://schemas.openxmlformats.org/officeDocument/2006/relationships" xmlns:p="http://schemas.openxmlformats.org/presentationml/2006/main">
+  <p:cSld>
+    <p:spTree>
+      <p:nvGrpSpPr>
+        <p:cNvPr id="1" name=""/>
+        <p:cNvGrpSpPr/>
+        <p:nvPr/>
+      </p:nvGrpSpPr>
+      <p:grpSpPr>
+        <a:xfrm>
+          <a:off x="0" y="0"/>
+          <a:ext cx="0" cy="0"/>
+          <a:chOff x="0" y="0"/>
+          <a:chExt cx="0" cy="0"/>
+        </a:xfrm>
+      </p:grpSpPr>
+      <p:sp>
+        <p:nvSpPr>
+          <p:cNvPr id="2" name="Title 1">
+            <a:extLst>
+              <a:ext uri="{FF2B5EF4-FFF2-40B4-BE49-F238E27FC236}">
+                <a16:creationId xmlns:a16="http://schemas.microsoft.com/office/drawing/2014/main" id="{C114C69F-7133-907E-1666-CBBF6930709D}"/>
+              </a:ext>
+            </a:extLst>
+          </p:cNvPr>
+          <p:cNvSpPr>
+            <a:spLocks noGrp="1"/>
+          </p:cNvSpPr>
+          <p:nvPr>
+            <p:ph type="title"/>
+          </p:nvPr>
+        </p:nvSpPr>
+        <p:spPr>
+          <a:xfrm>
+            <a:off x="356285" y="241558"/>
+            <a:ext cx="11357919" cy="1325563"/>
+          </a:xfrm>
+        </p:spPr>
+        <p:txBody>
+          <a:bodyPr/>
+          <a:lstStyle/>
+          <a:p>
+            <a:r>
+              <a:rPr lang="en-US" dirty="0"/>
+              <a:t>Integrating any MicroSim into a Web Page is Easy!</a:t>
+            </a:r>
+          </a:p>
+        </p:txBody>
+      </p:sp>
+      <p:sp>
+        <p:nvSpPr>
+          <p:cNvPr id="3" name="Content Placeholder 2">
+            <a:extLst>
+              <a:ext uri="{FF2B5EF4-FFF2-40B4-BE49-F238E27FC236}">
+                <a16:creationId xmlns:a16="http://schemas.microsoft.com/office/drawing/2014/main" id="{72F3DC44-5DDF-6FF0-1D0A-A535AFC6BEB5}"/>
+              </a:ext>
+            </a:extLst>
+          </p:cNvPr>
+          <p:cNvSpPr>
+            <a:spLocks noGrp="1"/>
+          </p:cNvSpPr>
+          <p:nvPr>
+            <p:ph idx="1"/>
+          </p:nvPr>
+        </p:nvSpPr>
+        <p:spPr>
+          <a:xfrm>
+            <a:off x="529279" y="1454922"/>
+            <a:ext cx="11234351" cy="1943186"/>
+          </a:xfrm>
+          <a:solidFill>
+            <a:schemeClr val="bg1">
+              <a:lumMod val="95000"/>
+            </a:schemeClr>
+          </a:solidFill>
+          <a:ln>
+            <a:solidFill>
+              <a:schemeClr val="tx1"/>
+            </a:solidFill>
+          </a:ln>
+        </p:spPr>
+        <p:txBody>
+          <a:bodyPr>
+            <a:normAutofit lnSpcReduction="10000"/>
+          </a:bodyPr>
+          <a:lstStyle/>
+          <a:p>
+            <a:pPr marL="0" indent="0">
+              <a:buNone/>
+            </a:pPr>
+            <a:r>
+              <a:rPr lang="en-US" sz="1800" dirty="0">
+                <a:latin typeface="Courier New" panose="02070309020205020404" pitchFamily="49" charset="0"/>
+                <a:cs typeface="Courier New" panose="02070309020205020404" pitchFamily="49" charset="0"/>
+              </a:rPr>
+              <a:t>&lt;iframe </a:t>
+            </a:r>
+          </a:p>
+          <a:p>
+            <a:pPr marL="0" indent="0">
+              <a:buNone/>
+            </a:pPr>
+            <a:r>
+              <a:rPr lang="en-US" sz="1800" dirty="0">
+                <a:latin typeface="Courier New" panose="02070309020205020404" pitchFamily="49" charset="0"/>
+                <a:cs typeface="Courier New" panose="02070309020205020404" pitchFamily="49" charset="0"/>
+              </a:rPr>
+              <a:t>   src="https://dmccreary.github.io/microsims/sims/projectile-motion-gravity/main.html" </a:t>
+            </a:r>
+          </a:p>
+          <a:p>
+            <a:pPr marL="0" indent="0">
+              <a:buNone/>
+            </a:pPr>
+            <a:r>
+              <a:rPr lang="en-US" sz="1800" dirty="0">
+                <a:latin typeface="Courier New" panose="02070309020205020404" pitchFamily="49" charset="0"/>
+                <a:cs typeface="Courier New" panose="02070309020205020404" pitchFamily="49" charset="0"/>
+              </a:rPr>
+              <a:t>   height="452px" </a:t>
+            </a:r>
+          </a:p>
+          <a:p>
+            <a:pPr marL="0" indent="0">
+              <a:buNone/>
+            </a:pPr>
+            <a:r>
+              <a:rPr lang="en-US" sz="1800" dirty="0">
+                <a:latin typeface="Courier New" panose="02070309020205020404" pitchFamily="49" charset="0"/>
+                <a:cs typeface="Courier New" panose="02070309020205020404" pitchFamily="49" charset="0"/>
+              </a:rPr>
+              <a:t>   scrolling="no"&gt;</a:t>
+            </a:r>
+          </a:p>
+          <a:p>
+            <a:pPr marL="0" indent="0">
+              <a:buNone/>
+            </a:pPr>
+            <a:r>
+              <a:rPr lang="en-US" sz="1800" dirty="0">
+                <a:latin typeface="Courier New" panose="02070309020205020404" pitchFamily="49" charset="0"/>
+                <a:cs typeface="Courier New" panose="02070309020205020404" pitchFamily="49" charset="0"/>
+              </a:rPr>
+              <a:t>&lt;/iframe&gt;</a:t>
+            </a:r>
+          </a:p>
+          <a:p>
+            <a:pPr marL="0" indent="0">
+              <a:buNone/>
+            </a:pPr>
+            <a:endParaRPr lang="en-US" dirty="0"/>
+          </a:p>
+        </p:txBody>
+      </p:sp>
+      <p:sp>
+        <p:nvSpPr>
+          <p:cNvPr id="5" name="TextBox 4">
+            <a:extLst>
+              <a:ext uri="{FF2B5EF4-FFF2-40B4-BE49-F238E27FC236}">
+                <a16:creationId xmlns:a16="http://schemas.microsoft.com/office/drawing/2014/main" id="{A26E8F9C-2CC3-D4AA-AC86-DCFC339F8F48}"/>
+              </a:ext>
+            </a:extLst>
+          </p:cNvPr>
+          <p:cNvSpPr txBox="1"/>
+          <p:nvPr/>
+        </p:nvSpPr>
+        <p:spPr>
+          <a:xfrm>
+            <a:off x="605481" y="3694670"/>
+            <a:ext cx="10713308" cy="2554545"/>
+          </a:xfrm>
+          <a:prstGeom prst="rect">
+            <a:avLst/>
+          </a:prstGeom>
+          <a:noFill/>
+        </p:spPr>
+        <p:txBody>
+          <a:bodyPr wrap="square" rtlCol="0">
+            <a:spAutoFit/>
+          </a:bodyPr>
+          <a:lstStyle/>
+          <a:p>
+            <a:pPr marL="285750" indent="-285750">
+              <a:buFont typeface="Arial" panose="020B0604020202020204" pitchFamily="34" charset="0"/>
+              <a:buChar char="•"/>
+            </a:pPr>
+            <a:r>
+              <a:rPr lang="en-US" sz="3200" dirty="0"/>
+              <a:t>This line of HTML can be added without jeopardizing the security of your site</a:t>
+            </a:r>
+          </a:p>
+          <a:p>
+            <a:pPr marL="285750" indent="-285750">
+              <a:buFont typeface="Arial" panose="020B0604020202020204" pitchFamily="34" charset="0"/>
+              <a:buChar char="•"/>
+            </a:pPr>
+            <a:r>
+              <a:rPr lang="en-US" sz="3200" dirty="0"/>
+              <a:t>The simulation runs in a secure “sandbox”</a:t>
+            </a:r>
+          </a:p>
+          <a:p>
+            <a:pPr marL="285750" indent="-285750">
+              <a:buFont typeface="Arial" panose="020B0604020202020204" pitchFamily="34" charset="0"/>
+              <a:buChar char="•"/>
+            </a:pPr>
+            <a:r>
+              <a:rPr lang="en-US" sz="3200" dirty="0"/>
+              <a:t>You do not need to make other changes to your website</a:t>
+            </a:r>
+          </a:p>
+          <a:p>
+            <a:pPr marL="285750" indent="-285750">
+              <a:buFont typeface="Arial" panose="020B0604020202020204" pitchFamily="34" charset="0"/>
+              <a:buChar char="•"/>
+            </a:pPr>
+            <a:r>
+              <a:rPr lang="en-US" sz="3200" dirty="0"/>
+              <a:t>You can also use CSS to style the border of the iframe</a:t>
+            </a:r>
+          </a:p>
+        </p:txBody>
+      </p:sp>
+    </p:spTree>
+    <p:extLst>
+      <p:ext uri="{BB962C8B-B14F-4D97-AF65-F5344CB8AC3E}">
+        <p14:creationId xmlns:p14="http://schemas.microsoft.com/office/powerpoint/2010/main" val="4110399644"/>
+      </p:ext>
+    </p:extLst>
+  </p:cSld>
+  <p:clrMapOvr>
+    <a:masterClrMapping/>
+  </p:clrMapOvr>
+</p:sld>
+</file>
+
+<file path=ppt/slides/slide19.xml><?xml version="1.0" encoding="utf-8"?>
+<p:sld xmlns:a="http://schemas.openxmlformats.org/drawingml/2006/main" xmlns:r="http://schemas.openxmlformats.org/officeDocument/2006/relationships" xmlns:p="http://schemas.openxmlformats.org/presentationml/2006/main">
+  <p:cSld>
+    <p:spTree>
+      <p:nvGrpSpPr>
+        <p:cNvPr id="1" name=""/>
+        <p:cNvGrpSpPr/>
+        <p:nvPr/>
+      </p:nvGrpSpPr>
+      <p:grpSpPr>
+        <a:xfrm>
+          <a:off x="0" y="0"/>
+          <a:ext cx="0" cy="0"/>
+          <a:chOff x="0" y="0"/>
+          <a:chExt cx="0" cy="0"/>
+        </a:xfrm>
+      </p:grpSpPr>
+      <p:sp>
+        <p:nvSpPr>
+          <p:cNvPr id="2" name="Title 1">
+            <a:extLst>
+              <a:ext uri="{FF2B5EF4-FFF2-40B4-BE49-F238E27FC236}">
+                <a16:creationId xmlns:a16="http://schemas.microsoft.com/office/drawing/2014/main" id="{129B7E76-03F5-8D1D-B7F5-FE3831CFE696}"/>
+              </a:ext>
+            </a:extLst>
+          </p:cNvPr>
+          <p:cNvSpPr>
+            <a:spLocks noGrp="1"/>
+          </p:cNvSpPr>
+          <p:nvPr>
+            <p:ph type="title"/>
+          </p:nvPr>
+        </p:nvSpPr>
+        <p:spPr/>
+        <p:txBody>
+          <a:bodyPr/>
+          <a:lstStyle/>
+          <a:p>
+            <a:r>
+              <a:rPr lang="en-US" dirty="0"/>
+              <a:t>Generate the MicroSim Package zip file</a:t>
+            </a:r>
+          </a:p>
+        </p:txBody>
+      </p:sp>
+      <p:sp>
+        <p:nvSpPr>
+          <p:cNvPr id="3" name="Content Placeholder 2">
+            <a:extLst>
+              <a:ext uri="{FF2B5EF4-FFF2-40B4-BE49-F238E27FC236}">
+                <a16:creationId xmlns:a16="http://schemas.microsoft.com/office/drawing/2014/main" id="{81A9613D-5FB1-6991-25C4-8E7FAE1C3079}"/>
+              </a:ext>
+            </a:extLst>
+          </p:cNvPr>
+          <p:cNvSpPr>
+            <a:spLocks noGrp="1"/>
+          </p:cNvSpPr>
+          <p:nvPr>
+            <p:ph idx="1"/>
+          </p:nvPr>
+        </p:nvSpPr>
+        <p:spPr>
+          <a:xfrm>
+            <a:off x="838200" y="3583459"/>
+            <a:ext cx="10515600" cy="2593504"/>
+          </a:xfrm>
+        </p:spPr>
+        <p:txBody>
+          <a:bodyPr/>
+          <a:lstStyle/>
+          <a:p>
+            <a:r>
+              <a:rPr lang="en-US" dirty="0"/>
+              <a:t>This will force the MicroSim to not just generate the JavaScript, but all the supporting files in a MicroSim package</a:t>
+            </a:r>
+          </a:p>
+        </p:txBody>
+      </p:sp>
+      <p:pic>
+        <p:nvPicPr>
+          <p:cNvPr id="4" name="Picture 3">
+            <a:extLst>
+              <a:ext uri="{FF2B5EF4-FFF2-40B4-BE49-F238E27FC236}">
+                <a16:creationId xmlns:a16="http://schemas.microsoft.com/office/drawing/2014/main" id="{83B8C814-3DC1-D4D3-0559-C35D9018D49A}"/>
+              </a:ext>
+            </a:extLst>
+          </p:cNvPr>
+          <p:cNvPicPr>
+            <a:picLocks noChangeAspect="1"/>
+          </p:cNvPicPr>
+          <p:nvPr/>
+        </p:nvPicPr>
+        <p:blipFill>
+          <a:blip r:embed="rId2"/>
+          <a:stretch>
+            <a:fillRect/>
+          </a:stretch>
+        </p:blipFill>
+        <p:spPr>
+          <a:xfrm>
+            <a:off x="1888525" y="2026649"/>
+            <a:ext cx="7772400" cy="1173610"/>
+          </a:xfrm>
+          <a:prstGeom prst="rect">
+            <a:avLst/>
+          </a:prstGeom>
+        </p:spPr>
+      </p:pic>
+    </p:spTree>
+    <p:extLst>
+      <p:ext uri="{BB962C8B-B14F-4D97-AF65-F5344CB8AC3E}">
+        <p14:creationId xmlns:p14="http://schemas.microsoft.com/office/powerpoint/2010/main" val="1907793796"/>
       </p:ext>
     </p:extLst>
   </p:cSld>
@@ -3418,7 +5315,7 @@
           <p:cNvPr id="2" name="Title 1">
             <a:extLst>
               <a:ext uri="{FF2B5EF4-FFF2-40B4-BE49-F238E27FC236}">
-                <a16:creationId xmlns:a16="http://schemas.microsoft.com/office/drawing/2014/main" id="{E2BA4629-CDE1-83AD-C361-48C6684DB199}"/>
+                <a16:creationId xmlns:a16="http://schemas.microsoft.com/office/drawing/2014/main" id="{5790D614-9538-CA4F-A0E7-0BF6D925355F}"/>
               </a:ext>
             </a:extLst>
           </p:cNvPr>
@@ -3431,8 +5328,8 @@
         </p:nvSpPr>
         <p:spPr>
           <a:xfrm>
-            <a:off x="208005" y="204487"/>
-            <a:ext cx="10515600" cy="1325563"/>
+            <a:off x="467498" y="167418"/>
+            <a:ext cx="10515600" cy="833480"/>
           </a:xfrm>
         </p:spPr>
         <p:txBody>
@@ -3441,70 +5338,153 @@
           <a:p>
             <a:r>
               <a:rPr lang="en-US" dirty="0"/>
+              <a:t>Overview</a:t>
+            </a:r>
+          </a:p>
+        </p:txBody>
+      </p:sp>
+      <p:sp>
+        <p:nvSpPr>
+          <p:cNvPr id="3" name="Content Placeholder 2">
+            <a:extLst>
+              <a:ext uri="{FF2B5EF4-FFF2-40B4-BE49-F238E27FC236}">
+                <a16:creationId xmlns:a16="http://schemas.microsoft.com/office/drawing/2014/main" id="{34ECEE5C-6065-6F8C-646C-0BCF9222B293}"/>
+              </a:ext>
+            </a:extLst>
+          </p:cNvPr>
+          <p:cNvSpPr>
+            <a:spLocks noGrp="1"/>
+          </p:cNvSpPr>
+          <p:nvPr>
+            <p:ph idx="1"/>
+          </p:nvPr>
+        </p:nvSpPr>
+        <p:spPr>
+          <a:xfrm>
+            <a:off x="825843" y="1356068"/>
+            <a:ext cx="10515600" cy="4351338"/>
+          </a:xfrm>
+        </p:spPr>
+        <p:txBody>
+          <a:bodyPr/>
+          <a:lstStyle/>
+          <a:p>
+            <a:r>
+              <a:rPr lang="en-US" dirty="0"/>
               <a:t>What is a Claude Skill?</a:t>
             </a:r>
           </a:p>
-        </p:txBody>
-      </p:sp>
-      <p:sp>
-        <p:nvSpPr>
-          <p:cNvPr id="3" name="Content Placeholder 2">
-            <a:extLst>
-              <a:ext uri="{FF2B5EF4-FFF2-40B4-BE49-F238E27FC236}">
-                <a16:creationId xmlns:a16="http://schemas.microsoft.com/office/drawing/2014/main" id="{29985EBB-5F03-F412-826E-61CB0F69CDE4}"/>
-              </a:ext>
-            </a:extLst>
-          </p:cNvPr>
-          <p:cNvSpPr>
-            <a:spLocks noGrp="1"/>
-          </p:cNvSpPr>
-          <p:nvPr>
-            <p:ph idx="1"/>
-          </p:nvPr>
-        </p:nvSpPr>
-        <p:spPr>
-          <a:xfrm>
-            <a:off x="6240161" y="1788555"/>
-            <a:ext cx="5261919" cy="4351338"/>
-          </a:xfrm>
-        </p:spPr>
-        <p:txBody>
-          <a:bodyPr>
-            <a:normAutofit fontScale="92500" lnSpcReduction="20000"/>
-          </a:bodyPr>
-          <a:lstStyle/>
-          <a:p>
-            <a:r>
-              <a:rPr lang="en-US" dirty="0"/>
-              <a:t>A highly detailed set of rules for executing specific tasks</a:t>
-            </a:r>
-          </a:p>
-          <a:p>
-            <a:r>
-              <a:rPr lang="en-US" dirty="0"/>
-              <a:t>Standardized by Anthropic in October 2025</a:t>
-            </a:r>
-          </a:p>
-          <a:p>
-            <a:r>
-              <a:rPr lang="en-US" dirty="0"/>
-              <a:t>Stored in a zip file that can be quickly added to your Anthropic settings</a:t>
-            </a:r>
-          </a:p>
-          <a:p>
-            <a:r>
-              <a:rPr lang="en-US" dirty="0"/>
-              <a:t>Easy to setup and use within Claude using both the webpage or the Terminal using Claude Code</a:t>
-            </a:r>
-          </a:p>
-          <a:p>
+          <a:p>
+            <a:r>
+              <a:rPr lang="en-US" dirty="0"/>
+              <a:t>Loading the MicroSim-p5 skill into Claude’s </a:t>
+            </a:r>
             <a:r>
               <a:rPr lang="en-US" dirty="0" err="1"/>
-              <a:t>Availabe</a:t>
-            </a:r>
-            <a:r>
-              <a:rPr lang="en-US" dirty="0"/>
-              <a:t> with the Pro ($20/month) plan</a:t>
+              <a:t>Capabilites</a:t>
+            </a:r>
+            <a:endParaRPr lang="en-US" dirty="0"/>
+          </a:p>
+          <a:p>
+            <a:r>
+              <a:rPr lang="en-US" dirty="0"/>
+              <a:t>Using the Skill to generate a p5.js file</a:t>
+            </a:r>
+          </a:p>
+          <a:p>
+            <a:r>
+              <a:rPr lang="en-US" dirty="0"/>
+              <a:t>Testing the p5.js MicroSim with the p5.js editor</a:t>
+            </a:r>
+          </a:p>
+          <a:p>
+            <a:r>
+              <a:rPr lang="en-US" dirty="0"/>
+              <a:t>Generating a full MicroSim package</a:t>
+            </a:r>
+          </a:p>
+          <a:p>
+            <a:r>
+              <a:rPr lang="en-US" dirty="0"/>
+              <a:t>Installing the package in your intelligent book</a:t>
+            </a:r>
+          </a:p>
+          <a:p>
+            <a:r>
+              <a:rPr lang="en-US" dirty="0"/>
+              <a:t>Testing the MicroSim package in your textbook</a:t>
+            </a:r>
+          </a:p>
+          <a:p>
+            <a:r>
+              <a:rPr lang="en-US" dirty="0"/>
+              <a:t>Adding a Social Media Preview Image</a:t>
+            </a:r>
+          </a:p>
+          <a:p>
+            <a:endParaRPr lang="en-US" dirty="0"/>
+          </a:p>
+        </p:txBody>
+      </p:sp>
+    </p:spTree>
+    <p:extLst>
+      <p:ext uri="{BB962C8B-B14F-4D97-AF65-F5344CB8AC3E}">
+        <p14:creationId xmlns:p14="http://schemas.microsoft.com/office/powerpoint/2010/main" val="579766685"/>
+      </p:ext>
+    </p:extLst>
+  </p:cSld>
+  <p:clrMapOvr>
+    <a:masterClrMapping/>
+  </p:clrMapOvr>
+</p:sld>
+</file>
+
+<file path=ppt/slides/slide20.xml><?xml version="1.0" encoding="utf-8"?>
+<p:sld xmlns:a="http://schemas.openxmlformats.org/drawingml/2006/main" xmlns:r="http://schemas.openxmlformats.org/officeDocument/2006/relationships" xmlns:p="http://schemas.openxmlformats.org/presentationml/2006/main">
+  <p:cSld>
+    <p:spTree>
+      <p:nvGrpSpPr>
+        <p:cNvPr id="1" name=""/>
+        <p:cNvGrpSpPr/>
+        <p:nvPr/>
+      </p:nvGrpSpPr>
+      <p:grpSpPr>
+        <a:xfrm>
+          <a:off x="0" y="0"/>
+          <a:ext cx="0" cy="0"/>
+          <a:chOff x="0" y="0"/>
+          <a:chExt cx="0" cy="0"/>
+        </a:xfrm>
+      </p:grpSpPr>
+      <p:sp>
+        <p:nvSpPr>
+          <p:cNvPr id="2" name="Title 1">
+            <a:extLst>
+              <a:ext uri="{FF2B5EF4-FFF2-40B4-BE49-F238E27FC236}">
+                <a16:creationId xmlns:a16="http://schemas.microsoft.com/office/drawing/2014/main" id="{123E5DD1-9427-D5D0-3A94-A45F496ED490}"/>
+              </a:ext>
+            </a:extLst>
+          </p:cNvPr>
+          <p:cNvSpPr>
+            <a:spLocks noGrp="1"/>
+          </p:cNvSpPr>
+          <p:nvPr>
+            <p:ph type="title"/>
+          </p:nvPr>
+        </p:nvSpPr>
+        <p:spPr>
+          <a:xfrm>
+            <a:off x="158578" y="167417"/>
+            <a:ext cx="10515600" cy="746983"/>
+          </a:xfrm>
+        </p:spPr>
+        <p:txBody>
+          <a:bodyPr/>
+          <a:lstStyle/>
+          <a:p>
+            <a:r>
+              <a:rPr lang="en-US" dirty="0"/>
+              <a:t>Sample Dialog</a:t>
             </a:r>
           </a:p>
         </p:txBody>
@@ -3514,7 +5494,7 @@
           <p:cNvPr id="4" name="Picture 3">
             <a:extLst>
               <a:ext uri="{FF2B5EF4-FFF2-40B4-BE49-F238E27FC236}">
-                <a16:creationId xmlns:a16="http://schemas.microsoft.com/office/drawing/2014/main" id="{35198E3D-2301-8502-E674-8683EB23FA20}"/>
+                <a16:creationId xmlns:a16="http://schemas.microsoft.com/office/drawing/2014/main" id="{EE2EB425-AD59-A82B-7423-109B943F5F59}"/>
               </a:ext>
             </a:extLst>
           </p:cNvPr>
@@ -3531,8 +5511,237 @@
         </p:blipFill>
         <p:spPr>
           <a:xfrm>
-            <a:off x="245076" y="1631092"/>
-            <a:ext cx="5786833" cy="4176584"/>
+            <a:off x="2570206" y="813910"/>
+            <a:ext cx="6463756" cy="5809312"/>
+          </a:xfrm>
+          <a:prstGeom prst="rect">
+            <a:avLst/>
+          </a:prstGeom>
+        </p:spPr>
+      </p:pic>
+      <p:sp>
+        <p:nvSpPr>
+          <p:cNvPr id="5" name="Left Arrow 4">
+            <a:extLst>
+              <a:ext uri="{FF2B5EF4-FFF2-40B4-BE49-F238E27FC236}">
+                <a16:creationId xmlns:a16="http://schemas.microsoft.com/office/drawing/2014/main" id="{0EA6FA50-52C1-F777-3893-CEABF85B20FE}"/>
+              </a:ext>
+            </a:extLst>
+          </p:cNvPr>
+          <p:cNvSpPr/>
+          <p:nvPr/>
+        </p:nvSpPr>
+        <p:spPr>
+          <a:xfrm>
+            <a:off x="5589906" y="5979227"/>
+            <a:ext cx="1911928" cy="878773"/>
+          </a:xfrm>
+          <a:prstGeom prst="leftArrow">
+            <a:avLst/>
+          </a:prstGeom>
+          <a:solidFill>
+            <a:srgbClr val="FF0000"/>
+          </a:solidFill>
+        </p:spPr>
+        <p:style>
+          <a:lnRef idx="2">
+            <a:schemeClr val="accent1">
+              <a:shade val="15000"/>
+            </a:schemeClr>
+          </a:lnRef>
+          <a:fillRef idx="1">
+            <a:schemeClr val="accent1"/>
+          </a:fillRef>
+          <a:effectRef idx="0">
+            <a:schemeClr val="accent1"/>
+          </a:effectRef>
+          <a:fontRef idx="minor">
+            <a:schemeClr val="lt1"/>
+          </a:fontRef>
+        </p:style>
+        <p:txBody>
+          <a:bodyPr rtlCol="0" anchor="ctr"/>
+          <a:lstStyle/>
+          <a:p>
+            <a:pPr algn="ctr"/>
+            <a:r>
+              <a:rPr lang="en-US" dirty="0"/>
+              <a:t>CLICK HERE</a:t>
+            </a:r>
+          </a:p>
+        </p:txBody>
+      </p:sp>
+    </p:spTree>
+    <p:extLst>
+      <p:ext uri="{BB962C8B-B14F-4D97-AF65-F5344CB8AC3E}">
+        <p14:creationId xmlns:p14="http://schemas.microsoft.com/office/powerpoint/2010/main" val="2625357156"/>
+      </p:ext>
+    </p:extLst>
+  </p:cSld>
+  <p:clrMapOvr>
+    <a:masterClrMapping/>
+  </p:clrMapOvr>
+</p:sld>
+</file>
+
+<file path=ppt/slides/slide21.xml><?xml version="1.0" encoding="utf-8"?>
+<p:sld xmlns:a="http://schemas.openxmlformats.org/drawingml/2006/main" xmlns:r="http://schemas.openxmlformats.org/officeDocument/2006/relationships" xmlns:p="http://schemas.openxmlformats.org/presentationml/2006/main">
+  <p:cSld>
+    <p:spTree>
+      <p:nvGrpSpPr>
+        <p:cNvPr id="1" name=""/>
+        <p:cNvGrpSpPr/>
+        <p:nvPr/>
+      </p:nvGrpSpPr>
+      <p:grpSpPr>
+        <a:xfrm>
+          <a:off x="0" y="0"/>
+          <a:ext cx="0" cy="0"/>
+          <a:chOff x="0" y="0"/>
+          <a:chExt cx="0" cy="0"/>
+        </a:xfrm>
+      </p:grpSpPr>
+      <p:sp>
+        <p:nvSpPr>
+          <p:cNvPr id="2" name="Title 1">
+            <a:extLst>
+              <a:ext uri="{FF2B5EF4-FFF2-40B4-BE49-F238E27FC236}">
+                <a16:creationId xmlns:a16="http://schemas.microsoft.com/office/drawing/2014/main" id="{A87A0602-80B0-101D-E1F0-324A7127DBAA}"/>
+              </a:ext>
+            </a:extLst>
+          </p:cNvPr>
+          <p:cNvSpPr>
+            <a:spLocks noGrp="1"/>
+          </p:cNvSpPr>
+          <p:nvPr>
+            <p:ph type="title"/>
+          </p:nvPr>
+        </p:nvSpPr>
+        <p:spPr/>
+        <p:txBody>
+          <a:bodyPr/>
+          <a:lstStyle/>
+          <a:p>
+            <a:r>
+              <a:rPr lang="en-US" dirty="0"/>
+              <a:t>Click the Download</a:t>
+            </a:r>
+          </a:p>
+        </p:txBody>
+      </p:sp>
+      <p:pic>
+        <p:nvPicPr>
+          <p:cNvPr id="4" name="Content Placeholder 3">
+            <a:extLst>
+              <a:ext uri="{FF2B5EF4-FFF2-40B4-BE49-F238E27FC236}">
+                <a16:creationId xmlns:a16="http://schemas.microsoft.com/office/drawing/2014/main" id="{1E135A50-27DB-5752-DEFD-7980BE460FBA}"/>
+              </a:ext>
+            </a:extLst>
+          </p:cNvPr>
+          <p:cNvPicPr>
+            <a:picLocks noGrp="1" noChangeAspect="1"/>
+          </p:cNvPicPr>
+          <p:nvPr>
+            <p:ph idx="1"/>
+          </p:nvPr>
+        </p:nvPicPr>
+        <p:blipFill>
+          <a:blip r:embed="rId2"/>
+          <a:stretch>
+            <a:fillRect/>
+          </a:stretch>
+        </p:blipFill>
+        <p:spPr>
+          <a:xfrm>
+            <a:off x="1767697" y="1763841"/>
+            <a:ext cx="4405881" cy="4351338"/>
+          </a:xfrm>
+          <a:prstGeom prst="rect">
+            <a:avLst/>
+          </a:prstGeom>
+          <a:ln>
+            <a:solidFill>
+              <a:schemeClr val="tx1"/>
+            </a:solidFill>
+          </a:ln>
+        </p:spPr>
+      </p:pic>
+      <p:sp>
+        <p:nvSpPr>
+          <p:cNvPr id="5" name="Left Arrow 4">
+            <a:extLst>
+              <a:ext uri="{FF2B5EF4-FFF2-40B4-BE49-F238E27FC236}">
+                <a16:creationId xmlns:a16="http://schemas.microsoft.com/office/drawing/2014/main" id="{1710FED9-98EE-A814-8BBD-47CFAE45F321}"/>
+              </a:ext>
+            </a:extLst>
+          </p:cNvPr>
+          <p:cNvSpPr/>
+          <p:nvPr/>
+        </p:nvSpPr>
+        <p:spPr>
+          <a:xfrm>
+            <a:off x="6331311" y="1444298"/>
+            <a:ext cx="1911928" cy="878773"/>
+          </a:xfrm>
+          <a:prstGeom prst="leftArrow">
+            <a:avLst/>
+          </a:prstGeom>
+          <a:solidFill>
+            <a:srgbClr val="FF0000"/>
+          </a:solidFill>
+        </p:spPr>
+        <p:style>
+          <a:lnRef idx="2">
+            <a:schemeClr val="accent1">
+              <a:shade val="15000"/>
+            </a:schemeClr>
+          </a:lnRef>
+          <a:fillRef idx="1">
+            <a:schemeClr val="accent1"/>
+          </a:fillRef>
+          <a:effectRef idx="0">
+            <a:schemeClr val="accent1"/>
+          </a:effectRef>
+          <a:fontRef idx="minor">
+            <a:schemeClr val="lt1"/>
+          </a:fontRef>
+        </p:style>
+        <p:txBody>
+          <a:bodyPr rtlCol="0" anchor="ctr"/>
+          <a:lstStyle/>
+          <a:p>
+            <a:pPr algn="ctr"/>
+            <a:r>
+              <a:rPr lang="en-US" dirty="0"/>
+              <a:t>CLICK HERE</a:t>
+            </a:r>
+          </a:p>
+        </p:txBody>
+      </p:sp>
+      <p:pic>
+        <p:nvPicPr>
+          <p:cNvPr id="7" name="Picture 6">
+            <a:extLst>
+              <a:ext uri="{FF2B5EF4-FFF2-40B4-BE49-F238E27FC236}">
+                <a16:creationId xmlns:a16="http://schemas.microsoft.com/office/drawing/2014/main" id="{D5A08029-96CA-3D22-72B8-607A23113845}"/>
+              </a:ext>
+            </a:extLst>
+          </p:cNvPr>
+          <p:cNvPicPr>
+            <a:picLocks noChangeAspect="1"/>
+          </p:cNvPicPr>
+          <p:nvPr/>
+        </p:nvPicPr>
+        <p:blipFill>
+          <a:blip r:embed="rId3"/>
+          <a:stretch>
+            <a:fillRect/>
+          </a:stretch>
+        </p:blipFill>
+        <p:spPr>
+          <a:xfrm>
+            <a:off x="8215698" y="3152003"/>
+            <a:ext cx="1181100" cy="1600200"/>
           </a:xfrm>
           <a:prstGeom prst="rect">
             <a:avLst/>
@@ -3542,7 +5751,1335 @@
     </p:spTree>
     <p:extLst>
       <p:ext uri="{BB962C8B-B14F-4D97-AF65-F5344CB8AC3E}">
-        <p14:creationId xmlns:p14="http://schemas.microsoft.com/office/powerpoint/2010/main" val="3660502633"/>
+        <p14:creationId xmlns:p14="http://schemas.microsoft.com/office/powerpoint/2010/main" val="822139098"/>
+      </p:ext>
+    </p:extLst>
+  </p:cSld>
+  <p:clrMapOvr>
+    <a:masterClrMapping/>
+  </p:clrMapOvr>
+</p:sld>
+</file>
+
+<file path=ppt/slides/slide22.xml><?xml version="1.0" encoding="utf-8"?>
+<p:sld xmlns:a="http://schemas.openxmlformats.org/drawingml/2006/main" xmlns:r="http://schemas.openxmlformats.org/officeDocument/2006/relationships" xmlns:p="http://schemas.openxmlformats.org/presentationml/2006/main">
+  <p:cSld>
+    <p:spTree>
+      <p:nvGrpSpPr>
+        <p:cNvPr id="1" name=""/>
+        <p:cNvGrpSpPr/>
+        <p:nvPr/>
+      </p:nvGrpSpPr>
+      <p:grpSpPr>
+        <a:xfrm>
+          <a:off x="0" y="0"/>
+          <a:ext cx="0" cy="0"/>
+          <a:chOff x="0" y="0"/>
+          <a:chExt cx="0" cy="0"/>
+        </a:xfrm>
+      </p:grpSpPr>
+      <p:sp>
+        <p:nvSpPr>
+          <p:cNvPr id="2" name="Title 1">
+            <a:extLst>
+              <a:ext uri="{FF2B5EF4-FFF2-40B4-BE49-F238E27FC236}">
+                <a16:creationId xmlns:a16="http://schemas.microsoft.com/office/drawing/2014/main" id="{5A0AA114-1A7A-1F1A-61D7-DDB790BA42CC}"/>
+              </a:ext>
+            </a:extLst>
+          </p:cNvPr>
+          <p:cNvSpPr>
+            <a:spLocks noGrp="1"/>
+          </p:cNvSpPr>
+          <p:nvPr>
+            <p:ph type="title"/>
+          </p:nvPr>
+        </p:nvSpPr>
+        <p:spPr>
+          <a:xfrm>
+            <a:off x="232718" y="290985"/>
+            <a:ext cx="10515600" cy="907621"/>
+          </a:xfrm>
+        </p:spPr>
+        <p:txBody>
+          <a:bodyPr/>
+          <a:lstStyle/>
+          <a:p>
+            <a:r>
+              <a:rPr lang="en-US" dirty="0"/>
+              <a:t>Unzip the MicroSim Package</a:t>
+            </a:r>
+          </a:p>
+        </p:txBody>
+      </p:sp>
+      <p:pic>
+        <p:nvPicPr>
+          <p:cNvPr id="4" name="Picture 3">
+            <a:extLst>
+              <a:ext uri="{FF2B5EF4-FFF2-40B4-BE49-F238E27FC236}">
+                <a16:creationId xmlns:a16="http://schemas.microsoft.com/office/drawing/2014/main" id="{07092EEB-A1F2-0278-42D6-FF95B6D1D831}"/>
+              </a:ext>
+            </a:extLst>
+          </p:cNvPr>
+          <p:cNvPicPr>
+            <a:picLocks noChangeAspect="1"/>
+          </p:cNvPicPr>
+          <p:nvPr/>
+        </p:nvPicPr>
+        <p:blipFill>
+          <a:blip r:embed="rId2"/>
+          <a:stretch>
+            <a:fillRect/>
+          </a:stretch>
+        </p:blipFill>
+        <p:spPr>
+          <a:xfrm>
+            <a:off x="2051050" y="1585097"/>
+            <a:ext cx="7175500" cy="2032000"/>
+          </a:xfrm>
+          <a:prstGeom prst="rect">
+            <a:avLst/>
+          </a:prstGeom>
+          <a:ln>
+            <a:solidFill>
+              <a:schemeClr val="tx1"/>
+            </a:solidFill>
+          </a:ln>
+        </p:spPr>
+      </p:pic>
+      <p:sp>
+        <p:nvSpPr>
+          <p:cNvPr id="5" name="TextBox 4">
+            <a:extLst>
+              <a:ext uri="{FF2B5EF4-FFF2-40B4-BE49-F238E27FC236}">
+                <a16:creationId xmlns:a16="http://schemas.microsoft.com/office/drawing/2014/main" id="{F9120E69-8346-802D-6166-8588CC6B0C85}"/>
+              </a:ext>
+            </a:extLst>
+          </p:cNvPr>
+          <p:cNvSpPr txBox="1"/>
+          <p:nvPr/>
+        </p:nvSpPr>
+        <p:spPr>
+          <a:xfrm>
+            <a:off x="939113" y="4250724"/>
+            <a:ext cx="8971006" cy="1200329"/>
+          </a:xfrm>
+          <a:prstGeom prst="rect">
+            <a:avLst/>
+          </a:prstGeom>
+          <a:noFill/>
+        </p:spPr>
+        <p:txBody>
+          <a:bodyPr wrap="square" rtlCol="0">
+            <a:spAutoFit/>
+          </a:bodyPr>
+          <a:lstStyle/>
+          <a:p>
+            <a:r>
+              <a:rPr lang="en-US" dirty="0"/>
+              <a:t>Move and or rename:</a:t>
+            </a:r>
+          </a:p>
+          <a:p>
+            <a:endParaRPr lang="en-US" dirty="0"/>
+          </a:p>
+          <a:p>
+            <a:r>
+              <a:rPr lang="en-US" dirty="0"/>
+              <a:t>	$ cd /</a:t>
+            </a:r>
+            <a:r>
+              <a:rPr lang="en-US" dirty="0" err="1"/>
+              <a:t>tmp</a:t>
+            </a:r>
+            <a:endParaRPr lang="en-US" dirty="0"/>
+          </a:p>
+          <a:p>
+            <a:r>
+              <a:rPr lang="en-US" dirty="0"/>
+              <a:t>	$ mv  projectile-motion $BOOK/docs/sims/projectile-motion-gravity</a:t>
+            </a:r>
+          </a:p>
+        </p:txBody>
+      </p:sp>
+      <p:sp>
+        <p:nvSpPr>
+          <p:cNvPr id="6" name="TextBox 5">
+            <a:extLst>
+              <a:ext uri="{FF2B5EF4-FFF2-40B4-BE49-F238E27FC236}">
+                <a16:creationId xmlns:a16="http://schemas.microsoft.com/office/drawing/2014/main" id="{2853B532-0515-5AF1-FC39-C6A2A396FD69}"/>
+              </a:ext>
+            </a:extLst>
+          </p:cNvPr>
+          <p:cNvSpPr txBox="1"/>
+          <p:nvPr/>
+        </p:nvSpPr>
+        <p:spPr>
+          <a:xfrm>
+            <a:off x="877329" y="5968314"/>
+            <a:ext cx="10209270" cy="369332"/>
+          </a:xfrm>
+          <a:prstGeom prst="rect">
+            <a:avLst/>
+          </a:prstGeom>
+          <a:noFill/>
+        </p:spPr>
+        <p:txBody>
+          <a:bodyPr wrap="none" rtlCol="0">
+            <a:spAutoFit/>
+          </a:bodyPr>
+          <a:lstStyle/>
+          <a:p>
+            <a:r>
+              <a:rPr lang="en-US" b="1" dirty="0"/>
+              <a:t>Note: </a:t>
+            </a:r>
+            <a:r>
+              <a:rPr lang="en-US" dirty="0"/>
+              <a:t>remove the zip file when you are done.  The zip file should not be checked into your textbook site.</a:t>
+            </a:r>
+          </a:p>
+        </p:txBody>
+      </p:sp>
+    </p:spTree>
+    <p:extLst>
+      <p:ext uri="{BB962C8B-B14F-4D97-AF65-F5344CB8AC3E}">
+        <p14:creationId xmlns:p14="http://schemas.microsoft.com/office/powerpoint/2010/main" val="1501649040"/>
+      </p:ext>
+    </p:extLst>
+  </p:cSld>
+  <p:clrMapOvr>
+    <a:masterClrMapping/>
+  </p:clrMapOvr>
+</p:sld>
+</file>
+
+<file path=ppt/slides/slide23.xml><?xml version="1.0" encoding="utf-8"?>
+<p:sld xmlns:a="http://schemas.openxmlformats.org/drawingml/2006/main" xmlns:r="http://schemas.openxmlformats.org/officeDocument/2006/relationships" xmlns:p="http://schemas.openxmlformats.org/presentationml/2006/main">
+  <p:cSld>
+    <p:spTree>
+      <p:nvGrpSpPr>
+        <p:cNvPr id="1" name=""/>
+        <p:cNvGrpSpPr/>
+        <p:nvPr/>
+      </p:nvGrpSpPr>
+      <p:grpSpPr>
+        <a:xfrm>
+          <a:off x="0" y="0"/>
+          <a:ext cx="0" cy="0"/>
+          <a:chOff x="0" y="0"/>
+          <a:chExt cx="0" cy="0"/>
+        </a:xfrm>
+      </p:grpSpPr>
+      <p:sp>
+        <p:nvSpPr>
+          <p:cNvPr id="2" name="Title 1">
+            <a:extLst>
+              <a:ext uri="{FF2B5EF4-FFF2-40B4-BE49-F238E27FC236}">
+                <a16:creationId xmlns:a16="http://schemas.microsoft.com/office/drawing/2014/main" id="{0092AFF1-D050-23F2-21A4-3272C46C775F}"/>
+              </a:ext>
+            </a:extLst>
+          </p:cNvPr>
+          <p:cNvSpPr>
+            <a:spLocks noGrp="1"/>
+          </p:cNvSpPr>
+          <p:nvPr>
+            <p:ph type="title"/>
+          </p:nvPr>
+        </p:nvSpPr>
+        <p:spPr>
+          <a:xfrm>
+            <a:off x="294503" y="204487"/>
+            <a:ext cx="10515600" cy="1325563"/>
+          </a:xfrm>
+        </p:spPr>
+        <p:txBody>
+          <a:bodyPr/>
+          <a:lstStyle/>
+          <a:p>
+            <a:r>
+              <a:rPr lang="en-US" dirty="0"/>
+              <a:t>Add to Navigation in </a:t>
+            </a:r>
+            <a:r>
+              <a:rPr lang="en-US" dirty="0" err="1"/>
+              <a:t>mkdocs.yml</a:t>
+            </a:r>
+            <a:endParaRPr lang="en-US" dirty="0"/>
+          </a:p>
+        </p:txBody>
+      </p:sp>
+      <p:sp>
+        <p:nvSpPr>
+          <p:cNvPr id="3" name="Content Placeholder 2">
+            <a:extLst>
+              <a:ext uri="{FF2B5EF4-FFF2-40B4-BE49-F238E27FC236}">
+                <a16:creationId xmlns:a16="http://schemas.microsoft.com/office/drawing/2014/main" id="{6387EFBD-C8BE-6EBD-DCA3-65D333943475}"/>
+              </a:ext>
+            </a:extLst>
+          </p:cNvPr>
+          <p:cNvSpPr>
+            <a:spLocks noGrp="1"/>
+          </p:cNvSpPr>
+          <p:nvPr>
+            <p:ph idx="1"/>
+          </p:nvPr>
+        </p:nvSpPr>
+        <p:spPr>
+          <a:xfrm>
+            <a:off x="838200" y="3583459"/>
+            <a:ext cx="10515600" cy="2593504"/>
+          </a:xfrm>
+        </p:spPr>
+        <p:txBody>
+          <a:bodyPr/>
+          <a:lstStyle/>
+          <a:p>
+            <a:r>
+              <a:rPr lang="en-US" dirty="0"/>
+              <a:t>Add to the nav: sims area indented with the other sims</a:t>
+            </a:r>
+          </a:p>
+          <a:p>
+            <a:endParaRPr lang="en-US" dirty="0"/>
+          </a:p>
+          <a:p>
+            <a:pPr marL="0" indent="0">
+              <a:buNone/>
+            </a:pPr>
+            <a:r>
+              <a:rPr lang="en-US" dirty="0"/>
+              <a:t>	</a:t>
+            </a:r>
+            <a:r>
+              <a:rPr lang="en-US" dirty="0">
+                <a:latin typeface="Courier New" panose="02070309020205020404" pitchFamily="49" charset="0"/>
+                <a:cs typeface="Courier New" panose="02070309020205020404" pitchFamily="49" charset="0"/>
+              </a:rPr>
+              <a:t>- Projectile Motion With Gravity: sims/projectile-motion-gravity/index.md</a:t>
+            </a:r>
+          </a:p>
+          <a:p>
+            <a:endParaRPr lang="en-US" dirty="0"/>
+          </a:p>
+        </p:txBody>
+      </p:sp>
+      <p:pic>
+        <p:nvPicPr>
+          <p:cNvPr id="4" name="Picture 3">
+            <a:extLst>
+              <a:ext uri="{FF2B5EF4-FFF2-40B4-BE49-F238E27FC236}">
+                <a16:creationId xmlns:a16="http://schemas.microsoft.com/office/drawing/2014/main" id="{ABA98926-BC38-33E1-94E9-5462D2C41C2F}"/>
+              </a:ext>
+            </a:extLst>
+          </p:cNvPr>
+          <p:cNvPicPr>
+            <a:picLocks noChangeAspect="1"/>
+          </p:cNvPicPr>
+          <p:nvPr/>
+        </p:nvPicPr>
+        <p:blipFill>
+          <a:blip r:embed="rId2"/>
+          <a:stretch>
+            <a:fillRect/>
+          </a:stretch>
+        </p:blipFill>
+        <p:spPr>
+          <a:xfrm>
+            <a:off x="1888524" y="1653203"/>
+            <a:ext cx="7772400" cy="1599225"/>
+          </a:xfrm>
+          <a:prstGeom prst="rect">
+            <a:avLst/>
+          </a:prstGeom>
+        </p:spPr>
+      </p:pic>
+      <p:sp>
+        <p:nvSpPr>
+          <p:cNvPr id="5" name="Left Arrow 4">
+            <a:extLst>
+              <a:ext uri="{FF2B5EF4-FFF2-40B4-BE49-F238E27FC236}">
+                <a16:creationId xmlns:a16="http://schemas.microsoft.com/office/drawing/2014/main" id="{3FAF0B88-770F-A49B-39AE-8DC72488902C}"/>
+              </a:ext>
+            </a:extLst>
+          </p:cNvPr>
+          <p:cNvSpPr/>
+          <p:nvPr/>
+        </p:nvSpPr>
+        <p:spPr>
+          <a:xfrm>
+            <a:off x="9692348" y="2062136"/>
+            <a:ext cx="1911928" cy="878773"/>
+          </a:xfrm>
+          <a:prstGeom prst="leftArrow">
+            <a:avLst/>
+          </a:prstGeom>
+          <a:solidFill>
+            <a:srgbClr val="FF0000"/>
+          </a:solidFill>
+        </p:spPr>
+        <p:style>
+          <a:lnRef idx="2">
+            <a:schemeClr val="accent1">
+              <a:shade val="15000"/>
+            </a:schemeClr>
+          </a:lnRef>
+          <a:fillRef idx="1">
+            <a:schemeClr val="accent1"/>
+          </a:fillRef>
+          <a:effectRef idx="0">
+            <a:schemeClr val="accent1"/>
+          </a:effectRef>
+          <a:fontRef idx="minor">
+            <a:schemeClr val="lt1"/>
+          </a:fontRef>
+        </p:style>
+        <p:txBody>
+          <a:bodyPr rtlCol="0" anchor="ctr"/>
+          <a:lstStyle/>
+          <a:p>
+            <a:pPr algn="ctr"/>
+            <a:r>
+              <a:rPr lang="en-US" dirty="0"/>
+              <a:t>New Line Here</a:t>
+            </a:r>
+          </a:p>
+        </p:txBody>
+      </p:sp>
+    </p:spTree>
+    <p:extLst>
+      <p:ext uri="{BB962C8B-B14F-4D97-AF65-F5344CB8AC3E}">
+        <p14:creationId xmlns:p14="http://schemas.microsoft.com/office/powerpoint/2010/main" val="1632711254"/>
+      </p:ext>
+    </p:extLst>
+  </p:cSld>
+  <p:clrMapOvr>
+    <a:masterClrMapping/>
+  </p:clrMapOvr>
+</p:sld>
+</file>
+
+<file path=ppt/slides/slide24.xml><?xml version="1.0" encoding="utf-8"?>
+<p:sld xmlns:a="http://schemas.openxmlformats.org/drawingml/2006/main" xmlns:r="http://schemas.openxmlformats.org/officeDocument/2006/relationships" xmlns:p="http://schemas.openxmlformats.org/presentationml/2006/main">
+  <p:cSld>
+    <p:spTree>
+      <p:nvGrpSpPr>
+        <p:cNvPr id="1" name=""/>
+        <p:cNvGrpSpPr/>
+        <p:nvPr/>
+      </p:nvGrpSpPr>
+      <p:grpSpPr>
+        <a:xfrm>
+          <a:off x="0" y="0"/>
+          <a:ext cx="0" cy="0"/>
+          <a:chOff x="0" y="0"/>
+          <a:chExt cx="0" cy="0"/>
+        </a:xfrm>
+      </p:grpSpPr>
+      <p:sp>
+        <p:nvSpPr>
+          <p:cNvPr id="2" name="Title 1">
+            <a:extLst>
+              <a:ext uri="{FF2B5EF4-FFF2-40B4-BE49-F238E27FC236}">
+                <a16:creationId xmlns:a16="http://schemas.microsoft.com/office/drawing/2014/main" id="{1ACF6833-3D6F-7197-E7CD-D7CB58600BC2}"/>
+              </a:ext>
+            </a:extLst>
+          </p:cNvPr>
+          <p:cNvSpPr>
+            <a:spLocks noGrp="1"/>
+          </p:cNvSpPr>
+          <p:nvPr>
+            <p:ph type="title"/>
+          </p:nvPr>
+        </p:nvSpPr>
+        <p:spPr>
+          <a:xfrm>
+            <a:off x="257433" y="167418"/>
+            <a:ext cx="10515600" cy="821124"/>
+          </a:xfrm>
+        </p:spPr>
+        <p:txBody>
+          <a:bodyPr/>
+          <a:lstStyle/>
+          <a:p>
+            <a:r>
+              <a:rPr lang="en-US" dirty="0"/>
+              <a:t>Optional: Social Media Preview</a:t>
+            </a:r>
+          </a:p>
+        </p:txBody>
+      </p:sp>
+      <p:sp>
+        <p:nvSpPr>
+          <p:cNvPr id="3" name="Content Placeholder 2">
+            <a:extLst>
+              <a:ext uri="{FF2B5EF4-FFF2-40B4-BE49-F238E27FC236}">
+                <a16:creationId xmlns:a16="http://schemas.microsoft.com/office/drawing/2014/main" id="{9069E74C-D332-022E-A413-4A343C50F1A9}"/>
+              </a:ext>
+            </a:extLst>
+          </p:cNvPr>
+          <p:cNvSpPr>
+            <a:spLocks noGrp="1"/>
+          </p:cNvSpPr>
+          <p:nvPr>
+            <p:ph idx="1"/>
+          </p:nvPr>
+        </p:nvSpPr>
+        <p:spPr>
+          <a:xfrm>
+            <a:off x="838200" y="1529063"/>
+            <a:ext cx="10515600" cy="2721661"/>
+          </a:xfrm>
+        </p:spPr>
+        <p:txBody>
+          <a:bodyPr>
+            <a:normAutofit fontScale="92500" lnSpcReduction="20000"/>
+          </a:bodyPr>
+          <a:lstStyle/>
+          <a:p>
+            <a:r>
+              <a:rPr lang="en-US" dirty="0"/>
+              <a:t>You can also take a screen image and use this for a social media preview.  This image will show when you copy the link to the MicroSim into a chat, messenger, Slack, Discord, Zoom or reference the MicroSim on Facebook, Twitter, LinkedIn.</a:t>
+            </a:r>
+          </a:p>
+          <a:p>
+            <a:r>
+              <a:rPr lang="en-US" dirty="0"/>
+              <a:t>A future version of the skill might render the MicroSim and capture a screen image.  However, for now this is a manual step</a:t>
+            </a:r>
+          </a:p>
+          <a:p>
+            <a:r>
+              <a:rPr lang="en-US" dirty="0"/>
+              <a:t>To enable this feature, you must take a screen image of the MicroSim and place it in the MicroSim folder with the same name as the folder:</a:t>
+            </a:r>
+          </a:p>
+        </p:txBody>
+      </p:sp>
+      <p:pic>
+        <p:nvPicPr>
+          <p:cNvPr id="4" name="Picture 3">
+            <a:extLst>
+              <a:ext uri="{FF2B5EF4-FFF2-40B4-BE49-F238E27FC236}">
+                <a16:creationId xmlns:a16="http://schemas.microsoft.com/office/drawing/2014/main" id="{D2BA5704-1F2B-1B73-61B1-9FF2218CA507}"/>
+              </a:ext>
+            </a:extLst>
+          </p:cNvPr>
+          <p:cNvPicPr>
+            <a:picLocks noChangeAspect="1"/>
+          </p:cNvPicPr>
+          <p:nvPr/>
+        </p:nvPicPr>
+        <p:blipFill>
+          <a:blip r:embed="rId2"/>
+          <a:stretch>
+            <a:fillRect/>
+          </a:stretch>
+        </p:blipFill>
+        <p:spPr>
+          <a:xfrm>
+            <a:off x="2032343" y="4746196"/>
+            <a:ext cx="7188200" cy="1739900"/>
+          </a:xfrm>
+          <a:prstGeom prst="rect">
+            <a:avLst/>
+          </a:prstGeom>
+          <a:ln>
+            <a:solidFill>
+              <a:schemeClr val="tx1"/>
+            </a:solidFill>
+          </a:ln>
+        </p:spPr>
+      </p:pic>
+      <p:sp>
+        <p:nvSpPr>
+          <p:cNvPr id="5" name="Left Arrow 4">
+            <a:extLst>
+              <a:ext uri="{FF2B5EF4-FFF2-40B4-BE49-F238E27FC236}">
+                <a16:creationId xmlns:a16="http://schemas.microsoft.com/office/drawing/2014/main" id="{C5B87936-9A46-31EF-15E8-BCFFC1D52D53}"/>
+              </a:ext>
+            </a:extLst>
+          </p:cNvPr>
+          <p:cNvSpPr/>
+          <p:nvPr/>
+        </p:nvSpPr>
+        <p:spPr>
+          <a:xfrm>
+            <a:off x="8600303" y="4806778"/>
+            <a:ext cx="2372497" cy="827902"/>
+          </a:xfrm>
+          <a:prstGeom prst="leftArrow">
+            <a:avLst/>
+          </a:prstGeom>
+          <a:solidFill>
+            <a:srgbClr val="FF0000"/>
+          </a:solidFill>
+        </p:spPr>
+        <p:style>
+          <a:lnRef idx="2">
+            <a:schemeClr val="accent1">
+              <a:shade val="15000"/>
+            </a:schemeClr>
+          </a:lnRef>
+          <a:fillRef idx="1">
+            <a:schemeClr val="accent1"/>
+          </a:fillRef>
+          <a:effectRef idx="0">
+            <a:schemeClr val="accent1"/>
+          </a:effectRef>
+          <a:fontRef idx="minor">
+            <a:schemeClr val="lt1"/>
+          </a:fontRef>
+        </p:style>
+        <p:txBody>
+          <a:bodyPr rtlCol="0" anchor="ctr"/>
+          <a:lstStyle/>
+          <a:p>
+            <a:pPr algn="ctr"/>
+            <a:r>
+              <a:rPr lang="en-US" dirty="0"/>
+              <a:t>New File</a:t>
+            </a:r>
+          </a:p>
+        </p:txBody>
+      </p:sp>
+      <p:sp>
+        <p:nvSpPr>
+          <p:cNvPr id="6" name="TextBox 5">
+            <a:extLst>
+              <a:ext uri="{FF2B5EF4-FFF2-40B4-BE49-F238E27FC236}">
+                <a16:creationId xmlns:a16="http://schemas.microsoft.com/office/drawing/2014/main" id="{175A8CA9-EE37-7804-F024-060A2117FCBE}"/>
+              </a:ext>
+            </a:extLst>
+          </p:cNvPr>
+          <p:cNvSpPr txBox="1"/>
+          <p:nvPr/>
+        </p:nvSpPr>
+        <p:spPr>
+          <a:xfrm>
+            <a:off x="1927654" y="4324865"/>
+            <a:ext cx="6059031" cy="369332"/>
+          </a:xfrm>
+          <a:prstGeom prst="rect">
+            <a:avLst/>
+          </a:prstGeom>
+          <a:noFill/>
+        </p:spPr>
+        <p:txBody>
+          <a:bodyPr wrap="none" rtlCol="0">
+            <a:spAutoFit/>
+          </a:bodyPr>
+          <a:lstStyle/>
+          <a:p>
+            <a:r>
+              <a:rPr lang="en-US" dirty="0"/>
+              <a:t>Contents of my /docs/sims/projectile-motion-gravity folder:</a:t>
+            </a:r>
+          </a:p>
+        </p:txBody>
+      </p:sp>
+    </p:spTree>
+    <p:extLst>
+      <p:ext uri="{BB962C8B-B14F-4D97-AF65-F5344CB8AC3E}">
+        <p14:creationId xmlns:p14="http://schemas.microsoft.com/office/powerpoint/2010/main" val="2945389379"/>
+      </p:ext>
+    </p:extLst>
+  </p:cSld>
+  <p:clrMapOvr>
+    <a:masterClrMapping/>
+  </p:clrMapOvr>
+</p:sld>
+</file>
+
+<file path=ppt/slides/slide25.xml><?xml version="1.0" encoding="utf-8"?>
+<p:sld xmlns:a="http://schemas.openxmlformats.org/drawingml/2006/main" xmlns:r="http://schemas.openxmlformats.org/officeDocument/2006/relationships" xmlns:p="http://schemas.openxmlformats.org/presentationml/2006/main">
+  <p:cSld>
+    <p:spTree>
+      <p:nvGrpSpPr>
+        <p:cNvPr id="1" name=""/>
+        <p:cNvGrpSpPr/>
+        <p:nvPr/>
+      </p:nvGrpSpPr>
+      <p:grpSpPr>
+        <a:xfrm>
+          <a:off x="0" y="0"/>
+          <a:ext cx="0" cy="0"/>
+          <a:chOff x="0" y="0"/>
+          <a:chExt cx="0" cy="0"/>
+        </a:xfrm>
+      </p:grpSpPr>
+      <p:sp>
+        <p:nvSpPr>
+          <p:cNvPr id="2" name="Title 1">
+            <a:extLst>
+              <a:ext uri="{FF2B5EF4-FFF2-40B4-BE49-F238E27FC236}">
+                <a16:creationId xmlns:a16="http://schemas.microsoft.com/office/drawing/2014/main" id="{9C9C7525-576B-78D3-CF0A-534C5787E68D}"/>
+              </a:ext>
+            </a:extLst>
+          </p:cNvPr>
+          <p:cNvSpPr>
+            <a:spLocks noGrp="1"/>
+          </p:cNvSpPr>
+          <p:nvPr>
+            <p:ph type="title"/>
+          </p:nvPr>
+        </p:nvSpPr>
+        <p:spPr/>
+        <p:txBody>
+          <a:bodyPr/>
+          <a:lstStyle/>
+          <a:p>
+            <a:r>
+              <a:rPr lang="en-US" dirty="0"/>
+              <a:t>Sample Metadata in HTML body</a:t>
+            </a:r>
+          </a:p>
+        </p:txBody>
+      </p:sp>
+      <p:sp>
+        <p:nvSpPr>
+          <p:cNvPr id="3" name="Content Placeholder 2">
+            <a:extLst>
+              <a:ext uri="{FF2B5EF4-FFF2-40B4-BE49-F238E27FC236}">
+                <a16:creationId xmlns:a16="http://schemas.microsoft.com/office/drawing/2014/main" id="{90671552-04CB-8D71-CA01-CCD22F316FC8}"/>
+              </a:ext>
+            </a:extLst>
+          </p:cNvPr>
+          <p:cNvSpPr>
+            <a:spLocks noGrp="1"/>
+          </p:cNvSpPr>
+          <p:nvPr>
+            <p:ph idx="1"/>
+          </p:nvPr>
+        </p:nvSpPr>
+        <p:spPr/>
+        <p:txBody>
+          <a:bodyPr/>
+          <a:lstStyle/>
+          <a:p>
+            <a:r>
+              <a:rPr lang="en-US" dirty="0"/>
+              <a:t>&lt;meta property="</a:t>
+            </a:r>
+            <a:r>
+              <a:rPr lang="en-US" dirty="0" err="1"/>
+              <a:t>og:image</a:t>
+            </a:r>
+            <a:r>
+              <a:rPr lang="en-US" dirty="0"/>
+              <a:t>" content="https://dmccreary.github.io/microsims/sims/projectile-motion-gravity/projectile-motion-</a:t>
+            </a:r>
+            <a:r>
+              <a:rPr lang="en-US" dirty="0" err="1"/>
+              <a:t>gravity.png</a:t>
+            </a:r>
+            <a:r>
+              <a:rPr lang="en-US" dirty="0"/>
+              <a:t>"&gt;</a:t>
+            </a:r>
+          </a:p>
+        </p:txBody>
+      </p:sp>
+    </p:spTree>
+    <p:extLst>
+      <p:ext uri="{BB962C8B-B14F-4D97-AF65-F5344CB8AC3E}">
+        <p14:creationId xmlns:p14="http://schemas.microsoft.com/office/powerpoint/2010/main" val="2674248934"/>
+      </p:ext>
+    </p:extLst>
+  </p:cSld>
+  <p:clrMapOvr>
+    <a:masterClrMapping/>
+  </p:clrMapOvr>
+</p:sld>
+</file>
+
+<file path=ppt/slides/slide26.xml><?xml version="1.0" encoding="utf-8"?>
+<p:sld xmlns:a="http://schemas.openxmlformats.org/drawingml/2006/main" xmlns:r="http://schemas.openxmlformats.org/officeDocument/2006/relationships" xmlns:p="http://schemas.openxmlformats.org/presentationml/2006/main">
+  <p:cSld>
+    <p:spTree>
+      <p:nvGrpSpPr>
+        <p:cNvPr id="1" name=""/>
+        <p:cNvGrpSpPr/>
+        <p:nvPr/>
+      </p:nvGrpSpPr>
+      <p:grpSpPr>
+        <a:xfrm>
+          <a:off x="0" y="0"/>
+          <a:ext cx="0" cy="0"/>
+          <a:chOff x="0" y="0"/>
+          <a:chExt cx="0" cy="0"/>
+        </a:xfrm>
+      </p:grpSpPr>
+      <p:sp>
+        <p:nvSpPr>
+          <p:cNvPr id="2" name="Title 1">
+            <a:extLst>
+              <a:ext uri="{FF2B5EF4-FFF2-40B4-BE49-F238E27FC236}">
+                <a16:creationId xmlns:a16="http://schemas.microsoft.com/office/drawing/2014/main" id="{13021A60-88A3-D0A4-7EC4-9D329D3B0C18}"/>
+              </a:ext>
+            </a:extLst>
+          </p:cNvPr>
+          <p:cNvSpPr>
+            <a:spLocks noGrp="1"/>
+          </p:cNvSpPr>
+          <p:nvPr>
+            <p:ph type="title"/>
+          </p:nvPr>
+        </p:nvSpPr>
+        <p:spPr>
+          <a:xfrm>
+            <a:off x="158579" y="216844"/>
+            <a:ext cx="10515600" cy="784053"/>
+          </a:xfrm>
+        </p:spPr>
+        <p:txBody>
+          <a:bodyPr/>
+          <a:lstStyle/>
+          <a:p>
+            <a:r>
+              <a:rPr lang="en-US" dirty="0"/>
+              <a:t>Sample Metadata in the index.md</a:t>
+            </a:r>
+          </a:p>
+        </p:txBody>
+      </p:sp>
+      <p:sp>
+        <p:nvSpPr>
+          <p:cNvPr id="6" name="Content Placeholder 5">
+            <a:extLst>
+              <a:ext uri="{FF2B5EF4-FFF2-40B4-BE49-F238E27FC236}">
+                <a16:creationId xmlns:a16="http://schemas.microsoft.com/office/drawing/2014/main" id="{A7A42030-8458-F9D5-95E9-C0FB249AB985}"/>
+              </a:ext>
+            </a:extLst>
+          </p:cNvPr>
+          <p:cNvSpPr>
+            <a:spLocks noGrp="1"/>
+          </p:cNvSpPr>
+          <p:nvPr>
+            <p:ph idx="1"/>
+          </p:nvPr>
+        </p:nvSpPr>
+        <p:spPr>
+          <a:xfrm>
+            <a:off x="850557" y="4559642"/>
+            <a:ext cx="10515600" cy="912985"/>
+          </a:xfrm>
+        </p:spPr>
+        <p:txBody>
+          <a:bodyPr/>
+          <a:lstStyle/>
+          <a:p>
+            <a:r>
+              <a:rPr lang="en-US" dirty="0"/>
+              <a:t>Note that the path names are all relative to the /docs directory.  You do not need to put in the full path.</a:t>
+            </a:r>
+          </a:p>
+        </p:txBody>
+      </p:sp>
+      <p:pic>
+        <p:nvPicPr>
+          <p:cNvPr id="7" name="Picture 6">
+            <a:extLst>
+              <a:ext uri="{FF2B5EF4-FFF2-40B4-BE49-F238E27FC236}">
+                <a16:creationId xmlns:a16="http://schemas.microsoft.com/office/drawing/2014/main" id="{2A7EDCBD-1AC7-1B68-C436-6911C7981BEB}"/>
+              </a:ext>
+            </a:extLst>
+          </p:cNvPr>
+          <p:cNvPicPr>
+            <a:picLocks noChangeAspect="1"/>
+          </p:cNvPicPr>
+          <p:nvPr/>
+        </p:nvPicPr>
+        <p:blipFill>
+          <a:blip r:embed="rId2"/>
+          <a:stretch>
+            <a:fillRect/>
+          </a:stretch>
+        </p:blipFill>
+        <p:spPr>
+          <a:xfrm>
+            <a:off x="739346" y="1085110"/>
+            <a:ext cx="10966204" cy="3301538"/>
+          </a:xfrm>
+          <a:prstGeom prst="rect">
+            <a:avLst/>
+          </a:prstGeom>
+        </p:spPr>
+      </p:pic>
+    </p:spTree>
+    <p:extLst>
+      <p:ext uri="{BB962C8B-B14F-4D97-AF65-F5344CB8AC3E}">
+        <p14:creationId xmlns:p14="http://schemas.microsoft.com/office/powerpoint/2010/main" val="3890090376"/>
+      </p:ext>
+    </p:extLst>
+  </p:cSld>
+  <p:clrMapOvr>
+    <a:masterClrMapping/>
+  </p:clrMapOvr>
+</p:sld>
+</file>
+
+<file path=ppt/slides/slide27.xml><?xml version="1.0" encoding="utf-8"?>
+<p:sld xmlns:a="http://schemas.openxmlformats.org/drawingml/2006/main" xmlns:r="http://schemas.openxmlformats.org/officeDocument/2006/relationships" xmlns:p="http://schemas.openxmlformats.org/presentationml/2006/main">
+  <p:cSld>
+    <p:spTree>
+      <p:nvGrpSpPr>
+        <p:cNvPr id="1" name=""/>
+        <p:cNvGrpSpPr/>
+        <p:nvPr/>
+      </p:nvGrpSpPr>
+      <p:grpSpPr>
+        <a:xfrm>
+          <a:off x="0" y="0"/>
+          <a:ext cx="0" cy="0"/>
+          <a:chOff x="0" y="0"/>
+          <a:chExt cx="0" cy="0"/>
+        </a:xfrm>
+      </p:grpSpPr>
+      <p:sp>
+        <p:nvSpPr>
+          <p:cNvPr id="2" name="Title 1">
+            <a:extLst>
+              <a:ext uri="{FF2B5EF4-FFF2-40B4-BE49-F238E27FC236}">
+                <a16:creationId xmlns:a16="http://schemas.microsoft.com/office/drawing/2014/main" id="{6F5E74E9-D1E2-9C5E-78FA-F838A1CD8F2C}"/>
+              </a:ext>
+            </a:extLst>
+          </p:cNvPr>
+          <p:cNvSpPr>
+            <a:spLocks noGrp="1"/>
+          </p:cNvSpPr>
+          <p:nvPr>
+            <p:ph type="title"/>
+          </p:nvPr>
+        </p:nvSpPr>
+        <p:spPr>
+          <a:xfrm>
+            <a:off x="158578" y="192132"/>
+            <a:ext cx="10515600" cy="697556"/>
+          </a:xfrm>
+        </p:spPr>
+        <p:txBody>
+          <a:bodyPr>
+            <a:normAutofit fontScale="90000"/>
+          </a:bodyPr>
+          <a:lstStyle/>
+          <a:p>
+            <a:r>
+              <a:rPr lang="en-US" dirty="0"/>
+              <a:t>Test the Social Media Preview</a:t>
+            </a:r>
+          </a:p>
+        </p:txBody>
+      </p:sp>
+      <p:sp>
+        <p:nvSpPr>
+          <p:cNvPr id="3" name="Content Placeholder 2">
+            <a:extLst>
+              <a:ext uri="{FF2B5EF4-FFF2-40B4-BE49-F238E27FC236}">
+                <a16:creationId xmlns:a16="http://schemas.microsoft.com/office/drawing/2014/main" id="{A316E1E0-A646-C2E9-35FA-F3D54CE2B46A}"/>
+              </a:ext>
+            </a:extLst>
+          </p:cNvPr>
+          <p:cNvSpPr>
+            <a:spLocks noGrp="1"/>
+          </p:cNvSpPr>
+          <p:nvPr>
+            <p:ph idx="1"/>
+          </p:nvPr>
+        </p:nvSpPr>
+        <p:spPr>
+          <a:xfrm>
+            <a:off x="479854" y="898869"/>
+            <a:ext cx="10515600" cy="1535413"/>
+          </a:xfrm>
+        </p:spPr>
+        <p:txBody>
+          <a:bodyPr/>
+          <a:lstStyle/>
+          <a:p>
+            <a:r>
+              <a:rPr lang="en-US" dirty="0"/>
+              <a:t>There are many free web sites that will test to see if the right metadata tags are placed correctly in the HTML header.</a:t>
+            </a:r>
+          </a:p>
+          <a:p>
+            <a:r>
+              <a:rPr lang="en-US" dirty="0"/>
+              <a:t>Example: https://</a:t>
+            </a:r>
+            <a:r>
+              <a:rPr lang="en-US" dirty="0" err="1"/>
+              <a:t>socialsharepreview.com</a:t>
+            </a:r>
+            <a:r>
+              <a:rPr lang="en-US" dirty="0"/>
+              <a:t>/</a:t>
+            </a:r>
+          </a:p>
+        </p:txBody>
+      </p:sp>
+      <p:pic>
+        <p:nvPicPr>
+          <p:cNvPr id="4" name="Picture 3">
+            <a:extLst>
+              <a:ext uri="{FF2B5EF4-FFF2-40B4-BE49-F238E27FC236}">
+                <a16:creationId xmlns:a16="http://schemas.microsoft.com/office/drawing/2014/main" id="{5678D1ED-2231-7FBC-6EC7-615E23E800FD}"/>
+              </a:ext>
+            </a:extLst>
+          </p:cNvPr>
+          <p:cNvPicPr>
+            <a:picLocks noChangeAspect="1"/>
+          </p:cNvPicPr>
+          <p:nvPr/>
+        </p:nvPicPr>
+        <p:blipFill>
+          <a:blip r:embed="rId2"/>
+          <a:stretch>
+            <a:fillRect/>
+          </a:stretch>
+        </p:blipFill>
+        <p:spPr>
+          <a:xfrm>
+            <a:off x="1554891" y="2359815"/>
+            <a:ext cx="5244698" cy="4213980"/>
+          </a:xfrm>
+          <a:prstGeom prst="rect">
+            <a:avLst/>
+          </a:prstGeom>
+          <a:ln>
+            <a:solidFill>
+              <a:schemeClr val="tx1"/>
+            </a:solidFill>
+          </a:ln>
+        </p:spPr>
+      </p:pic>
+      <p:sp>
+        <p:nvSpPr>
+          <p:cNvPr id="5" name="Left Arrow 4">
+            <a:extLst>
+              <a:ext uri="{FF2B5EF4-FFF2-40B4-BE49-F238E27FC236}">
+                <a16:creationId xmlns:a16="http://schemas.microsoft.com/office/drawing/2014/main" id="{AED6B7FC-12EB-032A-A19A-28B68189FF87}"/>
+              </a:ext>
+            </a:extLst>
+          </p:cNvPr>
+          <p:cNvSpPr/>
+          <p:nvPr/>
+        </p:nvSpPr>
+        <p:spPr>
+          <a:xfrm>
+            <a:off x="6005384" y="5597610"/>
+            <a:ext cx="3101546" cy="1124465"/>
+          </a:xfrm>
+          <a:prstGeom prst="leftArrow">
+            <a:avLst/>
+          </a:prstGeom>
+          <a:solidFill>
+            <a:srgbClr val="FF0000"/>
+          </a:solidFill>
+        </p:spPr>
+        <p:style>
+          <a:lnRef idx="2">
+            <a:schemeClr val="accent1">
+              <a:shade val="15000"/>
+            </a:schemeClr>
+          </a:lnRef>
+          <a:fillRef idx="1">
+            <a:schemeClr val="accent1"/>
+          </a:fillRef>
+          <a:effectRef idx="0">
+            <a:schemeClr val="accent1"/>
+          </a:effectRef>
+          <a:fontRef idx="minor">
+            <a:schemeClr val="lt1"/>
+          </a:fontRef>
+        </p:style>
+        <p:txBody>
+          <a:bodyPr rtlCol="0" anchor="ctr"/>
+          <a:lstStyle/>
+          <a:p>
+            <a:pPr algn="ctr"/>
+            <a:r>
+              <a:rPr lang="en-US" dirty="0"/>
+              <a:t>Paste the URL of your MicroSim Here</a:t>
+            </a:r>
+          </a:p>
+        </p:txBody>
+      </p:sp>
+    </p:spTree>
+    <p:extLst>
+      <p:ext uri="{BB962C8B-B14F-4D97-AF65-F5344CB8AC3E}">
+        <p14:creationId xmlns:p14="http://schemas.microsoft.com/office/powerpoint/2010/main" val="307604672"/>
+      </p:ext>
+    </p:extLst>
+  </p:cSld>
+  <p:clrMapOvr>
+    <a:masterClrMapping/>
+  </p:clrMapOvr>
+</p:sld>
+</file>
+
+<file path=ppt/slides/slide28.xml><?xml version="1.0" encoding="utf-8"?>
+<p:sld xmlns:a="http://schemas.openxmlformats.org/drawingml/2006/main" xmlns:r="http://schemas.openxmlformats.org/officeDocument/2006/relationships" xmlns:p="http://schemas.openxmlformats.org/presentationml/2006/main">
+  <p:cSld>
+    <p:spTree>
+      <p:nvGrpSpPr>
+        <p:cNvPr id="1" name=""/>
+        <p:cNvGrpSpPr/>
+        <p:nvPr/>
+      </p:nvGrpSpPr>
+      <p:grpSpPr>
+        <a:xfrm>
+          <a:off x="0" y="0"/>
+          <a:ext cx="0" cy="0"/>
+          <a:chOff x="0" y="0"/>
+          <a:chExt cx="0" cy="0"/>
+        </a:xfrm>
+      </p:grpSpPr>
+      <p:sp>
+        <p:nvSpPr>
+          <p:cNvPr id="2" name="Title 1">
+            <a:extLst>
+              <a:ext uri="{FF2B5EF4-FFF2-40B4-BE49-F238E27FC236}">
+                <a16:creationId xmlns:a16="http://schemas.microsoft.com/office/drawing/2014/main" id="{1080C293-48DB-4E07-3C7F-88A9DBB3DC34}"/>
+              </a:ext>
+            </a:extLst>
+          </p:cNvPr>
+          <p:cNvSpPr>
+            <a:spLocks noGrp="1"/>
+          </p:cNvSpPr>
+          <p:nvPr>
+            <p:ph type="title"/>
+          </p:nvPr>
+        </p:nvSpPr>
+        <p:spPr>
+          <a:xfrm>
+            <a:off x="479854" y="315698"/>
+            <a:ext cx="4920049" cy="1325563"/>
+          </a:xfrm>
+        </p:spPr>
+        <p:txBody>
+          <a:bodyPr/>
+          <a:lstStyle/>
+          <a:p>
+            <a:r>
+              <a:rPr lang="en-US" dirty="0"/>
+              <a:t>Positive Result!</a:t>
+            </a:r>
+          </a:p>
+        </p:txBody>
+      </p:sp>
+      <p:pic>
+        <p:nvPicPr>
+          <p:cNvPr id="4" name="Picture 3">
+            <a:extLst>
+              <a:ext uri="{FF2B5EF4-FFF2-40B4-BE49-F238E27FC236}">
+                <a16:creationId xmlns:a16="http://schemas.microsoft.com/office/drawing/2014/main" id="{2E829ECD-5C22-0A70-55C7-55D1B54D718D}"/>
+              </a:ext>
+            </a:extLst>
+          </p:cNvPr>
+          <p:cNvPicPr>
+            <a:picLocks noChangeAspect="1"/>
+          </p:cNvPicPr>
+          <p:nvPr/>
+        </p:nvPicPr>
+        <p:blipFill>
+          <a:blip r:embed="rId2"/>
+          <a:stretch>
+            <a:fillRect/>
+          </a:stretch>
+        </p:blipFill>
+        <p:spPr>
+          <a:xfrm>
+            <a:off x="5102991" y="306429"/>
+            <a:ext cx="5958861" cy="6255009"/>
+          </a:xfrm>
+          <a:prstGeom prst="rect">
+            <a:avLst/>
+          </a:prstGeom>
+          <a:ln>
+            <a:solidFill>
+              <a:schemeClr val="tx1"/>
+            </a:solidFill>
+          </a:ln>
+        </p:spPr>
+      </p:pic>
+      <p:sp>
+        <p:nvSpPr>
+          <p:cNvPr id="5" name="TextBox 4">
+            <a:extLst>
+              <a:ext uri="{FF2B5EF4-FFF2-40B4-BE49-F238E27FC236}">
+                <a16:creationId xmlns:a16="http://schemas.microsoft.com/office/drawing/2014/main" id="{A544D439-154F-EB61-EADE-B49D692B8BBB}"/>
+              </a:ext>
+            </a:extLst>
+          </p:cNvPr>
+          <p:cNvSpPr txBox="1"/>
+          <p:nvPr/>
+        </p:nvSpPr>
+        <p:spPr>
+          <a:xfrm>
+            <a:off x="494270" y="2014151"/>
+            <a:ext cx="4707924" cy="923330"/>
+          </a:xfrm>
+          <a:prstGeom prst="rect">
+            <a:avLst/>
+          </a:prstGeom>
+          <a:noFill/>
+        </p:spPr>
+        <p:txBody>
+          <a:bodyPr wrap="square" rtlCol="0">
+            <a:spAutoFit/>
+          </a:bodyPr>
+          <a:lstStyle/>
+          <a:p>
+            <a:r>
+              <a:rPr lang="en-US" dirty="0"/>
+              <a:t>For further details you can search for Open Graph standards for title, description and images</a:t>
+            </a:r>
+          </a:p>
+        </p:txBody>
+      </p:sp>
+    </p:spTree>
+    <p:extLst>
+      <p:ext uri="{BB962C8B-B14F-4D97-AF65-F5344CB8AC3E}">
+        <p14:creationId xmlns:p14="http://schemas.microsoft.com/office/powerpoint/2010/main" val="1542825957"/>
+      </p:ext>
+    </p:extLst>
+  </p:cSld>
+  <p:clrMapOvr>
+    <a:masterClrMapping/>
+  </p:clrMapOvr>
+</p:sld>
+</file>
+
+<file path=ppt/slides/slide29.xml><?xml version="1.0" encoding="utf-8"?>
+<p:sld xmlns:a="http://schemas.openxmlformats.org/drawingml/2006/main" xmlns:r="http://schemas.openxmlformats.org/officeDocument/2006/relationships" xmlns:p="http://schemas.openxmlformats.org/presentationml/2006/main">
+  <p:cSld>
+    <p:spTree>
+      <p:nvGrpSpPr>
+        <p:cNvPr id="1" name=""/>
+        <p:cNvGrpSpPr/>
+        <p:nvPr/>
+      </p:nvGrpSpPr>
+      <p:grpSpPr>
+        <a:xfrm>
+          <a:off x="0" y="0"/>
+          <a:ext cx="0" cy="0"/>
+          <a:chOff x="0" y="0"/>
+          <a:chExt cx="0" cy="0"/>
+        </a:xfrm>
+      </p:grpSpPr>
+      <p:sp>
+        <p:nvSpPr>
+          <p:cNvPr id="2" name="Title 1">
+            <a:extLst>
+              <a:ext uri="{FF2B5EF4-FFF2-40B4-BE49-F238E27FC236}">
+                <a16:creationId xmlns:a16="http://schemas.microsoft.com/office/drawing/2014/main" id="{2C9911BC-6743-D680-47F1-A0604D66615F}"/>
+              </a:ext>
+            </a:extLst>
+          </p:cNvPr>
+          <p:cNvSpPr>
+            <a:spLocks noGrp="1"/>
+          </p:cNvSpPr>
+          <p:nvPr>
+            <p:ph type="title"/>
+          </p:nvPr>
+        </p:nvSpPr>
+        <p:spPr>
+          <a:xfrm>
+            <a:off x="455140" y="315698"/>
+            <a:ext cx="3733801" cy="1325563"/>
+          </a:xfrm>
+        </p:spPr>
+        <p:txBody>
+          <a:bodyPr>
+            <a:normAutofit/>
+          </a:bodyPr>
+          <a:lstStyle/>
+          <a:p>
+            <a:r>
+              <a:rPr lang="en-US" dirty="0"/>
+              <a:t>OG Tags Advise</a:t>
+            </a:r>
+          </a:p>
+        </p:txBody>
+      </p:sp>
+      <p:sp>
+        <p:nvSpPr>
+          <p:cNvPr id="3" name="Content Placeholder 2">
+            <a:extLst>
+              <a:ext uri="{FF2B5EF4-FFF2-40B4-BE49-F238E27FC236}">
+                <a16:creationId xmlns:a16="http://schemas.microsoft.com/office/drawing/2014/main" id="{DF8D0C3C-C83E-5A27-BCB0-5D86E40DBA93}"/>
+              </a:ext>
+            </a:extLst>
+          </p:cNvPr>
+          <p:cNvSpPr>
+            <a:spLocks noGrp="1"/>
+          </p:cNvSpPr>
+          <p:nvPr>
+            <p:ph idx="1"/>
+          </p:nvPr>
+        </p:nvSpPr>
+        <p:spPr>
+          <a:xfrm>
+            <a:off x="504568" y="1763841"/>
+            <a:ext cx="3115962" cy="4351338"/>
+          </a:xfrm>
+        </p:spPr>
+        <p:txBody>
+          <a:bodyPr/>
+          <a:lstStyle/>
+          <a:p>
+            <a:r>
+              <a:rPr lang="en-US" dirty="0"/>
+              <a:t>Our title and description are fine</a:t>
+            </a:r>
+          </a:p>
+          <a:p>
+            <a:r>
+              <a:rPr lang="en-US" dirty="0"/>
+              <a:t>The ideal ratio for the social preview image is 1.91:1 width to height ratio which we failed to pass</a:t>
+            </a:r>
+          </a:p>
+        </p:txBody>
+      </p:sp>
+      <p:pic>
+        <p:nvPicPr>
+          <p:cNvPr id="4" name="Picture 3">
+            <a:extLst>
+              <a:ext uri="{FF2B5EF4-FFF2-40B4-BE49-F238E27FC236}">
+                <a16:creationId xmlns:a16="http://schemas.microsoft.com/office/drawing/2014/main" id="{26AFD13E-6049-DDB3-D3AA-7AE1B3C132A9}"/>
+              </a:ext>
+            </a:extLst>
+          </p:cNvPr>
+          <p:cNvPicPr>
+            <a:picLocks noChangeAspect="1"/>
+          </p:cNvPicPr>
+          <p:nvPr/>
+        </p:nvPicPr>
+        <p:blipFill>
+          <a:blip r:embed="rId2"/>
+          <a:stretch>
+            <a:fillRect/>
+          </a:stretch>
+        </p:blipFill>
+        <p:spPr>
+          <a:xfrm>
+            <a:off x="4264515" y="898577"/>
+            <a:ext cx="7657695" cy="5180948"/>
+          </a:xfrm>
+          <a:prstGeom prst="rect">
+            <a:avLst/>
+          </a:prstGeom>
+          <a:ln>
+            <a:solidFill>
+              <a:schemeClr val="tx1"/>
+            </a:solidFill>
+          </a:ln>
+        </p:spPr>
+      </p:pic>
+    </p:spTree>
+    <p:extLst>
+      <p:ext uri="{BB962C8B-B14F-4D97-AF65-F5344CB8AC3E}">
+        <p14:creationId xmlns:p14="http://schemas.microsoft.com/office/powerpoint/2010/main" val="2305030295"/>
       </p:ext>
     </p:extLst>
   </p:cSld>
@@ -3574,7 +7111,7 @@
           <p:cNvPr id="2" name="Title 1">
             <a:extLst>
               <a:ext uri="{FF2B5EF4-FFF2-40B4-BE49-F238E27FC236}">
-                <a16:creationId xmlns:a16="http://schemas.microsoft.com/office/drawing/2014/main" id="{E7909203-6E64-D0E0-7D2F-D50556C837B3}"/>
+                <a16:creationId xmlns:a16="http://schemas.microsoft.com/office/drawing/2014/main" id="{E2BA4629-CDE1-83AD-C361-48C6684DB199}"/>
               </a:ext>
             </a:extLst>
           </p:cNvPr>
@@ -3587,38 +7124,116 @@
         </p:nvSpPr>
         <p:spPr>
           <a:xfrm>
-            <a:off x="458190" y="281999"/>
-            <a:ext cx="10515600" cy="917410"/>
+            <a:off x="208005" y="204487"/>
+            <a:ext cx="10515600" cy="870551"/>
           </a:xfrm>
         </p:spPr>
         <p:txBody>
           <a:bodyPr/>
           <a:lstStyle/>
           <a:p>
-            <a:pPr>
-              <a:lnSpc>
-                <a:spcPts val="2242"/>
-              </a:lnSpc>
-            </a:pPr>
-            <a:r>
-              <a:rPr lang="en-US" b="0" i="0" dirty="0">
-                <a:solidFill>
-                  <a:srgbClr val="141413"/>
-                </a:solidFill>
-                <a:effectLst/>
-                <a:latin typeface="__styreneA_403256"/>
-              </a:rPr>
-              <a:t>How Skills Work</a:t>
-            </a:r>
-          </a:p>
-        </p:txBody>
-      </p:sp>
+            <a:r>
+              <a:rPr lang="en-US" dirty="0"/>
+              <a:t>What is a Claude Skill?</a:t>
+            </a:r>
+          </a:p>
+        </p:txBody>
+      </p:sp>
+      <p:sp>
+        <p:nvSpPr>
+          <p:cNvPr id="3" name="Content Placeholder 2">
+            <a:extLst>
+              <a:ext uri="{FF2B5EF4-FFF2-40B4-BE49-F238E27FC236}">
+                <a16:creationId xmlns:a16="http://schemas.microsoft.com/office/drawing/2014/main" id="{29985EBB-5F03-F412-826E-61CB0F69CDE4}"/>
+              </a:ext>
+            </a:extLst>
+          </p:cNvPr>
+          <p:cNvSpPr>
+            <a:spLocks noGrp="1"/>
+          </p:cNvSpPr>
+          <p:nvPr>
+            <p:ph idx="1"/>
+          </p:nvPr>
+        </p:nvSpPr>
+        <p:spPr>
+          <a:xfrm>
+            <a:off x="6314302" y="1442566"/>
+            <a:ext cx="5261919" cy="4351338"/>
+          </a:xfrm>
+        </p:spPr>
+        <p:txBody>
+          <a:bodyPr>
+            <a:normAutofit fontScale="92500" lnSpcReduction="20000"/>
+          </a:bodyPr>
+          <a:lstStyle/>
+          <a:p>
+            <a:r>
+              <a:rPr lang="en-US" dirty="0"/>
+              <a:t>A highly detailed set of rules for executing specific tasks</a:t>
+            </a:r>
+          </a:p>
+          <a:p>
+            <a:r>
+              <a:rPr lang="en-US" dirty="0"/>
+              <a:t>Standardized by Anthropic in October 2025</a:t>
+            </a:r>
+          </a:p>
+          <a:p>
+            <a:r>
+              <a:rPr lang="en-US" dirty="0"/>
+              <a:t>Stored in a zip file that can be quickly added to your Anthropic settings</a:t>
+            </a:r>
+          </a:p>
+          <a:p>
+            <a:r>
+              <a:rPr lang="en-US" dirty="0"/>
+              <a:t>Easy to setup and use within Claude using both the webpage or the Terminal using Claude Code</a:t>
+            </a:r>
+          </a:p>
+          <a:p>
+            <a:r>
+              <a:rPr lang="en-US" dirty="0"/>
+              <a:t>Available with the Pro ($20/month) plan and other more expensive plans</a:t>
+            </a:r>
+          </a:p>
+        </p:txBody>
+      </p:sp>
+      <p:pic>
+        <p:nvPicPr>
+          <p:cNvPr id="4" name="Picture 3">
+            <a:extLst>
+              <a:ext uri="{FF2B5EF4-FFF2-40B4-BE49-F238E27FC236}">
+                <a16:creationId xmlns:a16="http://schemas.microsoft.com/office/drawing/2014/main" id="{35198E3D-2301-8502-E674-8683EB23FA20}"/>
+              </a:ext>
+            </a:extLst>
+          </p:cNvPr>
+          <p:cNvPicPr>
+            <a:picLocks noChangeAspect="1"/>
+          </p:cNvPicPr>
+          <p:nvPr/>
+        </p:nvPicPr>
+        <p:blipFill>
+          <a:blip r:embed="rId2"/>
+          <a:stretch>
+            <a:fillRect/>
+          </a:stretch>
+        </p:blipFill>
+        <p:spPr>
+          <a:xfrm>
+            <a:off x="319216" y="1396313"/>
+            <a:ext cx="5786833" cy="4176584"/>
+          </a:xfrm>
+          <a:prstGeom prst="rect">
+            <a:avLst/>
+          </a:prstGeom>
+        </p:spPr>
+      </p:pic>
       <p:sp>
         <p:nvSpPr>
           <p:cNvPr id="5" name="TextBox 4">
             <a:extLst>
               <a:ext uri="{FF2B5EF4-FFF2-40B4-BE49-F238E27FC236}">
-                <a16:creationId xmlns:a16="http://schemas.microsoft.com/office/drawing/2014/main" id="{5094DEEC-5472-FC42-C699-FDB64B8E384C}"/>
+                <a16:creationId xmlns:a16="http://schemas.microsoft.com/office/drawing/2014/main" id="{6FCB49DE-53B8-6F4D-8595-E02307D8EFE0}"/>
               </a:ext>
             </a:extLst>
           </p:cNvPr>
@@ -3627,8 +7242,8 @@
         </p:nvSpPr>
         <p:spPr>
           <a:xfrm>
-            <a:off x="507711" y="5819359"/>
-            <a:ext cx="10845099" cy="669414"/>
+            <a:off x="407772" y="5622324"/>
+            <a:ext cx="5420779" cy="461665"/>
           </a:xfrm>
           <a:prstGeom prst="rect">
             <a:avLst/>
@@ -3636,945 +7251,145 @@
           <a:noFill/>
         </p:spPr>
         <p:txBody>
-          <a:bodyPr wrap="square">
+          <a:bodyPr wrap="none" rtlCol="0">
             <a:spAutoFit/>
           </a:bodyPr>
           <a:lstStyle/>
           <a:p>
-            <a:pPr algn="l">
-              <a:lnSpc>
-                <a:spcPts val="2325"/>
-              </a:lnSpc>
-              <a:buNone/>
-            </a:pPr>
-            <a:r>
-              <a:rPr lang="en-US" b="0" i="0" dirty="0">
-                <a:solidFill>
-                  <a:srgbClr val="141413"/>
-                </a:solidFill>
-                <a:effectLst/>
-                <a:latin typeface="__tiemposText_34e0db"/>
-              </a:rPr>
-              <a:t>While working on tasks, Claude scans available skills to find relevant matches. When one matches, it loads only the minimal information and files needed—keeping Claude fast while accessing specialized expertise.</a:t>
-            </a:r>
-          </a:p>
-        </p:txBody>
-      </p:sp>
-      <p:sp>
-        <p:nvSpPr>
-          <p:cNvPr id="6" name="Rounded Rectangle 5">
-            <a:extLst>
-              <a:ext uri="{FF2B5EF4-FFF2-40B4-BE49-F238E27FC236}">
-                <a16:creationId xmlns:a16="http://schemas.microsoft.com/office/drawing/2014/main" id="{E1281567-6569-E97C-E835-4CE9475E1139}"/>
-              </a:ext>
-            </a:extLst>
-          </p:cNvPr>
-          <p:cNvSpPr/>
-          <p:nvPr/>
-        </p:nvSpPr>
-        <p:spPr>
-          <a:xfrm>
-            <a:off x="629392" y="2933205"/>
-            <a:ext cx="1258785" cy="807522"/>
-          </a:xfrm>
-          <a:prstGeom prst="roundRect">
-            <a:avLst/>
-          </a:prstGeom>
-          <a:solidFill>
-            <a:schemeClr val="accent2"/>
-          </a:solidFill>
-        </p:spPr>
-        <p:style>
-          <a:lnRef idx="2">
-            <a:schemeClr val="accent1">
-              <a:shade val="15000"/>
-            </a:schemeClr>
-          </a:lnRef>
-          <a:fillRef idx="1">
-            <a:schemeClr val="accent1"/>
-          </a:fillRef>
-          <a:effectRef idx="0">
-            <a:schemeClr val="accent1"/>
-          </a:effectRef>
-          <a:fontRef idx="minor">
-            <a:schemeClr val="lt1"/>
-          </a:fontRef>
-        </p:style>
-        <p:txBody>
-          <a:bodyPr rtlCol="0" anchor="ctr"/>
-          <a:lstStyle/>
-          <a:p>
-            <a:pPr algn="ctr"/>
-            <a:r>
-              <a:rPr lang="en-US" dirty="0"/>
-              <a:t>Plan</a:t>
-            </a:r>
-          </a:p>
-        </p:txBody>
-      </p:sp>
-      <p:sp>
-        <p:nvSpPr>
-          <p:cNvPr id="7" name="Rounded Rectangle 6">
-            <a:extLst>
-              <a:ext uri="{FF2B5EF4-FFF2-40B4-BE49-F238E27FC236}">
-                <a16:creationId xmlns:a16="http://schemas.microsoft.com/office/drawing/2014/main" id="{CF92804D-F032-FDF0-8904-E57C0E9D0A90}"/>
-              </a:ext>
-            </a:extLst>
-          </p:cNvPr>
-          <p:cNvSpPr/>
-          <p:nvPr/>
-        </p:nvSpPr>
-        <p:spPr>
-          <a:xfrm>
-            <a:off x="4510644" y="1316182"/>
-            <a:ext cx="1258785" cy="807522"/>
-          </a:xfrm>
-          <a:prstGeom prst="roundRect">
-            <a:avLst/>
-          </a:prstGeom>
-          <a:solidFill>
-            <a:srgbClr val="00B050"/>
-          </a:solidFill>
-        </p:spPr>
-        <p:style>
-          <a:lnRef idx="2">
-            <a:schemeClr val="accent1">
-              <a:shade val="15000"/>
-            </a:schemeClr>
-          </a:lnRef>
-          <a:fillRef idx="1">
-            <a:schemeClr val="accent1"/>
-          </a:fillRef>
-          <a:effectRef idx="0">
-            <a:schemeClr val="accent1"/>
-          </a:effectRef>
-          <a:fontRef idx="minor">
-            <a:schemeClr val="lt1"/>
-          </a:fontRef>
-        </p:style>
-        <p:txBody>
-          <a:bodyPr rtlCol="0" anchor="ctr"/>
-          <a:lstStyle/>
-          <a:p>
-            <a:pPr algn="ctr"/>
-            <a:r>
-              <a:rPr lang="en-US" dirty="0"/>
-              <a:t>Task</a:t>
-            </a:r>
-          </a:p>
-        </p:txBody>
-      </p:sp>
-      <p:sp>
-        <p:nvSpPr>
-          <p:cNvPr id="8" name="Rounded Rectangle 7">
-            <a:extLst>
-              <a:ext uri="{FF2B5EF4-FFF2-40B4-BE49-F238E27FC236}">
-                <a16:creationId xmlns:a16="http://schemas.microsoft.com/office/drawing/2014/main" id="{0C042F9F-969F-4C46-8DC7-FDE6E7EDBB8E}"/>
-              </a:ext>
-            </a:extLst>
-          </p:cNvPr>
-          <p:cNvSpPr/>
-          <p:nvPr/>
-        </p:nvSpPr>
-        <p:spPr>
-          <a:xfrm>
-            <a:off x="2444338" y="2123704"/>
-            <a:ext cx="1258785" cy="807522"/>
-          </a:xfrm>
-          <a:prstGeom prst="roundRect">
-            <a:avLst/>
-          </a:prstGeom>
-          <a:solidFill>
-            <a:srgbClr val="FFC000"/>
-          </a:solidFill>
-        </p:spPr>
-        <p:style>
-          <a:lnRef idx="2">
-            <a:schemeClr val="accent1">
-              <a:shade val="15000"/>
-            </a:schemeClr>
-          </a:lnRef>
-          <a:fillRef idx="1">
-            <a:schemeClr val="accent1"/>
-          </a:fillRef>
-          <a:effectRef idx="0">
-            <a:schemeClr val="accent1"/>
-          </a:effectRef>
-          <a:fontRef idx="minor">
-            <a:schemeClr val="lt1"/>
-          </a:fontRef>
-        </p:style>
-        <p:txBody>
-          <a:bodyPr rtlCol="0" anchor="ctr"/>
-          <a:lstStyle/>
-          <a:p>
-            <a:pPr algn="ctr"/>
-            <a:r>
-              <a:rPr lang="en-US" dirty="0">
-                <a:solidFill>
-                  <a:schemeClr val="tx1"/>
-                </a:solidFill>
-              </a:rPr>
-              <a:t>Workflow</a:t>
-            </a:r>
-          </a:p>
-        </p:txBody>
-      </p:sp>
-      <p:sp>
-        <p:nvSpPr>
-          <p:cNvPr id="9" name="Rounded Rectangle 8">
-            <a:extLst>
-              <a:ext uri="{FF2B5EF4-FFF2-40B4-BE49-F238E27FC236}">
-                <a16:creationId xmlns:a16="http://schemas.microsoft.com/office/drawing/2014/main" id="{57B96C39-770F-AD61-92F2-A2EEF5A51EDB}"/>
-              </a:ext>
-            </a:extLst>
-          </p:cNvPr>
-          <p:cNvSpPr/>
-          <p:nvPr/>
-        </p:nvSpPr>
-        <p:spPr>
-          <a:xfrm>
-            <a:off x="7313328" y="1341322"/>
-            <a:ext cx="1258785" cy="807522"/>
-          </a:xfrm>
-          <a:prstGeom prst="roundRect">
-            <a:avLst/>
-          </a:prstGeom>
-          <a:solidFill>
-            <a:srgbClr val="0070C0"/>
-          </a:solidFill>
-        </p:spPr>
-        <p:style>
-          <a:lnRef idx="2">
-            <a:schemeClr val="accent1">
-              <a:shade val="15000"/>
-            </a:schemeClr>
-          </a:lnRef>
-          <a:fillRef idx="1">
-            <a:schemeClr val="accent1"/>
-          </a:fillRef>
-          <a:effectRef idx="0">
-            <a:schemeClr val="accent1"/>
-          </a:effectRef>
-          <a:fontRef idx="minor">
-            <a:schemeClr val="lt1"/>
-          </a:fontRef>
-        </p:style>
-        <p:txBody>
-          <a:bodyPr rtlCol="0" anchor="ctr"/>
-          <a:lstStyle/>
-          <a:p>
-            <a:pPr algn="ctr"/>
-            <a:r>
-              <a:rPr lang="en-US" dirty="0"/>
-              <a:t>Skill</a:t>
-            </a:r>
-          </a:p>
-        </p:txBody>
-      </p:sp>
-      <p:sp>
-        <p:nvSpPr>
-          <p:cNvPr id="10" name="Rounded Rectangle 9">
-            <a:extLst>
-              <a:ext uri="{FF2B5EF4-FFF2-40B4-BE49-F238E27FC236}">
-                <a16:creationId xmlns:a16="http://schemas.microsoft.com/office/drawing/2014/main" id="{C5611949-5A14-1372-413A-D726EC03C8D7}"/>
-              </a:ext>
-            </a:extLst>
-          </p:cNvPr>
-          <p:cNvSpPr/>
-          <p:nvPr/>
-        </p:nvSpPr>
-        <p:spPr>
-          <a:xfrm>
-            <a:off x="4520540" y="3291444"/>
-            <a:ext cx="1258785" cy="807522"/>
-          </a:xfrm>
-          <a:prstGeom prst="roundRect">
-            <a:avLst/>
-          </a:prstGeom>
-          <a:solidFill>
-            <a:srgbClr val="00B050"/>
-          </a:solidFill>
-        </p:spPr>
-        <p:style>
-          <a:lnRef idx="2">
-            <a:schemeClr val="accent1">
-              <a:shade val="15000"/>
-            </a:schemeClr>
-          </a:lnRef>
-          <a:fillRef idx="1">
-            <a:schemeClr val="accent1"/>
-          </a:fillRef>
-          <a:effectRef idx="0">
-            <a:schemeClr val="accent1"/>
-          </a:effectRef>
-          <a:fontRef idx="minor">
-            <a:schemeClr val="lt1"/>
-          </a:fontRef>
-        </p:style>
-        <p:txBody>
-          <a:bodyPr rtlCol="0" anchor="ctr"/>
-          <a:lstStyle/>
-          <a:p>
-            <a:pPr algn="ctr"/>
-            <a:r>
-              <a:rPr lang="en-US" dirty="0"/>
-              <a:t>Task</a:t>
-            </a:r>
-          </a:p>
-        </p:txBody>
-      </p:sp>
-      <p:sp>
-        <p:nvSpPr>
-          <p:cNvPr id="11" name="Rounded Rectangle 10">
-            <a:extLst>
-              <a:ext uri="{FF2B5EF4-FFF2-40B4-BE49-F238E27FC236}">
-                <a16:creationId xmlns:a16="http://schemas.microsoft.com/office/drawing/2014/main" id="{BC79BAE7-AB7A-2FC4-28A2-8AED30261F43}"/>
-              </a:ext>
-            </a:extLst>
-          </p:cNvPr>
-          <p:cNvSpPr/>
-          <p:nvPr/>
-        </p:nvSpPr>
-        <p:spPr>
-          <a:xfrm>
-            <a:off x="4518561" y="2303813"/>
-            <a:ext cx="1258785" cy="807522"/>
-          </a:xfrm>
-          <a:prstGeom prst="roundRect">
-            <a:avLst/>
-          </a:prstGeom>
-          <a:solidFill>
-            <a:srgbClr val="00B050"/>
-          </a:solidFill>
-        </p:spPr>
-        <p:style>
-          <a:lnRef idx="2">
-            <a:schemeClr val="accent1">
-              <a:shade val="15000"/>
-            </a:schemeClr>
-          </a:lnRef>
-          <a:fillRef idx="1">
-            <a:schemeClr val="accent1"/>
-          </a:fillRef>
-          <a:effectRef idx="0">
-            <a:schemeClr val="accent1"/>
-          </a:effectRef>
-          <a:fontRef idx="minor">
-            <a:schemeClr val="lt1"/>
-          </a:fontRef>
-        </p:style>
-        <p:txBody>
-          <a:bodyPr rtlCol="0" anchor="ctr"/>
-          <a:lstStyle/>
-          <a:p>
-            <a:pPr algn="ctr"/>
-            <a:r>
-              <a:rPr lang="en-US" dirty="0"/>
-              <a:t>Task</a:t>
-            </a:r>
-          </a:p>
-        </p:txBody>
-      </p:sp>
-      <p:sp>
-        <p:nvSpPr>
-          <p:cNvPr id="12" name="Rounded Rectangle 11">
-            <a:extLst>
-              <a:ext uri="{FF2B5EF4-FFF2-40B4-BE49-F238E27FC236}">
-                <a16:creationId xmlns:a16="http://schemas.microsoft.com/office/drawing/2014/main" id="{211BE51B-BEFF-0725-38BB-6FC89EB5EEBA}"/>
-              </a:ext>
-            </a:extLst>
-          </p:cNvPr>
-          <p:cNvSpPr/>
-          <p:nvPr/>
-        </p:nvSpPr>
-        <p:spPr>
-          <a:xfrm>
-            <a:off x="4516581" y="4279075"/>
-            <a:ext cx="1258785" cy="807522"/>
-          </a:xfrm>
-          <a:prstGeom prst="roundRect">
-            <a:avLst/>
-          </a:prstGeom>
-          <a:solidFill>
-            <a:srgbClr val="00B050"/>
-          </a:solidFill>
-        </p:spPr>
-        <p:style>
-          <a:lnRef idx="2">
-            <a:schemeClr val="accent1">
-              <a:shade val="15000"/>
-            </a:schemeClr>
-          </a:lnRef>
-          <a:fillRef idx="1">
-            <a:schemeClr val="accent1"/>
-          </a:fillRef>
-          <a:effectRef idx="0">
-            <a:schemeClr val="accent1"/>
-          </a:effectRef>
-          <a:fontRef idx="minor">
-            <a:schemeClr val="lt1"/>
-          </a:fontRef>
-        </p:style>
-        <p:txBody>
-          <a:bodyPr rtlCol="0" anchor="ctr"/>
-          <a:lstStyle/>
-          <a:p>
-            <a:pPr algn="ctr"/>
-            <a:r>
-              <a:rPr lang="en-US" dirty="0"/>
-              <a:t>Task</a:t>
-            </a:r>
-          </a:p>
-        </p:txBody>
-      </p:sp>
-      <p:cxnSp>
-        <p:nvCxnSpPr>
-          <p:cNvPr id="14" name="Straight Connector 13">
-            <a:extLst>
-              <a:ext uri="{FF2B5EF4-FFF2-40B4-BE49-F238E27FC236}">
-                <a16:creationId xmlns:a16="http://schemas.microsoft.com/office/drawing/2014/main" id="{13F863E4-C10B-FFCF-76BF-654CD71E25B6}"/>
-              </a:ext>
-            </a:extLst>
-          </p:cNvPr>
-          <p:cNvCxnSpPr>
-            <a:stCxn id="6" idx="3"/>
-            <a:endCxn id="8" idx="1"/>
-          </p:cNvCxnSpPr>
-          <p:nvPr/>
-        </p:nvCxnSpPr>
-        <p:spPr>
-          <a:xfrm flipV="1">
-            <a:off x="1888177" y="2527465"/>
-            <a:ext cx="556161" cy="809501"/>
-          </a:xfrm>
-          <a:prstGeom prst="line">
-            <a:avLst/>
-          </a:prstGeom>
-          <a:ln w="57150">
-            <a:tailEnd type="triangle"/>
-          </a:ln>
-        </p:spPr>
-        <p:style>
-          <a:lnRef idx="2">
-            <a:schemeClr val="accent1"/>
-          </a:lnRef>
-          <a:fillRef idx="0">
-            <a:schemeClr val="accent1"/>
-          </a:fillRef>
-          <a:effectRef idx="1">
-            <a:schemeClr val="accent1"/>
-          </a:effectRef>
-          <a:fontRef idx="minor">
-            <a:schemeClr val="tx1"/>
-          </a:fontRef>
-        </p:style>
-      </p:cxnSp>
-      <p:cxnSp>
-        <p:nvCxnSpPr>
-          <p:cNvPr id="15" name="Straight Connector 14">
-            <a:extLst>
-              <a:ext uri="{FF2B5EF4-FFF2-40B4-BE49-F238E27FC236}">
-                <a16:creationId xmlns:a16="http://schemas.microsoft.com/office/drawing/2014/main" id="{3DABE028-1B70-47E0-5751-525F83782B0C}"/>
-              </a:ext>
-            </a:extLst>
-          </p:cNvPr>
-          <p:cNvCxnSpPr>
-            <a:cxnSpLocks/>
-            <a:stCxn id="8" idx="3"/>
-            <a:endCxn id="7" idx="1"/>
-          </p:cNvCxnSpPr>
-          <p:nvPr/>
-        </p:nvCxnSpPr>
-        <p:spPr>
-          <a:xfrm flipV="1">
-            <a:off x="3703123" y="1719943"/>
-            <a:ext cx="807521" cy="807522"/>
-          </a:xfrm>
-          <a:prstGeom prst="line">
-            <a:avLst/>
-          </a:prstGeom>
-          <a:ln w="57150">
-            <a:tailEnd type="triangle"/>
-          </a:ln>
-        </p:spPr>
-        <p:style>
-          <a:lnRef idx="2">
-            <a:schemeClr val="accent1"/>
-          </a:lnRef>
-          <a:fillRef idx="0">
-            <a:schemeClr val="accent1"/>
-          </a:fillRef>
-          <a:effectRef idx="1">
-            <a:schemeClr val="accent1"/>
-          </a:effectRef>
-          <a:fontRef idx="minor">
-            <a:schemeClr val="tx1"/>
-          </a:fontRef>
-        </p:style>
-      </p:cxnSp>
-      <p:cxnSp>
-        <p:nvCxnSpPr>
-          <p:cNvPr id="18" name="Straight Connector 17">
-            <a:extLst>
-              <a:ext uri="{FF2B5EF4-FFF2-40B4-BE49-F238E27FC236}">
-                <a16:creationId xmlns:a16="http://schemas.microsoft.com/office/drawing/2014/main" id="{9BE5720C-6C21-936A-43E2-71EDEB8AEB7F}"/>
-              </a:ext>
-            </a:extLst>
-          </p:cNvPr>
-          <p:cNvCxnSpPr>
-            <a:cxnSpLocks/>
-            <a:stCxn id="8" idx="3"/>
-            <a:endCxn id="11" idx="1"/>
-          </p:cNvCxnSpPr>
-          <p:nvPr/>
-        </p:nvCxnSpPr>
-        <p:spPr>
-          <a:xfrm>
-            <a:off x="3703123" y="2527465"/>
-            <a:ext cx="815438" cy="180109"/>
-          </a:xfrm>
-          <a:prstGeom prst="line">
-            <a:avLst/>
-          </a:prstGeom>
-          <a:ln w="57150">
-            <a:tailEnd type="triangle"/>
-          </a:ln>
-        </p:spPr>
-        <p:style>
-          <a:lnRef idx="2">
-            <a:schemeClr val="accent1"/>
-          </a:lnRef>
-          <a:fillRef idx="0">
-            <a:schemeClr val="accent1"/>
-          </a:fillRef>
-          <a:effectRef idx="1">
-            <a:schemeClr val="accent1"/>
-          </a:effectRef>
-          <a:fontRef idx="minor">
-            <a:schemeClr val="tx1"/>
-          </a:fontRef>
-        </p:style>
-      </p:cxnSp>
-      <p:cxnSp>
-        <p:nvCxnSpPr>
-          <p:cNvPr id="21" name="Straight Connector 20">
-            <a:extLst>
-              <a:ext uri="{FF2B5EF4-FFF2-40B4-BE49-F238E27FC236}">
-                <a16:creationId xmlns:a16="http://schemas.microsoft.com/office/drawing/2014/main" id="{64E0A4DB-398C-DCCD-A6B9-707FD47379FF}"/>
-              </a:ext>
-            </a:extLst>
-          </p:cNvPr>
-          <p:cNvCxnSpPr>
-            <a:cxnSpLocks/>
-            <a:stCxn id="8" idx="3"/>
-            <a:endCxn id="10" idx="1"/>
-          </p:cNvCxnSpPr>
-          <p:nvPr/>
-        </p:nvCxnSpPr>
-        <p:spPr>
-          <a:xfrm>
-            <a:off x="3703123" y="2527465"/>
-            <a:ext cx="817417" cy="1167740"/>
-          </a:xfrm>
-          <a:prstGeom prst="line">
-            <a:avLst/>
-          </a:prstGeom>
-          <a:ln w="57150">
-            <a:tailEnd type="triangle"/>
-          </a:ln>
-        </p:spPr>
-        <p:style>
-          <a:lnRef idx="2">
-            <a:schemeClr val="accent1"/>
-          </a:lnRef>
-          <a:fillRef idx="0">
-            <a:schemeClr val="accent1"/>
-          </a:fillRef>
-          <a:effectRef idx="1">
-            <a:schemeClr val="accent1"/>
-          </a:effectRef>
-          <a:fontRef idx="minor">
-            <a:schemeClr val="tx1"/>
-          </a:fontRef>
-        </p:style>
-      </p:cxnSp>
-      <p:cxnSp>
-        <p:nvCxnSpPr>
-          <p:cNvPr id="24" name="Straight Connector 23">
-            <a:extLst>
-              <a:ext uri="{FF2B5EF4-FFF2-40B4-BE49-F238E27FC236}">
-                <a16:creationId xmlns:a16="http://schemas.microsoft.com/office/drawing/2014/main" id="{3CA23498-38BE-BF13-74CD-16E92FA7CE82}"/>
-              </a:ext>
-            </a:extLst>
-          </p:cNvPr>
-          <p:cNvCxnSpPr>
-            <a:cxnSpLocks/>
-            <a:endCxn id="12" idx="1"/>
-          </p:cNvCxnSpPr>
-          <p:nvPr/>
-        </p:nvCxnSpPr>
-        <p:spPr>
-          <a:xfrm>
-            <a:off x="3694885" y="2556298"/>
-            <a:ext cx="821696" cy="2126538"/>
-          </a:xfrm>
-          <a:prstGeom prst="line">
-            <a:avLst/>
-          </a:prstGeom>
-          <a:ln w="57150">
-            <a:tailEnd type="triangle"/>
-          </a:ln>
-        </p:spPr>
-        <p:style>
-          <a:lnRef idx="2">
-            <a:schemeClr val="accent1"/>
-          </a:lnRef>
-          <a:fillRef idx="0">
-            <a:schemeClr val="accent1"/>
-          </a:fillRef>
-          <a:effectRef idx="1">
-            <a:schemeClr val="accent1"/>
-          </a:effectRef>
-          <a:fontRef idx="minor">
-            <a:schemeClr val="tx1"/>
-          </a:fontRef>
-        </p:style>
-      </p:cxnSp>
-      <p:cxnSp>
-        <p:nvCxnSpPr>
-          <p:cNvPr id="27" name="Straight Connector 26">
-            <a:extLst>
-              <a:ext uri="{FF2B5EF4-FFF2-40B4-BE49-F238E27FC236}">
-                <a16:creationId xmlns:a16="http://schemas.microsoft.com/office/drawing/2014/main" id="{9D0DDE44-C122-B6D3-81EC-D03B59C3D9CE}"/>
-              </a:ext>
-            </a:extLst>
-          </p:cNvPr>
-          <p:cNvCxnSpPr>
-            <a:cxnSpLocks/>
-            <a:stCxn id="7" idx="3"/>
-            <a:endCxn id="9" idx="1"/>
-          </p:cNvCxnSpPr>
-          <p:nvPr/>
-        </p:nvCxnSpPr>
-        <p:spPr>
-          <a:xfrm>
-            <a:off x="5769429" y="1719943"/>
-            <a:ext cx="1543899" cy="25140"/>
-          </a:xfrm>
-          <a:prstGeom prst="line">
-            <a:avLst/>
-          </a:prstGeom>
-          <a:ln w="57150">
-            <a:tailEnd type="triangle"/>
-          </a:ln>
-        </p:spPr>
-        <p:style>
-          <a:lnRef idx="2">
-            <a:schemeClr val="accent1"/>
-          </a:lnRef>
-          <a:fillRef idx="0">
-            <a:schemeClr val="accent1"/>
-          </a:fillRef>
-          <a:effectRef idx="1">
-            <a:schemeClr val="accent1"/>
-          </a:effectRef>
-          <a:fontRef idx="minor">
-            <a:schemeClr val="tx1"/>
-          </a:fontRef>
-        </p:style>
-      </p:cxnSp>
-      <p:sp>
-        <p:nvSpPr>
-          <p:cNvPr id="31" name="Rounded Rectangle 30">
-            <a:extLst>
-              <a:ext uri="{FF2B5EF4-FFF2-40B4-BE49-F238E27FC236}">
-                <a16:creationId xmlns:a16="http://schemas.microsoft.com/office/drawing/2014/main" id="{C46E24F7-1A75-A49D-0B75-3AF04FB1F9B7}"/>
-              </a:ext>
-            </a:extLst>
-          </p:cNvPr>
-          <p:cNvSpPr/>
-          <p:nvPr/>
-        </p:nvSpPr>
-        <p:spPr>
-          <a:xfrm>
-            <a:off x="7305091" y="2316133"/>
-            <a:ext cx="1258785" cy="807522"/>
-          </a:xfrm>
-          <a:prstGeom prst="roundRect">
-            <a:avLst/>
-          </a:prstGeom>
-          <a:solidFill>
-            <a:srgbClr val="0070C0"/>
-          </a:solidFill>
-        </p:spPr>
-        <p:style>
-          <a:lnRef idx="2">
-            <a:schemeClr val="accent1">
-              <a:shade val="15000"/>
-            </a:schemeClr>
-          </a:lnRef>
-          <a:fillRef idx="1">
-            <a:schemeClr val="accent1"/>
-          </a:fillRef>
-          <a:effectRef idx="0">
-            <a:schemeClr val="accent1"/>
-          </a:effectRef>
-          <a:fontRef idx="minor">
-            <a:schemeClr val="lt1"/>
-          </a:fontRef>
-        </p:style>
-        <p:txBody>
-          <a:bodyPr rtlCol="0" anchor="ctr"/>
-          <a:lstStyle/>
-          <a:p>
-            <a:pPr algn="ctr"/>
-            <a:r>
-              <a:rPr lang="en-US" dirty="0"/>
-              <a:t>Skill</a:t>
-            </a:r>
-          </a:p>
-        </p:txBody>
-      </p:sp>
-      <p:sp>
-        <p:nvSpPr>
-          <p:cNvPr id="32" name="Rounded Rectangle 31">
-            <a:extLst>
-              <a:ext uri="{FF2B5EF4-FFF2-40B4-BE49-F238E27FC236}">
-                <a16:creationId xmlns:a16="http://schemas.microsoft.com/office/drawing/2014/main" id="{2A1428BC-36D1-836C-7948-D2F6B3467B18}"/>
-              </a:ext>
-            </a:extLst>
-          </p:cNvPr>
-          <p:cNvSpPr/>
-          <p:nvPr/>
-        </p:nvSpPr>
-        <p:spPr>
-          <a:xfrm>
-            <a:off x="7329804" y="3290944"/>
-            <a:ext cx="1258785" cy="807522"/>
-          </a:xfrm>
-          <a:prstGeom prst="roundRect">
-            <a:avLst/>
-          </a:prstGeom>
-          <a:solidFill>
-            <a:srgbClr val="0070C0"/>
-          </a:solidFill>
-        </p:spPr>
-        <p:style>
-          <a:lnRef idx="2">
-            <a:schemeClr val="accent1">
-              <a:shade val="15000"/>
-            </a:schemeClr>
-          </a:lnRef>
-          <a:fillRef idx="1">
-            <a:schemeClr val="accent1"/>
-          </a:fillRef>
-          <a:effectRef idx="0">
-            <a:schemeClr val="accent1"/>
-          </a:effectRef>
-          <a:fontRef idx="minor">
-            <a:schemeClr val="lt1"/>
-          </a:fontRef>
-        </p:style>
-        <p:txBody>
-          <a:bodyPr rtlCol="0" anchor="ctr"/>
-          <a:lstStyle/>
-          <a:p>
-            <a:pPr algn="ctr"/>
-            <a:r>
-              <a:rPr lang="en-US" dirty="0"/>
-              <a:t>Skill</a:t>
-            </a:r>
-          </a:p>
-        </p:txBody>
-      </p:sp>
-      <p:sp>
-        <p:nvSpPr>
-          <p:cNvPr id="33" name="Rounded Rectangle 32">
-            <a:extLst>
-              <a:ext uri="{FF2B5EF4-FFF2-40B4-BE49-F238E27FC236}">
-                <a16:creationId xmlns:a16="http://schemas.microsoft.com/office/drawing/2014/main" id="{BF01ABA6-D9FA-6739-0110-AA6E1F517EDD}"/>
-              </a:ext>
-            </a:extLst>
-          </p:cNvPr>
-          <p:cNvSpPr/>
-          <p:nvPr/>
-        </p:nvSpPr>
-        <p:spPr>
-          <a:xfrm>
-            <a:off x="7284495" y="4265756"/>
-            <a:ext cx="1258785" cy="807522"/>
-          </a:xfrm>
-          <a:prstGeom prst="roundRect">
-            <a:avLst/>
-          </a:prstGeom>
-          <a:solidFill>
-            <a:srgbClr val="0070C0"/>
-          </a:solidFill>
-        </p:spPr>
-        <p:style>
-          <a:lnRef idx="2">
-            <a:schemeClr val="accent1">
-              <a:shade val="15000"/>
-            </a:schemeClr>
-          </a:lnRef>
-          <a:fillRef idx="1">
-            <a:schemeClr val="accent1"/>
-          </a:fillRef>
-          <a:effectRef idx="0">
-            <a:schemeClr val="accent1"/>
-          </a:effectRef>
-          <a:fontRef idx="minor">
-            <a:schemeClr val="lt1"/>
-          </a:fontRef>
-        </p:style>
-        <p:txBody>
-          <a:bodyPr rtlCol="0" anchor="ctr"/>
-          <a:lstStyle/>
-          <a:p>
-            <a:pPr algn="ctr"/>
-            <a:r>
-              <a:rPr lang="en-US" dirty="0"/>
-              <a:t>Skill</a:t>
-            </a:r>
-          </a:p>
-        </p:txBody>
-      </p:sp>
-      <p:cxnSp>
-        <p:nvCxnSpPr>
-          <p:cNvPr id="35" name="Straight Connector 34">
-            <a:extLst>
-              <a:ext uri="{FF2B5EF4-FFF2-40B4-BE49-F238E27FC236}">
-                <a16:creationId xmlns:a16="http://schemas.microsoft.com/office/drawing/2014/main" id="{7DE944D8-5210-2166-A96D-5882724B4AC8}"/>
-              </a:ext>
-            </a:extLst>
-          </p:cNvPr>
-          <p:cNvCxnSpPr>
-            <a:cxnSpLocks/>
-            <a:stCxn id="11" idx="3"/>
-            <a:endCxn id="31" idx="1"/>
-          </p:cNvCxnSpPr>
-          <p:nvPr/>
-        </p:nvCxnSpPr>
-        <p:spPr>
-          <a:xfrm>
-            <a:off x="5777346" y="2707574"/>
-            <a:ext cx="1527745" cy="12320"/>
-          </a:xfrm>
-          <a:prstGeom prst="line">
-            <a:avLst/>
-          </a:prstGeom>
-          <a:ln w="57150">
-            <a:tailEnd type="triangle"/>
-          </a:ln>
-        </p:spPr>
-        <p:style>
-          <a:lnRef idx="2">
-            <a:schemeClr val="accent1"/>
-          </a:lnRef>
-          <a:fillRef idx="0">
-            <a:schemeClr val="accent1"/>
-          </a:fillRef>
-          <a:effectRef idx="1">
-            <a:schemeClr val="accent1"/>
-          </a:effectRef>
-          <a:fontRef idx="minor">
-            <a:schemeClr val="tx1"/>
-          </a:fontRef>
-        </p:style>
-      </p:cxnSp>
-      <p:cxnSp>
-        <p:nvCxnSpPr>
-          <p:cNvPr id="38" name="Straight Connector 37">
-            <a:extLst>
-              <a:ext uri="{FF2B5EF4-FFF2-40B4-BE49-F238E27FC236}">
-                <a16:creationId xmlns:a16="http://schemas.microsoft.com/office/drawing/2014/main" id="{49D28710-122F-D8B6-ADDF-BC7E7B8637C8}"/>
-              </a:ext>
-            </a:extLst>
-          </p:cNvPr>
-          <p:cNvCxnSpPr>
-            <a:cxnSpLocks/>
-            <a:stCxn id="10" idx="3"/>
-            <a:endCxn id="32" idx="1"/>
-          </p:cNvCxnSpPr>
-          <p:nvPr/>
-        </p:nvCxnSpPr>
-        <p:spPr>
-          <a:xfrm flipV="1">
-            <a:off x="5779325" y="3694705"/>
-            <a:ext cx="1550479" cy="500"/>
-          </a:xfrm>
-          <a:prstGeom prst="line">
-            <a:avLst/>
-          </a:prstGeom>
-          <a:ln w="57150">
-            <a:tailEnd type="triangle"/>
-          </a:ln>
-        </p:spPr>
-        <p:style>
-          <a:lnRef idx="2">
-            <a:schemeClr val="accent1"/>
-          </a:lnRef>
-          <a:fillRef idx="0">
-            <a:schemeClr val="accent1"/>
-          </a:fillRef>
-          <a:effectRef idx="1">
-            <a:schemeClr val="accent1"/>
-          </a:effectRef>
-          <a:fontRef idx="minor">
-            <a:schemeClr val="tx1"/>
-          </a:fontRef>
-        </p:style>
-      </p:cxnSp>
-      <p:cxnSp>
-        <p:nvCxnSpPr>
-          <p:cNvPr id="41" name="Straight Connector 40">
-            <a:extLst>
-              <a:ext uri="{FF2B5EF4-FFF2-40B4-BE49-F238E27FC236}">
-                <a16:creationId xmlns:a16="http://schemas.microsoft.com/office/drawing/2014/main" id="{BFE01EFD-AA61-8F56-B179-10ECCDB2E75D}"/>
-              </a:ext>
-            </a:extLst>
-          </p:cNvPr>
-          <p:cNvCxnSpPr>
-            <a:cxnSpLocks/>
-            <a:stCxn id="12" idx="3"/>
-            <a:endCxn id="33" idx="1"/>
-          </p:cNvCxnSpPr>
-          <p:nvPr/>
-        </p:nvCxnSpPr>
-        <p:spPr>
-          <a:xfrm flipV="1">
-            <a:off x="5775366" y="4669517"/>
-            <a:ext cx="1509129" cy="13319"/>
-          </a:xfrm>
-          <a:prstGeom prst="line">
-            <a:avLst/>
-          </a:prstGeom>
-          <a:ln w="57150">
-            <a:tailEnd type="triangle"/>
-          </a:ln>
-        </p:spPr>
-        <p:style>
-          <a:lnRef idx="2">
-            <a:schemeClr val="accent1"/>
-          </a:lnRef>
-          <a:fillRef idx="0">
-            <a:schemeClr val="accent1"/>
-          </a:fillRef>
-          <a:effectRef idx="1">
-            <a:schemeClr val="accent1"/>
-          </a:effectRef>
-          <a:fontRef idx="minor">
-            <a:schemeClr val="tx1"/>
-          </a:fontRef>
-        </p:style>
-      </p:cxnSp>
-      <p:sp>
-        <p:nvSpPr>
-          <p:cNvPr id="44" name="TextBox 43">
-            <a:extLst>
-              <a:ext uri="{FF2B5EF4-FFF2-40B4-BE49-F238E27FC236}">
-                <a16:creationId xmlns:a16="http://schemas.microsoft.com/office/drawing/2014/main" id="{FCB9B465-54C0-D100-8408-057E048E1E2D}"/>
+            <a:r>
+              <a:rPr lang="en-US" sz="2400" dirty="0"/>
+              <a:t>https://www.anthropic.com/news/skills</a:t>
+            </a:r>
+          </a:p>
+        </p:txBody>
+      </p:sp>
+    </p:spTree>
+    <p:extLst>
+      <p:ext uri="{BB962C8B-B14F-4D97-AF65-F5344CB8AC3E}">
+        <p14:creationId xmlns:p14="http://schemas.microsoft.com/office/powerpoint/2010/main" val="3660502633"/>
+      </p:ext>
+    </p:extLst>
+  </p:cSld>
+  <p:clrMapOvr>
+    <a:masterClrMapping/>
+  </p:clrMapOvr>
+</p:sld>
+</file>
+
+<file path=ppt/slides/slide30.xml><?xml version="1.0" encoding="utf-8"?>
+<p:sld xmlns:a="http://schemas.openxmlformats.org/drawingml/2006/main" xmlns:r="http://schemas.openxmlformats.org/officeDocument/2006/relationships" xmlns:p="http://schemas.openxmlformats.org/presentationml/2006/main">
+  <p:cSld>
+    <p:spTree>
+      <p:nvGrpSpPr>
+        <p:cNvPr id="1" name=""/>
+        <p:cNvGrpSpPr/>
+        <p:nvPr/>
+      </p:nvGrpSpPr>
+      <p:grpSpPr>
+        <a:xfrm>
+          <a:off x="0" y="0"/>
+          <a:ext cx="0" cy="0"/>
+          <a:chOff x="0" y="0"/>
+          <a:chExt cx="0" cy="0"/>
+        </a:xfrm>
+      </p:grpSpPr>
+      <p:sp>
+        <p:nvSpPr>
+          <p:cNvPr id="2" name="Title 1">
+            <a:extLst>
+              <a:ext uri="{FF2B5EF4-FFF2-40B4-BE49-F238E27FC236}">
+                <a16:creationId xmlns:a16="http://schemas.microsoft.com/office/drawing/2014/main" id="{3EBD76E2-2CAF-9DC2-6651-D4F14DEE449A}"/>
+              </a:ext>
+            </a:extLst>
+          </p:cNvPr>
+          <p:cNvSpPr>
+            <a:spLocks noGrp="1"/>
+          </p:cNvSpPr>
+          <p:nvPr>
+            <p:ph type="title"/>
+          </p:nvPr>
+        </p:nvSpPr>
+        <p:spPr>
+          <a:xfrm>
+            <a:off x="381000" y="142703"/>
+            <a:ext cx="10515600" cy="1325563"/>
+          </a:xfrm>
+        </p:spPr>
+        <p:txBody>
+          <a:bodyPr/>
+          <a:lstStyle/>
+          <a:p>
+            <a:r>
+              <a:rPr lang="en-US" dirty="0"/>
+              <a:t>Claude Generates </a:t>
+            </a:r>
+            <a:br>
+              <a:rPr lang="en-US" dirty="0"/>
+            </a:br>
+            <a:r>
+              <a:rPr lang="en-US" b="1" dirty="0"/>
+              <a:t>Massive</a:t>
+            </a:r>
+            <a:r>
+              <a:rPr lang="en-US" dirty="0"/>
+              <a:t> Metadata!</a:t>
+            </a:r>
+          </a:p>
+        </p:txBody>
+      </p:sp>
+      <p:sp>
+        <p:nvSpPr>
+          <p:cNvPr id="3" name="Content Placeholder 2">
+            <a:extLst>
+              <a:ext uri="{FF2B5EF4-FFF2-40B4-BE49-F238E27FC236}">
+                <a16:creationId xmlns:a16="http://schemas.microsoft.com/office/drawing/2014/main" id="{92F2434C-396D-F9AB-636F-9875236E6EFD}"/>
+              </a:ext>
+            </a:extLst>
+          </p:cNvPr>
+          <p:cNvSpPr>
+            <a:spLocks noGrp="1"/>
+          </p:cNvSpPr>
+          <p:nvPr>
+            <p:ph idx="1"/>
+          </p:nvPr>
+        </p:nvSpPr>
+        <p:spPr>
+          <a:xfrm>
+            <a:off x="492211" y="1702056"/>
+            <a:ext cx="4079789" cy="3982051"/>
+          </a:xfrm>
+        </p:spPr>
+        <p:txBody>
+          <a:bodyPr>
+            <a:normAutofit fontScale="85000" lnSpcReduction="20000"/>
+          </a:bodyPr>
+          <a:lstStyle/>
+          <a:p>
+            <a:r>
+              <a:rPr lang="en-US" dirty="0"/>
+              <a:t>Given a robust JSON Schema, Claude will generate fantastic highly detailed metadata that can be used to analyze and extend a MicroSim</a:t>
+            </a:r>
+          </a:p>
+          <a:p>
+            <a:r>
+              <a:rPr lang="en-US" dirty="0"/>
+              <a:t>The schema is an exhaustive list of fields that Claude will happily fill in for each MicroSim</a:t>
+            </a:r>
+          </a:p>
+          <a:p>
+            <a:r>
+              <a:rPr lang="en-US" dirty="0"/>
+              <a:t>Metadata is critical for building faceted search tools for MicroSims</a:t>
+            </a:r>
+          </a:p>
+        </p:txBody>
+      </p:sp>
+      <p:sp>
+        <p:nvSpPr>
+          <p:cNvPr id="4" name="TextBox 3">
+            <a:extLst>
+              <a:ext uri="{FF2B5EF4-FFF2-40B4-BE49-F238E27FC236}">
+                <a16:creationId xmlns:a16="http://schemas.microsoft.com/office/drawing/2014/main" id="{59CF1B32-B75B-4BB3-0F86-7AA3E7D1B102}"/>
               </a:ext>
             </a:extLst>
           </p:cNvPr>
@@ -4583,8 +7398,8 @@
         </p:nvSpPr>
         <p:spPr>
           <a:xfrm>
-            <a:off x="494270" y="3842952"/>
-            <a:ext cx="1618735" cy="738664"/>
+            <a:off x="420130" y="6203092"/>
+            <a:ext cx="10058331" cy="369332"/>
           </a:xfrm>
           <a:prstGeom prst="rect">
             <a:avLst/>
@@ -4592,133 +7407,1479 @@
           <a:noFill/>
         </p:spPr>
         <p:txBody>
-          <a:bodyPr wrap="square" rtlCol="0">
+          <a:bodyPr wrap="none" rtlCol="0">
             <a:spAutoFit/>
           </a:bodyPr>
           <a:lstStyle/>
           <a:p>
             <a:r>
-              <a:rPr lang="en-US" sz="1400" dirty="0"/>
-              <a:t>Use planning mode to generate workflows</a:t>
-            </a:r>
-          </a:p>
-        </p:txBody>
-      </p:sp>
-      <p:sp>
-        <p:nvSpPr>
-          <p:cNvPr id="45" name="TextBox 44">
-            <a:extLst>
-              <a:ext uri="{FF2B5EF4-FFF2-40B4-BE49-F238E27FC236}">
-                <a16:creationId xmlns:a16="http://schemas.microsoft.com/office/drawing/2014/main" id="{8317153D-70FF-1CF1-BDDD-B275E4BA3A4D}"/>
-              </a:ext>
-            </a:extLst>
-          </p:cNvPr>
-          <p:cNvSpPr txBox="1"/>
+              <a:rPr lang="en-US" dirty="0"/>
+              <a:t>https://github.com/dmccreary/microsims/blob/main/src/</a:t>
+            </a:r>
+            <a:r>
+              <a:rPr lang="en-US" dirty="0" err="1"/>
+              <a:t>microsim</a:t>
+            </a:r>
+            <a:r>
+              <a:rPr lang="en-US" dirty="0"/>
+              <a:t>-schema/</a:t>
+            </a:r>
+            <a:r>
+              <a:rPr lang="en-US" dirty="0" err="1"/>
+              <a:t>microsim-schema.json</a:t>
+            </a:r>
+            <a:endParaRPr lang="en-US" dirty="0"/>
+          </a:p>
+        </p:txBody>
+      </p:sp>
+      <p:pic>
+        <p:nvPicPr>
+          <p:cNvPr id="5" name="Picture 4">
+            <a:extLst>
+              <a:ext uri="{FF2B5EF4-FFF2-40B4-BE49-F238E27FC236}">
+                <a16:creationId xmlns:a16="http://schemas.microsoft.com/office/drawing/2014/main" id="{D8E004BD-AA5B-BC40-40AF-10405B4DEFCA}"/>
+              </a:ext>
+            </a:extLst>
+          </p:cNvPr>
+          <p:cNvPicPr>
+            <a:picLocks noChangeAspect="1"/>
+          </p:cNvPicPr>
           <p:nvPr/>
-        </p:nvSpPr>
-        <p:spPr>
-          <a:xfrm>
-            <a:off x="2426044" y="3019167"/>
-            <a:ext cx="1219200" cy="738664"/>
+        </p:nvPicPr>
+        <p:blipFill>
+          <a:blip r:embed="rId2"/>
+          <a:stretch>
+            <a:fillRect/>
+          </a:stretch>
+        </p:blipFill>
+        <p:spPr>
+          <a:xfrm>
+            <a:off x="5399903" y="296561"/>
+            <a:ext cx="6207986" cy="5770567"/>
           </a:xfrm>
           <a:prstGeom prst="rect">
             <a:avLst/>
           </a:prstGeom>
-          <a:noFill/>
-        </p:spPr>
-        <p:txBody>
-          <a:bodyPr wrap="square" rtlCol="0">
-            <a:spAutoFit/>
+        </p:spPr>
+      </p:pic>
+    </p:spTree>
+    <p:extLst>
+      <p:ext uri="{BB962C8B-B14F-4D97-AF65-F5344CB8AC3E}">
+        <p14:creationId xmlns:p14="http://schemas.microsoft.com/office/powerpoint/2010/main" val="3559611060"/>
+      </p:ext>
+    </p:extLst>
+  </p:cSld>
+  <p:clrMapOvr>
+    <a:masterClrMapping/>
+  </p:clrMapOvr>
+</p:sld>
+</file>
+
+<file path=ppt/slides/slide31.xml><?xml version="1.0" encoding="utf-8"?>
+<p:sld xmlns:a="http://schemas.openxmlformats.org/drawingml/2006/main" xmlns:r="http://schemas.openxmlformats.org/officeDocument/2006/relationships" xmlns:p="http://schemas.openxmlformats.org/presentationml/2006/main">
+  <p:cSld>
+    <p:spTree>
+      <p:nvGrpSpPr>
+        <p:cNvPr id="1" name=""/>
+        <p:cNvGrpSpPr/>
+        <p:nvPr/>
+      </p:nvGrpSpPr>
+      <p:grpSpPr>
+        <a:xfrm>
+          <a:off x="0" y="0"/>
+          <a:ext cx="0" cy="0"/>
+          <a:chOff x="0" y="0"/>
+          <a:chExt cx="0" cy="0"/>
+        </a:xfrm>
+      </p:grpSpPr>
+      <p:sp>
+        <p:nvSpPr>
+          <p:cNvPr id="2" name="Title 1">
+            <a:extLst>
+              <a:ext uri="{FF2B5EF4-FFF2-40B4-BE49-F238E27FC236}">
+                <a16:creationId xmlns:a16="http://schemas.microsoft.com/office/drawing/2014/main" id="{19C6347F-4558-8E61-258C-67F3FA70161D}"/>
+              </a:ext>
+            </a:extLst>
+          </p:cNvPr>
+          <p:cNvSpPr>
+            <a:spLocks noGrp="1"/>
+          </p:cNvSpPr>
+          <p:nvPr>
+            <p:ph type="title"/>
+          </p:nvPr>
+        </p:nvSpPr>
+        <p:spPr>
+          <a:xfrm>
+            <a:off x="282147" y="192131"/>
+            <a:ext cx="10515600" cy="1325563"/>
+          </a:xfrm>
+        </p:spPr>
+        <p:txBody>
+          <a:bodyPr>
+            <a:normAutofit fontScale="90000"/>
           </a:bodyPr>
           <a:lstStyle/>
           <a:p>
             <a:r>
-              <a:rPr lang="en-US" sz="1400" dirty="0"/>
-              <a:t>Workflows</a:t>
-            </a:r>
-          </a:p>
-          <a:p>
-            <a:r>
-              <a:rPr lang="en-US" sz="1400" dirty="0"/>
-              <a:t>contain many tasks</a:t>
-            </a:r>
-          </a:p>
-        </p:txBody>
-      </p:sp>
-      <p:sp>
-        <p:nvSpPr>
-          <p:cNvPr id="46" name="TextBox 45">
-            <a:extLst>
-              <a:ext uri="{FF2B5EF4-FFF2-40B4-BE49-F238E27FC236}">
-                <a16:creationId xmlns:a16="http://schemas.microsoft.com/office/drawing/2014/main" id="{29E2EBC1-AED9-99E4-EFCB-887359B799D8}"/>
-              </a:ext>
-            </a:extLst>
-          </p:cNvPr>
-          <p:cNvSpPr txBox="1"/>
+              <a:rPr lang="en-US" dirty="0"/>
+              <a:t>Sample</a:t>
+            </a:r>
+            <a:br>
+              <a:rPr lang="en-US" dirty="0"/>
+            </a:br>
+            <a:r>
+              <a:rPr lang="en-US" dirty="0"/>
+              <a:t>Metadata File</a:t>
+            </a:r>
+            <a:br>
+              <a:rPr lang="en-US" dirty="0"/>
+            </a:br>
+            <a:r>
+              <a:rPr lang="en-US" dirty="0"/>
+              <a:t>(metadata.json)</a:t>
+            </a:r>
+          </a:p>
+        </p:txBody>
+      </p:sp>
+      <p:pic>
+        <p:nvPicPr>
+          <p:cNvPr id="4" name="Picture 3">
+            <a:extLst>
+              <a:ext uri="{FF2B5EF4-FFF2-40B4-BE49-F238E27FC236}">
+                <a16:creationId xmlns:a16="http://schemas.microsoft.com/office/drawing/2014/main" id="{D33E8DD0-95AD-CEC8-EC72-08876984125E}"/>
+              </a:ext>
+            </a:extLst>
+          </p:cNvPr>
+          <p:cNvPicPr>
+            <a:picLocks noChangeAspect="1"/>
+          </p:cNvPicPr>
           <p:nvPr/>
-        </p:nvSpPr>
-        <p:spPr>
-          <a:xfrm>
-            <a:off x="4456670" y="762000"/>
-            <a:ext cx="1548713" cy="523220"/>
+        </p:nvPicPr>
+        <p:blipFill>
+          <a:blip r:embed="rId2"/>
+          <a:stretch>
+            <a:fillRect/>
+          </a:stretch>
+        </p:blipFill>
+        <p:spPr>
+          <a:xfrm>
+            <a:off x="3803821" y="327972"/>
+            <a:ext cx="8161784" cy="6097542"/>
           </a:xfrm>
           <a:prstGeom prst="rect">
             <a:avLst/>
           </a:prstGeom>
-          <a:noFill/>
-        </p:spPr>
-        <p:txBody>
-          <a:bodyPr wrap="square" rtlCol="0">
-            <a:spAutoFit/>
+        </p:spPr>
+      </p:pic>
+    </p:spTree>
+    <p:extLst>
+      <p:ext uri="{BB962C8B-B14F-4D97-AF65-F5344CB8AC3E}">
+        <p14:creationId xmlns:p14="http://schemas.microsoft.com/office/powerpoint/2010/main" val="3937515015"/>
+      </p:ext>
+    </p:extLst>
+  </p:cSld>
+  <p:clrMapOvr>
+    <a:masterClrMapping/>
+  </p:clrMapOvr>
+</p:sld>
+</file>
+
+<file path=ppt/slides/slide32.xml><?xml version="1.0" encoding="utf-8"?>
+<p:sld xmlns:a="http://schemas.openxmlformats.org/drawingml/2006/main" xmlns:r="http://schemas.openxmlformats.org/officeDocument/2006/relationships" xmlns:p="http://schemas.openxmlformats.org/presentationml/2006/main">
+  <p:cSld>
+    <p:spTree>
+      <p:nvGrpSpPr>
+        <p:cNvPr id="1" name=""/>
+        <p:cNvGrpSpPr/>
+        <p:nvPr/>
+      </p:nvGrpSpPr>
+      <p:grpSpPr>
+        <a:xfrm>
+          <a:off x="0" y="0"/>
+          <a:ext cx="0" cy="0"/>
+          <a:chOff x="0" y="0"/>
+          <a:chExt cx="0" cy="0"/>
+        </a:xfrm>
+      </p:grpSpPr>
+      <p:sp>
+        <p:nvSpPr>
+          <p:cNvPr id="2" name="Title 1">
+            <a:extLst>
+              <a:ext uri="{FF2B5EF4-FFF2-40B4-BE49-F238E27FC236}">
+                <a16:creationId xmlns:a16="http://schemas.microsoft.com/office/drawing/2014/main" id="{CB496D4F-C65A-D80B-0E86-FB78BBAE5695}"/>
+              </a:ext>
+            </a:extLst>
+          </p:cNvPr>
+          <p:cNvSpPr>
+            <a:spLocks noGrp="1"/>
+          </p:cNvSpPr>
+          <p:nvPr>
+            <p:ph type="title"/>
+          </p:nvPr>
+        </p:nvSpPr>
+        <p:spPr/>
+        <p:txBody>
+          <a:bodyPr/>
+          <a:lstStyle/>
+          <a:p>
+            <a:r>
+              <a:rPr lang="en-US" dirty="0"/>
+              <a:t>How To View</a:t>
+            </a:r>
+          </a:p>
+        </p:txBody>
+      </p:sp>
+      <p:sp>
+        <p:nvSpPr>
+          <p:cNvPr id="3" name="Content Placeholder 2">
+            <a:extLst>
+              <a:ext uri="{FF2B5EF4-FFF2-40B4-BE49-F238E27FC236}">
+                <a16:creationId xmlns:a16="http://schemas.microsoft.com/office/drawing/2014/main" id="{25618458-739D-250D-DEA9-8AB6AF92FAA8}"/>
+              </a:ext>
+            </a:extLst>
+          </p:cNvPr>
+          <p:cNvSpPr>
+            <a:spLocks noGrp="1"/>
+          </p:cNvSpPr>
+          <p:nvPr>
+            <p:ph idx="1"/>
+          </p:nvPr>
+        </p:nvSpPr>
+        <p:spPr>
+          <a:xfrm>
+            <a:off x="838200" y="4917989"/>
+            <a:ext cx="10515600" cy="1258974"/>
+          </a:xfrm>
+        </p:spPr>
+        <p:txBody>
+          <a:bodyPr>
+            <a:normAutofit fontScale="92500" lnSpcReduction="20000"/>
           </a:bodyPr>
           <a:lstStyle/>
           <a:p>
             <a:r>
-              <a:rPr lang="en-US" sz="1400" dirty="0"/>
-              <a:t>A task is typically a unit of work.</a:t>
-            </a:r>
-          </a:p>
-        </p:txBody>
-      </p:sp>
-      <p:sp>
-        <p:nvSpPr>
-          <p:cNvPr id="47" name="TextBox 46">
-            <a:extLst>
-              <a:ext uri="{FF2B5EF4-FFF2-40B4-BE49-F238E27FC236}">
-                <a16:creationId xmlns:a16="http://schemas.microsoft.com/office/drawing/2014/main" id="{3EEF2EA7-DB80-024D-1ECB-A7FB14C830EC}"/>
-              </a:ext>
-            </a:extLst>
-          </p:cNvPr>
-          <p:cNvSpPr txBox="1"/>
+              <a:rPr lang="en-US" dirty="0"/>
+              <a:t>Add the string “/metadata.json” to the end of the path</a:t>
+            </a:r>
+            <a:br>
+              <a:rPr lang="en-US" dirty="0"/>
+            </a:br>
+            <a:br>
+              <a:rPr lang="en-US" dirty="0"/>
+            </a:br>
+            <a:r>
+              <a:rPr lang="en-US" dirty="0"/>
+              <a:t>https://dmccreary.github.io/microsims/sims/projectile-motion-gravity/</a:t>
+            </a:r>
+            <a:r>
+              <a:rPr lang="en-US" dirty="0">
+                <a:solidFill>
+                  <a:schemeClr val="accent5"/>
+                </a:solidFill>
+              </a:rPr>
+              <a:t>metadata.json</a:t>
+            </a:r>
+          </a:p>
+        </p:txBody>
+      </p:sp>
+      <p:pic>
+        <p:nvPicPr>
+          <p:cNvPr id="4" name="Picture 3">
+            <a:extLst>
+              <a:ext uri="{FF2B5EF4-FFF2-40B4-BE49-F238E27FC236}">
+                <a16:creationId xmlns:a16="http://schemas.microsoft.com/office/drawing/2014/main" id="{8C1A75FC-62B2-F412-3A26-ED007487BA69}"/>
+              </a:ext>
+            </a:extLst>
+          </p:cNvPr>
+          <p:cNvPicPr>
+            <a:picLocks noChangeAspect="1"/>
+          </p:cNvPicPr>
           <p:nvPr/>
-        </p:nvSpPr>
-        <p:spPr>
-          <a:xfrm>
-            <a:off x="5832390" y="1050324"/>
-            <a:ext cx="1548713" cy="523220"/>
+        </p:nvPicPr>
+        <p:blipFill>
+          <a:blip r:embed="rId2"/>
+          <a:stretch>
+            <a:fillRect/>
+          </a:stretch>
+        </p:blipFill>
+        <p:spPr>
+          <a:xfrm>
+            <a:off x="4434016" y="898251"/>
+            <a:ext cx="6118145" cy="3562538"/>
           </a:xfrm>
           <a:prstGeom prst="rect">
             <a:avLst/>
           </a:prstGeom>
-          <a:noFill/>
-        </p:spPr>
-        <p:txBody>
-          <a:bodyPr wrap="square" rtlCol="0">
-            <a:spAutoFit/>
-          </a:bodyPr>
-          <a:lstStyle/>
-          <a:p>
-            <a:r>
-              <a:rPr lang="en-US" sz="1400" dirty="0"/>
-              <a:t>Tasks are matched to skills</a:t>
-            </a:r>
-          </a:p>
-        </p:txBody>
-      </p:sp>
+          <a:ln>
+            <a:solidFill>
+              <a:schemeClr val="tx1"/>
+            </a:solidFill>
+          </a:ln>
+        </p:spPr>
+      </p:pic>
     </p:spTree>
     <p:extLst>
       <p:ext uri="{BB962C8B-B14F-4D97-AF65-F5344CB8AC3E}">
-        <p14:creationId xmlns:p14="http://schemas.microsoft.com/office/powerpoint/2010/main" val="2918897279"/>
+        <p14:creationId xmlns:p14="http://schemas.microsoft.com/office/powerpoint/2010/main" val="4254794562"/>
+      </p:ext>
+    </p:extLst>
+  </p:cSld>
+  <p:clrMapOvr>
+    <a:masterClrMapping/>
+  </p:clrMapOvr>
+</p:sld>
+</file>
+
+<file path=ppt/slides/slide33.xml><?xml version="1.0" encoding="utf-8"?>
+<p:sld xmlns:a="http://schemas.openxmlformats.org/drawingml/2006/main" xmlns:r="http://schemas.openxmlformats.org/officeDocument/2006/relationships" xmlns:p="http://schemas.openxmlformats.org/presentationml/2006/main">
+  <p:cSld>
+    <p:spTree>
+      <p:nvGrpSpPr>
+        <p:cNvPr id="1" name=""/>
+        <p:cNvGrpSpPr/>
+        <p:nvPr/>
+      </p:nvGrpSpPr>
+      <p:grpSpPr>
+        <a:xfrm>
+          <a:off x="0" y="0"/>
+          <a:ext cx="0" cy="0"/>
+          <a:chOff x="0" y="0"/>
+          <a:chExt cx="0" cy="0"/>
+        </a:xfrm>
+      </p:grpSpPr>
+      <p:sp>
+        <p:nvSpPr>
+          <p:cNvPr id="2" name="Title 1">
+            <a:extLst>
+              <a:ext uri="{FF2B5EF4-FFF2-40B4-BE49-F238E27FC236}">
+                <a16:creationId xmlns:a16="http://schemas.microsoft.com/office/drawing/2014/main" id="{A9989D1D-9F38-AD99-21A9-3F3999152DBF}"/>
+              </a:ext>
+            </a:extLst>
+          </p:cNvPr>
+          <p:cNvSpPr>
+            <a:spLocks noGrp="1"/>
+          </p:cNvSpPr>
+          <p:nvPr>
+            <p:ph type="title"/>
+          </p:nvPr>
+        </p:nvSpPr>
+        <p:spPr>
+          <a:xfrm>
+            <a:off x="208006" y="204488"/>
+            <a:ext cx="10515600" cy="796410"/>
+          </a:xfrm>
+        </p:spPr>
+        <p:txBody>
+          <a:bodyPr/>
+          <a:lstStyle/>
+          <a:p>
+            <a:r>
+              <a:rPr lang="en-US" dirty="0"/>
+              <a:t>What is in the metadata.json file </a:t>
+            </a:r>
+          </a:p>
+        </p:txBody>
+      </p:sp>
+      <p:sp>
+        <p:nvSpPr>
+          <p:cNvPr id="3" name="Content Placeholder 2">
+            <a:extLst>
+              <a:ext uri="{FF2B5EF4-FFF2-40B4-BE49-F238E27FC236}">
+                <a16:creationId xmlns:a16="http://schemas.microsoft.com/office/drawing/2014/main" id="{A06F0924-929D-0768-5492-AC388A9E313E}"/>
+              </a:ext>
+            </a:extLst>
+          </p:cNvPr>
+          <p:cNvSpPr>
+            <a:spLocks noGrp="1"/>
+          </p:cNvSpPr>
+          <p:nvPr>
+            <p:ph idx="1"/>
+          </p:nvPr>
+        </p:nvSpPr>
+        <p:spPr>
+          <a:xfrm>
+            <a:off x="553994" y="1232501"/>
+            <a:ext cx="11024286" cy="4351338"/>
+          </a:xfrm>
+        </p:spPr>
+        <p:txBody>
+          <a:bodyPr>
+            <a:normAutofit fontScale="85000" lnSpcReduction="20000"/>
+          </a:bodyPr>
+          <a:lstStyle/>
+          <a:p>
+            <a:r>
+              <a:rPr lang="en-US" b="1" dirty="0"/>
+              <a:t>Dublin core </a:t>
+            </a:r>
+            <a:r>
+              <a:rPr lang="en-US" dirty="0"/>
+              <a:t>(title, creator, subject, description, publisher, date, etc.)</a:t>
+            </a:r>
+          </a:p>
+          <a:p>
+            <a:pPr lvl="1"/>
+            <a:r>
+              <a:rPr lang="en-US" dirty="0"/>
+              <a:t>Things used to describe any book or paper resource in a library catalog</a:t>
+            </a:r>
+          </a:p>
+          <a:p>
+            <a:r>
+              <a:rPr lang="en-US" b="1" dirty="0"/>
+              <a:t>Education standards </a:t>
+            </a:r>
+            <a:r>
+              <a:rPr lang="en-US" dirty="0"/>
+              <a:t>(NGSS, "Common Core Math: HSF-IF.B.4”)</a:t>
+            </a:r>
+          </a:p>
+          <a:p>
+            <a:r>
+              <a:rPr lang="en-US" b="1" dirty="0"/>
+              <a:t>License</a:t>
+            </a:r>
+            <a:r>
+              <a:rPr lang="en-US" dirty="0"/>
+              <a:t>: CC BY 4.0 - Creative Commons Attribution 4.0 International</a:t>
+            </a:r>
+          </a:p>
+          <a:p>
+            <a:r>
+              <a:rPr lang="en-US" b="1" dirty="0"/>
+              <a:t>Grade Levels </a:t>
+            </a:r>
+            <a:r>
+              <a:rPr lang="en-US" dirty="0"/>
+              <a:t>(6</a:t>
+            </a:r>
+            <a:r>
+              <a:rPr lang="en-US" baseline="30000" dirty="0"/>
+              <a:t>th</a:t>
+            </a:r>
+            <a:r>
+              <a:rPr lang="en-US" dirty="0"/>
+              <a:t> to 12</a:t>
+            </a:r>
+            <a:r>
+              <a:rPr lang="en-US" baseline="30000" dirty="0"/>
+              <a:t>th</a:t>
+            </a:r>
+            <a:r>
+              <a:rPr lang="en-US" dirty="0"/>
+              <a:t> grades)</a:t>
+            </a:r>
+          </a:p>
+          <a:p>
+            <a:r>
+              <a:rPr lang="en-US" b="1" dirty="0"/>
+              <a:t>Subjects</a:t>
+            </a:r>
+            <a:r>
+              <a:rPr lang="en-US" dirty="0"/>
+              <a:t>: Physics, Science, Mathematics</a:t>
+            </a:r>
+          </a:p>
+          <a:p>
+            <a:r>
+              <a:rPr lang="en-US" b="1" dirty="0"/>
+              <a:t>Topics</a:t>
+            </a:r>
+            <a:r>
+              <a:rPr lang="en-US" dirty="0"/>
+              <a:t>:</a:t>
+            </a:r>
+          </a:p>
+          <a:p>
+            <a:pPr lvl="1"/>
+            <a:r>
+              <a:rPr lang="en-US" dirty="0"/>
+              <a:t>Projectile Motion</a:t>
+            </a:r>
+          </a:p>
+          <a:p>
+            <a:pPr lvl="1"/>
+            <a:r>
+              <a:rPr lang="en-US" dirty="0"/>
+              <a:t>Gravity</a:t>
+            </a:r>
+          </a:p>
+          <a:p>
+            <a:pPr lvl="1"/>
+            <a:r>
+              <a:rPr lang="en-US" dirty="0"/>
+              <a:t>Parabolic Trajectories</a:t>
+            </a:r>
+          </a:p>
+          <a:p>
+            <a:pPr lvl="1"/>
+            <a:r>
+              <a:rPr lang="en-US" dirty="0"/>
+              <a:t>Kinematics</a:t>
+            </a:r>
+          </a:p>
+          <a:p>
+            <a:pPr lvl="1"/>
+            <a:r>
+              <a:rPr lang="en-US" dirty="0"/>
+              <a:t>Newton's Laws</a:t>
+            </a:r>
+          </a:p>
+          <a:p>
+            <a:pPr lvl="1"/>
+            <a:r>
+              <a:rPr lang="en-US" dirty="0"/>
+              <a:t>Acceleration</a:t>
+            </a:r>
+          </a:p>
+          <a:p>
+            <a:endParaRPr lang="en-US" dirty="0"/>
+          </a:p>
+          <a:p>
+            <a:endParaRPr lang="en-US" dirty="0"/>
+          </a:p>
+          <a:p>
+            <a:endParaRPr lang="en-US" dirty="0"/>
+          </a:p>
+        </p:txBody>
+      </p:sp>
+    </p:spTree>
+    <p:extLst>
+      <p:ext uri="{BB962C8B-B14F-4D97-AF65-F5344CB8AC3E}">
+        <p14:creationId xmlns:p14="http://schemas.microsoft.com/office/powerpoint/2010/main" val="4003328866"/>
+      </p:ext>
+    </p:extLst>
+  </p:cSld>
+  <p:clrMapOvr>
+    <a:masterClrMapping/>
+  </p:clrMapOvr>
+</p:sld>
+</file>
+
+<file path=ppt/slides/slide34.xml><?xml version="1.0" encoding="utf-8"?>
+<p:sld xmlns:a="http://schemas.openxmlformats.org/drawingml/2006/main" xmlns:r="http://schemas.openxmlformats.org/officeDocument/2006/relationships" xmlns:p="http://schemas.openxmlformats.org/presentationml/2006/main">
+  <p:cSld>
+    <p:spTree>
+      <p:nvGrpSpPr>
+        <p:cNvPr id="1" name=""/>
+        <p:cNvGrpSpPr/>
+        <p:nvPr/>
+      </p:nvGrpSpPr>
+      <p:grpSpPr>
+        <a:xfrm>
+          <a:off x="0" y="0"/>
+          <a:ext cx="0" cy="0"/>
+          <a:chOff x="0" y="0"/>
+          <a:chExt cx="0" cy="0"/>
+        </a:xfrm>
+      </p:grpSpPr>
+      <p:sp>
+        <p:nvSpPr>
+          <p:cNvPr id="2" name="Title 1">
+            <a:extLst>
+              <a:ext uri="{FF2B5EF4-FFF2-40B4-BE49-F238E27FC236}">
+                <a16:creationId xmlns:a16="http://schemas.microsoft.com/office/drawing/2014/main" id="{50662F8D-453F-8B3A-B5B7-6B2BA18E253E}"/>
+              </a:ext>
+            </a:extLst>
+          </p:cNvPr>
+          <p:cNvSpPr>
+            <a:spLocks noGrp="1"/>
+          </p:cNvSpPr>
+          <p:nvPr>
+            <p:ph type="title"/>
+          </p:nvPr>
+        </p:nvSpPr>
+        <p:spPr>
+          <a:xfrm>
+            <a:off x="578708" y="278627"/>
+            <a:ext cx="10515600" cy="1325563"/>
+          </a:xfrm>
+        </p:spPr>
+        <p:txBody>
+          <a:bodyPr/>
+          <a:lstStyle/>
+          <a:p>
+            <a:r>
+              <a:rPr lang="en-US" dirty="0"/>
+              <a:t>What is in the metadata.json (continued)</a:t>
+            </a:r>
+          </a:p>
+        </p:txBody>
+      </p:sp>
+      <p:sp>
+        <p:nvSpPr>
+          <p:cNvPr id="3" name="Content Placeholder 2">
+            <a:extLst>
+              <a:ext uri="{FF2B5EF4-FFF2-40B4-BE49-F238E27FC236}">
+                <a16:creationId xmlns:a16="http://schemas.microsoft.com/office/drawing/2014/main" id="{417C7A35-1AA6-FF00-39BA-961409270F8D}"/>
+              </a:ext>
+            </a:extLst>
+          </p:cNvPr>
+          <p:cNvSpPr>
+            <a:spLocks noGrp="1"/>
+          </p:cNvSpPr>
+          <p:nvPr>
+            <p:ph idx="1"/>
+          </p:nvPr>
+        </p:nvSpPr>
+        <p:spPr>
+          <a:xfrm>
+            <a:off x="714633" y="1776198"/>
+            <a:ext cx="10515600" cy="4351338"/>
+          </a:xfrm>
+        </p:spPr>
+        <p:txBody>
+          <a:bodyPr/>
+          <a:lstStyle/>
+          <a:p>
+            <a:pPr marL="0" indent="0">
+              <a:buNone/>
+            </a:pPr>
+            <a:r>
+              <a:rPr lang="en-US" b="1" dirty="0"/>
+              <a:t>Learning Objectives</a:t>
+            </a:r>
+          </a:p>
+          <a:p>
+            <a:pPr lvl="1"/>
+            <a:r>
+              <a:rPr lang="en-US" dirty="0"/>
+              <a:t>Understand that gravity affects the vertical motion of projectiles,</a:t>
+            </a:r>
+          </a:p>
+          <a:p>
+            <a:pPr lvl="1"/>
+            <a:r>
+              <a:rPr lang="en-US" dirty="0"/>
+              <a:t>Apply concepts of parabolic motion to predict trajectory shapes,</a:t>
+            </a:r>
+          </a:p>
+          <a:p>
+            <a:pPr lvl="1"/>
+            <a:r>
+              <a:rPr lang="en-US" dirty="0"/>
+              <a:t>Analyze how changes in gravity affect projectile range and height,</a:t>
+            </a:r>
+          </a:p>
+          <a:p>
+            <a:pPr lvl="1"/>
+            <a:r>
+              <a:rPr lang="en-US" dirty="0"/>
+              <a:t>Evaluate the relationship between gravitational acceleration and trajectory characteristics,</a:t>
+            </a:r>
+          </a:p>
+          <a:p>
+            <a:pPr lvl="1"/>
+            <a:r>
+              <a:rPr lang="en-US" dirty="0"/>
+              <a:t>Compare projectile motion under different gravitational conditions</a:t>
+            </a:r>
+          </a:p>
+          <a:p>
+            <a:endParaRPr lang="en-US" dirty="0"/>
+          </a:p>
+        </p:txBody>
+      </p:sp>
+    </p:spTree>
+    <p:extLst>
+      <p:ext uri="{BB962C8B-B14F-4D97-AF65-F5344CB8AC3E}">
+        <p14:creationId xmlns:p14="http://schemas.microsoft.com/office/powerpoint/2010/main" val="209353472"/>
+      </p:ext>
+    </p:extLst>
+  </p:cSld>
+  <p:clrMapOvr>
+    <a:masterClrMapping/>
+  </p:clrMapOvr>
+</p:sld>
+</file>
+
+<file path=ppt/slides/slide35.xml><?xml version="1.0" encoding="utf-8"?>
+<p:sld xmlns:a="http://schemas.openxmlformats.org/drawingml/2006/main" xmlns:r="http://schemas.openxmlformats.org/officeDocument/2006/relationships" xmlns:p="http://schemas.openxmlformats.org/presentationml/2006/main">
+  <p:cSld>
+    <p:spTree>
+      <p:nvGrpSpPr>
+        <p:cNvPr id="1" name=""/>
+        <p:cNvGrpSpPr/>
+        <p:nvPr/>
+      </p:nvGrpSpPr>
+      <p:grpSpPr>
+        <a:xfrm>
+          <a:off x="0" y="0"/>
+          <a:ext cx="0" cy="0"/>
+          <a:chOff x="0" y="0"/>
+          <a:chExt cx="0" cy="0"/>
+        </a:xfrm>
+      </p:grpSpPr>
+      <p:sp>
+        <p:nvSpPr>
+          <p:cNvPr id="2" name="Title 1">
+            <a:extLst>
+              <a:ext uri="{FF2B5EF4-FFF2-40B4-BE49-F238E27FC236}">
+                <a16:creationId xmlns:a16="http://schemas.microsoft.com/office/drawing/2014/main" id="{661092E6-8340-F88C-6D91-5BAC9BF9B200}"/>
+              </a:ext>
+            </a:extLst>
+          </p:cNvPr>
+          <p:cNvSpPr>
+            <a:spLocks noGrp="1"/>
+          </p:cNvSpPr>
+          <p:nvPr>
+            <p:ph type="title"/>
+          </p:nvPr>
+        </p:nvSpPr>
+        <p:spPr/>
+        <p:txBody>
+          <a:bodyPr/>
+          <a:lstStyle/>
+          <a:p>
+            <a:r>
+              <a:rPr lang="en-US" dirty="0"/>
+              <a:t>What is in the metadata.json (continued)</a:t>
+            </a:r>
+          </a:p>
+        </p:txBody>
+      </p:sp>
+      <p:sp>
+        <p:nvSpPr>
+          <p:cNvPr id="3" name="Content Placeholder 2">
+            <a:extLst>
+              <a:ext uri="{FF2B5EF4-FFF2-40B4-BE49-F238E27FC236}">
+                <a16:creationId xmlns:a16="http://schemas.microsoft.com/office/drawing/2014/main" id="{11156A18-C27C-24E9-27DE-8654F9FF67EA}"/>
+              </a:ext>
+            </a:extLst>
+          </p:cNvPr>
+          <p:cNvSpPr>
+            <a:spLocks noGrp="1"/>
+          </p:cNvSpPr>
+          <p:nvPr>
+            <p:ph idx="1"/>
+          </p:nvPr>
+        </p:nvSpPr>
+        <p:spPr/>
+        <p:txBody>
+          <a:bodyPr/>
+          <a:lstStyle/>
+          <a:p>
+            <a:r>
+              <a:rPr lang="en-US" dirty="0"/>
+              <a:t>Prerequisites</a:t>
+            </a:r>
+          </a:p>
+          <a:p>
+            <a:r>
+              <a:rPr lang="en-US" dirty="0"/>
+              <a:t>Duration (estimated times, typical, min, max)</a:t>
+            </a:r>
+          </a:p>
+          <a:p>
+            <a:r>
+              <a:rPr lang="en-US" dirty="0"/>
+              <a:t>Difficulty</a:t>
+            </a:r>
+          </a:p>
+          <a:p>
+            <a:r>
+              <a:rPr lang="en-US" dirty="0"/>
+              <a:t>Curriculum Standards (framework, id, description)</a:t>
+            </a:r>
+          </a:p>
+          <a:p>
+            <a:r>
+              <a:rPr lang="en-US" dirty="0"/>
+              <a:t>Technical: </a:t>
+            </a:r>
+          </a:p>
+          <a:p>
+            <a:pPr lvl="1"/>
+            <a:r>
+              <a:rPr lang="en-US" dirty="0"/>
+              <a:t>JavaScript library and version</a:t>
+            </a:r>
+          </a:p>
+          <a:p>
+            <a:pPr lvl="1"/>
+            <a:r>
+              <a:rPr lang="en-US" dirty="0"/>
+              <a:t>Responsive design</a:t>
+            </a:r>
+          </a:p>
+          <a:p>
+            <a:pPr lvl="1"/>
+            <a:r>
+              <a:rPr lang="en-US" dirty="0"/>
+              <a:t>Browser compatibility analysis</a:t>
+            </a:r>
+          </a:p>
+          <a:p>
+            <a:r>
+              <a:rPr lang="en-US" dirty="0"/>
+              <a:t>Accessibility</a:t>
+            </a:r>
+          </a:p>
+          <a:p>
+            <a:pPr lvl="1"/>
+            <a:endParaRPr lang="en-US" dirty="0"/>
+          </a:p>
+        </p:txBody>
+      </p:sp>
+    </p:spTree>
+    <p:extLst>
+      <p:ext uri="{BB962C8B-B14F-4D97-AF65-F5344CB8AC3E}">
+        <p14:creationId xmlns:p14="http://schemas.microsoft.com/office/powerpoint/2010/main" val="2968994300"/>
+      </p:ext>
+    </p:extLst>
+  </p:cSld>
+  <p:clrMapOvr>
+    <a:masterClrMapping/>
+  </p:clrMapOvr>
+</p:sld>
+</file>
+
+<file path=ppt/slides/slide36.xml><?xml version="1.0" encoding="utf-8"?>
+<p:sld xmlns:a="http://schemas.openxmlformats.org/drawingml/2006/main" xmlns:r="http://schemas.openxmlformats.org/officeDocument/2006/relationships" xmlns:p="http://schemas.openxmlformats.org/presentationml/2006/main">
+  <p:cSld>
+    <p:spTree>
+      <p:nvGrpSpPr>
+        <p:cNvPr id="1" name=""/>
+        <p:cNvGrpSpPr/>
+        <p:nvPr/>
+      </p:nvGrpSpPr>
+      <p:grpSpPr>
+        <a:xfrm>
+          <a:off x="0" y="0"/>
+          <a:ext cx="0" cy="0"/>
+          <a:chOff x="0" y="0"/>
+          <a:chExt cx="0" cy="0"/>
+        </a:xfrm>
+      </p:grpSpPr>
+      <p:sp>
+        <p:nvSpPr>
+          <p:cNvPr id="2" name="Title 1">
+            <a:extLst>
+              <a:ext uri="{FF2B5EF4-FFF2-40B4-BE49-F238E27FC236}">
+                <a16:creationId xmlns:a16="http://schemas.microsoft.com/office/drawing/2014/main" id="{15C7A0AB-A863-472E-253E-F577B8876973}"/>
+              </a:ext>
+            </a:extLst>
+          </p:cNvPr>
+          <p:cNvSpPr>
+            <a:spLocks noGrp="1"/>
+          </p:cNvSpPr>
+          <p:nvPr>
+            <p:ph type="title"/>
+          </p:nvPr>
+        </p:nvSpPr>
+        <p:spPr>
+          <a:xfrm>
+            <a:off x="368643" y="216845"/>
+            <a:ext cx="10515600" cy="833480"/>
+          </a:xfrm>
+        </p:spPr>
+        <p:txBody>
+          <a:bodyPr/>
+          <a:lstStyle/>
+          <a:p>
+            <a:r>
+              <a:rPr lang="en-US" dirty="0"/>
+              <a:t>Metadata (Continued)</a:t>
+            </a:r>
+          </a:p>
+        </p:txBody>
+      </p:sp>
+      <p:sp>
+        <p:nvSpPr>
+          <p:cNvPr id="3" name="Content Placeholder 2">
+            <a:extLst>
+              <a:ext uri="{FF2B5EF4-FFF2-40B4-BE49-F238E27FC236}">
+                <a16:creationId xmlns:a16="http://schemas.microsoft.com/office/drawing/2014/main" id="{7957FD9F-206A-BF7C-EBEB-563F342DE01D}"/>
+              </a:ext>
+            </a:extLst>
+          </p:cNvPr>
+          <p:cNvSpPr>
+            <a:spLocks noGrp="1"/>
+          </p:cNvSpPr>
+          <p:nvPr>
+            <p:ph idx="1"/>
+          </p:nvPr>
+        </p:nvSpPr>
+        <p:spPr>
+          <a:xfrm>
+            <a:off x="430427" y="1071863"/>
+            <a:ext cx="10515600" cy="5514288"/>
+          </a:xfrm>
+        </p:spPr>
+        <p:txBody>
+          <a:bodyPr>
+            <a:normAutofit fontScale="62500" lnSpcReduction="20000"/>
+          </a:bodyPr>
+          <a:lstStyle/>
+          <a:p>
+            <a:r>
+              <a:rPr lang="en-US" dirty="0"/>
+              <a:t>List of UI Controls</a:t>
+            </a:r>
+          </a:p>
+          <a:p>
+            <a:pPr lvl="1"/>
+            <a:r>
+              <a:rPr lang="en-US" dirty="0"/>
+              <a:t>Buttons</a:t>
+            </a:r>
+          </a:p>
+          <a:p>
+            <a:pPr lvl="1"/>
+            <a:r>
+              <a:rPr lang="en-US" dirty="0"/>
+              <a:t>Sliders (ranges)</a:t>
+            </a:r>
+          </a:p>
+          <a:p>
+            <a:r>
+              <a:rPr lang="en-US" dirty="0"/>
+              <a:t>Visual Elements</a:t>
+            </a:r>
+          </a:p>
+          <a:p>
+            <a:pPr lvl="1"/>
+            <a:r>
+              <a:rPr lang="en-US" dirty="0"/>
+              <a:t>Diagram</a:t>
+            </a:r>
+          </a:p>
+          <a:p>
+            <a:pPr lvl="1"/>
+            <a:r>
+              <a:rPr lang="en-US" dirty="0"/>
+              <a:t>Animation</a:t>
+            </a:r>
+          </a:p>
+          <a:p>
+            <a:pPr lvl="1"/>
+            <a:r>
+              <a:rPr lang="en-US" dirty="0"/>
+              <a:t>Text</a:t>
+            </a:r>
+          </a:p>
+          <a:p>
+            <a:r>
+              <a:rPr lang="en-US" dirty="0"/>
+              <a:t>Simulation Types</a:t>
+            </a:r>
+          </a:p>
+          <a:p>
+            <a:pPr lvl="1"/>
+            <a:r>
+              <a:rPr lang="en-US" dirty="0"/>
+              <a:t>Physics, Equations, Algorithms</a:t>
+            </a:r>
+          </a:p>
+          <a:p>
+            <a:r>
+              <a:rPr lang="en-US" dirty="0"/>
+              <a:t>Model Assumptions</a:t>
+            </a:r>
+          </a:p>
+          <a:p>
+            <a:pPr lvl="1"/>
+            <a:r>
+              <a:rPr lang="en-US" dirty="0"/>
+              <a:t>(no friction, no wind etc.)</a:t>
+            </a:r>
+          </a:p>
+          <a:p>
+            <a:r>
+              <a:rPr lang="en-US" dirty="0"/>
+              <a:t>Other possible variations for advanced simulations</a:t>
+            </a:r>
+          </a:p>
+          <a:p>
+            <a:pPr lvl="1"/>
+            <a:r>
+              <a:rPr lang="en-US" dirty="0"/>
+              <a:t>Initial velocity</a:t>
+            </a:r>
+          </a:p>
+          <a:p>
+            <a:pPr lvl="1"/>
+            <a:r>
+              <a:rPr lang="en-US" dirty="0"/>
+              <a:t>Launch angle</a:t>
+            </a:r>
+          </a:p>
+          <a:p>
+            <a:pPr lvl="1"/>
+            <a:r>
+              <a:rPr lang="en-US" dirty="0"/>
+              <a:t>Projectile type</a:t>
+            </a:r>
+          </a:p>
+          <a:p>
+            <a:r>
+              <a:rPr lang="en-US" dirty="0"/>
+              <a:t>Scenarios</a:t>
+            </a:r>
+          </a:p>
+          <a:p>
+            <a:pPr lvl="1"/>
+            <a:r>
+              <a:rPr lang="en-US" dirty="0"/>
+              <a:t>Earth, Moon, Mars, Space</a:t>
+            </a:r>
+          </a:p>
+          <a:p>
+            <a:r>
+              <a:rPr lang="en-US" dirty="0"/>
+              <a:t>Analytics for AI Textbooks</a:t>
+            </a:r>
+          </a:p>
+          <a:p>
+            <a:pPr lvl="1"/>
+            <a:r>
+              <a:rPr lang="en-US" dirty="0"/>
+              <a:t>Events (start, stop, adjust, reset)</a:t>
+            </a:r>
+          </a:p>
+          <a:p>
+            <a:pPr lvl="1"/>
+            <a:r>
+              <a:rPr lang="en-US" dirty="0"/>
+              <a:t>Metrics (engagement time, number of range adjustments)</a:t>
+            </a:r>
+          </a:p>
+        </p:txBody>
+      </p:sp>
+    </p:spTree>
+    <p:extLst>
+      <p:ext uri="{BB962C8B-B14F-4D97-AF65-F5344CB8AC3E}">
+        <p14:creationId xmlns:p14="http://schemas.microsoft.com/office/powerpoint/2010/main" val="53876972"/>
+      </p:ext>
+    </p:extLst>
+  </p:cSld>
+  <p:clrMapOvr>
+    <a:masterClrMapping/>
+  </p:clrMapOvr>
+</p:sld>
+</file>
+
+<file path=ppt/slides/slide37.xml><?xml version="1.0" encoding="utf-8"?>
+<p:sld xmlns:a="http://schemas.openxmlformats.org/drawingml/2006/main" xmlns:r="http://schemas.openxmlformats.org/officeDocument/2006/relationships" xmlns:p="http://schemas.openxmlformats.org/presentationml/2006/main">
+  <p:cSld>
+    <p:spTree>
+      <p:nvGrpSpPr>
+        <p:cNvPr id="1" name=""/>
+        <p:cNvGrpSpPr/>
+        <p:nvPr/>
+      </p:nvGrpSpPr>
+      <p:grpSpPr>
+        <a:xfrm>
+          <a:off x="0" y="0"/>
+          <a:ext cx="0" cy="0"/>
+          <a:chOff x="0" y="0"/>
+          <a:chExt cx="0" cy="0"/>
+        </a:xfrm>
+      </p:grpSpPr>
+      <p:sp>
+        <p:nvSpPr>
+          <p:cNvPr id="2" name="Title 1">
+            <a:extLst>
+              <a:ext uri="{FF2B5EF4-FFF2-40B4-BE49-F238E27FC236}">
+                <a16:creationId xmlns:a16="http://schemas.microsoft.com/office/drawing/2014/main" id="{D74A9D4C-0F23-B4D6-998C-527F587A5833}"/>
+              </a:ext>
+            </a:extLst>
+          </p:cNvPr>
+          <p:cNvSpPr>
+            <a:spLocks noGrp="1"/>
+          </p:cNvSpPr>
+          <p:nvPr>
+            <p:ph type="title"/>
+          </p:nvPr>
+        </p:nvSpPr>
+        <p:spPr>
+          <a:xfrm>
+            <a:off x="208006" y="229202"/>
+            <a:ext cx="10515600" cy="833480"/>
+          </a:xfrm>
+        </p:spPr>
+        <p:txBody>
+          <a:bodyPr/>
+          <a:lstStyle/>
+          <a:p>
+            <a:r>
+              <a:rPr lang="en-US" dirty="0"/>
+              <a:t>Metadata (continued)</a:t>
+            </a:r>
+          </a:p>
+        </p:txBody>
+      </p:sp>
+      <p:sp>
+        <p:nvSpPr>
+          <p:cNvPr id="3" name="Content Placeholder 2">
+            <a:extLst>
+              <a:ext uri="{FF2B5EF4-FFF2-40B4-BE49-F238E27FC236}">
+                <a16:creationId xmlns:a16="http://schemas.microsoft.com/office/drawing/2014/main" id="{EBF8BCF4-2D7B-EB91-0A42-E2BF8C5251BF}"/>
+              </a:ext>
+            </a:extLst>
+          </p:cNvPr>
+          <p:cNvSpPr>
+            <a:spLocks noGrp="1"/>
+          </p:cNvSpPr>
+          <p:nvPr>
+            <p:ph idx="1"/>
+          </p:nvPr>
+        </p:nvSpPr>
+        <p:spPr>
+          <a:xfrm>
+            <a:off x="751703" y="1096577"/>
+            <a:ext cx="10515600" cy="3524850"/>
+          </a:xfrm>
+        </p:spPr>
+        <p:txBody>
+          <a:bodyPr/>
+          <a:lstStyle/>
+          <a:p>
+            <a:r>
+              <a:rPr lang="en-US" dirty="0"/>
+              <a:t>Recommended Usage</a:t>
+            </a:r>
+          </a:p>
+          <a:p>
+            <a:pPr lvl="1"/>
+            <a:r>
+              <a:rPr lang="en-US" dirty="0"/>
+              <a:t>Demos, exploration, guided practice, group activity, </a:t>
+            </a:r>
+            <a:r>
+              <a:rPr lang="en-US" dirty="0" err="1"/>
+              <a:t>indivisual</a:t>
+            </a:r>
+            <a:r>
+              <a:rPr lang="en-US" dirty="0"/>
+              <a:t> study</a:t>
+            </a:r>
+          </a:p>
+          <a:p>
+            <a:r>
+              <a:rPr lang="en-US" dirty="0"/>
+              <a:t>Instructional Strategies</a:t>
+            </a:r>
+          </a:p>
+          <a:p>
+            <a:r>
+              <a:rPr lang="en-US" dirty="0"/>
+              <a:t>Assessment Questions</a:t>
+            </a:r>
+          </a:p>
+          <a:p>
+            <a:pPr lvl="1"/>
+            <a:r>
+              <a:rPr lang="en-US" dirty="0"/>
+              <a:t>Type, level</a:t>
+            </a:r>
+          </a:p>
+          <a:p>
+            <a:r>
+              <a:rPr lang="en-US" dirty="0"/>
+              <a:t>Extensions</a:t>
+            </a:r>
+          </a:p>
+          <a:p>
+            <a:pPr lvl="1"/>
+            <a:r>
+              <a:rPr lang="en-US" dirty="0"/>
+              <a:t>What UI components could be added?</a:t>
+            </a:r>
+          </a:p>
+        </p:txBody>
+      </p:sp>
+      <p:pic>
+        <p:nvPicPr>
+          <p:cNvPr id="4" name="Picture 3">
+            <a:extLst>
+              <a:ext uri="{FF2B5EF4-FFF2-40B4-BE49-F238E27FC236}">
+                <a16:creationId xmlns:a16="http://schemas.microsoft.com/office/drawing/2014/main" id="{60EE34E0-5D8B-7731-8B8E-D589DCB0597D}"/>
+              </a:ext>
+            </a:extLst>
+          </p:cNvPr>
+          <p:cNvPicPr>
+            <a:picLocks noChangeAspect="1"/>
+          </p:cNvPicPr>
+          <p:nvPr/>
+        </p:nvPicPr>
+        <p:blipFill>
+          <a:blip r:embed="rId2"/>
+          <a:stretch>
+            <a:fillRect/>
+          </a:stretch>
+        </p:blipFill>
+        <p:spPr>
+          <a:xfrm>
+            <a:off x="3606113" y="4393118"/>
+            <a:ext cx="7772400" cy="2273060"/>
+          </a:xfrm>
+          <a:prstGeom prst="rect">
+            <a:avLst/>
+          </a:prstGeom>
+        </p:spPr>
+      </p:pic>
+    </p:spTree>
+    <p:extLst>
+      <p:ext uri="{BB962C8B-B14F-4D97-AF65-F5344CB8AC3E}">
+        <p14:creationId xmlns:p14="http://schemas.microsoft.com/office/powerpoint/2010/main" val="1839530958"/>
+      </p:ext>
+    </p:extLst>
+  </p:cSld>
+  <p:clrMapOvr>
+    <a:masterClrMapping/>
+  </p:clrMapOvr>
+</p:sld>
+</file>
+
+<file path=ppt/slides/slide38.xml><?xml version="1.0" encoding="utf-8"?>
+<p:sld xmlns:a="http://schemas.openxmlformats.org/drawingml/2006/main" xmlns:r="http://schemas.openxmlformats.org/officeDocument/2006/relationships" xmlns:p="http://schemas.openxmlformats.org/presentationml/2006/main">
+  <p:cSld>
+    <p:spTree>
+      <p:nvGrpSpPr>
+        <p:cNvPr id="1" name=""/>
+        <p:cNvGrpSpPr/>
+        <p:nvPr/>
+      </p:nvGrpSpPr>
+      <p:grpSpPr>
+        <a:xfrm>
+          <a:off x="0" y="0"/>
+          <a:ext cx="0" cy="0"/>
+          <a:chOff x="0" y="0"/>
+          <a:chExt cx="0" cy="0"/>
+        </a:xfrm>
+      </p:grpSpPr>
+      <p:sp>
+        <p:nvSpPr>
+          <p:cNvPr id="2" name="Title 1">
+            <a:extLst>
+              <a:ext uri="{FF2B5EF4-FFF2-40B4-BE49-F238E27FC236}">
+                <a16:creationId xmlns:a16="http://schemas.microsoft.com/office/drawing/2014/main" id="{290E31D1-DE46-9833-EBFC-F4F1D0414A25}"/>
+              </a:ext>
+            </a:extLst>
+          </p:cNvPr>
+          <p:cNvSpPr>
+            <a:spLocks noGrp="1"/>
+          </p:cNvSpPr>
+          <p:nvPr>
+            <p:ph type="title"/>
+          </p:nvPr>
+        </p:nvSpPr>
+        <p:spPr>
+          <a:xfrm>
+            <a:off x="553994" y="290986"/>
+            <a:ext cx="10515600" cy="895264"/>
+          </a:xfrm>
+        </p:spPr>
+        <p:txBody>
+          <a:bodyPr/>
+          <a:lstStyle/>
+          <a:p>
+            <a:r>
+              <a:rPr lang="en-US" dirty="0"/>
+              <a:t>Conclusion</a:t>
+            </a:r>
+          </a:p>
+        </p:txBody>
+      </p:sp>
+      <p:sp>
+        <p:nvSpPr>
+          <p:cNvPr id="3" name="Content Placeholder 2">
+            <a:extLst>
+              <a:ext uri="{FF2B5EF4-FFF2-40B4-BE49-F238E27FC236}">
+                <a16:creationId xmlns:a16="http://schemas.microsoft.com/office/drawing/2014/main" id="{A9CFEE2B-C67B-F142-BF77-BE371FCDEA36}"/>
+              </a:ext>
+            </a:extLst>
+          </p:cNvPr>
+          <p:cNvSpPr>
+            <a:spLocks noGrp="1"/>
+          </p:cNvSpPr>
+          <p:nvPr>
+            <p:ph idx="1"/>
+          </p:nvPr>
+        </p:nvSpPr>
+        <p:spPr>
+          <a:xfrm>
+            <a:off x="924697" y="1458097"/>
+            <a:ext cx="10515600" cy="4646141"/>
+          </a:xfrm>
+        </p:spPr>
+        <p:txBody>
+          <a:bodyPr>
+            <a:normAutofit fontScale="92500" lnSpcReduction="10000"/>
+          </a:bodyPr>
+          <a:lstStyle/>
+          <a:p>
+            <a:r>
+              <a:rPr lang="en-US" dirty="0"/>
+              <a:t>Using Claude Skills can make MicroSim generation MUCH easier for nonprogrammers</a:t>
+            </a:r>
+          </a:p>
+          <a:p>
+            <a:r>
+              <a:rPr lang="en-US" dirty="0"/>
+              <a:t>Some simple MicroSims can be generated in under five minutes</a:t>
+            </a:r>
+          </a:p>
+          <a:p>
+            <a:r>
+              <a:rPr lang="en-US" dirty="0"/>
+              <a:t>The MicroSims layouts may  not perfect and may require tweaking in the placement of the controls</a:t>
+            </a:r>
+          </a:p>
+          <a:p>
+            <a:r>
+              <a:rPr lang="en-US" dirty="0"/>
+              <a:t>The skill asks Claude to generate a large number of precise metadata elements for each MicroSim</a:t>
+            </a:r>
+          </a:p>
+          <a:p>
+            <a:r>
+              <a:rPr lang="en-US" dirty="0"/>
+              <a:t>Claude Code can be used to quickly iterate these designs, but using Claude Code can be challenging for nonprogrammers</a:t>
+            </a:r>
+          </a:p>
+          <a:p>
+            <a:r>
+              <a:rPr lang="en-US" dirty="0"/>
+              <a:t>Using a MicroSim in any web-based textbook is as simple as adding a single line of HTML (iframe)</a:t>
+            </a:r>
+          </a:p>
+        </p:txBody>
+      </p:sp>
+    </p:spTree>
+    <p:extLst>
+      <p:ext uri="{BB962C8B-B14F-4D97-AF65-F5344CB8AC3E}">
+        <p14:creationId xmlns:p14="http://schemas.microsoft.com/office/powerpoint/2010/main" val="3096625737"/>
+      </p:ext>
+    </p:extLst>
+  </p:cSld>
+  <p:clrMapOvr>
+    <a:masterClrMapping/>
+  </p:clrMapOvr>
+</p:sld>
+</file>
+
+<file path=ppt/slides/slide39.xml><?xml version="1.0" encoding="utf-8"?>
+<p:sld xmlns:a="http://schemas.openxmlformats.org/drawingml/2006/main" xmlns:r="http://schemas.openxmlformats.org/officeDocument/2006/relationships" xmlns:p="http://schemas.openxmlformats.org/presentationml/2006/main">
+  <p:cSld>
+    <p:spTree>
+      <p:nvGrpSpPr>
+        <p:cNvPr id="1" name=""/>
+        <p:cNvGrpSpPr/>
+        <p:nvPr/>
+      </p:nvGrpSpPr>
+      <p:grpSpPr>
+        <a:xfrm>
+          <a:off x="0" y="0"/>
+          <a:ext cx="0" cy="0"/>
+          <a:chOff x="0" y="0"/>
+          <a:chExt cx="0" cy="0"/>
+        </a:xfrm>
+      </p:grpSpPr>
+      <p:sp>
+        <p:nvSpPr>
+          <p:cNvPr id="2" name="Title 1">
+            <a:extLst>
+              <a:ext uri="{FF2B5EF4-FFF2-40B4-BE49-F238E27FC236}">
+                <a16:creationId xmlns:a16="http://schemas.microsoft.com/office/drawing/2014/main" id="{50704BC2-C24A-2B99-436C-213D3E0FEEA3}"/>
+              </a:ext>
+            </a:extLst>
+          </p:cNvPr>
+          <p:cNvSpPr>
+            <a:spLocks noGrp="1"/>
+          </p:cNvSpPr>
+          <p:nvPr>
+            <p:ph type="title"/>
+          </p:nvPr>
+        </p:nvSpPr>
+        <p:spPr/>
+        <p:txBody>
+          <a:bodyPr/>
+          <a:lstStyle/>
+          <a:p>
+            <a:r>
+              <a:rPr lang="en-US" dirty="0"/>
+              <a:t>Thank You!</a:t>
+            </a:r>
+          </a:p>
+        </p:txBody>
+      </p:sp>
+      <p:sp>
+        <p:nvSpPr>
+          <p:cNvPr id="3" name="Content Placeholder 2">
+            <a:extLst>
+              <a:ext uri="{FF2B5EF4-FFF2-40B4-BE49-F238E27FC236}">
+                <a16:creationId xmlns:a16="http://schemas.microsoft.com/office/drawing/2014/main" id="{16F91A75-168C-B516-C583-AB8982703A1D}"/>
+              </a:ext>
+            </a:extLst>
+          </p:cNvPr>
+          <p:cNvSpPr>
+            <a:spLocks noGrp="1"/>
+          </p:cNvSpPr>
+          <p:nvPr>
+            <p:ph idx="1"/>
+          </p:nvPr>
+        </p:nvSpPr>
+        <p:spPr>
+          <a:xfrm>
+            <a:off x="862914" y="1865869"/>
+            <a:ext cx="10515600" cy="3198985"/>
+          </a:xfrm>
+        </p:spPr>
+        <p:txBody>
+          <a:bodyPr/>
+          <a:lstStyle/>
+          <a:p>
+            <a:pPr marL="0" indent="0">
+              <a:buNone/>
+            </a:pPr>
+            <a:r>
+              <a:rPr lang="en-US" dirty="0"/>
+              <a:t>Feedback, Bugs, Enhancements: </a:t>
+            </a:r>
+            <a:br>
+              <a:rPr lang="en-US" dirty="0"/>
+            </a:br>
+            <a:br>
+              <a:rPr lang="en-US" dirty="0"/>
+            </a:br>
+            <a:r>
+              <a:rPr lang="en-US" dirty="0"/>
+              <a:t>https://github.com/dmccreary/microsims/issues</a:t>
+            </a:r>
+          </a:p>
+          <a:p>
+            <a:pPr marL="0" indent="0">
+              <a:buNone/>
+            </a:pPr>
+            <a:br>
+              <a:rPr lang="en-US" dirty="0"/>
+            </a:br>
+            <a:r>
+              <a:rPr lang="en-US" b="1" dirty="0"/>
+              <a:t>Questions</a:t>
+            </a:r>
+            <a:r>
+              <a:rPr lang="en-US" dirty="0"/>
+              <a:t> – please connect with me on LinkedIn</a:t>
+            </a:r>
+          </a:p>
+          <a:p>
+            <a:pPr marL="457200" lvl="1" indent="0">
+              <a:buNone/>
+            </a:pPr>
+            <a:r>
+              <a:rPr lang="en-US" dirty="0"/>
+              <a:t>https://www.linkedin.com/in/danmccreary/</a:t>
+            </a:r>
+          </a:p>
+        </p:txBody>
+      </p:sp>
+    </p:spTree>
+    <p:extLst>
+      <p:ext uri="{BB962C8B-B14F-4D97-AF65-F5344CB8AC3E}">
+        <p14:creationId xmlns:p14="http://schemas.microsoft.com/office/powerpoint/2010/main" val="3213575284"/>
       </p:ext>
     </p:extLst>
   </p:cSld>
@@ -4750,7 +8911,7 @@
           <p:cNvPr id="2" name="Title 1">
             <a:extLst>
               <a:ext uri="{FF2B5EF4-FFF2-40B4-BE49-F238E27FC236}">
-                <a16:creationId xmlns:a16="http://schemas.microsoft.com/office/drawing/2014/main" id="{E1DECB1C-DD5B-2EFB-2C0E-3560D0357B0C}"/>
+                <a16:creationId xmlns:a16="http://schemas.microsoft.com/office/drawing/2014/main" id="{E7909203-6E64-D0E0-7D2F-D50556C837B3}"/>
               </a:ext>
             </a:extLst>
           </p:cNvPr>
@@ -4761,82 +8922,1140 @@
             <p:ph type="title"/>
           </p:nvPr>
         </p:nvSpPr>
-        <p:spPr/>
+        <p:spPr>
+          <a:xfrm>
+            <a:off x="458190" y="281999"/>
+            <a:ext cx="10515600" cy="917410"/>
+          </a:xfrm>
+        </p:spPr>
         <p:txBody>
           <a:bodyPr/>
           <a:lstStyle/>
           <a:p>
-            <a:r>
-              <a:rPr lang="en-US" dirty="0"/>
-              <a:t>Steps to Use</a:t>
-            </a:r>
-          </a:p>
-        </p:txBody>
-      </p:sp>
-      <p:sp>
-        <p:nvSpPr>
-          <p:cNvPr id="3" name="Content Placeholder 2">
-            <a:extLst>
-              <a:ext uri="{FF2B5EF4-FFF2-40B4-BE49-F238E27FC236}">
-                <a16:creationId xmlns:a16="http://schemas.microsoft.com/office/drawing/2014/main" id="{63DBA5F1-BDE2-B27D-A9A3-C0654ED48503}"/>
-              </a:ext>
-            </a:extLst>
-          </p:cNvPr>
-          <p:cNvSpPr>
-            <a:spLocks noGrp="1"/>
-          </p:cNvSpPr>
-          <p:nvPr>
-            <p:ph idx="1"/>
-          </p:nvPr>
-        </p:nvSpPr>
-        <p:spPr>
-          <a:xfrm>
-            <a:off x="850557" y="1640274"/>
-            <a:ext cx="10515600" cy="1831975"/>
-          </a:xfrm>
-        </p:spPr>
-        <p:txBody>
-          <a:bodyPr/>
-          <a:lstStyle/>
-          <a:p>
-            <a:pPr marL="514350" indent="-514350">
-              <a:buFont typeface="+mj-lt"/>
-              <a:buAutoNum type="arabicPeriod"/>
+            <a:pPr>
+              <a:lnSpc>
+                <a:spcPts val="2242"/>
+              </a:lnSpc>
             </a:pPr>
             <a:r>
-              <a:rPr lang="en-US" dirty="0"/>
-              <a:t>Download the MicroSim Skill file</a:t>
-            </a:r>
-          </a:p>
-          <a:p>
-            <a:pPr marL="514350" indent="-514350">
-              <a:buFont typeface="+mj-lt"/>
-              <a:buAutoNum type="arabicPeriod"/>
+              <a:rPr lang="en-US" b="0" i="0" dirty="0">
+                <a:solidFill>
+                  <a:srgbClr val="141413"/>
+                </a:solidFill>
+                <a:effectLst/>
+                <a:latin typeface="__styreneA_403256"/>
+              </a:rPr>
+              <a:t>How Skills Work with Agents</a:t>
+            </a:r>
+          </a:p>
+        </p:txBody>
+      </p:sp>
+      <p:sp>
+        <p:nvSpPr>
+          <p:cNvPr id="5" name="TextBox 4">
+            <a:extLst>
+              <a:ext uri="{FF2B5EF4-FFF2-40B4-BE49-F238E27FC236}">
+                <a16:creationId xmlns:a16="http://schemas.microsoft.com/office/drawing/2014/main" id="{5094DEEC-5472-FC42-C699-FDB64B8E384C}"/>
+              </a:ext>
+            </a:extLst>
+          </p:cNvPr>
+          <p:cNvSpPr txBox="1"/>
+          <p:nvPr/>
+        </p:nvSpPr>
+        <p:spPr>
+          <a:xfrm>
+            <a:off x="495354" y="5695792"/>
+            <a:ext cx="10845099" cy="669414"/>
+          </a:xfrm>
+          <a:prstGeom prst="rect">
+            <a:avLst/>
+          </a:prstGeom>
+          <a:noFill/>
+        </p:spPr>
+        <p:txBody>
+          <a:bodyPr wrap="square">
+            <a:spAutoFit/>
+          </a:bodyPr>
+          <a:lstStyle/>
+          <a:p>
+            <a:pPr algn="l">
+              <a:lnSpc>
+                <a:spcPts val="2325"/>
+              </a:lnSpc>
+              <a:buNone/>
             </a:pPr>
             <a:r>
-              <a:rPr lang="en-US" dirty="0"/>
-              <a:t>Upload the skill file to your Anthropic Setting Capabilities</a:t>
-            </a:r>
-          </a:p>
-          <a:p>
-            <a:pPr marL="514350" indent="-514350">
-              <a:buFont typeface="+mj-lt"/>
-              <a:buAutoNum type="arabicPeriod"/>
-            </a:pPr>
-            <a:r>
-              <a:rPr lang="en-US" dirty="0"/>
-              <a:t>Add “Using the MicroSim skill” to your prompt</a:t>
-            </a:r>
-          </a:p>
-          <a:p>
-            <a:endParaRPr lang="en-US" dirty="0"/>
+              <a:rPr lang="en-US" b="0" i="0" dirty="0">
+                <a:solidFill>
+                  <a:srgbClr val="141413"/>
+                </a:solidFill>
+                <a:effectLst/>
+                <a:latin typeface="__tiemposText_34e0db"/>
+              </a:rPr>
+              <a:t>While working on tasks, Claude scans available skills to find relevant matches. When one matches, it loads only the minimal information and files needed—keeping Claude fast while accessing specialized expertise.</a:t>
+            </a:r>
+          </a:p>
+        </p:txBody>
+      </p:sp>
+      <p:sp>
+        <p:nvSpPr>
+          <p:cNvPr id="6" name="Rounded Rectangle 5">
+            <a:extLst>
+              <a:ext uri="{FF2B5EF4-FFF2-40B4-BE49-F238E27FC236}">
+                <a16:creationId xmlns:a16="http://schemas.microsoft.com/office/drawing/2014/main" id="{E1281567-6569-E97C-E835-4CE9475E1139}"/>
+              </a:ext>
+            </a:extLst>
+          </p:cNvPr>
+          <p:cNvSpPr/>
+          <p:nvPr/>
+        </p:nvSpPr>
+        <p:spPr>
+          <a:xfrm>
+            <a:off x="876527" y="3217410"/>
+            <a:ext cx="1258785" cy="807522"/>
+          </a:xfrm>
+          <a:prstGeom prst="roundRect">
+            <a:avLst/>
+          </a:prstGeom>
+          <a:solidFill>
+            <a:schemeClr val="accent2"/>
+          </a:solidFill>
+        </p:spPr>
+        <p:style>
+          <a:lnRef idx="2">
+            <a:schemeClr val="accent1">
+              <a:shade val="15000"/>
+            </a:schemeClr>
+          </a:lnRef>
+          <a:fillRef idx="1">
+            <a:schemeClr val="accent1"/>
+          </a:fillRef>
+          <a:effectRef idx="0">
+            <a:schemeClr val="accent1"/>
+          </a:effectRef>
+          <a:fontRef idx="minor">
+            <a:schemeClr val="lt1"/>
+          </a:fontRef>
+        </p:style>
+        <p:txBody>
+          <a:bodyPr rtlCol="0" anchor="ctr"/>
+          <a:lstStyle/>
+          <a:p>
+            <a:pPr algn="ctr"/>
+            <a:r>
+              <a:rPr lang="en-US" dirty="0"/>
+              <a:t>Plan</a:t>
+            </a:r>
+          </a:p>
+        </p:txBody>
+      </p:sp>
+      <p:sp>
+        <p:nvSpPr>
+          <p:cNvPr id="7" name="Rounded Rectangle 6">
+            <a:extLst>
+              <a:ext uri="{FF2B5EF4-FFF2-40B4-BE49-F238E27FC236}">
+                <a16:creationId xmlns:a16="http://schemas.microsoft.com/office/drawing/2014/main" id="{CF92804D-F032-FDF0-8904-E57C0E9D0A90}"/>
+              </a:ext>
+            </a:extLst>
+          </p:cNvPr>
+          <p:cNvSpPr/>
+          <p:nvPr/>
+        </p:nvSpPr>
+        <p:spPr>
+          <a:xfrm>
+            <a:off x="4757779" y="1600387"/>
+            <a:ext cx="1258785" cy="807522"/>
+          </a:xfrm>
+          <a:prstGeom prst="roundRect">
+            <a:avLst/>
+          </a:prstGeom>
+          <a:solidFill>
+            <a:srgbClr val="00B050"/>
+          </a:solidFill>
+        </p:spPr>
+        <p:style>
+          <a:lnRef idx="2">
+            <a:schemeClr val="accent1">
+              <a:shade val="15000"/>
+            </a:schemeClr>
+          </a:lnRef>
+          <a:fillRef idx="1">
+            <a:schemeClr val="accent1"/>
+          </a:fillRef>
+          <a:effectRef idx="0">
+            <a:schemeClr val="accent1"/>
+          </a:effectRef>
+          <a:fontRef idx="minor">
+            <a:schemeClr val="lt1"/>
+          </a:fontRef>
+        </p:style>
+        <p:txBody>
+          <a:bodyPr rtlCol="0" anchor="ctr"/>
+          <a:lstStyle/>
+          <a:p>
+            <a:pPr algn="ctr"/>
+            <a:r>
+              <a:rPr lang="en-US" dirty="0"/>
+              <a:t>Task</a:t>
+            </a:r>
+          </a:p>
+        </p:txBody>
+      </p:sp>
+      <p:sp>
+        <p:nvSpPr>
+          <p:cNvPr id="8" name="Rounded Rectangle 7">
+            <a:extLst>
+              <a:ext uri="{FF2B5EF4-FFF2-40B4-BE49-F238E27FC236}">
+                <a16:creationId xmlns:a16="http://schemas.microsoft.com/office/drawing/2014/main" id="{0C042F9F-969F-4C46-8DC7-FDE6E7EDBB8E}"/>
+              </a:ext>
+            </a:extLst>
+          </p:cNvPr>
+          <p:cNvSpPr/>
+          <p:nvPr/>
+        </p:nvSpPr>
+        <p:spPr>
+          <a:xfrm>
+            <a:off x="2691473" y="2407909"/>
+            <a:ext cx="1258785" cy="807522"/>
+          </a:xfrm>
+          <a:prstGeom prst="roundRect">
+            <a:avLst/>
+          </a:prstGeom>
+          <a:solidFill>
+            <a:srgbClr val="FFC000"/>
+          </a:solidFill>
+        </p:spPr>
+        <p:style>
+          <a:lnRef idx="2">
+            <a:schemeClr val="accent1">
+              <a:shade val="15000"/>
+            </a:schemeClr>
+          </a:lnRef>
+          <a:fillRef idx="1">
+            <a:schemeClr val="accent1"/>
+          </a:fillRef>
+          <a:effectRef idx="0">
+            <a:schemeClr val="accent1"/>
+          </a:effectRef>
+          <a:fontRef idx="minor">
+            <a:schemeClr val="lt1"/>
+          </a:fontRef>
+        </p:style>
+        <p:txBody>
+          <a:bodyPr rtlCol="0" anchor="ctr"/>
+          <a:lstStyle/>
+          <a:p>
+            <a:pPr algn="ctr"/>
+            <a:r>
+              <a:rPr lang="en-US" dirty="0">
+                <a:solidFill>
+                  <a:schemeClr val="tx1"/>
+                </a:solidFill>
+              </a:rPr>
+              <a:t>Workflow</a:t>
+            </a:r>
+          </a:p>
+        </p:txBody>
+      </p:sp>
+      <p:sp>
+        <p:nvSpPr>
+          <p:cNvPr id="9" name="Rounded Rectangle 8">
+            <a:extLst>
+              <a:ext uri="{FF2B5EF4-FFF2-40B4-BE49-F238E27FC236}">
+                <a16:creationId xmlns:a16="http://schemas.microsoft.com/office/drawing/2014/main" id="{57B96C39-770F-AD61-92F2-A2EEF5A51EDB}"/>
+              </a:ext>
+            </a:extLst>
+          </p:cNvPr>
+          <p:cNvSpPr/>
+          <p:nvPr/>
+        </p:nvSpPr>
+        <p:spPr>
+          <a:xfrm>
+            <a:off x="7560463" y="1625527"/>
+            <a:ext cx="1258785" cy="807522"/>
+          </a:xfrm>
+          <a:prstGeom prst="roundRect">
+            <a:avLst/>
+          </a:prstGeom>
+          <a:solidFill>
+            <a:srgbClr val="0070C0"/>
+          </a:solidFill>
+        </p:spPr>
+        <p:style>
+          <a:lnRef idx="2">
+            <a:schemeClr val="accent1">
+              <a:shade val="15000"/>
+            </a:schemeClr>
+          </a:lnRef>
+          <a:fillRef idx="1">
+            <a:schemeClr val="accent1"/>
+          </a:fillRef>
+          <a:effectRef idx="0">
+            <a:schemeClr val="accent1"/>
+          </a:effectRef>
+          <a:fontRef idx="minor">
+            <a:schemeClr val="lt1"/>
+          </a:fontRef>
+        </p:style>
+        <p:txBody>
+          <a:bodyPr rtlCol="0" anchor="ctr"/>
+          <a:lstStyle/>
+          <a:p>
+            <a:pPr algn="ctr"/>
+            <a:r>
+              <a:rPr lang="en-US" dirty="0"/>
+              <a:t>Skill</a:t>
+            </a:r>
+          </a:p>
+        </p:txBody>
+      </p:sp>
+      <p:sp>
+        <p:nvSpPr>
+          <p:cNvPr id="10" name="Rounded Rectangle 9">
+            <a:extLst>
+              <a:ext uri="{FF2B5EF4-FFF2-40B4-BE49-F238E27FC236}">
+                <a16:creationId xmlns:a16="http://schemas.microsoft.com/office/drawing/2014/main" id="{C5611949-5A14-1372-413A-D726EC03C8D7}"/>
+              </a:ext>
+            </a:extLst>
+          </p:cNvPr>
+          <p:cNvSpPr/>
+          <p:nvPr/>
+        </p:nvSpPr>
+        <p:spPr>
+          <a:xfrm>
+            <a:off x="4767675" y="3575649"/>
+            <a:ext cx="1258785" cy="807522"/>
+          </a:xfrm>
+          <a:prstGeom prst="roundRect">
+            <a:avLst/>
+          </a:prstGeom>
+          <a:solidFill>
+            <a:srgbClr val="00B050"/>
+          </a:solidFill>
+        </p:spPr>
+        <p:style>
+          <a:lnRef idx="2">
+            <a:schemeClr val="accent1">
+              <a:shade val="15000"/>
+            </a:schemeClr>
+          </a:lnRef>
+          <a:fillRef idx="1">
+            <a:schemeClr val="accent1"/>
+          </a:fillRef>
+          <a:effectRef idx="0">
+            <a:schemeClr val="accent1"/>
+          </a:effectRef>
+          <a:fontRef idx="minor">
+            <a:schemeClr val="lt1"/>
+          </a:fontRef>
+        </p:style>
+        <p:txBody>
+          <a:bodyPr rtlCol="0" anchor="ctr"/>
+          <a:lstStyle/>
+          <a:p>
+            <a:pPr algn="ctr"/>
+            <a:r>
+              <a:rPr lang="en-US" dirty="0"/>
+              <a:t>Task</a:t>
+            </a:r>
+          </a:p>
+        </p:txBody>
+      </p:sp>
+      <p:sp>
+        <p:nvSpPr>
+          <p:cNvPr id="11" name="Rounded Rectangle 10">
+            <a:extLst>
+              <a:ext uri="{FF2B5EF4-FFF2-40B4-BE49-F238E27FC236}">
+                <a16:creationId xmlns:a16="http://schemas.microsoft.com/office/drawing/2014/main" id="{BC79BAE7-AB7A-2FC4-28A2-8AED30261F43}"/>
+              </a:ext>
+            </a:extLst>
+          </p:cNvPr>
+          <p:cNvSpPr/>
+          <p:nvPr/>
+        </p:nvSpPr>
+        <p:spPr>
+          <a:xfrm>
+            <a:off x="4765696" y="2588018"/>
+            <a:ext cx="1258785" cy="807522"/>
+          </a:xfrm>
+          <a:prstGeom prst="roundRect">
+            <a:avLst/>
+          </a:prstGeom>
+          <a:solidFill>
+            <a:srgbClr val="00B050"/>
+          </a:solidFill>
+        </p:spPr>
+        <p:style>
+          <a:lnRef idx="2">
+            <a:schemeClr val="accent1">
+              <a:shade val="15000"/>
+            </a:schemeClr>
+          </a:lnRef>
+          <a:fillRef idx="1">
+            <a:schemeClr val="accent1"/>
+          </a:fillRef>
+          <a:effectRef idx="0">
+            <a:schemeClr val="accent1"/>
+          </a:effectRef>
+          <a:fontRef idx="minor">
+            <a:schemeClr val="lt1"/>
+          </a:fontRef>
+        </p:style>
+        <p:txBody>
+          <a:bodyPr rtlCol="0" anchor="ctr"/>
+          <a:lstStyle/>
+          <a:p>
+            <a:pPr algn="ctr"/>
+            <a:r>
+              <a:rPr lang="en-US" dirty="0"/>
+              <a:t>Task</a:t>
+            </a:r>
+          </a:p>
+        </p:txBody>
+      </p:sp>
+      <p:sp>
+        <p:nvSpPr>
+          <p:cNvPr id="12" name="Rounded Rectangle 11">
+            <a:extLst>
+              <a:ext uri="{FF2B5EF4-FFF2-40B4-BE49-F238E27FC236}">
+                <a16:creationId xmlns:a16="http://schemas.microsoft.com/office/drawing/2014/main" id="{211BE51B-BEFF-0725-38BB-6FC89EB5EEBA}"/>
+              </a:ext>
+            </a:extLst>
+          </p:cNvPr>
+          <p:cNvSpPr/>
+          <p:nvPr/>
+        </p:nvSpPr>
+        <p:spPr>
+          <a:xfrm>
+            <a:off x="4763716" y="4563280"/>
+            <a:ext cx="1258785" cy="807522"/>
+          </a:xfrm>
+          <a:prstGeom prst="roundRect">
+            <a:avLst/>
+          </a:prstGeom>
+          <a:solidFill>
+            <a:srgbClr val="00B050"/>
+          </a:solidFill>
+        </p:spPr>
+        <p:style>
+          <a:lnRef idx="2">
+            <a:schemeClr val="accent1">
+              <a:shade val="15000"/>
+            </a:schemeClr>
+          </a:lnRef>
+          <a:fillRef idx="1">
+            <a:schemeClr val="accent1"/>
+          </a:fillRef>
+          <a:effectRef idx="0">
+            <a:schemeClr val="accent1"/>
+          </a:effectRef>
+          <a:fontRef idx="minor">
+            <a:schemeClr val="lt1"/>
+          </a:fontRef>
+        </p:style>
+        <p:txBody>
+          <a:bodyPr rtlCol="0" anchor="ctr"/>
+          <a:lstStyle/>
+          <a:p>
+            <a:pPr algn="ctr"/>
+            <a:r>
+              <a:rPr lang="en-US" dirty="0"/>
+              <a:t>Task</a:t>
+            </a:r>
+          </a:p>
+        </p:txBody>
+      </p:sp>
+      <p:cxnSp>
+        <p:nvCxnSpPr>
+          <p:cNvPr id="14" name="Straight Connector 13">
+            <a:extLst>
+              <a:ext uri="{FF2B5EF4-FFF2-40B4-BE49-F238E27FC236}">
+                <a16:creationId xmlns:a16="http://schemas.microsoft.com/office/drawing/2014/main" id="{13F863E4-C10B-FFCF-76BF-654CD71E25B6}"/>
+              </a:ext>
+            </a:extLst>
+          </p:cNvPr>
+          <p:cNvCxnSpPr>
+            <a:stCxn id="6" idx="3"/>
+            <a:endCxn id="8" idx="1"/>
+          </p:cNvCxnSpPr>
+          <p:nvPr/>
+        </p:nvCxnSpPr>
+        <p:spPr>
+          <a:xfrm flipV="1">
+            <a:off x="2135312" y="2811670"/>
+            <a:ext cx="556161" cy="809501"/>
+          </a:xfrm>
+          <a:prstGeom prst="line">
+            <a:avLst/>
+          </a:prstGeom>
+          <a:ln w="57150">
+            <a:tailEnd type="triangle"/>
+          </a:ln>
+        </p:spPr>
+        <p:style>
+          <a:lnRef idx="2">
+            <a:schemeClr val="accent1"/>
+          </a:lnRef>
+          <a:fillRef idx="0">
+            <a:schemeClr val="accent1"/>
+          </a:fillRef>
+          <a:effectRef idx="1">
+            <a:schemeClr val="accent1"/>
+          </a:effectRef>
+          <a:fontRef idx="minor">
+            <a:schemeClr val="tx1"/>
+          </a:fontRef>
+        </p:style>
+      </p:cxnSp>
+      <p:cxnSp>
+        <p:nvCxnSpPr>
+          <p:cNvPr id="15" name="Straight Connector 14">
+            <a:extLst>
+              <a:ext uri="{FF2B5EF4-FFF2-40B4-BE49-F238E27FC236}">
+                <a16:creationId xmlns:a16="http://schemas.microsoft.com/office/drawing/2014/main" id="{3DABE028-1B70-47E0-5751-525F83782B0C}"/>
+              </a:ext>
+            </a:extLst>
+          </p:cNvPr>
+          <p:cNvCxnSpPr>
+            <a:cxnSpLocks/>
+            <a:stCxn id="8" idx="3"/>
+            <a:endCxn id="7" idx="1"/>
+          </p:cNvCxnSpPr>
+          <p:nvPr/>
+        </p:nvCxnSpPr>
+        <p:spPr>
+          <a:xfrm flipV="1">
+            <a:off x="3950258" y="2004148"/>
+            <a:ext cx="807521" cy="807522"/>
+          </a:xfrm>
+          <a:prstGeom prst="line">
+            <a:avLst/>
+          </a:prstGeom>
+          <a:ln w="57150">
+            <a:tailEnd type="triangle"/>
+          </a:ln>
+        </p:spPr>
+        <p:style>
+          <a:lnRef idx="2">
+            <a:schemeClr val="accent1"/>
+          </a:lnRef>
+          <a:fillRef idx="0">
+            <a:schemeClr val="accent1"/>
+          </a:fillRef>
+          <a:effectRef idx="1">
+            <a:schemeClr val="accent1"/>
+          </a:effectRef>
+          <a:fontRef idx="minor">
+            <a:schemeClr val="tx1"/>
+          </a:fontRef>
+        </p:style>
+      </p:cxnSp>
+      <p:cxnSp>
+        <p:nvCxnSpPr>
+          <p:cNvPr id="18" name="Straight Connector 17">
+            <a:extLst>
+              <a:ext uri="{FF2B5EF4-FFF2-40B4-BE49-F238E27FC236}">
+                <a16:creationId xmlns:a16="http://schemas.microsoft.com/office/drawing/2014/main" id="{9BE5720C-6C21-936A-43E2-71EDEB8AEB7F}"/>
+              </a:ext>
+            </a:extLst>
+          </p:cNvPr>
+          <p:cNvCxnSpPr>
+            <a:cxnSpLocks/>
+            <a:stCxn id="8" idx="3"/>
+            <a:endCxn id="11" idx="1"/>
+          </p:cNvCxnSpPr>
+          <p:nvPr/>
+        </p:nvCxnSpPr>
+        <p:spPr>
+          <a:xfrm>
+            <a:off x="3950258" y="2811670"/>
+            <a:ext cx="815438" cy="180109"/>
+          </a:xfrm>
+          <a:prstGeom prst="line">
+            <a:avLst/>
+          </a:prstGeom>
+          <a:ln w="57150">
+            <a:tailEnd type="triangle"/>
+          </a:ln>
+        </p:spPr>
+        <p:style>
+          <a:lnRef idx="2">
+            <a:schemeClr val="accent1"/>
+          </a:lnRef>
+          <a:fillRef idx="0">
+            <a:schemeClr val="accent1"/>
+          </a:fillRef>
+          <a:effectRef idx="1">
+            <a:schemeClr val="accent1"/>
+          </a:effectRef>
+          <a:fontRef idx="minor">
+            <a:schemeClr val="tx1"/>
+          </a:fontRef>
+        </p:style>
+      </p:cxnSp>
+      <p:cxnSp>
+        <p:nvCxnSpPr>
+          <p:cNvPr id="21" name="Straight Connector 20">
+            <a:extLst>
+              <a:ext uri="{FF2B5EF4-FFF2-40B4-BE49-F238E27FC236}">
+                <a16:creationId xmlns:a16="http://schemas.microsoft.com/office/drawing/2014/main" id="{64E0A4DB-398C-DCCD-A6B9-707FD47379FF}"/>
+              </a:ext>
+            </a:extLst>
+          </p:cNvPr>
+          <p:cNvCxnSpPr>
+            <a:cxnSpLocks/>
+            <a:stCxn id="8" idx="3"/>
+            <a:endCxn id="10" idx="1"/>
+          </p:cNvCxnSpPr>
+          <p:nvPr/>
+        </p:nvCxnSpPr>
+        <p:spPr>
+          <a:xfrm>
+            <a:off x="3950258" y="2811670"/>
+            <a:ext cx="817417" cy="1167740"/>
+          </a:xfrm>
+          <a:prstGeom prst="line">
+            <a:avLst/>
+          </a:prstGeom>
+          <a:ln w="57150">
+            <a:tailEnd type="triangle"/>
+          </a:ln>
+        </p:spPr>
+        <p:style>
+          <a:lnRef idx="2">
+            <a:schemeClr val="accent1"/>
+          </a:lnRef>
+          <a:fillRef idx="0">
+            <a:schemeClr val="accent1"/>
+          </a:fillRef>
+          <a:effectRef idx="1">
+            <a:schemeClr val="accent1"/>
+          </a:effectRef>
+          <a:fontRef idx="minor">
+            <a:schemeClr val="tx1"/>
+          </a:fontRef>
+        </p:style>
+      </p:cxnSp>
+      <p:cxnSp>
+        <p:nvCxnSpPr>
+          <p:cNvPr id="24" name="Straight Connector 23">
+            <a:extLst>
+              <a:ext uri="{FF2B5EF4-FFF2-40B4-BE49-F238E27FC236}">
+                <a16:creationId xmlns:a16="http://schemas.microsoft.com/office/drawing/2014/main" id="{3CA23498-38BE-BF13-74CD-16E92FA7CE82}"/>
+              </a:ext>
+            </a:extLst>
+          </p:cNvPr>
+          <p:cNvCxnSpPr>
+            <a:cxnSpLocks/>
+            <a:endCxn id="12" idx="1"/>
+          </p:cNvCxnSpPr>
+          <p:nvPr/>
+        </p:nvCxnSpPr>
+        <p:spPr>
+          <a:xfrm>
+            <a:off x="3942020" y="2840503"/>
+            <a:ext cx="821696" cy="2126538"/>
+          </a:xfrm>
+          <a:prstGeom prst="line">
+            <a:avLst/>
+          </a:prstGeom>
+          <a:ln w="57150">
+            <a:tailEnd type="triangle"/>
+          </a:ln>
+        </p:spPr>
+        <p:style>
+          <a:lnRef idx="2">
+            <a:schemeClr val="accent1"/>
+          </a:lnRef>
+          <a:fillRef idx="0">
+            <a:schemeClr val="accent1"/>
+          </a:fillRef>
+          <a:effectRef idx="1">
+            <a:schemeClr val="accent1"/>
+          </a:effectRef>
+          <a:fontRef idx="minor">
+            <a:schemeClr val="tx1"/>
+          </a:fontRef>
+        </p:style>
+      </p:cxnSp>
+      <p:cxnSp>
+        <p:nvCxnSpPr>
+          <p:cNvPr id="27" name="Straight Connector 26">
+            <a:extLst>
+              <a:ext uri="{FF2B5EF4-FFF2-40B4-BE49-F238E27FC236}">
+                <a16:creationId xmlns:a16="http://schemas.microsoft.com/office/drawing/2014/main" id="{9D0DDE44-C122-B6D3-81EC-D03B59C3D9CE}"/>
+              </a:ext>
+            </a:extLst>
+          </p:cNvPr>
+          <p:cNvCxnSpPr>
+            <a:cxnSpLocks/>
+            <a:stCxn id="7" idx="3"/>
+            <a:endCxn id="9" idx="1"/>
+          </p:cNvCxnSpPr>
+          <p:nvPr/>
+        </p:nvCxnSpPr>
+        <p:spPr>
+          <a:xfrm>
+            <a:off x="6016564" y="2004148"/>
+            <a:ext cx="1543899" cy="25140"/>
+          </a:xfrm>
+          <a:prstGeom prst="line">
+            <a:avLst/>
+          </a:prstGeom>
+          <a:ln w="57150">
+            <a:tailEnd type="triangle"/>
+          </a:ln>
+        </p:spPr>
+        <p:style>
+          <a:lnRef idx="2">
+            <a:schemeClr val="accent1"/>
+          </a:lnRef>
+          <a:fillRef idx="0">
+            <a:schemeClr val="accent1"/>
+          </a:fillRef>
+          <a:effectRef idx="1">
+            <a:schemeClr val="accent1"/>
+          </a:effectRef>
+          <a:fontRef idx="minor">
+            <a:schemeClr val="tx1"/>
+          </a:fontRef>
+        </p:style>
+      </p:cxnSp>
+      <p:sp>
+        <p:nvSpPr>
+          <p:cNvPr id="31" name="Rounded Rectangle 30">
+            <a:extLst>
+              <a:ext uri="{FF2B5EF4-FFF2-40B4-BE49-F238E27FC236}">
+                <a16:creationId xmlns:a16="http://schemas.microsoft.com/office/drawing/2014/main" id="{C46E24F7-1A75-A49D-0B75-3AF04FB1F9B7}"/>
+              </a:ext>
+            </a:extLst>
+          </p:cNvPr>
+          <p:cNvSpPr/>
+          <p:nvPr/>
+        </p:nvSpPr>
+        <p:spPr>
+          <a:xfrm>
+            <a:off x="7552226" y="2600338"/>
+            <a:ext cx="1258785" cy="807522"/>
+          </a:xfrm>
+          <a:prstGeom prst="roundRect">
+            <a:avLst/>
+          </a:prstGeom>
+          <a:solidFill>
+            <a:srgbClr val="0070C0"/>
+          </a:solidFill>
+        </p:spPr>
+        <p:style>
+          <a:lnRef idx="2">
+            <a:schemeClr val="accent1">
+              <a:shade val="15000"/>
+            </a:schemeClr>
+          </a:lnRef>
+          <a:fillRef idx="1">
+            <a:schemeClr val="accent1"/>
+          </a:fillRef>
+          <a:effectRef idx="0">
+            <a:schemeClr val="accent1"/>
+          </a:effectRef>
+          <a:fontRef idx="minor">
+            <a:schemeClr val="lt1"/>
+          </a:fontRef>
+        </p:style>
+        <p:txBody>
+          <a:bodyPr rtlCol="0" anchor="ctr"/>
+          <a:lstStyle/>
+          <a:p>
+            <a:pPr algn="ctr"/>
+            <a:r>
+              <a:rPr lang="en-US" dirty="0"/>
+              <a:t>Skill</a:t>
+            </a:r>
+          </a:p>
+        </p:txBody>
+      </p:sp>
+      <p:sp>
+        <p:nvSpPr>
+          <p:cNvPr id="32" name="Rounded Rectangle 31">
+            <a:extLst>
+              <a:ext uri="{FF2B5EF4-FFF2-40B4-BE49-F238E27FC236}">
+                <a16:creationId xmlns:a16="http://schemas.microsoft.com/office/drawing/2014/main" id="{2A1428BC-36D1-836C-7948-D2F6B3467B18}"/>
+              </a:ext>
+            </a:extLst>
+          </p:cNvPr>
+          <p:cNvSpPr/>
+          <p:nvPr/>
+        </p:nvSpPr>
+        <p:spPr>
+          <a:xfrm>
+            <a:off x="7576939" y="3575149"/>
+            <a:ext cx="1258785" cy="807522"/>
+          </a:xfrm>
+          <a:prstGeom prst="roundRect">
+            <a:avLst/>
+          </a:prstGeom>
+          <a:solidFill>
+            <a:srgbClr val="0070C0"/>
+          </a:solidFill>
+        </p:spPr>
+        <p:style>
+          <a:lnRef idx="2">
+            <a:schemeClr val="accent1">
+              <a:shade val="15000"/>
+            </a:schemeClr>
+          </a:lnRef>
+          <a:fillRef idx="1">
+            <a:schemeClr val="accent1"/>
+          </a:fillRef>
+          <a:effectRef idx="0">
+            <a:schemeClr val="accent1"/>
+          </a:effectRef>
+          <a:fontRef idx="minor">
+            <a:schemeClr val="lt1"/>
+          </a:fontRef>
+        </p:style>
+        <p:txBody>
+          <a:bodyPr rtlCol="0" anchor="ctr"/>
+          <a:lstStyle/>
+          <a:p>
+            <a:pPr algn="ctr"/>
+            <a:r>
+              <a:rPr lang="en-US" dirty="0"/>
+              <a:t>Skill</a:t>
+            </a:r>
+          </a:p>
+        </p:txBody>
+      </p:sp>
+      <p:sp>
+        <p:nvSpPr>
+          <p:cNvPr id="33" name="Rounded Rectangle 32">
+            <a:extLst>
+              <a:ext uri="{FF2B5EF4-FFF2-40B4-BE49-F238E27FC236}">
+                <a16:creationId xmlns:a16="http://schemas.microsoft.com/office/drawing/2014/main" id="{BF01ABA6-D9FA-6739-0110-AA6E1F517EDD}"/>
+              </a:ext>
+            </a:extLst>
+          </p:cNvPr>
+          <p:cNvSpPr/>
+          <p:nvPr/>
+        </p:nvSpPr>
+        <p:spPr>
+          <a:xfrm>
+            <a:off x="7531630" y="4549961"/>
+            <a:ext cx="1258785" cy="807522"/>
+          </a:xfrm>
+          <a:prstGeom prst="roundRect">
+            <a:avLst/>
+          </a:prstGeom>
+          <a:solidFill>
+            <a:srgbClr val="0070C0"/>
+          </a:solidFill>
+        </p:spPr>
+        <p:style>
+          <a:lnRef idx="2">
+            <a:schemeClr val="accent1">
+              <a:shade val="15000"/>
+            </a:schemeClr>
+          </a:lnRef>
+          <a:fillRef idx="1">
+            <a:schemeClr val="accent1"/>
+          </a:fillRef>
+          <a:effectRef idx="0">
+            <a:schemeClr val="accent1"/>
+          </a:effectRef>
+          <a:fontRef idx="minor">
+            <a:schemeClr val="lt1"/>
+          </a:fontRef>
+        </p:style>
+        <p:txBody>
+          <a:bodyPr rtlCol="0" anchor="ctr"/>
+          <a:lstStyle/>
+          <a:p>
+            <a:pPr algn="ctr"/>
+            <a:r>
+              <a:rPr lang="en-US" dirty="0"/>
+              <a:t>Skill</a:t>
+            </a:r>
+          </a:p>
+        </p:txBody>
+      </p:sp>
+      <p:cxnSp>
+        <p:nvCxnSpPr>
+          <p:cNvPr id="35" name="Straight Connector 34">
+            <a:extLst>
+              <a:ext uri="{FF2B5EF4-FFF2-40B4-BE49-F238E27FC236}">
+                <a16:creationId xmlns:a16="http://schemas.microsoft.com/office/drawing/2014/main" id="{7DE944D8-5210-2166-A96D-5882724B4AC8}"/>
+              </a:ext>
+            </a:extLst>
+          </p:cNvPr>
+          <p:cNvCxnSpPr>
+            <a:cxnSpLocks/>
+            <a:stCxn id="11" idx="3"/>
+            <a:endCxn id="31" idx="1"/>
+          </p:cNvCxnSpPr>
+          <p:nvPr/>
+        </p:nvCxnSpPr>
+        <p:spPr>
+          <a:xfrm>
+            <a:off x="6024481" y="2991779"/>
+            <a:ext cx="1527745" cy="12320"/>
+          </a:xfrm>
+          <a:prstGeom prst="line">
+            <a:avLst/>
+          </a:prstGeom>
+          <a:ln w="57150">
+            <a:tailEnd type="triangle"/>
+          </a:ln>
+        </p:spPr>
+        <p:style>
+          <a:lnRef idx="2">
+            <a:schemeClr val="accent1"/>
+          </a:lnRef>
+          <a:fillRef idx="0">
+            <a:schemeClr val="accent1"/>
+          </a:fillRef>
+          <a:effectRef idx="1">
+            <a:schemeClr val="accent1"/>
+          </a:effectRef>
+          <a:fontRef idx="minor">
+            <a:schemeClr val="tx1"/>
+          </a:fontRef>
+        </p:style>
+      </p:cxnSp>
+      <p:cxnSp>
+        <p:nvCxnSpPr>
+          <p:cNvPr id="38" name="Straight Connector 37">
+            <a:extLst>
+              <a:ext uri="{FF2B5EF4-FFF2-40B4-BE49-F238E27FC236}">
+                <a16:creationId xmlns:a16="http://schemas.microsoft.com/office/drawing/2014/main" id="{49D28710-122F-D8B6-ADDF-BC7E7B8637C8}"/>
+              </a:ext>
+            </a:extLst>
+          </p:cNvPr>
+          <p:cNvCxnSpPr>
+            <a:cxnSpLocks/>
+            <a:stCxn id="10" idx="3"/>
+            <a:endCxn id="32" idx="1"/>
+          </p:cNvCxnSpPr>
+          <p:nvPr/>
+        </p:nvCxnSpPr>
+        <p:spPr>
+          <a:xfrm flipV="1">
+            <a:off x="6026460" y="3978910"/>
+            <a:ext cx="1550479" cy="500"/>
+          </a:xfrm>
+          <a:prstGeom prst="line">
+            <a:avLst/>
+          </a:prstGeom>
+          <a:ln w="57150">
+            <a:tailEnd type="triangle"/>
+          </a:ln>
+        </p:spPr>
+        <p:style>
+          <a:lnRef idx="2">
+            <a:schemeClr val="accent1"/>
+          </a:lnRef>
+          <a:fillRef idx="0">
+            <a:schemeClr val="accent1"/>
+          </a:fillRef>
+          <a:effectRef idx="1">
+            <a:schemeClr val="accent1"/>
+          </a:effectRef>
+          <a:fontRef idx="minor">
+            <a:schemeClr val="tx1"/>
+          </a:fontRef>
+        </p:style>
+      </p:cxnSp>
+      <p:cxnSp>
+        <p:nvCxnSpPr>
+          <p:cNvPr id="41" name="Straight Connector 40">
+            <a:extLst>
+              <a:ext uri="{FF2B5EF4-FFF2-40B4-BE49-F238E27FC236}">
+                <a16:creationId xmlns:a16="http://schemas.microsoft.com/office/drawing/2014/main" id="{BFE01EFD-AA61-8F56-B179-10ECCDB2E75D}"/>
+              </a:ext>
+            </a:extLst>
+          </p:cNvPr>
+          <p:cNvCxnSpPr>
+            <a:cxnSpLocks/>
+            <a:stCxn id="12" idx="3"/>
+            <a:endCxn id="33" idx="1"/>
+          </p:cNvCxnSpPr>
+          <p:nvPr/>
+        </p:nvCxnSpPr>
+        <p:spPr>
+          <a:xfrm flipV="1">
+            <a:off x="6022501" y="4953722"/>
+            <a:ext cx="1509129" cy="13319"/>
+          </a:xfrm>
+          <a:prstGeom prst="line">
+            <a:avLst/>
+          </a:prstGeom>
+          <a:ln w="57150">
+            <a:tailEnd type="triangle"/>
+          </a:ln>
+        </p:spPr>
+        <p:style>
+          <a:lnRef idx="2">
+            <a:schemeClr val="accent1"/>
+          </a:lnRef>
+          <a:fillRef idx="0">
+            <a:schemeClr val="accent1"/>
+          </a:fillRef>
+          <a:effectRef idx="1">
+            <a:schemeClr val="accent1"/>
+          </a:effectRef>
+          <a:fontRef idx="minor">
+            <a:schemeClr val="tx1"/>
+          </a:fontRef>
+        </p:style>
+      </p:cxnSp>
+      <p:sp>
+        <p:nvSpPr>
+          <p:cNvPr id="44" name="TextBox 43">
+            <a:extLst>
+              <a:ext uri="{FF2B5EF4-FFF2-40B4-BE49-F238E27FC236}">
+                <a16:creationId xmlns:a16="http://schemas.microsoft.com/office/drawing/2014/main" id="{FCB9B465-54C0-D100-8408-057E048E1E2D}"/>
+              </a:ext>
+            </a:extLst>
+          </p:cNvPr>
+          <p:cNvSpPr txBox="1"/>
+          <p:nvPr/>
+        </p:nvSpPr>
+        <p:spPr>
+          <a:xfrm>
+            <a:off x="741405" y="4127157"/>
+            <a:ext cx="1618735" cy="738664"/>
+          </a:xfrm>
+          <a:prstGeom prst="rect">
+            <a:avLst/>
+          </a:prstGeom>
+          <a:noFill/>
+        </p:spPr>
+        <p:txBody>
+          <a:bodyPr wrap="square" rtlCol="0">
+            <a:spAutoFit/>
+          </a:bodyPr>
+          <a:lstStyle/>
+          <a:p>
+            <a:r>
+              <a:rPr lang="en-US" sz="1400" dirty="0"/>
+              <a:t>Use planning mode to generate workflows</a:t>
+            </a:r>
+          </a:p>
+        </p:txBody>
+      </p:sp>
+      <p:sp>
+        <p:nvSpPr>
+          <p:cNvPr id="45" name="TextBox 44">
+            <a:extLst>
+              <a:ext uri="{FF2B5EF4-FFF2-40B4-BE49-F238E27FC236}">
+                <a16:creationId xmlns:a16="http://schemas.microsoft.com/office/drawing/2014/main" id="{8317153D-70FF-1CF1-BDDD-B275E4BA3A4D}"/>
+              </a:ext>
+            </a:extLst>
+          </p:cNvPr>
+          <p:cNvSpPr txBox="1"/>
+          <p:nvPr/>
+        </p:nvSpPr>
+        <p:spPr>
+          <a:xfrm>
+            <a:off x="2673179" y="3303372"/>
+            <a:ext cx="1219200" cy="738664"/>
+          </a:xfrm>
+          <a:prstGeom prst="rect">
+            <a:avLst/>
+          </a:prstGeom>
+          <a:noFill/>
+        </p:spPr>
+        <p:txBody>
+          <a:bodyPr wrap="square" rtlCol="0">
+            <a:spAutoFit/>
+          </a:bodyPr>
+          <a:lstStyle/>
+          <a:p>
+            <a:r>
+              <a:rPr lang="en-US" sz="1400" dirty="0"/>
+              <a:t>Workflows</a:t>
+            </a:r>
+          </a:p>
+          <a:p>
+            <a:r>
+              <a:rPr lang="en-US" sz="1400" dirty="0"/>
+              <a:t>contain many tasks</a:t>
+            </a:r>
+          </a:p>
+        </p:txBody>
+      </p:sp>
+      <p:sp>
+        <p:nvSpPr>
+          <p:cNvPr id="46" name="TextBox 45">
+            <a:extLst>
+              <a:ext uri="{FF2B5EF4-FFF2-40B4-BE49-F238E27FC236}">
+                <a16:creationId xmlns:a16="http://schemas.microsoft.com/office/drawing/2014/main" id="{29E2EBC1-AED9-99E4-EFCB-887359B799D8}"/>
+              </a:ext>
+            </a:extLst>
+          </p:cNvPr>
+          <p:cNvSpPr txBox="1"/>
+          <p:nvPr/>
+        </p:nvSpPr>
+        <p:spPr>
+          <a:xfrm>
+            <a:off x="4703805" y="1046205"/>
+            <a:ext cx="1548713" cy="523220"/>
+          </a:xfrm>
+          <a:prstGeom prst="rect">
+            <a:avLst/>
+          </a:prstGeom>
+          <a:noFill/>
+        </p:spPr>
+        <p:txBody>
+          <a:bodyPr wrap="square" rtlCol="0">
+            <a:spAutoFit/>
+          </a:bodyPr>
+          <a:lstStyle/>
+          <a:p>
+            <a:r>
+              <a:rPr lang="en-US" sz="1400" dirty="0"/>
+              <a:t>A task is typically a unit of work.</a:t>
+            </a:r>
+          </a:p>
+        </p:txBody>
+      </p:sp>
+      <p:sp>
+        <p:nvSpPr>
+          <p:cNvPr id="47" name="TextBox 46">
+            <a:extLst>
+              <a:ext uri="{FF2B5EF4-FFF2-40B4-BE49-F238E27FC236}">
+                <a16:creationId xmlns:a16="http://schemas.microsoft.com/office/drawing/2014/main" id="{3EEF2EA7-DB80-024D-1ECB-A7FB14C830EC}"/>
+              </a:ext>
+            </a:extLst>
+          </p:cNvPr>
+          <p:cNvSpPr txBox="1"/>
+          <p:nvPr/>
+        </p:nvSpPr>
+        <p:spPr>
+          <a:xfrm>
+            <a:off x="6079525" y="1334529"/>
+            <a:ext cx="1548713" cy="523220"/>
+          </a:xfrm>
+          <a:prstGeom prst="rect">
+            <a:avLst/>
+          </a:prstGeom>
+          <a:noFill/>
+        </p:spPr>
+        <p:txBody>
+          <a:bodyPr wrap="square" rtlCol="0">
+            <a:spAutoFit/>
+          </a:bodyPr>
+          <a:lstStyle/>
+          <a:p>
+            <a:r>
+              <a:rPr lang="en-US" sz="1400" dirty="0"/>
+              <a:t>Tasks are matched to skills</a:t>
+            </a:r>
           </a:p>
         </p:txBody>
       </p:sp>
     </p:spTree>
     <p:extLst>
       <p:ext uri="{BB962C8B-B14F-4D97-AF65-F5344CB8AC3E}">
-        <p14:creationId xmlns:p14="http://schemas.microsoft.com/office/powerpoint/2010/main" val="2148771276"/>
+        <p14:creationId xmlns:p14="http://schemas.microsoft.com/office/powerpoint/2010/main" val="2918897279"/>
       </p:ext>
     </p:extLst>
   </p:cSld>
@@ -4868,7 +10087,7 @@
           <p:cNvPr id="2" name="Title 1">
             <a:extLst>
               <a:ext uri="{FF2B5EF4-FFF2-40B4-BE49-F238E27FC236}">
-                <a16:creationId xmlns:a16="http://schemas.microsoft.com/office/drawing/2014/main" id="{06E09389-91C3-89FC-2EDF-0D2AC03EEF1C}"/>
+                <a16:creationId xmlns:a16="http://schemas.microsoft.com/office/drawing/2014/main" id="{3AEA3D5A-47C5-CF48-2264-E43E1507858A}"/>
               </a:ext>
             </a:extLst>
           </p:cNvPr>
@@ -4881,8 +10100,8 @@
         </p:nvSpPr>
         <p:spPr>
           <a:xfrm>
-            <a:off x="719447" y="210748"/>
-            <a:ext cx="10515600" cy="798656"/>
+            <a:off x="504568" y="179775"/>
+            <a:ext cx="10515600" cy="833480"/>
           </a:xfrm>
         </p:spPr>
         <p:txBody>
@@ -4891,7 +10110,45 @@
           <a:p>
             <a:r>
               <a:rPr lang="en-US" dirty="0"/>
-              <a:t>Go to your Claude Setting Capabilities Menu</a:t>
+              <a:t>Sample MicroSim Created by Skill</a:t>
+            </a:r>
+          </a:p>
+        </p:txBody>
+      </p:sp>
+      <p:sp>
+        <p:nvSpPr>
+          <p:cNvPr id="3" name="Content Placeholder 2">
+            <a:extLst>
+              <a:ext uri="{FF2B5EF4-FFF2-40B4-BE49-F238E27FC236}">
+                <a16:creationId xmlns:a16="http://schemas.microsoft.com/office/drawing/2014/main" id="{096D7E19-3A8C-9D91-3B30-8E36A82BF13D}"/>
+              </a:ext>
+            </a:extLst>
+          </p:cNvPr>
+          <p:cNvSpPr>
+            <a:spLocks noGrp="1"/>
+          </p:cNvSpPr>
+          <p:nvPr>
+            <p:ph idx="1"/>
+          </p:nvPr>
+        </p:nvSpPr>
+        <p:spPr>
+          <a:xfrm>
+            <a:off x="306860" y="6326660"/>
+            <a:ext cx="10515600" cy="531340"/>
+          </a:xfrm>
+        </p:spPr>
+        <p:txBody>
+          <a:bodyPr>
+            <a:normAutofit/>
+          </a:bodyPr>
+          <a:lstStyle/>
+          <a:p>
+            <a:pPr marL="0" indent="0">
+              <a:buNone/>
+            </a:pPr>
+            <a:r>
+              <a:rPr lang="en-US" sz="2000" dirty="0"/>
+              <a:t>https://dmccreary.github.io/microsims/sims/projectile-motion-gravity/</a:t>
             </a:r>
           </a:p>
         </p:txBody>
@@ -4901,7 +10158,7 @@
           <p:cNvPr id="4" name="Picture 3">
             <a:extLst>
               <a:ext uri="{FF2B5EF4-FFF2-40B4-BE49-F238E27FC236}">
-                <a16:creationId xmlns:a16="http://schemas.microsoft.com/office/drawing/2014/main" id="{BA870140-7690-8B9F-20D9-5874BC042DC7}"/>
+                <a16:creationId xmlns:a16="http://schemas.microsoft.com/office/drawing/2014/main" id="{5EE1E280-32D0-FB11-0B0B-EECA815C9D82}"/>
               </a:ext>
             </a:extLst>
           </p:cNvPr>
@@ -4912,32 +10169,26 @@
         </p:nvPicPr>
         <p:blipFill>
           <a:blip r:embed="rId2"/>
-          <a:srcRect t="6586"/>
           <a:stretch>
             <a:fillRect/>
           </a:stretch>
         </p:blipFill>
         <p:spPr>
           <a:xfrm>
-            <a:off x="1934099" y="1425039"/>
-            <a:ext cx="7772400" cy="4818494"/>
+            <a:off x="5274276" y="951470"/>
+            <a:ext cx="6662317" cy="5145071"/>
           </a:xfrm>
           <a:prstGeom prst="rect">
             <a:avLst/>
           </a:prstGeom>
-          <a:ln>
-            <a:solidFill>
-              <a:schemeClr val="tx1"/>
-            </a:solidFill>
-          </a:ln>
         </p:spPr>
       </p:pic>
       <p:sp>
         <p:nvSpPr>
-          <p:cNvPr id="5" name="Left Arrow 4">
-            <a:extLst>
-              <a:ext uri="{FF2B5EF4-FFF2-40B4-BE49-F238E27FC236}">
-                <a16:creationId xmlns:a16="http://schemas.microsoft.com/office/drawing/2014/main" id="{2980FD8F-A9B4-2C4E-37CB-DD03352CC316}"/>
+          <p:cNvPr id="6" name="Right Arrow 5">
+            <a:extLst>
+              <a:ext uri="{FF2B5EF4-FFF2-40B4-BE49-F238E27FC236}">
+                <a16:creationId xmlns:a16="http://schemas.microsoft.com/office/drawing/2014/main" id="{E120F1CF-1261-6D46-B85A-E44A04550711}"/>
               </a:ext>
             </a:extLst>
           </p:cNvPr>
@@ -4946,15 +10197,12 @@
         </p:nvSpPr>
         <p:spPr>
           <a:xfrm>
-            <a:off x="9334004" y="5118265"/>
-            <a:ext cx="1911928" cy="878773"/>
-          </a:xfrm>
-          <a:prstGeom prst="leftArrow">
+            <a:off x="4300151" y="2656703"/>
+            <a:ext cx="951471" cy="481913"/>
+          </a:xfrm>
+          <a:prstGeom prst="rightArrow">
             <a:avLst/>
           </a:prstGeom>
-          <a:solidFill>
-            <a:srgbClr val="FF0000"/>
-          </a:solidFill>
         </p:spPr>
         <p:style>
           <a:lnRef idx="2">
@@ -4977,19 +10225,71 @@
           <a:lstStyle/>
           <a:p>
             <a:pPr algn="ctr"/>
-            <a:r>
-              <a:rPr lang="en-US" dirty="0"/>
-              <a:t>CLICK HERE</a:t>
-            </a:r>
-          </a:p>
-        </p:txBody>
-      </p:sp>
-      <p:sp>
-        <p:nvSpPr>
-          <p:cNvPr id="6" name="TextBox 5">
-            <a:extLst>
-              <a:ext uri="{FF2B5EF4-FFF2-40B4-BE49-F238E27FC236}">
-                <a16:creationId xmlns:a16="http://schemas.microsoft.com/office/drawing/2014/main" id="{4EEAFC43-74F3-9BA5-1B76-319CCAAF4067}"/>
+            <a:endParaRPr lang="en-US"/>
+          </a:p>
+        </p:txBody>
+      </p:sp>
+      <p:sp>
+        <p:nvSpPr>
+          <p:cNvPr id="7" name="Rounded Rectangle 6">
+            <a:extLst>
+              <a:ext uri="{FF2B5EF4-FFF2-40B4-BE49-F238E27FC236}">
+                <a16:creationId xmlns:a16="http://schemas.microsoft.com/office/drawing/2014/main" id="{281E52E7-DBD7-2052-8FBB-7908103E4B23}"/>
+              </a:ext>
+            </a:extLst>
+          </p:cNvPr>
+          <p:cNvSpPr/>
+          <p:nvPr/>
+        </p:nvSpPr>
+        <p:spPr>
+          <a:xfrm>
+            <a:off x="457200" y="2051222"/>
+            <a:ext cx="3620530" cy="1594022"/>
+          </a:xfrm>
+          <a:prstGeom prst="roundRect">
+            <a:avLst/>
+          </a:prstGeom>
+          <a:solidFill>
+            <a:srgbClr val="FFD579"/>
+          </a:solidFill>
+        </p:spPr>
+        <p:style>
+          <a:lnRef idx="2">
+            <a:schemeClr val="accent1">
+              <a:shade val="15000"/>
+            </a:schemeClr>
+          </a:lnRef>
+          <a:fillRef idx="1">
+            <a:schemeClr val="accent1"/>
+          </a:fillRef>
+          <a:effectRef idx="0">
+            <a:schemeClr val="accent1"/>
+          </a:effectRef>
+          <a:fontRef idx="minor">
+            <a:schemeClr val="lt1"/>
+          </a:fontRef>
+        </p:style>
+        <p:txBody>
+          <a:bodyPr rtlCol="0" anchor="ctr"/>
+          <a:lstStyle/>
+          <a:p>
+            <a:r>
+              <a:rPr lang="en-US" dirty="0">
+                <a:solidFill>
+                  <a:schemeClr val="tx1"/>
+                </a:solidFill>
+              </a:rPr>
+              <a:t>Using the MicroSim-p5 skill, create a new MicroSim that demonstrates the effect of gravity on projectile motions</a:t>
+            </a:r>
+          </a:p>
+        </p:txBody>
+      </p:sp>
+      <p:sp>
+        <p:nvSpPr>
+          <p:cNvPr id="8" name="TextBox 7">
+            <a:extLst>
+              <a:ext uri="{FF2B5EF4-FFF2-40B4-BE49-F238E27FC236}">
+                <a16:creationId xmlns:a16="http://schemas.microsoft.com/office/drawing/2014/main" id="{9EB3F0A0-4E30-739D-3749-FFF3264E8613}"/>
               </a:ext>
             </a:extLst>
           </p:cNvPr>
@@ -4998,8 +10298,8 @@
         </p:nvSpPr>
         <p:spPr>
           <a:xfrm>
-            <a:off x="1828800" y="961901"/>
-            <a:ext cx="4454553" cy="369332"/>
+            <a:off x="531340" y="1569310"/>
+            <a:ext cx="1657249" cy="369332"/>
           </a:xfrm>
           <a:prstGeom prst="rect">
             <a:avLst/>
@@ -5014,58 +10314,7 @@
           <a:p>
             <a:r>
               <a:rPr lang="en-US" dirty="0"/>
-              <a:t>Go to: http://</a:t>
-            </a:r>
-            <a:r>
-              <a:rPr lang="en-US" dirty="0" err="1"/>
-              <a:t>claude.ai</a:t>
-            </a:r>
-            <a:r>
-              <a:rPr lang="en-US" dirty="0"/>
-              <a:t>/settings/capabilities</a:t>
-            </a:r>
-          </a:p>
-        </p:txBody>
-      </p:sp>
-      <p:sp>
-        <p:nvSpPr>
-          <p:cNvPr id="7" name="TextBox 6">
-            <a:extLst>
-              <a:ext uri="{FF2B5EF4-FFF2-40B4-BE49-F238E27FC236}">
-                <a16:creationId xmlns:a16="http://schemas.microsoft.com/office/drawing/2014/main" id="{FD973B83-8C05-8F1A-EB27-F59568DA2A2E}"/>
-              </a:ext>
-            </a:extLst>
-          </p:cNvPr>
-          <p:cNvSpPr txBox="1"/>
-          <p:nvPr/>
-        </p:nvSpPr>
-        <p:spPr>
-          <a:xfrm>
-            <a:off x="1886198" y="6268191"/>
-            <a:ext cx="4944559" cy="369332"/>
-          </a:xfrm>
-          <a:prstGeom prst="rect">
-            <a:avLst/>
-          </a:prstGeom>
-          <a:noFill/>
-        </p:spPr>
-        <p:txBody>
-          <a:bodyPr wrap="none" rtlCol="0">
-            <a:spAutoFit/>
-          </a:bodyPr>
-          <a:lstStyle/>
-          <a:p>
-            <a:r>
-              <a:rPr lang="en-US" dirty="0"/>
-              <a:t>In the Skills area, click the “</a:t>
-            </a:r>
-            <a:r>
-              <a:rPr lang="en-US" b="1" dirty="0"/>
-              <a:t>Upload skill</a:t>
-            </a:r>
-            <a:r>
-              <a:rPr lang="en-US" dirty="0"/>
-              <a:t>” button</a:t>
+              <a:t>Simple Prompt</a:t>
             </a:r>
           </a:p>
         </p:txBody>
@@ -5073,7 +10322,7 @@
     </p:spTree>
     <p:extLst>
       <p:ext uri="{BB962C8B-B14F-4D97-AF65-F5344CB8AC3E}">
-        <p14:creationId xmlns:p14="http://schemas.microsoft.com/office/powerpoint/2010/main" val="1017587451"/>
+        <p14:creationId xmlns:p14="http://schemas.microsoft.com/office/powerpoint/2010/main" val="2679334011"/>
       </p:ext>
     </p:extLst>
   </p:cSld>
@@ -5105,7 +10354,7 @@
           <p:cNvPr id="2" name="Title 1">
             <a:extLst>
               <a:ext uri="{FF2B5EF4-FFF2-40B4-BE49-F238E27FC236}">
-                <a16:creationId xmlns:a16="http://schemas.microsoft.com/office/drawing/2014/main" id="{975B4DC2-09BE-EA38-1008-459032062E27}"/>
+                <a16:creationId xmlns:a16="http://schemas.microsoft.com/office/drawing/2014/main" id="{878658A3-8A0F-3B4B-5D34-9F4E42F47E99}"/>
               </a:ext>
             </a:extLst>
           </p:cNvPr>
@@ -5116,57 +10365,76 @@
             <p:ph type="title"/>
           </p:nvPr>
         </p:nvSpPr>
-        <p:spPr>
-          <a:xfrm>
-            <a:off x="306859" y="155060"/>
-            <a:ext cx="10515600" cy="907621"/>
-          </a:xfrm>
-        </p:spPr>
+        <p:spPr/>
         <p:txBody>
           <a:bodyPr/>
           <a:lstStyle/>
           <a:p>
             <a:r>
               <a:rPr lang="en-US" dirty="0"/>
-              <a:t>Drag and Drop the MicroSim Skill zip file</a:t>
-            </a:r>
-          </a:p>
-        </p:txBody>
-      </p:sp>
-      <p:pic>
-        <p:nvPicPr>
-          <p:cNvPr id="4" name="Picture 3">
-            <a:extLst>
-              <a:ext uri="{FF2B5EF4-FFF2-40B4-BE49-F238E27FC236}">
-                <a16:creationId xmlns:a16="http://schemas.microsoft.com/office/drawing/2014/main" id="{ACAF7D95-C00E-E210-0358-8D92D745129E}"/>
-              </a:ext>
-            </a:extLst>
-          </p:cNvPr>
-          <p:cNvPicPr>
-            <a:picLocks noChangeAspect="1"/>
-          </p:cNvPicPr>
-          <p:nvPr/>
-        </p:nvPicPr>
-        <p:blipFill>
-          <a:blip r:embed="rId2"/>
-          <a:stretch>
-            <a:fillRect/>
-          </a:stretch>
-        </p:blipFill>
-        <p:spPr>
-          <a:xfrm>
-            <a:off x="937054" y="1497885"/>
-            <a:ext cx="7544959" cy="4828774"/>
-          </a:xfrm>
-          <a:prstGeom prst="rect">
-            <a:avLst/>
-          </a:prstGeom>
-        </p:spPr>
-      </p:pic>
+              <a:t>What the MicroSim Creates</a:t>
+            </a:r>
+          </a:p>
+        </p:txBody>
+      </p:sp>
+      <p:sp>
+        <p:nvSpPr>
+          <p:cNvPr id="3" name="Content Placeholder 2">
+            <a:extLst>
+              <a:ext uri="{FF2B5EF4-FFF2-40B4-BE49-F238E27FC236}">
+                <a16:creationId xmlns:a16="http://schemas.microsoft.com/office/drawing/2014/main" id="{92DDCE07-26B2-CBA4-04B8-847F8DE54842}"/>
+              </a:ext>
+            </a:extLst>
+          </p:cNvPr>
+          <p:cNvSpPr>
+            <a:spLocks noGrp="1"/>
+          </p:cNvSpPr>
+          <p:nvPr>
+            <p:ph idx="1"/>
+          </p:nvPr>
+        </p:nvSpPr>
+        <p:spPr/>
+        <p:txBody>
+          <a:bodyPr/>
+          <a:lstStyle/>
+          <a:p>
+            <a:r>
+              <a:rPr lang="en-US" dirty="0"/>
+              <a:t>A 427-line width-responsive p5.js application</a:t>
+            </a:r>
+          </a:p>
+          <a:p>
+            <a:r>
+              <a:rPr lang="en-US" dirty="0"/>
+              <a:t>A 121-line index.md file that includes a user guide and lesson plan</a:t>
+            </a:r>
+          </a:p>
+          <a:p>
+            <a:r>
+              <a:rPr lang="en-US" dirty="0"/>
+              <a:t>A 12-line main html driver file</a:t>
+            </a:r>
+          </a:p>
+          <a:p>
+            <a:r>
+              <a:rPr lang="en-US" dirty="0"/>
+              <a:t>A 427-line </a:t>
+            </a:r>
+            <a:r>
+              <a:rPr lang="en-US" dirty="0" err="1"/>
+              <a:t>metadata.json</a:t>
+            </a:r>
+            <a:r>
+              <a:rPr lang="en-US" dirty="0"/>
+              <a:t> file for search optimization</a:t>
+            </a:r>
+          </a:p>
+        </p:txBody>
+      </p:sp>
     </p:spTree>
     <p:extLst>
       <p:ext uri="{BB962C8B-B14F-4D97-AF65-F5344CB8AC3E}">
-        <p14:creationId xmlns:p14="http://schemas.microsoft.com/office/powerpoint/2010/main" val="4100953908"/>
+        <p14:creationId xmlns:p14="http://schemas.microsoft.com/office/powerpoint/2010/main" val="3739382038"/>
       </p:ext>
     </p:extLst>
   </p:cSld>
@@ -5198,7 +10466,7 @@
           <p:cNvPr id="2" name="Title 1">
             <a:extLst>
               <a:ext uri="{FF2B5EF4-FFF2-40B4-BE49-F238E27FC236}">
-                <a16:creationId xmlns:a16="http://schemas.microsoft.com/office/drawing/2014/main" id="{4C882C11-8A85-6A85-6680-6153ED639B60}"/>
+                <a16:creationId xmlns:a16="http://schemas.microsoft.com/office/drawing/2014/main" id="{E1DECB1C-DD5B-2EFB-2C0E-3560D0357B0C}"/>
               </a:ext>
             </a:extLst>
           </p:cNvPr>
@@ -5209,12 +10477,240 @@
             <p:ph type="title"/>
           </p:nvPr>
         </p:nvSpPr>
+        <p:spPr>
+          <a:xfrm>
+            <a:off x="368644" y="204488"/>
+            <a:ext cx="10515600" cy="858194"/>
+          </a:xfrm>
+        </p:spPr>
+        <p:txBody>
+          <a:bodyPr>
+            <a:normAutofit fontScale="90000"/>
+          </a:bodyPr>
+          <a:lstStyle/>
+          <a:p>
+            <a:r>
+              <a:rPr lang="en-US" dirty="0"/>
+              <a:t>Sample Steps to Use the p5 MicroSim in Claude</a:t>
+            </a:r>
+          </a:p>
+        </p:txBody>
+      </p:sp>
+      <p:sp>
+        <p:nvSpPr>
+          <p:cNvPr id="3" name="Content Placeholder 2">
+            <a:extLst>
+              <a:ext uri="{FF2B5EF4-FFF2-40B4-BE49-F238E27FC236}">
+                <a16:creationId xmlns:a16="http://schemas.microsoft.com/office/drawing/2014/main" id="{63DBA5F1-BDE2-B27D-A9A3-C0654ED48503}"/>
+              </a:ext>
+            </a:extLst>
+          </p:cNvPr>
+          <p:cNvSpPr>
+            <a:spLocks noGrp="1"/>
+          </p:cNvSpPr>
+          <p:nvPr>
+            <p:ph idx="1"/>
+          </p:nvPr>
+        </p:nvSpPr>
+        <p:spPr>
+          <a:xfrm>
+            <a:off x="899984" y="1220145"/>
+            <a:ext cx="10515600" cy="4340396"/>
+          </a:xfrm>
+        </p:spPr>
+        <p:txBody>
+          <a:bodyPr>
+            <a:normAutofit lnSpcReduction="10000"/>
+          </a:bodyPr>
+          <a:lstStyle/>
+          <a:p>
+            <a:pPr marL="514350" indent="-514350">
+              <a:buFont typeface="+mj-lt"/>
+              <a:buAutoNum type="arabicPeriod"/>
+            </a:pPr>
+            <a:r>
+              <a:rPr lang="en-US" dirty="0"/>
+              <a:t>Download the MicroSim Skill file to your local hard drive</a:t>
+            </a:r>
+          </a:p>
+          <a:p>
+            <a:pPr marL="514350" indent="-514350">
+              <a:buFont typeface="+mj-lt"/>
+              <a:buAutoNum type="arabicPeriod"/>
+            </a:pPr>
+            <a:r>
+              <a:rPr lang="en-US" dirty="0"/>
+              <a:t>Upload the skill file to your Anthropic Setting Capabilities</a:t>
+            </a:r>
+          </a:p>
+          <a:p>
+            <a:pPr marL="514350" indent="-514350">
+              <a:buFont typeface="+mj-lt"/>
+              <a:buAutoNum type="arabicPeriod"/>
+            </a:pPr>
+            <a:r>
+              <a:rPr lang="en-US" dirty="0"/>
+              <a:t>Add “Using the MicroSim-p5 skill..,” to your prompt:</a:t>
+            </a:r>
+          </a:p>
+          <a:p>
+            <a:pPr marL="971550" lvl="1" indent="-514350">
+              <a:buFont typeface="+mj-lt"/>
+              <a:buAutoNum type="arabicPeriod"/>
+            </a:pPr>
+            <a:r>
+              <a:rPr lang="en-US" b="1" dirty="0"/>
+              <a:t>Example:</a:t>
+            </a:r>
+            <a:r>
+              <a:rPr lang="en-US" dirty="0"/>
+              <a:t> Using the MicroSim-</a:t>
+            </a:r>
+            <a:r>
+              <a:rPr lang="en-US" dirty="0" err="1"/>
+              <a:t>ps</a:t>
+            </a:r>
+            <a:r>
+              <a:rPr lang="en-US" dirty="0"/>
+              <a:t> skill create a new MicroSim that will show the effect of gravity on projectile motion.  Have a slider change the gravity.</a:t>
+            </a:r>
+          </a:p>
+          <a:p>
+            <a:pPr marL="514350" indent="-514350">
+              <a:buFont typeface="+mj-lt"/>
+              <a:buAutoNum type="arabicPeriod"/>
+            </a:pPr>
+            <a:r>
+              <a:rPr lang="en-US" dirty="0"/>
+              <a:t>Download the zip file that Claude creates</a:t>
+            </a:r>
+          </a:p>
+          <a:p>
+            <a:pPr marL="514350" indent="-514350">
+              <a:buFont typeface="+mj-lt"/>
+              <a:buAutoNum type="arabicPeriod"/>
+            </a:pPr>
+            <a:r>
+              <a:rPr lang="en-US" dirty="0"/>
+              <a:t>Open the zip file and test the JavaScript using the p5.js editor</a:t>
+            </a:r>
+          </a:p>
+          <a:p>
+            <a:pPr marL="514350" indent="-514350">
+              <a:buFont typeface="+mj-lt"/>
+              <a:buAutoNum type="arabicPeriod"/>
+            </a:pPr>
+            <a:r>
+              <a:rPr lang="en-US" dirty="0"/>
+              <a:t>If you are happy with the result, place the files in your sims folder of your textbook.</a:t>
+            </a:r>
+          </a:p>
+          <a:p>
+            <a:pPr marL="514350" indent="-514350">
+              <a:buFont typeface="+mj-lt"/>
+              <a:buAutoNum type="arabicPeriod"/>
+            </a:pPr>
+            <a:endParaRPr lang="en-US" dirty="0"/>
+          </a:p>
+          <a:p>
+            <a:endParaRPr lang="en-US" dirty="0"/>
+          </a:p>
+        </p:txBody>
+      </p:sp>
+      <p:sp>
+        <p:nvSpPr>
+          <p:cNvPr id="4" name="TextBox 3">
+            <a:extLst>
+              <a:ext uri="{FF2B5EF4-FFF2-40B4-BE49-F238E27FC236}">
+                <a16:creationId xmlns:a16="http://schemas.microsoft.com/office/drawing/2014/main" id="{33BA1BCC-AE5E-A3BC-1D8B-C0F982942A3D}"/>
+              </a:ext>
+            </a:extLst>
+          </p:cNvPr>
+          <p:cNvSpPr txBox="1"/>
+          <p:nvPr/>
+        </p:nvSpPr>
+        <p:spPr>
+          <a:xfrm>
+            <a:off x="988541" y="5696464"/>
+            <a:ext cx="9648539" cy="369332"/>
+          </a:xfrm>
+          <a:prstGeom prst="rect">
+            <a:avLst/>
+          </a:prstGeom>
+          <a:noFill/>
+        </p:spPr>
+        <p:txBody>
+          <a:bodyPr wrap="none" rtlCol="0">
+            <a:spAutoFit/>
+          </a:bodyPr>
+          <a:lstStyle/>
+          <a:p>
+            <a:r>
+              <a:rPr lang="en-US" b="1" dirty="0"/>
+              <a:t>Note: </a:t>
+            </a:r>
+            <a:r>
+              <a:rPr lang="en-US" dirty="0"/>
+              <a:t>Claude Code can also use these skills and automatically install the MicroSim in your book.</a:t>
+            </a:r>
+          </a:p>
+        </p:txBody>
+      </p:sp>
+    </p:spTree>
+    <p:extLst>
+      <p:ext uri="{BB962C8B-B14F-4D97-AF65-F5344CB8AC3E}">
+        <p14:creationId xmlns:p14="http://schemas.microsoft.com/office/powerpoint/2010/main" val="2148771276"/>
+      </p:ext>
+    </p:extLst>
+  </p:cSld>
+  <p:clrMapOvr>
+    <a:masterClrMapping/>
+  </p:clrMapOvr>
+</p:sld>
+</file>
+
+<file path=ppt/slides/slide8.xml><?xml version="1.0" encoding="utf-8"?>
+<p:sld xmlns:a="http://schemas.openxmlformats.org/drawingml/2006/main" xmlns:r="http://schemas.openxmlformats.org/officeDocument/2006/relationships" xmlns:p="http://schemas.openxmlformats.org/presentationml/2006/main">
+  <p:cSld>
+    <p:spTree>
+      <p:nvGrpSpPr>
+        <p:cNvPr id="1" name=""/>
+        <p:cNvGrpSpPr/>
+        <p:nvPr/>
+      </p:nvGrpSpPr>
+      <p:grpSpPr>
+        <a:xfrm>
+          <a:off x="0" y="0"/>
+          <a:ext cx="0" cy="0"/>
+          <a:chOff x="0" y="0"/>
+          <a:chExt cx="0" cy="0"/>
+        </a:xfrm>
+      </p:grpSpPr>
+      <p:sp>
+        <p:nvSpPr>
+          <p:cNvPr id="2" name="Title 1">
+            <a:extLst>
+              <a:ext uri="{FF2B5EF4-FFF2-40B4-BE49-F238E27FC236}">
+                <a16:creationId xmlns:a16="http://schemas.microsoft.com/office/drawing/2014/main" id="{B1C259AE-D719-3AE9-E44D-0D90B629B1E0}"/>
+              </a:ext>
+            </a:extLst>
+          </p:cNvPr>
+          <p:cNvSpPr>
+            <a:spLocks noGrp="1"/>
+          </p:cNvSpPr>
+          <p:nvPr>
+            <p:ph type="title"/>
+          </p:nvPr>
+        </p:nvSpPr>
         <p:spPr/>
         <p:txBody>
           <a:bodyPr/>
           <a:lstStyle/>
           <a:p>
-            <a:endParaRPr lang="en-US"/>
+            <a:r>
+              <a:rPr lang="en-US" dirty="0"/>
+              <a:t>Step 1: Download the Skill to Your Local System</a:t>
+            </a:r>
           </a:p>
         </p:txBody>
       </p:sp>
@@ -5223,7 +10719,7 @@
           <p:cNvPr id="3" name="Content Placeholder 2">
             <a:extLst>
               <a:ext uri="{FF2B5EF4-FFF2-40B4-BE49-F238E27FC236}">
-                <a16:creationId xmlns:a16="http://schemas.microsoft.com/office/drawing/2014/main" id="{F6DEFE41-9CC8-F642-2E31-4AB6CCF85C7D}"/>
+                <a16:creationId xmlns:a16="http://schemas.microsoft.com/office/drawing/2014/main" id="{1462D6F2-6C1E-084A-61F5-24177DCAEA2D}"/>
               </a:ext>
             </a:extLst>
           </p:cNvPr>
@@ -5236,15 +10732,24 @@
         </p:nvSpPr>
         <p:spPr>
           <a:xfrm>
-            <a:off x="838200" y="4769707"/>
-            <a:ext cx="10515600" cy="1407255"/>
+            <a:off x="838200" y="1825625"/>
+            <a:ext cx="10515600" cy="1671337"/>
           </a:xfrm>
         </p:spPr>
         <p:txBody>
           <a:bodyPr/>
           <a:lstStyle/>
           <a:p>
-            <a:endParaRPr lang="en-US"/>
+            <a:r>
+              <a:rPr lang="en-US" dirty="0"/>
+              <a:t>Go to:</a:t>
+            </a:r>
+          </a:p>
+          <a:p>
+            <a:r>
+              <a:rPr lang="en-US" dirty="0"/>
+              <a:t>https://github.com/dmccreary/microsims/blob/main/skills/microsim-p5.zip</a:t>
+            </a:r>
           </a:p>
         </p:txBody>
       </p:sp>
@@ -5253,7 +10758,7 @@
           <p:cNvPr id="4" name="Picture 3">
             <a:extLst>
               <a:ext uri="{FF2B5EF4-FFF2-40B4-BE49-F238E27FC236}">
-                <a16:creationId xmlns:a16="http://schemas.microsoft.com/office/drawing/2014/main" id="{D031521E-596D-52F0-9CD0-9282F6833982}"/>
+                <a16:creationId xmlns:a16="http://schemas.microsoft.com/office/drawing/2014/main" id="{8EF4DE04-10E6-A5BB-6852-D1B05F66D44A}"/>
               </a:ext>
             </a:extLst>
           </p:cNvPr>
@@ -5270,18 +10775,304 @@
         </p:blipFill>
         <p:spPr>
           <a:xfrm>
-            <a:off x="405714" y="2364509"/>
-            <a:ext cx="11032252" cy="1478443"/>
+            <a:off x="665205" y="3229294"/>
+            <a:ext cx="10592834" cy="3171506"/>
           </a:xfrm>
           <a:prstGeom prst="rect">
             <a:avLst/>
           </a:prstGeom>
         </p:spPr>
       </p:pic>
+      <p:sp>
+        <p:nvSpPr>
+          <p:cNvPr id="5" name="Down Arrow 4">
+            <a:extLst>
+              <a:ext uri="{FF2B5EF4-FFF2-40B4-BE49-F238E27FC236}">
+                <a16:creationId xmlns:a16="http://schemas.microsoft.com/office/drawing/2014/main" id="{302062D0-EF05-918E-1419-3C0EC7A9549E}"/>
+              </a:ext>
+            </a:extLst>
+          </p:cNvPr>
+          <p:cNvSpPr/>
+          <p:nvPr/>
+        </p:nvSpPr>
+        <p:spPr>
+          <a:xfrm>
+            <a:off x="9910119" y="4226012"/>
+            <a:ext cx="803189" cy="1186248"/>
+          </a:xfrm>
+          <a:prstGeom prst="downArrow">
+            <a:avLst/>
+          </a:prstGeom>
+          <a:solidFill>
+            <a:srgbClr val="FF0000"/>
+          </a:solidFill>
+        </p:spPr>
+        <p:style>
+          <a:lnRef idx="2">
+            <a:schemeClr val="accent1">
+              <a:shade val="15000"/>
+            </a:schemeClr>
+          </a:lnRef>
+          <a:fillRef idx="1">
+            <a:schemeClr val="accent1"/>
+          </a:fillRef>
+          <a:effectRef idx="0">
+            <a:schemeClr val="accent1"/>
+          </a:effectRef>
+          <a:fontRef idx="minor">
+            <a:schemeClr val="lt1"/>
+          </a:fontRef>
+        </p:style>
+        <p:txBody>
+          <a:bodyPr rtlCol="0" anchor="ctr"/>
+          <a:lstStyle/>
+          <a:p>
+            <a:pPr algn="ctr"/>
+            <a:endParaRPr lang="en-US"/>
+          </a:p>
+        </p:txBody>
+      </p:sp>
     </p:spTree>
     <p:extLst>
       <p:ext uri="{BB962C8B-B14F-4D97-AF65-F5344CB8AC3E}">
-        <p14:creationId xmlns:p14="http://schemas.microsoft.com/office/powerpoint/2010/main" val="3485858917"/>
+        <p14:creationId xmlns:p14="http://schemas.microsoft.com/office/powerpoint/2010/main" val="1099477184"/>
+      </p:ext>
+    </p:extLst>
+  </p:cSld>
+  <p:clrMapOvr>
+    <a:masterClrMapping/>
+  </p:clrMapOvr>
+</p:sld>
+</file>
+
+<file path=ppt/slides/slide9.xml><?xml version="1.0" encoding="utf-8"?>
+<p:sld xmlns:a="http://schemas.openxmlformats.org/drawingml/2006/main" xmlns:r="http://schemas.openxmlformats.org/officeDocument/2006/relationships" xmlns:p="http://schemas.openxmlformats.org/presentationml/2006/main">
+  <p:cSld>
+    <p:spTree>
+      <p:nvGrpSpPr>
+        <p:cNvPr id="1" name=""/>
+        <p:cNvGrpSpPr/>
+        <p:nvPr/>
+      </p:nvGrpSpPr>
+      <p:grpSpPr>
+        <a:xfrm>
+          <a:off x="0" y="0"/>
+          <a:ext cx="0" cy="0"/>
+          <a:chOff x="0" y="0"/>
+          <a:chExt cx="0" cy="0"/>
+        </a:xfrm>
+      </p:grpSpPr>
+      <p:sp>
+        <p:nvSpPr>
+          <p:cNvPr id="2" name="Title 1">
+            <a:extLst>
+              <a:ext uri="{FF2B5EF4-FFF2-40B4-BE49-F238E27FC236}">
+                <a16:creationId xmlns:a16="http://schemas.microsoft.com/office/drawing/2014/main" id="{06E09389-91C3-89FC-2EDF-0D2AC03EEF1C}"/>
+              </a:ext>
+            </a:extLst>
+          </p:cNvPr>
+          <p:cNvSpPr>
+            <a:spLocks noGrp="1"/>
+          </p:cNvSpPr>
+          <p:nvPr>
+            <p:ph type="title"/>
+          </p:nvPr>
+        </p:nvSpPr>
+        <p:spPr>
+          <a:xfrm>
+            <a:off x="719447" y="210748"/>
+            <a:ext cx="10515600" cy="798656"/>
+          </a:xfrm>
+        </p:spPr>
+        <p:txBody>
+          <a:bodyPr/>
+          <a:lstStyle/>
+          <a:p>
+            <a:r>
+              <a:rPr lang="en-US" dirty="0"/>
+              <a:t>Go to your Claude Setting Capabilities Menu</a:t>
+            </a:r>
+          </a:p>
+        </p:txBody>
+      </p:sp>
+      <p:pic>
+        <p:nvPicPr>
+          <p:cNvPr id="4" name="Picture 3">
+            <a:extLst>
+              <a:ext uri="{FF2B5EF4-FFF2-40B4-BE49-F238E27FC236}">
+                <a16:creationId xmlns:a16="http://schemas.microsoft.com/office/drawing/2014/main" id="{BA870140-7690-8B9F-20D9-5874BC042DC7}"/>
+              </a:ext>
+            </a:extLst>
+          </p:cNvPr>
+          <p:cNvPicPr>
+            <a:picLocks noChangeAspect="1"/>
+          </p:cNvPicPr>
+          <p:nvPr/>
+        </p:nvPicPr>
+        <p:blipFill>
+          <a:blip r:embed="rId2"/>
+          <a:srcRect t="6586"/>
+          <a:stretch>
+            <a:fillRect/>
+          </a:stretch>
+        </p:blipFill>
+        <p:spPr>
+          <a:xfrm>
+            <a:off x="1934099" y="1425039"/>
+            <a:ext cx="7772400" cy="4818494"/>
+          </a:xfrm>
+          <a:prstGeom prst="rect">
+            <a:avLst/>
+          </a:prstGeom>
+          <a:ln>
+            <a:solidFill>
+              <a:schemeClr val="tx1"/>
+            </a:solidFill>
+          </a:ln>
+        </p:spPr>
+      </p:pic>
+      <p:sp>
+        <p:nvSpPr>
+          <p:cNvPr id="5" name="Left Arrow 4">
+            <a:extLst>
+              <a:ext uri="{FF2B5EF4-FFF2-40B4-BE49-F238E27FC236}">
+                <a16:creationId xmlns:a16="http://schemas.microsoft.com/office/drawing/2014/main" id="{2980FD8F-A9B4-2C4E-37CB-DD03352CC316}"/>
+              </a:ext>
+            </a:extLst>
+          </p:cNvPr>
+          <p:cNvSpPr/>
+          <p:nvPr/>
+        </p:nvSpPr>
+        <p:spPr>
+          <a:xfrm>
+            <a:off x="9334004" y="5118265"/>
+            <a:ext cx="1911928" cy="878773"/>
+          </a:xfrm>
+          <a:prstGeom prst="leftArrow">
+            <a:avLst/>
+          </a:prstGeom>
+          <a:solidFill>
+            <a:srgbClr val="FF0000"/>
+          </a:solidFill>
+        </p:spPr>
+        <p:style>
+          <a:lnRef idx="2">
+            <a:schemeClr val="accent1">
+              <a:shade val="15000"/>
+            </a:schemeClr>
+          </a:lnRef>
+          <a:fillRef idx="1">
+            <a:schemeClr val="accent1"/>
+          </a:fillRef>
+          <a:effectRef idx="0">
+            <a:schemeClr val="accent1"/>
+          </a:effectRef>
+          <a:fontRef idx="minor">
+            <a:schemeClr val="lt1"/>
+          </a:fontRef>
+        </p:style>
+        <p:txBody>
+          <a:bodyPr rtlCol="0" anchor="ctr"/>
+          <a:lstStyle/>
+          <a:p>
+            <a:pPr algn="ctr"/>
+            <a:r>
+              <a:rPr lang="en-US" dirty="0"/>
+              <a:t>CLICK HERE</a:t>
+            </a:r>
+          </a:p>
+        </p:txBody>
+      </p:sp>
+      <p:sp>
+        <p:nvSpPr>
+          <p:cNvPr id="6" name="TextBox 5">
+            <a:extLst>
+              <a:ext uri="{FF2B5EF4-FFF2-40B4-BE49-F238E27FC236}">
+                <a16:creationId xmlns:a16="http://schemas.microsoft.com/office/drawing/2014/main" id="{4EEAFC43-74F3-9BA5-1B76-319CCAAF4067}"/>
+              </a:ext>
+            </a:extLst>
+          </p:cNvPr>
+          <p:cNvSpPr txBox="1"/>
+          <p:nvPr/>
+        </p:nvSpPr>
+        <p:spPr>
+          <a:xfrm>
+            <a:off x="1828800" y="961901"/>
+            <a:ext cx="4454553" cy="369332"/>
+          </a:xfrm>
+          <a:prstGeom prst="rect">
+            <a:avLst/>
+          </a:prstGeom>
+          <a:noFill/>
+        </p:spPr>
+        <p:txBody>
+          <a:bodyPr wrap="none" rtlCol="0">
+            <a:spAutoFit/>
+          </a:bodyPr>
+          <a:lstStyle/>
+          <a:p>
+            <a:r>
+              <a:rPr lang="en-US" dirty="0"/>
+              <a:t>Go to: http://</a:t>
+            </a:r>
+            <a:r>
+              <a:rPr lang="en-US" dirty="0" err="1"/>
+              <a:t>claude.ai</a:t>
+            </a:r>
+            <a:r>
+              <a:rPr lang="en-US" dirty="0"/>
+              <a:t>/settings/capabilities</a:t>
+            </a:r>
+          </a:p>
+        </p:txBody>
+      </p:sp>
+      <p:sp>
+        <p:nvSpPr>
+          <p:cNvPr id="7" name="TextBox 6">
+            <a:extLst>
+              <a:ext uri="{FF2B5EF4-FFF2-40B4-BE49-F238E27FC236}">
+                <a16:creationId xmlns:a16="http://schemas.microsoft.com/office/drawing/2014/main" id="{FD973B83-8C05-8F1A-EB27-F59568DA2A2E}"/>
+              </a:ext>
+            </a:extLst>
+          </p:cNvPr>
+          <p:cNvSpPr txBox="1"/>
+          <p:nvPr/>
+        </p:nvSpPr>
+        <p:spPr>
+          <a:xfrm>
+            <a:off x="1886198" y="6268191"/>
+            <a:ext cx="4944559" cy="369332"/>
+          </a:xfrm>
+          <a:prstGeom prst="rect">
+            <a:avLst/>
+          </a:prstGeom>
+          <a:noFill/>
+        </p:spPr>
+        <p:txBody>
+          <a:bodyPr wrap="none" rtlCol="0">
+            <a:spAutoFit/>
+          </a:bodyPr>
+          <a:lstStyle/>
+          <a:p>
+            <a:r>
+              <a:rPr lang="en-US" dirty="0"/>
+              <a:t>In the Skills area, click the “</a:t>
+            </a:r>
+            <a:r>
+              <a:rPr lang="en-US" b="1" dirty="0"/>
+              <a:t>Upload skill</a:t>
+            </a:r>
+            <a:r>
+              <a:rPr lang="en-US" dirty="0"/>
+              <a:t>” button</a:t>
+            </a:r>
+          </a:p>
+        </p:txBody>
+      </p:sp>
+    </p:spTree>
+    <p:extLst>
+      <p:ext uri="{BB962C8B-B14F-4D97-AF65-F5344CB8AC3E}">
+        <p14:creationId xmlns:p14="http://schemas.microsoft.com/office/powerpoint/2010/main" val="1017587451"/>
       </p:ext>
     </p:extLst>
   </p:cSld>
@@ -5604,4 +11395,319 @@
     </a:ext>
   </a:extLst>
 </a:theme>
+</file>
+
+<file path=ppt/theme/theme2.xml><?xml version="1.0" encoding="utf-8"?>
+<a:theme xmlns:a="http://schemas.openxmlformats.org/drawingml/2006/main" name="Office Theme">
+  <a:themeElements>
+    <a:clrScheme name="Office">
+      <a:dk1>
+        <a:sysClr val="windowText" lastClr="000000"/>
+      </a:dk1>
+      <a:lt1>
+        <a:sysClr val="window" lastClr="FFFFFF"/>
+      </a:lt1>
+      <a:dk2>
+        <a:srgbClr val="0E2841"/>
+      </a:dk2>
+      <a:lt2>
+        <a:srgbClr val="E8E8E8"/>
+      </a:lt2>
+      <a:accent1>
+        <a:srgbClr val="156082"/>
+      </a:accent1>
+      <a:accent2>
+        <a:srgbClr val="E97132"/>
+      </a:accent2>
+      <a:accent3>
+        <a:srgbClr val="196B24"/>
+      </a:accent3>
+      <a:accent4>
+        <a:srgbClr val="0F9ED5"/>
+      </a:accent4>
+      <a:accent5>
+        <a:srgbClr val="A02B93"/>
+      </a:accent5>
+      <a:accent6>
+        <a:srgbClr val="4EA72E"/>
+      </a:accent6>
+      <a:hlink>
+        <a:srgbClr val="467886"/>
+      </a:hlink>
+      <a:folHlink>
+        <a:srgbClr val="96607D"/>
+      </a:folHlink>
+    </a:clrScheme>
+    <a:fontScheme name="Office">
+      <a:majorFont>
+        <a:latin typeface="Aptos Display" panose="02110004020202020204"/>
+        <a:ea typeface=""/>
+        <a:cs typeface=""/>
+        <a:font script="Jpan" typeface="游ゴシック Light"/>
+        <a:font script="Hang" typeface="맑은 고딕"/>
+        <a:font script="Hans" typeface="等线 Light"/>
+        <a:font script="Hant" typeface="新細明體"/>
+        <a:font script="Arab" typeface="Times New Roman"/>
+        <a:font script="Hebr" typeface="Times New Roman"/>
+        <a:font script="Thai" typeface="Angsana New"/>
+        <a:font script="Ethi" typeface="Nyala"/>
+        <a:font script="Beng" typeface="Vrinda"/>
+        <a:font script="Gujr" typeface="Shruti"/>
+        <a:font script="Khmr" typeface="MoolBoran"/>
+        <a:font script="Knda" typeface="Tunga"/>
+        <a:font script="Guru" typeface="Raavi"/>
+        <a:font script="Cans" typeface="Euphemia"/>
+        <a:font script="Cher" typeface="Plantagenet Cherokee"/>
+        <a:font script="Yiii" typeface="Microsoft Yi Baiti"/>
+        <a:font script="Tibt" typeface="Microsoft Himalaya"/>
+        <a:font script="Thaa" typeface="MV Boli"/>
+        <a:font script="Deva" typeface="Mangal"/>
+        <a:font script="Telu" typeface="Gautami"/>
+        <a:font script="Taml" typeface="Latha"/>
+        <a:font script="Syrc" typeface="Estrangelo Edessa"/>
+        <a:font script="Orya" typeface="Kalinga"/>
+        <a:font script="Mlym" typeface="Kartika"/>
+        <a:font script="Laoo" typeface="DokChampa"/>
+        <a:font script="Sinh" typeface="Iskoola Pota"/>
+        <a:font script="Mong" typeface="Mongolian Baiti"/>
+        <a:font script="Viet" typeface="Times New Roman"/>
+        <a:font script="Uigh" typeface="Microsoft Uighur"/>
+        <a:font script="Geor" typeface="Sylfaen"/>
+        <a:font script="Armn" typeface="Arial"/>
+        <a:font script="Bugi" typeface="Leelawadee UI"/>
+        <a:font script="Bopo" typeface="Microsoft JhengHei"/>
+        <a:font script="Java" typeface="Javanese Text"/>
+        <a:font script="Lisu" typeface="Segoe UI"/>
+        <a:font script="Mymr" typeface="Myanmar Text"/>
+        <a:font script="Nkoo" typeface="Ebrima"/>
+        <a:font script="Olck" typeface="Nirmala UI"/>
+        <a:font script="Osma" typeface="Ebrima"/>
+        <a:font script="Phag" typeface="Phagspa"/>
+        <a:font script="Syrn" typeface="Estrangelo Edessa"/>
+        <a:font script="Syrj" typeface="Estrangelo Edessa"/>
+        <a:font script="Syre" typeface="Estrangelo Edessa"/>
+        <a:font script="Sora" typeface="Nirmala UI"/>
+        <a:font script="Tale" typeface="Microsoft Tai Le"/>
+        <a:font script="Talu" typeface="Microsoft New Tai Lue"/>
+        <a:font script="Tfng" typeface="Ebrima"/>
+      </a:majorFont>
+      <a:minorFont>
+        <a:latin typeface="Aptos" panose="02110004020202020204"/>
+        <a:ea typeface=""/>
+        <a:cs typeface=""/>
+        <a:font script="Jpan" typeface="游ゴシック"/>
+        <a:font script="Hang" typeface="맑은 고딕"/>
+        <a:font script="Hans" typeface="等线"/>
+        <a:font script="Hant" typeface="新細明體"/>
+        <a:font script="Arab" typeface="Arial"/>
+        <a:font script="Hebr" typeface="Arial"/>
+        <a:font script="Thai" typeface="Cordia New"/>
+        <a:font script="Ethi" typeface="Nyala"/>
+        <a:font script="Beng" typeface="Vrinda"/>
+        <a:font script="Gujr" typeface="Shruti"/>
+        <a:font script="Khmr" typeface="DaunPenh"/>
+        <a:font script="Knda" typeface="Tunga"/>
+        <a:font script="Guru" typeface="Raavi"/>
+        <a:font script="Cans" typeface="Euphemia"/>
+        <a:font script="Cher" typeface="Plantagenet Cherokee"/>
+        <a:font script="Yiii" typeface="Microsoft Yi Baiti"/>
+        <a:font script="Tibt" typeface="Microsoft Himalaya"/>
+        <a:font script="Thaa" typeface="MV Boli"/>
+        <a:font script="Deva" typeface="Mangal"/>
+        <a:font script="Telu" typeface="Gautami"/>
+        <a:font script="Taml" typeface="Latha"/>
+        <a:font script="Syrc" typeface="Estrangelo Edessa"/>
+        <a:font script="Orya" typeface="Kalinga"/>
+        <a:font script="Mlym" typeface="Kartika"/>
+        <a:font script="Laoo" typeface="DokChampa"/>
+        <a:font script="Sinh" typeface="Iskoola Pota"/>
+        <a:font script="Mong" typeface="Mongolian Baiti"/>
+        <a:font script="Viet" typeface="Arial"/>
+        <a:font script="Uigh" typeface="Microsoft Uighur"/>
+        <a:font script="Geor" typeface="Sylfaen"/>
+        <a:font script="Armn" typeface="Arial"/>
+        <a:font script="Bugi" typeface="Leelawadee UI"/>
+        <a:font script="Bopo" typeface="Microsoft JhengHei"/>
+        <a:font script="Java" typeface="Javanese Text"/>
+        <a:font script="Lisu" typeface="Segoe UI"/>
+        <a:font script="Mymr" typeface="Myanmar Text"/>
+        <a:font script="Nkoo" typeface="Ebrima"/>
+        <a:font script="Olck" typeface="Nirmala UI"/>
+        <a:font script="Osma" typeface="Ebrima"/>
+        <a:font script="Phag" typeface="Phagspa"/>
+        <a:font script="Syrn" typeface="Estrangelo Edessa"/>
+        <a:font script="Syrj" typeface="Estrangelo Edessa"/>
+        <a:font script="Syre" typeface="Estrangelo Edessa"/>
+        <a:font script="Sora" typeface="Nirmala UI"/>
+        <a:font script="Tale" typeface="Microsoft Tai Le"/>
+        <a:font script="Talu" typeface="Microsoft New Tai Lue"/>
+        <a:font script="Tfng" typeface="Ebrima"/>
+      </a:minorFont>
+    </a:fontScheme>
+    <a:fmtScheme name="Office">
+      <a:fillStyleLst>
+        <a:solidFill>
+          <a:schemeClr val="phClr"/>
+        </a:solidFill>
+        <a:gradFill rotWithShape="1">
+          <a:gsLst>
+            <a:gs pos="0">
+              <a:schemeClr val="phClr">
+                <a:lumMod val="110000"/>
+                <a:satMod val="105000"/>
+                <a:tint val="67000"/>
+              </a:schemeClr>
+            </a:gs>
+            <a:gs pos="50000">
+              <a:schemeClr val="phClr">
+                <a:lumMod val="105000"/>
+                <a:satMod val="103000"/>
+                <a:tint val="73000"/>
+              </a:schemeClr>
+            </a:gs>
+            <a:gs pos="100000">
+              <a:schemeClr val="phClr">
+                <a:lumMod val="105000"/>
+                <a:satMod val="109000"/>
+                <a:tint val="81000"/>
+              </a:schemeClr>
+            </a:gs>
+          </a:gsLst>
+          <a:lin ang="5400000" scaled="0"/>
+        </a:gradFill>
+        <a:gradFill rotWithShape="1">
+          <a:gsLst>
+            <a:gs pos="0">
+              <a:schemeClr val="phClr">
+                <a:satMod val="103000"/>
+                <a:lumMod val="102000"/>
+                <a:tint val="94000"/>
+              </a:schemeClr>
+            </a:gs>
+            <a:gs pos="50000">
+              <a:schemeClr val="phClr">
+                <a:satMod val="110000"/>
+                <a:lumMod val="100000"/>
+                <a:shade val="100000"/>
+              </a:schemeClr>
+            </a:gs>
+            <a:gs pos="100000">
+              <a:schemeClr val="phClr">
+                <a:lumMod val="99000"/>
+                <a:satMod val="120000"/>
+                <a:shade val="78000"/>
+              </a:schemeClr>
+            </a:gs>
+          </a:gsLst>
+          <a:lin ang="5400000" scaled="0"/>
+        </a:gradFill>
+      </a:fillStyleLst>
+      <a:lnStyleLst>
+        <a:ln w="12700" cap="flat" cmpd="sng" algn="ctr">
+          <a:solidFill>
+            <a:schemeClr val="phClr"/>
+          </a:solidFill>
+          <a:prstDash val="solid"/>
+          <a:miter lim="800000"/>
+        </a:ln>
+        <a:ln w="19050" cap="flat" cmpd="sng" algn="ctr">
+          <a:solidFill>
+            <a:schemeClr val="phClr"/>
+          </a:solidFill>
+          <a:prstDash val="solid"/>
+          <a:miter lim="800000"/>
+        </a:ln>
+        <a:ln w="25400" cap="flat" cmpd="sng" algn="ctr">
+          <a:solidFill>
+            <a:schemeClr val="phClr"/>
+          </a:solidFill>
+          <a:prstDash val="solid"/>
+          <a:miter lim="800000"/>
+        </a:ln>
+      </a:lnStyleLst>
+      <a:effectStyleLst>
+        <a:effectStyle>
+          <a:effectLst/>
+        </a:effectStyle>
+        <a:effectStyle>
+          <a:effectLst/>
+        </a:effectStyle>
+        <a:effectStyle>
+          <a:effectLst>
+            <a:outerShdw blurRad="57150" dist="19050" dir="5400000" algn="ctr" rotWithShape="0">
+              <a:srgbClr val="000000">
+                <a:alpha val="63000"/>
+              </a:srgbClr>
+            </a:outerShdw>
+          </a:effectLst>
+        </a:effectStyle>
+      </a:effectStyleLst>
+      <a:bgFillStyleLst>
+        <a:solidFill>
+          <a:schemeClr val="phClr"/>
+        </a:solidFill>
+        <a:solidFill>
+          <a:schemeClr val="phClr">
+            <a:tint val="95000"/>
+            <a:satMod val="170000"/>
+          </a:schemeClr>
+        </a:solidFill>
+        <a:gradFill rotWithShape="1">
+          <a:gsLst>
+            <a:gs pos="0">
+              <a:schemeClr val="phClr">
+                <a:tint val="93000"/>
+                <a:satMod val="150000"/>
+                <a:shade val="98000"/>
+                <a:lumMod val="102000"/>
+              </a:schemeClr>
+            </a:gs>
+            <a:gs pos="50000">
+              <a:schemeClr val="phClr">
+                <a:tint val="98000"/>
+                <a:satMod val="130000"/>
+                <a:shade val="90000"/>
+                <a:lumMod val="103000"/>
+              </a:schemeClr>
+            </a:gs>
+            <a:gs pos="100000">
+              <a:schemeClr val="phClr">
+                <a:shade val="63000"/>
+                <a:satMod val="120000"/>
+              </a:schemeClr>
+            </a:gs>
+          </a:gsLst>
+          <a:lin ang="5400000" scaled="0"/>
+        </a:gradFill>
+      </a:bgFillStyleLst>
+    </a:fmtScheme>
+  </a:themeElements>
+  <a:objectDefaults>
+    <a:lnDef>
+      <a:spPr/>
+      <a:bodyPr/>
+      <a:lstStyle/>
+      <a:style>
+        <a:lnRef idx="2">
+          <a:schemeClr val="accent1"/>
+        </a:lnRef>
+        <a:fillRef idx="0">
+          <a:schemeClr val="accent1"/>
+        </a:fillRef>
+        <a:effectRef idx="1">
+          <a:schemeClr val="accent1"/>
+        </a:effectRef>
+        <a:fontRef idx="minor">
+          <a:schemeClr val="tx1"/>
+        </a:fontRef>
+      </a:style>
+    </a:lnDef>
+  </a:objectDefaults>
+  <a:extraClrSchemeLst/>
+  <a:extLst>
+    <a:ext uri="{05A4C25C-085E-4340-85A3-A5531E510DB2}">
+      <thm15:themeFamily xmlns:thm15="http://schemas.microsoft.com/office/thememl/2012/main" name="Office Theme" id="{2E142A2C-CD16-42D6-873A-C26D2A0506FA}" vid="{1BDDFF52-6CD6-40A5-AB3C-68EB2F1E4D0A}"/>
+    </a:ext>
+  </a:extLst>
+</a:theme>
 </file>
--- a/slides/Using-Claude-Skill-to-Generate-MicroSims.pptx
+++ b/slides/Using-Claude-Skill-to-Generate-MicroSims.pptx
@@ -5,7 +5,7 @@
     <p:sldMasterId id="2147483648" r:id="rId1"/>
   </p:sldMasterIdLst>
   <p:notesMasterIdLst>
-    <p:notesMasterId r:id="rId41"/>
+    <p:notesMasterId r:id="rId42"/>
   </p:notesMasterIdLst>
   <p:sldIdLst>
     <p:sldId id="256" r:id="rId2"/>
@@ -45,8 +45,9 @@
     <p:sldId id="290" r:id="rId36"/>
     <p:sldId id="291" r:id="rId37"/>
     <p:sldId id="292" r:id="rId38"/>
-    <p:sldId id="283" r:id="rId39"/>
-    <p:sldId id="284" r:id="rId40"/>
+    <p:sldId id="296" r:id="rId39"/>
+    <p:sldId id="283" r:id="rId40"/>
+    <p:sldId id="284" r:id="rId41"/>
   </p:sldIdLst>
   <p:sldSz cx="12192000" cy="6858000"/>
   <p:notesSz cx="6858000" cy="9144000"/>
@@ -145,6 +146,11 @@
       </a:defRPr>
     </a:lvl9pPr>
   </p:defaultTextStyle>
+  <p:extLst>
+    <p:ext uri="{EFAFB233-063F-42B5-8137-9DF3F51BA10A}">
+      <p15:sldGuideLst xmlns:p15="http://schemas.microsoft.com/office/powerpoint/2012/main"/>
+    </p:ext>
+  </p:extLst>
 </p:presentation>
 </file>
 
@@ -735,7 +741,7 @@
           <a:p>
             <a:fld id="{D77E0A2F-50E4-A145-AC99-2710BFDA1C35}" type="datetimeFigureOut">
               <a:rPr lang="en-US" smtClean="0"/>
-              <a:t>10/20/25</a:t>
+              <a:t>10/23/25</a:t>
             </a:fld>
             <a:endParaRPr lang="en-US"/>
           </a:p>
@@ -933,7 +939,7 @@
           <a:p>
             <a:fld id="{D77E0A2F-50E4-A145-AC99-2710BFDA1C35}" type="datetimeFigureOut">
               <a:rPr lang="en-US" smtClean="0"/>
-              <a:t>10/20/25</a:t>
+              <a:t>10/23/25</a:t>
             </a:fld>
             <a:endParaRPr lang="en-US"/>
           </a:p>
@@ -1141,7 +1147,7 @@
           <a:p>
             <a:fld id="{D77E0A2F-50E4-A145-AC99-2710BFDA1C35}" type="datetimeFigureOut">
               <a:rPr lang="en-US" smtClean="0"/>
-              <a:t>10/20/25</a:t>
+              <a:t>10/23/25</a:t>
             </a:fld>
             <a:endParaRPr lang="en-US"/>
           </a:p>
@@ -1339,7 +1345,7 @@
           <a:p>
             <a:fld id="{D77E0A2F-50E4-A145-AC99-2710BFDA1C35}" type="datetimeFigureOut">
               <a:rPr lang="en-US" smtClean="0"/>
-              <a:t>10/20/25</a:t>
+              <a:t>10/23/25</a:t>
             </a:fld>
             <a:endParaRPr lang="en-US"/>
           </a:p>
@@ -1614,7 +1620,7 @@
           <a:p>
             <a:fld id="{D77E0A2F-50E4-A145-AC99-2710BFDA1C35}" type="datetimeFigureOut">
               <a:rPr lang="en-US" smtClean="0"/>
-              <a:t>10/20/25</a:t>
+              <a:t>10/23/25</a:t>
             </a:fld>
             <a:endParaRPr lang="en-US"/>
           </a:p>
@@ -1879,7 +1885,7 @@
           <a:p>
             <a:fld id="{D77E0A2F-50E4-A145-AC99-2710BFDA1C35}" type="datetimeFigureOut">
               <a:rPr lang="en-US" smtClean="0"/>
-              <a:t>10/20/25</a:t>
+              <a:t>10/23/25</a:t>
             </a:fld>
             <a:endParaRPr lang="en-US"/>
           </a:p>
@@ -2291,7 +2297,7 @@
           <a:p>
             <a:fld id="{D77E0A2F-50E4-A145-AC99-2710BFDA1C35}" type="datetimeFigureOut">
               <a:rPr lang="en-US" smtClean="0"/>
-              <a:t>10/20/25</a:t>
+              <a:t>10/23/25</a:t>
             </a:fld>
             <a:endParaRPr lang="en-US"/>
           </a:p>
@@ -2432,7 +2438,7 @@
           <a:p>
             <a:fld id="{D77E0A2F-50E4-A145-AC99-2710BFDA1C35}" type="datetimeFigureOut">
               <a:rPr lang="en-US" smtClean="0"/>
-              <a:t>10/20/25</a:t>
+              <a:t>10/23/25</a:t>
             </a:fld>
             <a:endParaRPr lang="en-US"/>
           </a:p>
@@ -2545,7 +2551,7 @@
           <a:p>
             <a:fld id="{D77E0A2F-50E4-A145-AC99-2710BFDA1C35}" type="datetimeFigureOut">
               <a:rPr lang="en-US" smtClean="0"/>
-              <a:t>10/20/25</a:t>
+              <a:t>10/23/25</a:t>
             </a:fld>
             <a:endParaRPr lang="en-US"/>
           </a:p>
@@ -2856,7 +2862,7 @@
           <a:p>
             <a:fld id="{D77E0A2F-50E4-A145-AC99-2710BFDA1C35}" type="datetimeFigureOut">
               <a:rPr lang="en-US" smtClean="0"/>
-              <a:t>10/20/25</a:t>
+              <a:t>10/23/25</a:t>
             </a:fld>
             <a:endParaRPr lang="en-US"/>
           </a:p>
@@ -3144,7 +3150,7 @@
           <a:p>
             <a:fld id="{D77E0A2F-50E4-A145-AC99-2710BFDA1C35}" type="datetimeFigureOut">
               <a:rPr lang="en-US" smtClean="0"/>
-              <a:t>10/20/25</a:t>
+              <a:t>10/23/25</a:t>
             </a:fld>
             <a:endParaRPr lang="en-US"/>
           </a:p>
@@ -3385,7 +3391,7 @@
           <a:p>
             <a:fld id="{D77E0A2F-50E4-A145-AC99-2710BFDA1C35}" type="datetimeFigureOut">
               <a:rPr lang="en-US" smtClean="0"/>
-              <a:t>10/20/25</a:t>
+              <a:t>10/23/25</a:t>
             </a:fld>
             <a:endParaRPr lang="en-US"/>
           </a:p>
@@ -8654,7 +8660,7 @@
           <p:cNvPr id="2" name="Title 1">
             <a:extLst>
               <a:ext uri="{FF2B5EF4-FFF2-40B4-BE49-F238E27FC236}">
-                <a16:creationId xmlns:a16="http://schemas.microsoft.com/office/drawing/2014/main" id="{290E31D1-DE46-9833-EBFC-F4F1D0414A25}"/>
+                <a16:creationId xmlns:a16="http://schemas.microsoft.com/office/drawing/2014/main" id="{77F0BDB0-A600-5380-BC77-15540E4D1E5F}"/>
               </a:ext>
             </a:extLst>
           </p:cNvPr>
@@ -8667,8 +8673,8 @@
         </p:nvSpPr>
         <p:spPr>
           <a:xfrm>
-            <a:off x="553994" y="290986"/>
-            <a:ext cx="10515600" cy="895264"/>
+            <a:off x="368968" y="314184"/>
+            <a:ext cx="10515600" cy="728162"/>
           </a:xfrm>
         </p:spPr>
         <p:txBody>
@@ -8677,7 +8683,7 @@
           <a:p>
             <a:r>
               <a:rPr lang="en-US" dirty="0"/>
-              <a:t>Conclusion</a:t>
+              <a:t>Claude Usage Impact</a:t>
             </a:r>
           </a:p>
         </p:txBody>
@@ -8687,7 +8693,7 @@
           <p:cNvPr id="3" name="Content Placeholder 2">
             <a:extLst>
               <a:ext uri="{FF2B5EF4-FFF2-40B4-BE49-F238E27FC236}">
-                <a16:creationId xmlns:a16="http://schemas.microsoft.com/office/drawing/2014/main" id="{A9CFEE2B-C67B-F142-BF77-BE371FCDEA36}"/>
+                <a16:creationId xmlns:a16="http://schemas.microsoft.com/office/drawing/2014/main" id="{E6A9CE2E-662C-4B16-5965-EA09B6497D9A}"/>
               </a:ext>
             </a:extLst>
           </p:cNvPr>
@@ -8700,57 +8706,98 @@
         </p:nvSpPr>
         <p:spPr>
           <a:xfrm>
-            <a:off x="924697" y="1458097"/>
-            <a:ext cx="10515600" cy="4646141"/>
+            <a:off x="838200" y="3166350"/>
+            <a:ext cx="10515600" cy="2520914"/>
           </a:xfrm>
         </p:spPr>
         <p:txBody>
           <a:bodyPr>
-            <a:normAutofit fontScale="92500" lnSpcReduction="10000"/>
+            <a:normAutofit fontScale="70000" lnSpcReduction="20000"/>
           </a:bodyPr>
           <a:lstStyle/>
           <a:p>
             <a:r>
               <a:rPr lang="en-US" dirty="0"/>
-              <a:t>Using Claude Skills can make MicroSim generation MUCH easier for nonprogrammers</a:t>
-            </a:r>
-          </a:p>
-          <a:p>
-            <a:r>
-              <a:rPr lang="en-US" dirty="0"/>
-              <a:t>Some simple MicroSims can be generated in under five minutes</a:t>
-            </a:r>
-          </a:p>
-          <a:p>
-            <a:r>
-              <a:rPr lang="en-US" dirty="0"/>
-              <a:t>The MicroSims layouts may  not perfect and may require tweaking in the placement of the controls</a:t>
-            </a:r>
-          </a:p>
-          <a:p>
-            <a:r>
-              <a:rPr lang="en-US" dirty="0"/>
-              <a:t>The skill asks Claude to generate a large number of precise metadata elements for each MicroSim</a:t>
-            </a:r>
-          </a:p>
-          <a:p>
-            <a:r>
-              <a:rPr lang="en-US" dirty="0"/>
-              <a:t>Claude Code can be used to quickly iterate these designs, but using Claude Code can be challenging for nonprogrammers</a:t>
-            </a:r>
-          </a:p>
-          <a:p>
-            <a:r>
-              <a:rPr lang="en-US" dirty="0"/>
-              <a:t>Using a MicroSim in any web-based textbook is as simple as adding a single line of HTML (iframe)</a:t>
-            </a:r>
-          </a:p>
-        </p:txBody>
-      </p:sp>
+              <a:t>Generating a full MicroSim and all the metadata is a complex process and can use a significant portion of your Pro token allotment  </a:t>
+            </a:r>
+          </a:p>
+          <a:p>
+            <a:r>
+              <a:rPr lang="en-US" dirty="0"/>
+              <a:t>My experience is that generating a MicroSim will take about 10 to 12% of your 4-hour allotment</a:t>
+            </a:r>
+          </a:p>
+          <a:p>
+            <a:r>
+              <a:rPr lang="en-US" dirty="0"/>
+              <a:t>This means you can only create about one MicroSim per hour using your Pro plan ($20)</a:t>
+            </a:r>
+          </a:p>
+          <a:p>
+            <a:r>
+              <a:rPr lang="en-US" dirty="0"/>
+              <a:t>The exact session usage varies based on how complex your MicroSim is</a:t>
+            </a:r>
+          </a:p>
+          <a:p>
+            <a:r>
+              <a:rPr lang="en-US" dirty="0"/>
+              <a:t>You can check your usage using the following link:</a:t>
+            </a:r>
+          </a:p>
+          <a:p>
+            <a:pPr marL="457200" lvl="1" indent="0">
+              <a:buNone/>
+            </a:pPr>
+            <a:r>
+              <a:rPr lang="en-US" dirty="0"/>
+              <a:t>https://</a:t>
+            </a:r>
+            <a:r>
+              <a:rPr lang="en-US" dirty="0" err="1"/>
+              <a:t>claude.ai</a:t>
+            </a:r>
+            <a:r>
+              <a:rPr lang="en-US" dirty="0"/>
+              <a:t>/settings/usage</a:t>
+            </a:r>
+          </a:p>
+        </p:txBody>
+      </p:sp>
+      <p:pic>
+        <p:nvPicPr>
+          <p:cNvPr id="4" name="Picture 3">
+            <a:extLst>
+              <a:ext uri="{FF2B5EF4-FFF2-40B4-BE49-F238E27FC236}">
+                <a16:creationId xmlns:a16="http://schemas.microsoft.com/office/drawing/2014/main" id="{DAB30A2F-2D99-0435-397A-3A9207653E1D}"/>
+              </a:ext>
+            </a:extLst>
+          </p:cNvPr>
+          <p:cNvPicPr>
+            <a:picLocks noChangeAspect="1"/>
+          </p:cNvPicPr>
+          <p:nvPr/>
+        </p:nvPicPr>
+        <p:blipFill>
+          <a:blip r:embed="rId2"/>
+          <a:stretch>
+            <a:fillRect/>
+          </a:stretch>
+        </p:blipFill>
+        <p:spPr>
+          <a:xfrm>
+            <a:off x="2209800" y="1042346"/>
+            <a:ext cx="7772400" cy="1683872"/>
+          </a:xfrm>
+          <a:prstGeom prst="rect">
+            <a:avLst/>
+          </a:prstGeom>
+        </p:spPr>
+      </p:pic>
     </p:spTree>
     <p:extLst>
       <p:ext uri="{BB962C8B-B14F-4D97-AF65-F5344CB8AC3E}">
-        <p14:creationId xmlns:p14="http://schemas.microsoft.com/office/powerpoint/2010/main" val="3096625737"/>
+        <p14:creationId xmlns:p14="http://schemas.microsoft.com/office/powerpoint/2010/main" val="3355229681"/>
       </p:ext>
     </p:extLst>
   </p:cSld>
@@ -8782,7 +8829,7 @@
           <p:cNvPr id="2" name="Title 1">
             <a:extLst>
               <a:ext uri="{FF2B5EF4-FFF2-40B4-BE49-F238E27FC236}">
-                <a16:creationId xmlns:a16="http://schemas.microsoft.com/office/drawing/2014/main" id="{50704BC2-C24A-2B99-436C-213D3E0FEEA3}"/>
+                <a16:creationId xmlns:a16="http://schemas.microsoft.com/office/drawing/2014/main" id="{290E31D1-DE46-9833-EBFC-F4F1D0414A25}"/>
               </a:ext>
             </a:extLst>
           </p:cNvPr>
@@ -8793,14 +8840,19 @@
             <p:ph type="title"/>
           </p:nvPr>
         </p:nvSpPr>
-        <p:spPr/>
+        <p:spPr>
+          <a:xfrm>
+            <a:off x="553994" y="290986"/>
+            <a:ext cx="10515600" cy="895264"/>
+          </a:xfrm>
+        </p:spPr>
         <p:txBody>
           <a:bodyPr/>
           <a:lstStyle/>
           <a:p>
             <a:r>
               <a:rPr lang="en-US" dirty="0"/>
-              <a:t>Thank You!</a:t>
+              <a:t>Conclusion</a:t>
             </a:r>
           </a:p>
         </p:txBody>
@@ -8810,7 +8862,7 @@
           <p:cNvPr id="3" name="Content Placeholder 2">
             <a:extLst>
               <a:ext uri="{FF2B5EF4-FFF2-40B4-BE49-F238E27FC236}">
-                <a16:creationId xmlns:a16="http://schemas.microsoft.com/office/drawing/2014/main" id="{16F91A75-168C-B516-C583-AB8982703A1D}"/>
+                <a16:creationId xmlns:a16="http://schemas.microsoft.com/office/drawing/2014/main" id="{A9CFEE2B-C67B-F142-BF77-BE371FCDEA36}"/>
               </a:ext>
             </a:extLst>
           </p:cNvPr>
@@ -8823,55 +8875,49 @@
         </p:nvSpPr>
         <p:spPr>
           <a:xfrm>
-            <a:off x="862914" y="1865869"/>
-            <a:ext cx="10515600" cy="3198985"/>
-          </a:xfrm>
-        </p:spPr>
-        <p:txBody>
-          <a:bodyPr/>
-          <a:lstStyle/>
-          <a:p>
-            <a:pPr marL="0" indent="0">
-              <a:buNone/>
-            </a:pPr>
-            <a:r>
-              <a:rPr lang="en-US" dirty="0"/>
-              <a:t>Feedback, Bugs, Enhancements: </a:t>
-            </a:r>
-            <a:br>
-              <a:rPr lang="en-US" dirty="0"/>
-            </a:br>
-            <a:br>
-              <a:rPr lang="en-US" dirty="0"/>
-            </a:br>
-            <a:r>
-              <a:rPr lang="en-US" dirty="0"/>
-              <a:t>https://github.com/dmccreary/microsims/issues</a:t>
-            </a:r>
-          </a:p>
-          <a:p>
-            <a:pPr marL="0" indent="0">
-              <a:buNone/>
-            </a:pPr>
-            <a:br>
-              <a:rPr lang="en-US" dirty="0"/>
-            </a:br>
-            <a:r>
-              <a:rPr lang="en-US" b="1" dirty="0"/>
-              <a:t>Questions</a:t>
-            </a:r>
-            <a:r>
-              <a:rPr lang="en-US" dirty="0"/>
-              <a:t> – please connect with me on LinkedIn</a:t>
-            </a:r>
-          </a:p>
-          <a:p>
-            <a:pPr marL="457200" lvl="1" indent="0">
-              <a:buNone/>
-            </a:pPr>
-            <a:r>
-              <a:rPr lang="en-US" dirty="0"/>
-              <a:t>https://www.linkedin.com/in/danmccreary/</a:t>
+            <a:off x="924697" y="1458097"/>
+            <a:ext cx="10515600" cy="4646141"/>
+          </a:xfrm>
+        </p:spPr>
+        <p:txBody>
+          <a:bodyPr>
+            <a:normAutofit fontScale="92500" lnSpcReduction="10000"/>
+          </a:bodyPr>
+          <a:lstStyle/>
+          <a:p>
+            <a:r>
+              <a:rPr lang="en-US" dirty="0"/>
+              <a:t>Using Claude Skills can make MicroSim generation MUCH easier for nonprogrammers</a:t>
+            </a:r>
+          </a:p>
+          <a:p>
+            <a:r>
+              <a:rPr lang="en-US" dirty="0"/>
+              <a:t>Some simple MicroSims can be generated in under five minutes</a:t>
+            </a:r>
+          </a:p>
+          <a:p>
+            <a:r>
+              <a:rPr lang="en-US" dirty="0"/>
+              <a:t>The MicroSims layouts may  not perfect and may require tweaking in the placement of the controls</a:t>
+            </a:r>
+          </a:p>
+          <a:p>
+            <a:r>
+              <a:rPr lang="en-US" dirty="0"/>
+              <a:t>The skill asks Claude to generate a large number of precise metadata elements for each MicroSim</a:t>
+            </a:r>
+          </a:p>
+          <a:p>
+            <a:r>
+              <a:rPr lang="en-US" dirty="0"/>
+              <a:t>Claude Code can be used to quickly iterate these designs, but using Claude Code can be challenging for nonprogrammers</a:t>
+            </a:r>
+          </a:p>
+          <a:p>
+            <a:r>
+              <a:rPr lang="en-US" dirty="0"/>
+              <a:t>Using a MicroSim in any web-based textbook is as simple as adding a single line of HTML (iframe)</a:t>
             </a:r>
           </a:p>
         </p:txBody>
@@ -8879,7 +8925,7 @@
     </p:spTree>
     <p:extLst>
       <p:ext uri="{BB962C8B-B14F-4D97-AF65-F5344CB8AC3E}">
-        <p14:creationId xmlns:p14="http://schemas.microsoft.com/office/powerpoint/2010/main" val="3213575284"/>
+        <p14:creationId xmlns:p14="http://schemas.microsoft.com/office/powerpoint/2010/main" val="3096625737"/>
       </p:ext>
     </p:extLst>
   </p:cSld>
@@ -10056,6 +10102,135 @@
     <p:extLst>
       <p:ext uri="{BB962C8B-B14F-4D97-AF65-F5344CB8AC3E}">
         <p14:creationId xmlns:p14="http://schemas.microsoft.com/office/powerpoint/2010/main" val="2918897279"/>
+      </p:ext>
+    </p:extLst>
+  </p:cSld>
+  <p:clrMapOvr>
+    <a:masterClrMapping/>
+  </p:clrMapOvr>
+</p:sld>
+</file>
+
+<file path=ppt/slides/slide40.xml><?xml version="1.0" encoding="utf-8"?>
+<p:sld xmlns:a="http://schemas.openxmlformats.org/drawingml/2006/main" xmlns:r="http://schemas.openxmlformats.org/officeDocument/2006/relationships" xmlns:p="http://schemas.openxmlformats.org/presentationml/2006/main">
+  <p:cSld>
+    <p:spTree>
+      <p:nvGrpSpPr>
+        <p:cNvPr id="1" name=""/>
+        <p:cNvGrpSpPr/>
+        <p:nvPr/>
+      </p:nvGrpSpPr>
+      <p:grpSpPr>
+        <a:xfrm>
+          <a:off x="0" y="0"/>
+          <a:ext cx="0" cy="0"/>
+          <a:chOff x="0" y="0"/>
+          <a:chExt cx="0" cy="0"/>
+        </a:xfrm>
+      </p:grpSpPr>
+      <p:sp>
+        <p:nvSpPr>
+          <p:cNvPr id="2" name="Title 1">
+            <a:extLst>
+              <a:ext uri="{FF2B5EF4-FFF2-40B4-BE49-F238E27FC236}">
+                <a16:creationId xmlns:a16="http://schemas.microsoft.com/office/drawing/2014/main" id="{50704BC2-C24A-2B99-436C-213D3E0FEEA3}"/>
+              </a:ext>
+            </a:extLst>
+          </p:cNvPr>
+          <p:cNvSpPr>
+            <a:spLocks noGrp="1"/>
+          </p:cNvSpPr>
+          <p:nvPr>
+            <p:ph type="title"/>
+          </p:nvPr>
+        </p:nvSpPr>
+        <p:spPr/>
+        <p:txBody>
+          <a:bodyPr/>
+          <a:lstStyle/>
+          <a:p>
+            <a:r>
+              <a:rPr lang="en-US" dirty="0"/>
+              <a:t>Thank You!</a:t>
+            </a:r>
+          </a:p>
+        </p:txBody>
+      </p:sp>
+      <p:sp>
+        <p:nvSpPr>
+          <p:cNvPr id="3" name="Content Placeholder 2">
+            <a:extLst>
+              <a:ext uri="{FF2B5EF4-FFF2-40B4-BE49-F238E27FC236}">
+                <a16:creationId xmlns:a16="http://schemas.microsoft.com/office/drawing/2014/main" id="{16F91A75-168C-B516-C583-AB8982703A1D}"/>
+              </a:ext>
+            </a:extLst>
+          </p:cNvPr>
+          <p:cNvSpPr>
+            <a:spLocks noGrp="1"/>
+          </p:cNvSpPr>
+          <p:nvPr>
+            <p:ph idx="1"/>
+          </p:nvPr>
+        </p:nvSpPr>
+        <p:spPr>
+          <a:xfrm>
+            <a:off x="862914" y="1865869"/>
+            <a:ext cx="10515600" cy="3198985"/>
+          </a:xfrm>
+        </p:spPr>
+        <p:txBody>
+          <a:bodyPr/>
+          <a:lstStyle/>
+          <a:p>
+            <a:pPr marL="0" indent="0">
+              <a:buNone/>
+            </a:pPr>
+            <a:r>
+              <a:rPr lang="en-US" dirty="0"/>
+              <a:t>Feedback, Bugs, Enhancements: </a:t>
+            </a:r>
+            <a:br>
+              <a:rPr lang="en-US" dirty="0"/>
+            </a:br>
+            <a:br>
+              <a:rPr lang="en-US" dirty="0"/>
+            </a:br>
+            <a:r>
+              <a:rPr lang="en-US" dirty="0"/>
+              <a:t>https://github.com/dmccreary/microsims/issues</a:t>
+            </a:r>
+          </a:p>
+          <a:p>
+            <a:pPr marL="0" indent="0">
+              <a:buNone/>
+            </a:pPr>
+            <a:br>
+              <a:rPr lang="en-US" dirty="0"/>
+            </a:br>
+            <a:r>
+              <a:rPr lang="en-US" b="1" dirty="0"/>
+              <a:t>Questions</a:t>
+            </a:r>
+            <a:r>
+              <a:rPr lang="en-US" dirty="0"/>
+              <a:t> – please connect with me on LinkedIn</a:t>
+            </a:r>
+          </a:p>
+          <a:p>
+            <a:pPr marL="457200" lvl="1" indent="0">
+              <a:buNone/>
+            </a:pPr>
+            <a:r>
+              <a:rPr lang="en-US" dirty="0"/>
+              <a:t>https://www.linkedin.com/in/danmccreary/</a:t>
+            </a:r>
+          </a:p>
+        </p:txBody>
+      </p:sp>
+    </p:spTree>
+    <p:extLst>
+      <p:ext uri="{BB962C8B-B14F-4D97-AF65-F5344CB8AC3E}">
+        <p14:creationId xmlns:p14="http://schemas.microsoft.com/office/powerpoint/2010/main" val="3213575284"/>
       </p:ext>
     </p:extLst>
   </p:cSld>

--- a/slides/Using-Claude-Skill-to-Generate-MicroSims.pptx
+++ b/slides/Using-Claude-Skill-to-Generate-MicroSims.pptx
@@ -5,7 +5,7 @@
     <p:sldMasterId id="2147483648" r:id="rId1"/>
   </p:sldMasterIdLst>
   <p:notesMasterIdLst>
-    <p:notesMasterId r:id="rId42"/>
+    <p:notesMasterId r:id="rId41"/>
   </p:notesMasterIdLst>
   <p:sldIdLst>
     <p:sldId id="256" r:id="rId2"/>
@@ -45,9 +45,8 @@
     <p:sldId id="290" r:id="rId36"/>
     <p:sldId id="291" r:id="rId37"/>
     <p:sldId id="292" r:id="rId38"/>
-    <p:sldId id="296" r:id="rId39"/>
-    <p:sldId id="283" r:id="rId40"/>
-    <p:sldId id="284" r:id="rId41"/>
+    <p:sldId id="283" r:id="rId39"/>
+    <p:sldId id="284" r:id="rId40"/>
   </p:sldIdLst>
   <p:sldSz cx="12192000" cy="6858000"/>
   <p:notesSz cx="6858000" cy="9144000"/>
@@ -146,11 +145,6 @@
       </a:defRPr>
     </a:lvl9pPr>
   </p:defaultTextStyle>
-  <p:extLst>
-    <p:ext uri="{EFAFB233-063F-42B5-8137-9DF3F51BA10A}">
-      <p15:sldGuideLst xmlns:p15="http://schemas.microsoft.com/office/powerpoint/2012/main"/>
-    </p:ext>
-  </p:extLst>
 </p:presentation>
 </file>
 
@@ -741,7 +735,7 @@
           <a:p>
             <a:fld id="{D77E0A2F-50E4-A145-AC99-2710BFDA1C35}" type="datetimeFigureOut">
               <a:rPr lang="en-US" smtClean="0"/>
-              <a:t>10/23/25</a:t>
+              <a:t>10/20/25</a:t>
             </a:fld>
             <a:endParaRPr lang="en-US"/>
           </a:p>
@@ -939,7 +933,7 @@
           <a:p>
             <a:fld id="{D77E0A2F-50E4-A145-AC99-2710BFDA1C35}" type="datetimeFigureOut">
               <a:rPr lang="en-US" smtClean="0"/>
-              <a:t>10/23/25</a:t>
+              <a:t>10/20/25</a:t>
             </a:fld>
             <a:endParaRPr lang="en-US"/>
           </a:p>
@@ -1147,7 +1141,7 @@
           <a:p>
             <a:fld id="{D77E0A2F-50E4-A145-AC99-2710BFDA1C35}" type="datetimeFigureOut">
               <a:rPr lang="en-US" smtClean="0"/>
-              <a:t>10/23/25</a:t>
+              <a:t>10/20/25</a:t>
             </a:fld>
             <a:endParaRPr lang="en-US"/>
           </a:p>
@@ -1345,7 +1339,7 @@
           <a:p>
             <a:fld id="{D77E0A2F-50E4-A145-AC99-2710BFDA1C35}" type="datetimeFigureOut">
               <a:rPr lang="en-US" smtClean="0"/>
-              <a:t>10/23/25</a:t>
+              <a:t>10/20/25</a:t>
             </a:fld>
             <a:endParaRPr lang="en-US"/>
           </a:p>
@@ -1620,7 +1614,7 @@
           <a:p>
             <a:fld id="{D77E0A2F-50E4-A145-AC99-2710BFDA1C35}" type="datetimeFigureOut">
               <a:rPr lang="en-US" smtClean="0"/>
-              <a:t>10/23/25</a:t>
+              <a:t>10/20/25</a:t>
             </a:fld>
             <a:endParaRPr lang="en-US"/>
           </a:p>
@@ -1885,7 +1879,7 @@
           <a:p>
             <a:fld id="{D77E0A2F-50E4-A145-AC99-2710BFDA1C35}" type="datetimeFigureOut">
               <a:rPr lang="en-US" smtClean="0"/>
-              <a:t>10/23/25</a:t>
+              <a:t>10/20/25</a:t>
             </a:fld>
             <a:endParaRPr lang="en-US"/>
           </a:p>
@@ -2297,7 +2291,7 @@
           <a:p>
             <a:fld id="{D77E0A2F-50E4-A145-AC99-2710BFDA1C35}" type="datetimeFigureOut">
               <a:rPr lang="en-US" smtClean="0"/>
-              <a:t>10/23/25</a:t>
+              <a:t>10/20/25</a:t>
             </a:fld>
             <a:endParaRPr lang="en-US"/>
           </a:p>
@@ -2438,7 +2432,7 @@
           <a:p>
             <a:fld id="{D77E0A2F-50E4-A145-AC99-2710BFDA1C35}" type="datetimeFigureOut">
               <a:rPr lang="en-US" smtClean="0"/>
-              <a:t>10/23/25</a:t>
+              <a:t>10/20/25</a:t>
             </a:fld>
             <a:endParaRPr lang="en-US"/>
           </a:p>
@@ -2551,7 +2545,7 @@
           <a:p>
             <a:fld id="{D77E0A2F-50E4-A145-AC99-2710BFDA1C35}" type="datetimeFigureOut">
               <a:rPr lang="en-US" smtClean="0"/>
-              <a:t>10/23/25</a:t>
+              <a:t>10/20/25</a:t>
             </a:fld>
             <a:endParaRPr lang="en-US"/>
           </a:p>
@@ -2862,7 +2856,7 @@
           <a:p>
             <a:fld id="{D77E0A2F-50E4-A145-AC99-2710BFDA1C35}" type="datetimeFigureOut">
               <a:rPr lang="en-US" smtClean="0"/>
-              <a:t>10/23/25</a:t>
+              <a:t>10/20/25</a:t>
             </a:fld>
             <a:endParaRPr lang="en-US"/>
           </a:p>
@@ -3150,7 +3144,7 @@
           <a:p>
             <a:fld id="{D77E0A2F-50E4-A145-AC99-2710BFDA1C35}" type="datetimeFigureOut">
               <a:rPr lang="en-US" smtClean="0"/>
-              <a:t>10/23/25</a:t>
+              <a:t>10/20/25</a:t>
             </a:fld>
             <a:endParaRPr lang="en-US"/>
           </a:p>
@@ -3391,7 +3385,7 @@
           <a:p>
             <a:fld id="{D77E0A2F-50E4-A145-AC99-2710BFDA1C35}" type="datetimeFigureOut">
               <a:rPr lang="en-US" smtClean="0"/>
-              <a:t>10/23/25</a:t>
+              <a:t>10/20/25</a:t>
             </a:fld>
             <a:endParaRPr lang="en-US"/>
           </a:p>
@@ -8660,7 +8654,7 @@
           <p:cNvPr id="2" name="Title 1">
             <a:extLst>
               <a:ext uri="{FF2B5EF4-FFF2-40B4-BE49-F238E27FC236}">
-                <a16:creationId xmlns:a16="http://schemas.microsoft.com/office/drawing/2014/main" id="{77F0BDB0-A600-5380-BC77-15540E4D1E5F}"/>
+                <a16:creationId xmlns:a16="http://schemas.microsoft.com/office/drawing/2014/main" id="{290E31D1-DE46-9833-EBFC-F4F1D0414A25}"/>
               </a:ext>
             </a:extLst>
           </p:cNvPr>
@@ -8673,8 +8667,8 @@
         </p:nvSpPr>
         <p:spPr>
           <a:xfrm>
-            <a:off x="368968" y="314184"/>
-            <a:ext cx="10515600" cy="728162"/>
+            <a:off x="553994" y="290986"/>
+            <a:ext cx="10515600" cy="895264"/>
           </a:xfrm>
         </p:spPr>
         <p:txBody>
@@ -8683,7 +8677,7 @@
           <a:p>
             <a:r>
               <a:rPr lang="en-US" dirty="0"/>
-              <a:t>Claude Usage Impact</a:t>
+              <a:t>Conclusion</a:t>
             </a:r>
           </a:p>
         </p:txBody>
@@ -8693,7 +8687,7 @@
           <p:cNvPr id="3" name="Content Placeholder 2">
             <a:extLst>
               <a:ext uri="{FF2B5EF4-FFF2-40B4-BE49-F238E27FC236}">
-                <a16:creationId xmlns:a16="http://schemas.microsoft.com/office/drawing/2014/main" id="{E6A9CE2E-662C-4B16-5965-EA09B6497D9A}"/>
+                <a16:creationId xmlns:a16="http://schemas.microsoft.com/office/drawing/2014/main" id="{A9CFEE2B-C67B-F142-BF77-BE371FCDEA36}"/>
               </a:ext>
             </a:extLst>
           </p:cNvPr>
@@ -8706,98 +8700,57 @@
         </p:nvSpPr>
         <p:spPr>
           <a:xfrm>
-            <a:off x="838200" y="3166350"/>
-            <a:ext cx="10515600" cy="2520914"/>
+            <a:off x="924697" y="1458097"/>
+            <a:ext cx="10515600" cy="4646141"/>
           </a:xfrm>
         </p:spPr>
         <p:txBody>
           <a:bodyPr>
-            <a:normAutofit fontScale="70000" lnSpcReduction="20000"/>
+            <a:normAutofit fontScale="92500" lnSpcReduction="10000"/>
           </a:bodyPr>
           <a:lstStyle/>
           <a:p>
             <a:r>
               <a:rPr lang="en-US" dirty="0"/>
-              <a:t>Generating a full MicroSim and all the metadata is a complex process and can use a significant portion of your Pro token allotment  </a:t>
-            </a:r>
-          </a:p>
-          <a:p>
-            <a:r>
-              <a:rPr lang="en-US" dirty="0"/>
-              <a:t>My experience is that generating a MicroSim will take about 10 to 12% of your 4-hour allotment</a:t>
-            </a:r>
-          </a:p>
-          <a:p>
-            <a:r>
-              <a:rPr lang="en-US" dirty="0"/>
-              <a:t>This means you can only create about one MicroSim per hour using your Pro plan ($20)</a:t>
-            </a:r>
-          </a:p>
-          <a:p>
-            <a:r>
-              <a:rPr lang="en-US" dirty="0"/>
-              <a:t>The exact session usage varies based on how complex your MicroSim is</a:t>
-            </a:r>
-          </a:p>
-          <a:p>
-            <a:r>
-              <a:rPr lang="en-US" dirty="0"/>
-              <a:t>You can check your usage using the following link:</a:t>
-            </a:r>
-          </a:p>
-          <a:p>
-            <a:pPr marL="457200" lvl="1" indent="0">
-              <a:buNone/>
-            </a:pPr>
-            <a:r>
-              <a:rPr lang="en-US" dirty="0"/>
-              <a:t>https://</a:t>
-            </a:r>
-            <a:r>
-              <a:rPr lang="en-US" dirty="0" err="1"/>
-              <a:t>claude.ai</a:t>
-            </a:r>
-            <a:r>
-              <a:rPr lang="en-US" dirty="0"/>
-              <a:t>/settings/usage</a:t>
-            </a:r>
-          </a:p>
-        </p:txBody>
-      </p:sp>
-      <p:pic>
-        <p:nvPicPr>
-          <p:cNvPr id="4" name="Picture 3">
-            <a:extLst>
-              <a:ext uri="{FF2B5EF4-FFF2-40B4-BE49-F238E27FC236}">
-                <a16:creationId xmlns:a16="http://schemas.microsoft.com/office/drawing/2014/main" id="{DAB30A2F-2D99-0435-397A-3A9207653E1D}"/>
-              </a:ext>
-            </a:extLst>
-          </p:cNvPr>
-          <p:cNvPicPr>
-            <a:picLocks noChangeAspect="1"/>
-          </p:cNvPicPr>
-          <p:nvPr/>
-        </p:nvPicPr>
-        <p:blipFill>
-          <a:blip r:embed="rId2"/>
-          <a:stretch>
-            <a:fillRect/>
-          </a:stretch>
-        </p:blipFill>
-        <p:spPr>
-          <a:xfrm>
-            <a:off x="2209800" y="1042346"/>
-            <a:ext cx="7772400" cy="1683872"/>
-          </a:xfrm>
-          <a:prstGeom prst="rect">
-            <a:avLst/>
-          </a:prstGeom>
-        </p:spPr>
-      </p:pic>
+              <a:t>Using Claude Skills can make MicroSim generation MUCH easier for nonprogrammers</a:t>
+            </a:r>
+          </a:p>
+          <a:p>
+            <a:r>
+              <a:rPr lang="en-US" dirty="0"/>
+              <a:t>Some simple MicroSims can be generated in under five minutes</a:t>
+            </a:r>
+          </a:p>
+          <a:p>
+            <a:r>
+              <a:rPr lang="en-US" dirty="0"/>
+              <a:t>The MicroSims layouts may  not perfect and may require tweaking in the placement of the controls</a:t>
+            </a:r>
+          </a:p>
+          <a:p>
+            <a:r>
+              <a:rPr lang="en-US" dirty="0"/>
+              <a:t>The skill asks Claude to generate a large number of precise metadata elements for each MicroSim</a:t>
+            </a:r>
+          </a:p>
+          <a:p>
+            <a:r>
+              <a:rPr lang="en-US" dirty="0"/>
+              <a:t>Claude Code can be used to quickly iterate these designs, but using Claude Code can be challenging for nonprogrammers</a:t>
+            </a:r>
+          </a:p>
+          <a:p>
+            <a:r>
+              <a:rPr lang="en-US" dirty="0"/>
+              <a:t>Using a MicroSim in any web-based textbook is as simple as adding a single line of HTML (iframe)</a:t>
+            </a:r>
+          </a:p>
+        </p:txBody>
+      </p:sp>
     </p:spTree>
     <p:extLst>
       <p:ext uri="{BB962C8B-B14F-4D97-AF65-F5344CB8AC3E}">
-        <p14:creationId xmlns:p14="http://schemas.microsoft.com/office/powerpoint/2010/main" val="3355229681"/>
+        <p14:creationId xmlns:p14="http://schemas.microsoft.com/office/powerpoint/2010/main" val="3096625737"/>
       </p:ext>
     </p:extLst>
   </p:cSld>
@@ -8829,7 +8782,7 @@
           <p:cNvPr id="2" name="Title 1">
             <a:extLst>
               <a:ext uri="{FF2B5EF4-FFF2-40B4-BE49-F238E27FC236}">
-                <a16:creationId xmlns:a16="http://schemas.microsoft.com/office/drawing/2014/main" id="{290E31D1-DE46-9833-EBFC-F4F1D0414A25}"/>
+                <a16:creationId xmlns:a16="http://schemas.microsoft.com/office/drawing/2014/main" id="{50704BC2-C24A-2B99-436C-213D3E0FEEA3}"/>
               </a:ext>
             </a:extLst>
           </p:cNvPr>
@@ -8840,19 +8793,14 @@
             <p:ph type="title"/>
           </p:nvPr>
         </p:nvSpPr>
-        <p:spPr>
-          <a:xfrm>
-            <a:off x="553994" y="290986"/>
-            <a:ext cx="10515600" cy="895264"/>
-          </a:xfrm>
-        </p:spPr>
+        <p:spPr/>
         <p:txBody>
           <a:bodyPr/>
           <a:lstStyle/>
           <a:p>
             <a:r>
               <a:rPr lang="en-US" dirty="0"/>
-              <a:t>Conclusion</a:t>
+              <a:t>Thank You!</a:t>
             </a:r>
           </a:p>
         </p:txBody>
@@ -8862,7 +8810,7 @@
           <p:cNvPr id="3" name="Content Placeholder 2">
             <a:extLst>
               <a:ext uri="{FF2B5EF4-FFF2-40B4-BE49-F238E27FC236}">
-                <a16:creationId xmlns:a16="http://schemas.microsoft.com/office/drawing/2014/main" id="{A9CFEE2B-C67B-F142-BF77-BE371FCDEA36}"/>
+                <a16:creationId xmlns:a16="http://schemas.microsoft.com/office/drawing/2014/main" id="{16F91A75-168C-B516-C583-AB8982703A1D}"/>
               </a:ext>
             </a:extLst>
           </p:cNvPr>
@@ -8875,49 +8823,55 @@
         </p:nvSpPr>
         <p:spPr>
           <a:xfrm>
-            <a:off x="924697" y="1458097"/>
-            <a:ext cx="10515600" cy="4646141"/>
-          </a:xfrm>
-        </p:spPr>
-        <p:txBody>
-          <a:bodyPr>
-            <a:normAutofit fontScale="92500" lnSpcReduction="10000"/>
-          </a:bodyPr>
-          <a:lstStyle/>
-          <a:p>
-            <a:r>
-              <a:rPr lang="en-US" dirty="0"/>
-              <a:t>Using Claude Skills can make MicroSim generation MUCH easier for nonprogrammers</a:t>
-            </a:r>
-          </a:p>
-          <a:p>
-            <a:r>
-              <a:rPr lang="en-US" dirty="0"/>
-              <a:t>Some simple MicroSims can be generated in under five minutes</a:t>
-            </a:r>
-          </a:p>
-          <a:p>
-            <a:r>
-              <a:rPr lang="en-US" dirty="0"/>
-              <a:t>The MicroSims layouts may  not perfect and may require tweaking in the placement of the controls</a:t>
-            </a:r>
-          </a:p>
-          <a:p>
-            <a:r>
-              <a:rPr lang="en-US" dirty="0"/>
-              <a:t>The skill asks Claude to generate a large number of precise metadata elements for each MicroSim</a:t>
-            </a:r>
-          </a:p>
-          <a:p>
-            <a:r>
-              <a:rPr lang="en-US" dirty="0"/>
-              <a:t>Claude Code can be used to quickly iterate these designs, but using Claude Code can be challenging for nonprogrammers</a:t>
-            </a:r>
-          </a:p>
-          <a:p>
-            <a:r>
-              <a:rPr lang="en-US" dirty="0"/>
-              <a:t>Using a MicroSim in any web-based textbook is as simple as adding a single line of HTML (iframe)</a:t>
+            <a:off x="862914" y="1865869"/>
+            <a:ext cx="10515600" cy="3198985"/>
+          </a:xfrm>
+        </p:spPr>
+        <p:txBody>
+          <a:bodyPr/>
+          <a:lstStyle/>
+          <a:p>
+            <a:pPr marL="0" indent="0">
+              <a:buNone/>
+            </a:pPr>
+            <a:r>
+              <a:rPr lang="en-US" dirty="0"/>
+              <a:t>Feedback, Bugs, Enhancements: </a:t>
+            </a:r>
+            <a:br>
+              <a:rPr lang="en-US" dirty="0"/>
+            </a:br>
+            <a:br>
+              <a:rPr lang="en-US" dirty="0"/>
+            </a:br>
+            <a:r>
+              <a:rPr lang="en-US" dirty="0"/>
+              <a:t>https://github.com/dmccreary/microsims/issues</a:t>
+            </a:r>
+          </a:p>
+          <a:p>
+            <a:pPr marL="0" indent="0">
+              <a:buNone/>
+            </a:pPr>
+            <a:br>
+              <a:rPr lang="en-US" dirty="0"/>
+            </a:br>
+            <a:r>
+              <a:rPr lang="en-US" b="1" dirty="0"/>
+              <a:t>Questions</a:t>
+            </a:r>
+            <a:r>
+              <a:rPr lang="en-US" dirty="0"/>
+              <a:t> – please connect with me on LinkedIn</a:t>
+            </a:r>
+          </a:p>
+          <a:p>
+            <a:pPr marL="457200" lvl="1" indent="0">
+              <a:buNone/>
+            </a:pPr>
+            <a:r>
+              <a:rPr lang="en-US" dirty="0"/>
+              <a:t>https://www.linkedin.com/in/danmccreary/</a:t>
             </a:r>
           </a:p>
         </p:txBody>
@@ -8925,7 +8879,7 @@
     </p:spTree>
     <p:extLst>
       <p:ext uri="{BB962C8B-B14F-4D97-AF65-F5344CB8AC3E}">
-        <p14:creationId xmlns:p14="http://schemas.microsoft.com/office/powerpoint/2010/main" val="3096625737"/>
+        <p14:creationId xmlns:p14="http://schemas.microsoft.com/office/powerpoint/2010/main" val="3213575284"/>
       </p:ext>
     </p:extLst>
   </p:cSld>
@@ -10102,135 +10056,6 @@
     <p:extLst>
       <p:ext uri="{BB962C8B-B14F-4D97-AF65-F5344CB8AC3E}">
         <p14:creationId xmlns:p14="http://schemas.microsoft.com/office/powerpoint/2010/main" val="2918897279"/>
-      </p:ext>
-    </p:extLst>
-  </p:cSld>
-  <p:clrMapOvr>
-    <a:masterClrMapping/>
-  </p:clrMapOvr>
-</p:sld>
-</file>
-
-<file path=ppt/slides/slide40.xml><?xml version="1.0" encoding="utf-8"?>
-<p:sld xmlns:a="http://schemas.openxmlformats.org/drawingml/2006/main" xmlns:r="http://schemas.openxmlformats.org/officeDocument/2006/relationships" xmlns:p="http://schemas.openxmlformats.org/presentationml/2006/main">
-  <p:cSld>
-    <p:spTree>
-      <p:nvGrpSpPr>
-        <p:cNvPr id="1" name=""/>
-        <p:cNvGrpSpPr/>
-        <p:nvPr/>
-      </p:nvGrpSpPr>
-      <p:grpSpPr>
-        <a:xfrm>
-          <a:off x="0" y="0"/>
-          <a:ext cx="0" cy="0"/>
-          <a:chOff x="0" y="0"/>
-          <a:chExt cx="0" cy="0"/>
-        </a:xfrm>
-      </p:grpSpPr>
-      <p:sp>
-        <p:nvSpPr>
-          <p:cNvPr id="2" name="Title 1">
-            <a:extLst>
-              <a:ext uri="{FF2B5EF4-FFF2-40B4-BE49-F238E27FC236}">
-                <a16:creationId xmlns:a16="http://schemas.microsoft.com/office/drawing/2014/main" id="{50704BC2-C24A-2B99-436C-213D3E0FEEA3}"/>
-              </a:ext>
-            </a:extLst>
-          </p:cNvPr>
-          <p:cNvSpPr>
-            <a:spLocks noGrp="1"/>
-          </p:cNvSpPr>
-          <p:nvPr>
-            <p:ph type="title"/>
-          </p:nvPr>
-        </p:nvSpPr>
-        <p:spPr/>
-        <p:txBody>
-          <a:bodyPr/>
-          <a:lstStyle/>
-          <a:p>
-            <a:r>
-              <a:rPr lang="en-US" dirty="0"/>
-              <a:t>Thank You!</a:t>
-            </a:r>
-          </a:p>
-        </p:txBody>
-      </p:sp>
-      <p:sp>
-        <p:nvSpPr>
-          <p:cNvPr id="3" name="Content Placeholder 2">
-            <a:extLst>
-              <a:ext uri="{FF2B5EF4-FFF2-40B4-BE49-F238E27FC236}">
-                <a16:creationId xmlns:a16="http://schemas.microsoft.com/office/drawing/2014/main" id="{16F91A75-168C-B516-C583-AB8982703A1D}"/>
-              </a:ext>
-            </a:extLst>
-          </p:cNvPr>
-          <p:cNvSpPr>
-            <a:spLocks noGrp="1"/>
-          </p:cNvSpPr>
-          <p:nvPr>
-            <p:ph idx="1"/>
-          </p:nvPr>
-        </p:nvSpPr>
-        <p:spPr>
-          <a:xfrm>
-            <a:off x="862914" y="1865869"/>
-            <a:ext cx="10515600" cy="3198985"/>
-          </a:xfrm>
-        </p:spPr>
-        <p:txBody>
-          <a:bodyPr/>
-          <a:lstStyle/>
-          <a:p>
-            <a:pPr marL="0" indent="0">
-              <a:buNone/>
-            </a:pPr>
-            <a:r>
-              <a:rPr lang="en-US" dirty="0"/>
-              <a:t>Feedback, Bugs, Enhancements: </a:t>
-            </a:r>
-            <a:br>
-              <a:rPr lang="en-US" dirty="0"/>
-            </a:br>
-            <a:br>
-              <a:rPr lang="en-US" dirty="0"/>
-            </a:br>
-            <a:r>
-              <a:rPr lang="en-US" dirty="0"/>
-              <a:t>https://github.com/dmccreary/microsims/issues</a:t>
-            </a:r>
-          </a:p>
-          <a:p>
-            <a:pPr marL="0" indent="0">
-              <a:buNone/>
-            </a:pPr>
-            <a:br>
-              <a:rPr lang="en-US" dirty="0"/>
-            </a:br>
-            <a:r>
-              <a:rPr lang="en-US" b="1" dirty="0"/>
-              <a:t>Questions</a:t>
-            </a:r>
-            <a:r>
-              <a:rPr lang="en-US" dirty="0"/>
-              <a:t> – please connect with me on LinkedIn</a:t>
-            </a:r>
-          </a:p>
-          <a:p>
-            <a:pPr marL="457200" lvl="1" indent="0">
-              <a:buNone/>
-            </a:pPr>
-            <a:r>
-              <a:rPr lang="en-US" dirty="0"/>
-              <a:t>https://www.linkedin.com/in/danmccreary/</a:t>
-            </a:r>
-          </a:p>
-        </p:txBody>
-      </p:sp>
-    </p:spTree>
-    <p:extLst>
-      <p:ext uri="{BB962C8B-B14F-4D97-AF65-F5344CB8AC3E}">
-        <p14:creationId xmlns:p14="http://schemas.microsoft.com/office/powerpoint/2010/main" val="3213575284"/>
       </p:ext>
     </p:extLst>
   </p:cSld>

--- a/slides/Using-Claude-Skill-to-Generate-MicroSims.pptx
+++ b/slides/Using-Claude-Skill-to-Generate-MicroSims.pptx
@@ -5,7 +5,7 @@
     <p:sldMasterId id="2147483648" r:id="rId1"/>
   </p:sldMasterIdLst>
   <p:notesMasterIdLst>
-    <p:notesMasterId r:id="rId41"/>
+    <p:notesMasterId r:id="rId43"/>
   </p:notesMasterIdLst>
   <p:sldIdLst>
     <p:sldId id="256" r:id="rId2"/>
@@ -46,7 +46,9 @@
     <p:sldId id="291" r:id="rId37"/>
     <p:sldId id="292" r:id="rId38"/>
     <p:sldId id="283" r:id="rId39"/>
-    <p:sldId id="284" r:id="rId40"/>
+    <p:sldId id="297" r:id="rId40"/>
+    <p:sldId id="296" r:id="rId41"/>
+    <p:sldId id="284" r:id="rId42"/>
   </p:sldIdLst>
   <p:sldSz cx="12192000" cy="6858000"/>
   <p:notesSz cx="6858000" cy="9144000"/>
@@ -145,6 +147,11 @@
       </a:defRPr>
     </a:lvl9pPr>
   </p:defaultTextStyle>
+  <p:extLst>
+    <p:ext uri="{EFAFB233-063F-42B5-8137-9DF3F51BA10A}">
+      <p15:sldGuideLst xmlns:p15="http://schemas.microsoft.com/office/powerpoint/2012/main"/>
+    </p:ext>
+  </p:extLst>
 </p:presentation>
 </file>
 
@@ -230,7 +237,7 @@
           <a:p>
             <a:fld id="{502F589B-D509-4C40-AC4A-2E3058EC3381}" type="datetimeFigureOut">
               <a:rPr lang="en-US" smtClean="0"/>
-              <a:t>10/23/25</a:t>
+              <a:t>10/24/25</a:t>
             </a:fld>
             <a:endParaRPr lang="en-US"/>
           </a:p>
@@ -735,7 +742,7 @@
           <a:p>
             <a:fld id="{D77E0A2F-50E4-A145-AC99-2710BFDA1C35}" type="datetimeFigureOut">
               <a:rPr lang="en-US" smtClean="0"/>
-              <a:t>10/20/25</a:t>
+              <a:t>10/24/25</a:t>
             </a:fld>
             <a:endParaRPr lang="en-US"/>
           </a:p>
@@ -933,7 +940,7 @@
           <a:p>
             <a:fld id="{D77E0A2F-50E4-A145-AC99-2710BFDA1C35}" type="datetimeFigureOut">
               <a:rPr lang="en-US" smtClean="0"/>
-              <a:t>10/20/25</a:t>
+              <a:t>10/24/25</a:t>
             </a:fld>
             <a:endParaRPr lang="en-US"/>
           </a:p>
@@ -1141,7 +1148,7 @@
           <a:p>
             <a:fld id="{D77E0A2F-50E4-A145-AC99-2710BFDA1C35}" type="datetimeFigureOut">
               <a:rPr lang="en-US" smtClean="0"/>
-              <a:t>10/20/25</a:t>
+              <a:t>10/24/25</a:t>
             </a:fld>
             <a:endParaRPr lang="en-US"/>
           </a:p>
@@ -1339,7 +1346,7 @@
           <a:p>
             <a:fld id="{D77E0A2F-50E4-A145-AC99-2710BFDA1C35}" type="datetimeFigureOut">
               <a:rPr lang="en-US" smtClean="0"/>
-              <a:t>10/20/25</a:t>
+              <a:t>10/24/25</a:t>
             </a:fld>
             <a:endParaRPr lang="en-US"/>
           </a:p>
@@ -1614,7 +1621,7 @@
           <a:p>
             <a:fld id="{D77E0A2F-50E4-A145-AC99-2710BFDA1C35}" type="datetimeFigureOut">
               <a:rPr lang="en-US" smtClean="0"/>
-              <a:t>10/20/25</a:t>
+              <a:t>10/24/25</a:t>
             </a:fld>
             <a:endParaRPr lang="en-US"/>
           </a:p>
@@ -1879,7 +1886,7 @@
           <a:p>
             <a:fld id="{D77E0A2F-50E4-A145-AC99-2710BFDA1C35}" type="datetimeFigureOut">
               <a:rPr lang="en-US" smtClean="0"/>
-              <a:t>10/20/25</a:t>
+              <a:t>10/24/25</a:t>
             </a:fld>
             <a:endParaRPr lang="en-US"/>
           </a:p>
@@ -2291,7 +2298,7 @@
           <a:p>
             <a:fld id="{D77E0A2F-50E4-A145-AC99-2710BFDA1C35}" type="datetimeFigureOut">
               <a:rPr lang="en-US" smtClean="0"/>
-              <a:t>10/20/25</a:t>
+              <a:t>10/24/25</a:t>
             </a:fld>
             <a:endParaRPr lang="en-US"/>
           </a:p>
@@ -2432,7 +2439,7 @@
           <a:p>
             <a:fld id="{D77E0A2F-50E4-A145-AC99-2710BFDA1C35}" type="datetimeFigureOut">
               <a:rPr lang="en-US" smtClean="0"/>
-              <a:t>10/20/25</a:t>
+              <a:t>10/24/25</a:t>
             </a:fld>
             <a:endParaRPr lang="en-US"/>
           </a:p>
@@ -2545,7 +2552,7 @@
           <a:p>
             <a:fld id="{D77E0A2F-50E4-A145-AC99-2710BFDA1C35}" type="datetimeFigureOut">
               <a:rPr lang="en-US" smtClean="0"/>
-              <a:t>10/20/25</a:t>
+              <a:t>10/24/25</a:t>
             </a:fld>
             <a:endParaRPr lang="en-US"/>
           </a:p>
@@ -2856,7 +2863,7 @@
           <a:p>
             <a:fld id="{D77E0A2F-50E4-A145-AC99-2710BFDA1C35}" type="datetimeFigureOut">
               <a:rPr lang="en-US" smtClean="0"/>
-              <a:t>10/20/25</a:t>
+              <a:t>10/24/25</a:t>
             </a:fld>
             <a:endParaRPr lang="en-US"/>
           </a:p>
@@ -3144,7 +3151,7 @@
           <a:p>
             <a:fld id="{D77E0A2F-50E4-A145-AC99-2710BFDA1C35}" type="datetimeFigureOut">
               <a:rPr lang="en-US" smtClean="0"/>
-              <a:t>10/20/25</a:t>
+              <a:t>10/24/25</a:t>
             </a:fld>
             <a:endParaRPr lang="en-US"/>
           </a:p>
@@ -3385,7 +3392,7 @@
           <a:p>
             <a:fld id="{D77E0A2F-50E4-A145-AC99-2710BFDA1C35}" type="datetimeFigureOut">
               <a:rPr lang="en-US" smtClean="0"/>
-              <a:t>10/20/25</a:t>
+              <a:t>10/24/25</a:t>
             </a:fld>
             <a:endParaRPr lang="en-US"/>
           </a:p>
@@ -8782,7 +8789,7 @@
           <p:cNvPr id="2" name="Title 1">
             <a:extLst>
               <a:ext uri="{FF2B5EF4-FFF2-40B4-BE49-F238E27FC236}">
-                <a16:creationId xmlns:a16="http://schemas.microsoft.com/office/drawing/2014/main" id="{50704BC2-C24A-2B99-436C-213D3E0FEEA3}"/>
+                <a16:creationId xmlns:a16="http://schemas.microsoft.com/office/drawing/2014/main" id="{FA9A7768-33BB-0F96-9D29-54DCFEC4D9F7}"/>
               </a:ext>
             </a:extLst>
           </p:cNvPr>
@@ -8800,7 +8807,7 @@
           <a:p>
             <a:r>
               <a:rPr lang="en-US" dirty="0"/>
-              <a:t>Thank You!</a:t>
+              <a:t>Creating a MicroSim Can Use Many Tokens</a:t>
             </a:r>
           </a:p>
         </p:txBody>
@@ -8810,7 +8817,7 @@
           <p:cNvPr id="3" name="Content Placeholder 2">
             <a:extLst>
               <a:ext uri="{FF2B5EF4-FFF2-40B4-BE49-F238E27FC236}">
-                <a16:creationId xmlns:a16="http://schemas.microsoft.com/office/drawing/2014/main" id="{16F91A75-168C-B516-C583-AB8982703A1D}"/>
+                <a16:creationId xmlns:a16="http://schemas.microsoft.com/office/drawing/2014/main" id="{2141CD4A-76A9-FFBA-4198-E47C2421266D}"/>
               </a:ext>
             </a:extLst>
           </p:cNvPr>
@@ -8821,48 +8828,32 @@
             <p:ph idx="1"/>
           </p:nvPr>
         </p:nvSpPr>
-        <p:spPr>
-          <a:xfrm>
-            <a:off x="862914" y="1865869"/>
-            <a:ext cx="10515600" cy="3198985"/>
-          </a:xfrm>
-        </p:spPr>
+        <p:spPr/>
         <p:txBody>
           <a:bodyPr/>
           <a:lstStyle/>
           <a:p>
-            <a:pPr marL="0" indent="0">
-              <a:buNone/>
-            </a:pPr>
-            <a:r>
-              <a:rPr lang="en-US" dirty="0"/>
-              <a:t>Feedback, Bugs, Enhancements: </a:t>
-            </a:r>
-            <a:br>
-              <a:rPr lang="en-US" dirty="0"/>
-            </a:br>
-            <a:br>
-              <a:rPr lang="en-US" dirty="0"/>
-            </a:br>
-            <a:r>
-              <a:rPr lang="en-US" dirty="0"/>
-              <a:t>https://github.com/dmccreary/microsims/issues</a:t>
-            </a:r>
-          </a:p>
-          <a:p>
-            <a:pPr marL="0" indent="0">
-              <a:buNone/>
-            </a:pPr>
-            <a:br>
-              <a:rPr lang="en-US" dirty="0"/>
-            </a:br>
-            <a:r>
-              <a:rPr lang="en-US" b="1" dirty="0"/>
-              <a:t>Questions</a:t>
-            </a:r>
-            <a:r>
-              <a:rPr lang="en-US" dirty="0"/>
-              <a:t> – please connect with me on LinkedIn</a:t>
+            <a:r>
+              <a:rPr lang="en-US" dirty="0"/>
+              <a:t>My experience is that generating a single MicroSim uses about 15% of my tokens per 4-hour block of time</a:t>
+            </a:r>
+          </a:p>
+          <a:p>
+            <a:r>
+              <a:rPr lang="en-US" dirty="0"/>
+              <a:t>If you only generate the p5.js JavaScript you typically use under 10%</a:t>
+            </a:r>
+          </a:p>
+          <a:p>
+            <a:r>
+              <a:rPr lang="en-US" dirty="0"/>
+              <a:t>If you run out of Tokens you need to wait for your next 4-hour block</a:t>
+            </a:r>
+          </a:p>
+          <a:p>
+            <a:r>
+              <a:rPr lang="en-US" dirty="0"/>
+              <a:t>Go  to the following URL to see your limit:</a:t>
             </a:r>
           </a:p>
           <a:p>
@@ -8870,16 +8861,17 @@
               <a:buNone/>
             </a:pPr>
             <a:r>
-              <a:rPr lang="en-US" dirty="0"/>
-              <a:t>https://www.linkedin.com/in/danmccreary/</a:t>
-            </a:r>
+              <a:rPr lang="en-US"/>
+              <a:t>https://claude.ai/settings/usage</a:t>
+            </a:r>
+            <a:endParaRPr lang="en-US" dirty="0"/>
           </a:p>
         </p:txBody>
       </p:sp>
     </p:spTree>
     <p:extLst>
       <p:ext uri="{BB962C8B-B14F-4D97-AF65-F5344CB8AC3E}">
-        <p14:creationId xmlns:p14="http://schemas.microsoft.com/office/powerpoint/2010/main" val="3213575284"/>
+        <p14:creationId xmlns:p14="http://schemas.microsoft.com/office/powerpoint/2010/main" val="4017278063"/>
       </p:ext>
     </p:extLst>
   </p:cSld>
@@ -10056,6 +10048,261 @@
     <p:extLst>
       <p:ext uri="{BB962C8B-B14F-4D97-AF65-F5344CB8AC3E}">
         <p14:creationId xmlns:p14="http://schemas.microsoft.com/office/powerpoint/2010/main" val="2918897279"/>
+      </p:ext>
+    </p:extLst>
+  </p:cSld>
+  <p:clrMapOvr>
+    <a:masterClrMapping/>
+  </p:clrMapOvr>
+</p:sld>
+</file>
+
+<file path=ppt/slides/slide40.xml><?xml version="1.0" encoding="utf-8"?>
+<p:sld xmlns:a="http://schemas.openxmlformats.org/drawingml/2006/main" xmlns:r="http://schemas.openxmlformats.org/officeDocument/2006/relationships" xmlns:p="http://schemas.openxmlformats.org/presentationml/2006/main">
+  <p:cSld>
+    <p:spTree>
+      <p:nvGrpSpPr>
+        <p:cNvPr id="1" name=""/>
+        <p:cNvGrpSpPr/>
+        <p:nvPr/>
+      </p:nvGrpSpPr>
+      <p:grpSpPr>
+        <a:xfrm>
+          <a:off x="0" y="0"/>
+          <a:ext cx="0" cy="0"/>
+          <a:chOff x="0" y="0"/>
+          <a:chExt cx="0" cy="0"/>
+        </a:xfrm>
+      </p:grpSpPr>
+      <p:sp>
+        <p:nvSpPr>
+          <p:cNvPr id="2" name="Title 1">
+            <a:extLst>
+              <a:ext uri="{FF2B5EF4-FFF2-40B4-BE49-F238E27FC236}">
+                <a16:creationId xmlns:a16="http://schemas.microsoft.com/office/drawing/2014/main" id="{7F6196E8-D57A-89CD-1D0F-1ECF5126D226}"/>
+              </a:ext>
+            </a:extLst>
+          </p:cNvPr>
+          <p:cNvSpPr>
+            <a:spLocks noGrp="1"/>
+          </p:cNvSpPr>
+          <p:nvPr>
+            <p:ph type="title"/>
+          </p:nvPr>
+        </p:nvSpPr>
+        <p:spPr>
+          <a:xfrm>
+            <a:off x="232719" y="179774"/>
+            <a:ext cx="10515600" cy="944692"/>
+          </a:xfrm>
+        </p:spPr>
+        <p:txBody>
+          <a:bodyPr/>
+          <a:lstStyle/>
+          <a:p>
+            <a:r>
+              <a:rPr lang="en-US" dirty="0"/>
+              <a:t>Cost of Claude Code</a:t>
+            </a:r>
+          </a:p>
+        </p:txBody>
+      </p:sp>
+      <p:sp>
+        <p:nvSpPr>
+          <p:cNvPr id="3" name="Content Placeholder 2">
+            <a:extLst>
+              <a:ext uri="{FF2B5EF4-FFF2-40B4-BE49-F238E27FC236}">
+                <a16:creationId xmlns:a16="http://schemas.microsoft.com/office/drawing/2014/main" id="{7AA34ADF-B177-F662-577C-D6025FCFBD6E}"/>
+              </a:ext>
+            </a:extLst>
+          </p:cNvPr>
+          <p:cNvSpPr>
+            <a:spLocks noGrp="1"/>
+          </p:cNvSpPr>
+          <p:nvPr>
+            <p:ph idx="1"/>
+          </p:nvPr>
+        </p:nvSpPr>
+        <p:spPr>
+          <a:xfrm>
+            <a:off x="838200" y="3047999"/>
+            <a:ext cx="10515600" cy="3128963"/>
+          </a:xfrm>
+        </p:spPr>
+        <p:txBody>
+          <a:bodyPr/>
+          <a:lstStyle/>
+          <a:p>
+            <a:r>
+              <a:rPr lang="en-US" dirty="0"/>
+              <a:t>Claude Code </a:t>
+            </a:r>
+          </a:p>
+        </p:txBody>
+      </p:sp>
+      <p:pic>
+        <p:nvPicPr>
+          <p:cNvPr id="7" name="Picture 6">
+            <a:extLst>
+              <a:ext uri="{FF2B5EF4-FFF2-40B4-BE49-F238E27FC236}">
+                <a16:creationId xmlns:a16="http://schemas.microsoft.com/office/drawing/2014/main" id="{490D6F93-C60E-A2E2-1E68-C403E8E196A1}"/>
+              </a:ext>
+            </a:extLst>
+          </p:cNvPr>
+          <p:cNvPicPr>
+            <a:picLocks noChangeAspect="1"/>
+          </p:cNvPicPr>
+          <p:nvPr/>
+        </p:nvPicPr>
+        <p:blipFill>
+          <a:blip r:embed="rId2"/>
+          <a:stretch>
+            <a:fillRect/>
+          </a:stretch>
+        </p:blipFill>
+        <p:spPr>
+          <a:xfrm>
+            <a:off x="1433384" y="1740585"/>
+            <a:ext cx="7772400" cy="624507"/>
+          </a:xfrm>
+          <a:prstGeom prst="rect">
+            <a:avLst/>
+          </a:prstGeom>
+        </p:spPr>
+      </p:pic>
+    </p:spTree>
+    <p:extLst>
+      <p:ext uri="{BB962C8B-B14F-4D97-AF65-F5344CB8AC3E}">
+        <p14:creationId xmlns:p14="http://schemas.microsoft.com/office/powerpoint/2010/main" val="1863825965"/>
+      </p:ext>
+    </p:extLst>
+  </p:cSld>
+  <p:clrMapOvr>
+    <a:masterClrMapping/>
+  </p:clrMapOvr>
+</p:sld>
+</file>
+
+<file path=ppt/slides/slide41.xml><?xml version="1.0" encoding="utf-8"?>
+<p:sld xmlns:a="http://schemas.openxmlformats.org/drawingml/2006/main" xmlns:r="http://schemas.openxmlformats.org/officeDocument/2006/relationships" xmlns:p="http://schemas.openxmlformats.org/presentationml/2006/main">
+  <p:cSld>
+    <p:spTree>
+      <p:nvGrpSpPr>
+        <p:cNvPr id="1" name=""/>
+        <p:cNvGrpSpPr/>
+        <p:nvPr/>
+      </p:nvGrpSpPr>
+      <p:grpSpPr>
+        <a:xfrm>
+          <a:off x="0" y="0"/>
+          <a:ext cx="0" cy="0"/>
+          <a:chOff x="0" y="0"/>
+          <a:chExt cx="0" cy="0"/>
+        </a:xfrm>
+      </p:grpSpPr>
+      <p:sp>
+        <p:nvSpPr>
+          <p:cNvPr id="2" name="Title 1">
+            <a:extLst>
+              <a:ext uri="{FF2B5EF4-FFF2-40B4-BE49-F238E27FC236}">
+                <a16:creationId xmlns:a16="http://schemas.microsoft.com/office/drawing/2014/main" id="{50704BC2-C24A-2B99-436C-213D3E0FEEA3}"/>
+              </a:ext>
+            </a:extLst>
+          </p:cNvPr>
+          <p:cNvSpPr>
+            <a:spLocks noGrp="1"/>
+          </p:cNvSpPr>
+          <p:nvPr>
+            <p:ph type="title"/>
+          </p:nvPr>
+        </p:nvSpPr>
+        <p:spPr/>
+        <p:txBody>
+          <a:bodyPr/>
+          <a:lstStyle/>
+          <a:p>
+            <a:r>
+              <a:rPr lang="en-US" dirty="0"/>
+              <a:t>Thank You!</a:t>
+            </a:r>
+          </a:p>
+        </p:txBody>
+      </p:sp>
+      <p:sp>
+        <p:nvSpPr>
+          <p:cNvPr id="3" name="Content Placeholder 2">
+            <a:extLst>
+              <a:ext uri="{FF2B5EF4-FFF2-40B4-BE49-F238E27FC236}">
+                <a16:creationId xmlns:a16="http://schemas.microsoft.com/office/drawing/2014/main" id="{16F91A75-168C-B516-C583-AB8982703A1D}"/>
+              </a:ext>
+            </a:extLst>
+          </p:cNvPr>
+          <p:cNvSpPr>
+            <a:spLocks noGrp="1"/>
+          </p:cNvSpPr>
+          <p:nvPr>
+            <p:ph idx="1"/>
+          </p:nvPr>
+        </p:nvSpPr>
+        <p:spPr>
+          <a:xfrm>
+            <a:off x="862914" y="1865869"/>
+            <a:ext cx="10515600" cy="3198985"/>
+          </a:xfrm>
+        </p:spPr>
+        <p:txBody>
+          <a:bodyPr/>
+          <a:lstStyle/>
+          <a:p>
+            <a:pPr marL="0" indent="0">
+              <a:buNone/>
+            </a:pPr>
+            <a:r>
+              <a:rPr lang="en-US" dirty="0"/>
+              <a:t>Feedback, Bugs, Enhancements: </a:t>
+            </a:r>
+            <a:br>
+              <a:rPr lang="en-US" dirty="0"/>
+            </a:br>
+            <a:br>
+              <a:rPr lang="en-US" dirty="0"/>
+            </a:br>
+            <a:r>
+              <a:rPr lang="en-US" dirty="0"/>
+              <a:t>https://github.com/dmccreary/microsims/issues</a:t>
+            </a:r>
+          </a:p>
+          <a:p>
+            <a:pPr marL="0" indent="0">
+              <a:buNone/>
+            </a:pPr>
+            <a:br>
+              <a:rPr lang="en-US" dirty="0"/>
+            </a:br>
+            <a:r>
+              <a:rPr lang="en-US" b="1" dirty="0"/>
+              <a:t>Questions</a:t>
+            </a:r>
+            <a:r>
+              <a:rPr lang="en-US" dirty="0"/>
+              <a:t> – please connect with me on LinkedIn</a:t>
+            </a:r>
+          </a:p>
+          <a:p>
+            <a:pPr marL="457200" lvl="1" indent="0">
+              <a:buNone/>
+            </a:pPr>
+            <a:r>
+              <a:rPr lang="en-US" dirty="0"/>
+              <a:t>https://www.linkedin.com/in/danmccreary/</a:t>
+            </a:r>
+          </a:p>
+        </p:txBody>
+      </p:sp>
+    </p:spTree>
+    <p:extLst>
+      <p:ext uri="{BB962C8B-B14F-4D97-AF65-F5344CB8AC3E}">
+        <p14:creationId xmlns:p14="http://schemas.microsoft.com/office/powerpoint/2010/main" val="3213575284"/>
       </p:ext>
     </p:extLst>
   </p:cSld>
@@ -10797,8 +11044,8 @@
         </p:nvSpPr>
         <p:spPr>
           <a:xfrm>
-            <a:off x="9910119" y="4226012"/>
-            <a:ext cx="803189" cy="1186248"/>
+            <a:off x="9153374" y="4278563"/>
+            <a:ext cx="2408005" cy="1186248"/>
           </a:xfrm>
           <a:prstGeom prst="downArrow">
             <a:avLst/>
@@ -10828,7 +11075,17 @@
           <a:lstStyle/>
           <a:p>
             <a:pPr algn="ctr"/>
-            <a:endParaRPr lang="en-US"/>
+            <a:r>
+              <a:rPr lang="en-US" dirty="0"/>
+              <a:t>Click</a:t>
+            </a:r>
+          </a:p>
+          <a:p>
+            <a:pPr algn="ctr"/>
+            <a:r>
+              <a:rPr lang="en-US" dirty="0"/>
+              <a:t>Download</a:t>
+            </a:r>
           </a:p>
         </p:txBody>
       </p:sp>
@@ -10945,7 +11202,7 @@
         </p:nvSpPr>
         <p:spPr>
           <a:xfrm>
-            <a:off x="9334004" y="5118265"/>
+            <a:off x="9344514" y="5086734"/>
             <a:ext cx="1911928" cy="878773"/>
           </a:xfrm>
           <a:prstGeom prst="leftArrow">
@@ -10978,7 +11235,7 @@
             <a:pPr algn="ctr"/>
             <a:r>
               <a:rPr lang="en-US" dirty="0"/>
-              <a:t>CLICK HERE</a:t>
+              <a:t>3: Upload Skill</a:t>
             </a:r>
           </a:p>
         </p:txBody>
@@ -11040,7 +11297,7 @@
         </p:nvSpPr>
         <p:spPr>
           <a:xfrm>
-            <a:off x="1886198" y="6268191"/>
+            <a:off x="1886198" y="6362784"/>
             <a:ext cx="4944559" cy="369332"/>
           </a:xfrm>
           <a:prstGeom prst="rect">
@@ -11065,6 +11322,110 @@
             <a:r>
               <a:rPr lang="en-US" dirty="0"/>
               <a:t>” button</a:t>
+            </a:r>
+          </a:p>
+        </p:txBody>
+      </p:sp>
+      <p:sp>
+        <p:nvSpPr>
+          <p:cNvPr id="3" name="Right Arrow 2">
+            <a:extLst>
+              <a:ext uri="{FF2B5EF4-FFF2-40B4-BE49-F238E27FC236}">
+                <a16:creationId xmlns:a16="http://schemas.microsoft.com/office/drawing/2014/main" id="{29D3B7AC-F3D4-7B87-8D5A-A6825D74EEB2}"/>
+              </a:ext>
+            </a:extLst>
+          </p:cNvPr>
+          <p:cNvSpPr/>
+          <p:nvPr/>
+        </p:nvSpPr>
+        <p:spPr>
+          <a:xfrm>
+            <a:off x="367863" y="2974427"/>
+            <a:ext cx="1975945" cy="651642"/>
+          </a:xfrm>
+          <a:prstGeom prst="rightArrow">
+            <a:avLst/>
+          </a:prstGeom>
+          <a:solidFill>
+            <a:srgbClr val="FF0000"/>
+          </a:solidFill>
+        </p:spPr>
+        <p:style>
+          <a:lnRef idx="2">
+            <a:schemeClr val="accent1">
+              <a:shade val="15000"/>
+            </a:schemeClr>
+          </a:lnRef>
+          <a:fillRef idx="1">
+            <a:schemeClr val="accent1"/>
+          </a:fillRef>
+          <a:effectRef idx="0">
+            <a:schemeClr val="accent1"/>
+          </a:effectRef>
+          <a:fontRef idx="minor">
+            <a:schemeClr val="lt1"/>
+          </a:fontRef>
+        </p:style>
+        <p:txBody>
+          <a:bodyPr rtlCol="0" anchor="ctr"/>
+          <a:lstStyle/>
+          <a:p>
+            <a:pPr algn="ctr"/>
+            <a:r>
+              <a:rPr lang="en-US" dirty="0"/>
+              <a:t>2: Capabilities</a:t>
+            </a:r>
+          </a:p>
+        </p:txBody>
+      </p:sp>
+      <p:sp>
+        <p:nvSpPr>
+          <p:cNvPr id="8" name="Right Arrow 7">
+            <a:extLst>
+              <a:ext uri="{FF2B5EF4-FFF2-40B4-BE49-F238E27FC236}">
+                <a16:creationId xmlns:a16="http://schemas.microsoft.com/office/drawing/2014/main" id="{E09402B9-1EC3-ADEB-077E-0EEC98D58677}"/>
+              </a:ext>
+            </a:extLst>
+          </p:cNvPr>
+          <p:cNvSpPr/>
+          <p:nvPr/>
+        </p:nvSpPr>
+        <p:spPr>
+          <a:xfrm>
+            <a:off x="415159" y="5701862"/>
+            <a:ext cx="1481959" cy="651642"/>
+          </a:xfrm>
+          <a:prstGeom prst="rightArrow">
+            <a:avLst/>
+          </a:prstGeom>
+          <a:solidFill>
+            <a:srgbClr val="FF0000"/>
+          </a:solidFill>
+        </p:spPr>
+        <p:style>
+          <a:lnRef idx="2">
+            <a:schemeClr val="accent1">
+              <a:shade val="15000"/>
+            </a:schemeClr>
+          </a:lnRef>
+          <a:fillRef idx="1">
+            <a:schemeClr val="accent1"/>
+          </a:fillRef>
+          <a:effectRef idx="0">
+            <a:schemeClr val="accent1"/>
+          </a:effectRef>
+          <a:fontRef idx="minor">
+            <a:schemeClr val="lt1"/>
+          </a:fontRef>
+        </p:style>
+        <p:txBody>
+          <a:bodyPr rtlCol="0" anchor="ctr"/>
+          <a:lstStyle/>
+          <a:p>
+            <a:pPr algn="ctr"/>
+            <a:r>
+              <a:rPr lang="en-US" dirty="0"/>
+              <a:t>1: Settings</a:t>
             </a:r>
           </a:p>
         </p:txBody>

--- a/slides/Using-Claude-Skill-to-Generate-MicroSims.pptx
+++ b/slides/Using-Claude-Skill-to-Generate-MicroSims.pptx
@@ -8861,10 +8861,9 @@
               <a:buNone/>
             </a:pPr>
             <a:r>
-              <a:rPr lang="en-US"/>
+              <a:rPr lang="en-US" dirty="0"/>
               <a:t>https://claude.ai/settings/usage</a:t>
             </a:r>
-            <a:endParaRPr lang="en-US" dirty="0"/>
           </a:p>
         </p:txBody>
       </p:sp>
